--- a/Document/presentation/nam/notify right route.pptx
+++ b/Document/presentation/nam/notify right route.pptx
@@ -26,9 +26,10 @@
     <p:sldId id="290" r:id="rId20"/>
     <p:sldId id="291" r:id="rId21"/>
     <p:sldId id="293" r:id="rId22"/>
-    <p:sldId id="261" r:id="rId23"/>
-    <p:sldId id="258" r:id="rId24"/>
-    <p:sldId id="269" r:id="rId25"/>
+    <p:sldId id="303" r:id="rId23"/>
+    <p:sldId id="261" r:id="rId24"/>
+    <p:sldId id="258" r:id="rId25"/>
+    <p:sldId id="269" r:id="rId26"/>
   </p:sldIdLst>
   <p:sldSz cx="9144000" cy="6858000" type="screen4x3"/>
   <p:notesSz cx="6858000" cy="9144000"/>
@@ -8419,11 +8420,7 @@
             </a:r>
             <a:r>
               <a:rPr lang="en-US" dirty="0" smtClean="0"/>
-              <a:t> </a:t>
-            </a:r>
-            <a:r>
-              <a:rPr lang="en-US" dirty="0" smtClean="0"/>
-              <a:t>doesn’t know what he should do, when he is driving.</a:t>
+              <a:t> doesn’t know what he should do, when he is driving.</a:t>
             </a:r>
             <a:br>
               <a:rPr lang="en-US" dirty="0" smtClean="0"/>
@@ -8438,11 +8435,7 @@
             </a:r>
             <a:r>
               <a:rPr lang="en-US" dirty="0" smtClean="0"/>
-              <a:t> </a:t>
-            </a:r>
-            <a:r>
-              <a:rPr lang="en-US" dirty="0" smtClean="0"/>
-              <a:t>doesn’t know where he should turn, when he meets corner.</a:t>
+              <a:t> doesn’t know where he should turn, when he meets corner.</a:t>
             </a:r>
           </a:p>
           <a:p>
@@ -9867,44 +9860,6 @@
           </a:p>
         </p:txBody>
       </p:sp>
-      <p:cxnSp>
-        <p:nvCxnSpPr>
-          <p:cNvPr id="29" name="Straight Connector 28"/>
-          <p:cNvCxnSpPr>
-            <a:stCxn id="22" idx="6"/>
-            <a:endCxn id="15" idx="0"/>
-          </p:cNvCxnSpPr>
-          <p:nvPr/>
-        </p:nvCxnSpPr>
-        <p:spPr>
-          <a:xfrm flipV="1">
-            <a:off x="3175089" y="3745065"/>
-            <a:ext cx="295454" cy="33593"/>
-          </a:xfrm>
-          <a:prstGeom prst="line">
-            <a:avLst/>
-          </a:prstGeom>
-          <a:ln w="28575">
-            <a:solidFill>
-              <a:srgbClr val="FF0000"/>
-            </a:solidFill>
-          </a:ln>
-        </p:spPr>
-        <p:style>
-          <a:lnRef idx="1">
-            <a:schemeClr val="accent1"/>
-          </a:lnRef>
-          <a:fillRef idx="0">
-            <a:schemeClr val="accent1"/>
-          </a:fillRef>
-          <a:effectRef idx="0">
-            <a:schemeClr val="accent1"/>
-          </a:effectRef>
-          <a:fontRef idx="minor">
-            <a:schemeClr val="tx1"/>
-          </a:fontRef>
-        </p:style>
-      </p:cxnSp>
       <p:sp>
         <p:nvSpPr>
           <p:cNvPr id="7" name="Oval 6"/>
@@ -9990,7 +9945,7 @@
       </p:grpSpPr>
       <p:cxnSp>
         <p:nvCxnSpPr>
-          <p:cNvPr id="8" name="Straight Connector 7"/>
+          <p:cNvPr id="5" name="Straight Connector 4"/>
           <p:cNvCxnSpPr/>
           <p:nvPr/>
         </p:nvCxnSpPr>
@@ -10025,7 +9980,7 @@
       </p:cxnSp>
       <p:cxnSp>
         <p:nvCxnSpPr>
-          <p:cNvPr id="9" name="Straight Connector 8"/>
+          <p:cNvPr id="6" name="Straight Connector 5"/>
           <p:cNvCxnSpPr/>
           <p:nvPr/>
         </p:nvCxnSpPr>
@@ -10060,13 +10015,13 @@
       </p:cxnSp>
       <p:sp>
         <p:nvSpPr>
-          <p:cNvPr id="12" name="Oval 11"/>
+          <p:cNvPr id="8" name="Oval 7"/>
           <p:cNvSpPr/>
           <p:nvPr/>
         </p:nvSpPr>
         <p:spPr>
           <a:xfrm>
-            <a:off x="3393781" y="3646157"/>
+            <a:off x="4433393" y="2792057"/>
             <a:ext cx="166093" cy="166093"/>
           </a:xfrm>
           <a:prstGeom prst="ellipse">
@@ -10111,15 +10066,52 @@
           </a:p>
         </p:txBody>
       </p:sp>
-      <p:sp>
-        <p:nvSpPr>
-          <p:cNvPr id="13" name="Oval 12"/>
+      <p:cxnSp>
+        <p:nvCxnSpPr>
+          <p:cNvPr id="10" name="Straight Connector 9"/>
+          <p:cNvCxnSpPr>
+            <a:endCxn id="11" idx="2"/>
+          </p:cNvCxnSpPr>
+          <p:nvPr/>
+        </p:nvCxnSpPr>
+        <p:spPr>
+          <a:xfrm>
+            <a:off x="4508158" y="2866041"/>
+            <a:ext cx="1537936" cy="356466"/>
+          </a:xfrm>
+          <a:prstGeom prst="line">
+            <a:avLst/>
+          </a:prstGeom>
+          <a:ln w="28575">
+            <a:solidFill>
+              <a:schemeClr val="tx1"/>
+            </a:solidFill>
+          </a:ln>
+        </p:spPr>
+        <p:style>
+          <a:lnRef idx="1">
+            <a:schemeClr val="accent1"/>
+          </a:lnRef>
+          <a:fillRef idx="0">
+            <a:schemeClr val="accent1"/>
+          </a:fillRef>
+          <a:effectRef idx="0">
+            <a:schemeClr val="accent1"/>
+          </a:effectRef>
+          <a:fontRef idx="minor">
+            <a:schemeClr val="tx1"/>
+          </a:fontRef>
+        </p:style>
+      </p:cxnSp>
+      <p:sp>
+        <p:nvSpPr>
+          <p:cNvPr id="11" name="Oval 10"/>
           <p:cNvSpPr/>
           <p:nvPr/>
         </p:nvSpPr>
         <p:spPr>
           <a:xfrm>
-            <a:off x="4433393" y="2792057"/>
+            <a:off x="6046094" y="3139460"/>
             <a:ext cx="166093" cy="166093"/>
           </a:xfrm>
           <a:prstGeom prst="ellipse">
@@ -10164,23 +10156,65 @@
           </a:p>
         </p:txBody>
       </p:sp>
-      <p:sp>
-        <p:nvSpPr>
-          <p:cNvPr id="15" name="Oval Callout 14"/>
+      <p:cxnSp>
+        <p:nvCxnSpPr>
+          <p:cNvPr id="12" name="Straight Connector 11"/>
+          <p:cNvCxnSpPr>
+            <a:stCxn id="11" idx="7"/>
+          </p:cNvCxnSpPr>
+          <p:nvPr/>
+        </p:nvCxnSpPr>
+        <p:spPr>
+          <a:xfrm flipV="1">
+            <a:off x="6187863" y="1669492"/>
+            <a:ext cx="521856" cy="1494292"/>
+          </a:xfrm>
+          <a:prstGeom prst="line">
+            <a:avLst/>
+          </a:prstGeom>
+          <a:ln w="28575">
+            <a:solidFill>
+              <a:schemeClr val="tx1"/>
+            </a:solidFill>
+          </a:ln>
+        </p:spPr>
+        <p:style>
+          <a:lnRef idx="1">
+            <a:schemeClr val="accent1"/>
+          </a:lnRef>
+          <a:fillRef idx="0">
+            <a:schemeClr val="accent1"/>
+          </a:fillRef>
+          <a:effectRef idx="0">
+            <a:schemeClr val="accent1"/>
+          </a:effectRef>
+          <a:fontRef idx="minor">
+            <a:schemeClr val="tx1"/>
+          </a:fontRef>
+        </p:style>
+      </p:cxnSp>
+      <p:sp>
+        <p:nvSpPr>
+          <p:cNvPr id="13" name="Oval 12"/>
           <p:cNvSpPr/>
           <p:nvPr/>
         </p:nvSpPr>
         <p:spPr>
           <a:xfrm>
-            <a:off x="3153191" y="1409700"/>
-            <a:ext cx="1925436" cy="902344"/>
-          </a:xfrm>
-          <a:prstGeom prst="wedgeEllipseCallout">
-            <a:avLst>
-              <a:gd name="adj1" fmla="val -30569"/>
-              <a:gd name="adj2" fmla="val 199426"/>
-            </a:avLst>
-          </a:prstGeom>
+            <a:off x="2157676" y="2774142"/>
+            <a:ext cx="166093" cy="166093"/>
+          </a:xfrm>
+          <a:prstGeom prst="ellipse">
+            <a:avLst/>
+          </a:prstGeom>
+          <a:solidFill>
+            <a:schemeClr val="accent1"/>
+          </a:solidFill>
+          <a:ln w="76200">
+            <a:solidFill>
+              <a:schemeClr val="accent1"/>
+            </a:solidFill>
+          </a:ln>
         </p:spPr>
         <p:style>
           <a:lnRef idx="2">
@@ -10208,60 +10242,109 @@
           <a:lstStyle/>
           <a:p>
             <a:pPr algn="ctr"/>
+            <a:endParaRPr lang="en-US"/>
+          </a:p>
+        </p:txBody>
+      </p:sp>
+      <p:sp>
+        <p:nvSpPr>
+          <p:cNvPr id="14" name="TextBox 13"/>
+          <p:cNvSpPr txBox="1"/>
+          <p:nvPr/>
+        </p:nvSpPr>
+        <p:spPr>
+          <a:xfrm>
+            <a:off x="2115047" y="2496709"/>
+            <a:ext cx="317716" cy="369332"/>
+          </a:xfrm>
+          <a:prstGeom prst="rect">
+            <a:avLst/>
+          </a:prstGeom>
+          <a:noFill/>
+        </p:spPr>
+        <p:txBody>
+          <a:bodyPr wrap="none" rtlCol="0">
+            <a:spAutoFit/>
+          </a:bodyPr>
+          <a:lstStyle/>
+          <a:p>
             <a:r>
               <a:rPr lang="en-US" dirty="0" smtClean="0"/>
-              <a:t>Notify: prepare to turn left</a:t>
+              <a:t>A</a:t>
             </a:r>
             <a:endParaRPr lang="en-US" dirty="0"/>
           </a:p>
         </p:txBody>
       </p:sp>
-      <p:cxnSp>
-        <p:nvCxnSpPr>
-          <p:cNvPr id="18" name="Straight Connector 17"/>
-          <p:cNvCxnSpPr>
-            <a:endCxn id="19" idx="2"/>
-          </p:cNvCxnSpPr>
-          <p:nvPr/>
-        </p:nvCxnSpPr>
-        <p:spPr>
-          <a:xfrm>
-            <a:off x="4508158" y="2866041"/>
-            <a:ext cx="1537936" cy="356466"/>
-          </a:xfrm>
-          <a:prstGeom prst="line">
-            <a:avLst/>
-          </a:prstGeom>
-          <a:ln w="28575">
-            <a:solidFill>
-              <a:schemeClr val="tx1"/>
-            </a:solidFill>
-          </a:ln>
-        </p:spPr>
-        <p:style>
-          <a:lnRef idx="1">
-            <a:schemeClr val="accent1"/>
-          </a:lnRef>
-          <a:fillRef idx="0">
-            <a:schemeClr val="accent1"/>
-          </a:fillRef>
-          <a:effectRef idx="0">
-            <a:schemeClr val="accent1"/>
-          </a:effectRef>
-          <a:fontRef idx="minor">
-            <a:schemeClr val="tx1"/>
-          </a:fontRef>
-        </p:style>
-      </p:cxnSp>
-      <p:sp>
-        <p:nvSpPr>
-          <p:cNvPr id="19" name="Oval 18"/>
+      <p:sp>
+        <p:nvSpPr>
+          <p:cNvPr id="16" name="TextBox 15"/>
+          <p:cNvSpPr txBox="1"/>
+          <p:nvPr/>
+        </p:nvSpPr>
+        <p:spPr>
+          <a:xfrm>
+            <a:off x="4357315" y="2496709"/>
+            <a:ext cx="308098" cy="369332"/>
+          </a:xfrm>
+          <a:prstGeom prst="rect">
+            <a:avLst/>
+          </a:prstGeom>
+          <a:noFill/>
+        </p:spPr>
+        <p:txBody>
+          <a:bodyPr wrap="none" rtlCol="0">
+            <a:spAutoFit/>
+          </a:bodyPr>
+          <a:lstStyle/>
+          <a:p>
+            <a:r>
+              <a:rPr lang="en-US" dirty="0" smtClean="0"/>
+              <a:t>C</a:t>
+            </a:r>
+            <a:endParaRPr lang="en-US" dirty="0"/>
+          </a:p>
+        </p:txBody>
+      </p:sp>
+      <p:sp>
+        <p:nvSpPr>
+          <p:cNvPr id="17" name="TextBox 16"/>
+          <p:cNvSpPr txBox="1"/>
+          <p:nvPr/>
+        </p:nvSpPr>
+        <p:spPr>
+          <a:xfrm>
+            <a:off x="5978298" y="3269353"/>
+            <a:ext cx="327334" cy="369332"/>
+          </a:xfrm>
+          <a:prstGeom prst="rect">
+            <a:avLst/>
+          </a:prstGeom>
+          <a:noFill/>
+        </p:spPr>
+        <p:txBody>
+          <a:bodyPr wrap="none" rtlCol="0">
+            <a:spAutoFit/>
+          </a:bodyPr>
+          <a:lstStyle/>
+          <a:p>
+            <a:r>
+              <a:rPr lang="en-US" dirty="0" smtClean="0"/>
+              <a:t>D</a:t>
+            </a:r>
+            <a:endParaRPr lang="en-US" dirty="0"/>
+          </a:p>
+        </p:txBody>
+      </p:sp>
+      <p:sp>
+        <p:nvSpPr>
+          <p:cNvPr id="18" name="Oval 17"/>
           <p:cNvSpPr/>
           <p:nvPr/>
         </p:nvSpPr>
         <p:spPr>
           <a:xfrm>
-            <a:off x="6046094" y="3139460"/>
+            <a:off x="6626672" y="1563365"/>
             <a:ext cx="166093" cy="166093"/>
           </a:xfrm>
           <a:prstGeom prst="ellipse">
@@ -10302,67 +10385,176 @@
           <a:lstStyle/>
           <a:p>
             <a:pPr algn="ctr"/>
-            <a:endParaRPr lang="en-US"/>
+            <a:endParaRPr lang="en-US" dirty="0"/>
+          </a:p>
+        </p:txBody>
+      </p:sp>
+      <p:sp>
+        <p:nvSpPr>
+          <p:cNvPr id="19" name="TextBox 18"/>
+          <p:cNvSpPr txBox="1"/>
+          <p:nvPr/>
+        </p:nvSpPr>
+        <p:spPr>
+          <a:xfrm>
+            <a:off x="6709718" y="1561188"/>
+            <a:ext cx="296876" cy="369332"/>
+          </a:xfrm>
+          <a:prstGeom prst="rect">
+            <a:avLst/>
+          </a:prstGeom>
+          <a:noFill/>
+        </p:spPr>
+        <p:txBody>
+          <a:bodyPr wrap="none" rtlCol="0">
+            <a:spAutoFit/>
+          </a:bodyPr>
+          <a:lstStyle/>
+          <a:p>
+            <a:r>
+              <a:rPr lang="en-US" dirty="0" smtClean="0"/>
+              <a:t>E</a:t>
+            </a:r>
+            <a:endParaRPr lang="en-US" dirty="0"/>
+          </a:p>
+        </p:txBody>
+      </p:sp>
+      <p:sp>
+        <p:nvSpPr>
+          <p:cNvPr id="15" name="TextBox 14"/>
+          <p:cNvSpPr txBox="1"/>
+          <p:nvPr/>
+        </p:nvSpPr>
+        <p:spPr>
+          <a:xfrm>
+            <a:off x="3315693" y="3745065"/>
+            <a:ext cx="309700" cy="369332"/>
+          </a:xfrm>
+          <a:prstGeom prst="rect">
+            <a:avLst/>
+          </a:prstGeom>
+          <a:noFill/>
+        </p:spPr>
+        <p:txBody>
+          <a:bodyPr wrap="none" rtlCol="0">
+            <a:spAutoFit/>
+          </a:bodyPr>
+          <a:lstStyle/>
+          <a:p>
+            <a:r>
+              <a:rPr lang="en-US" dirty="0" smtClean="0"/>
+              <a:t>B</a:t>
+            </a:r>
+            <a:endParaRPr lang="en-US" dirty="0"/>
+          </a:p>
+        </p:txBody>
+      </p:sp>
+      <p:sp>
+        <p:nvSpPr>
+          <p:cNvPr id="22" name="Oval 21"/>
+          <p:cNvSpPr/>
+          <p:nvPr/>
+        </p:nvSpPr>
+        <p:spPr>
+          <a:xfrm>
+            <a:off x="3002094" y="3692160"/>
+            <a:ext cx="172995" cy="172995"/>
+          </a:xfrm>
+          <a:prstGeom prst="ellipse">
+            <a:avLst/>
+          </a:prstGeom>
+          <a:solidFill>
+            <a:srgbClr val="FF0000"/>
+          </a:solidFill>
+          <a:ln>
+            <a:solidFill>
+              <a:srgbClr val="FF0000"/>
+            </a:solidFill>
+          </a:ln>
+        </p:spPr>
+        <p:style>
+          <a:lnRef idx="2">
+            <a:schemeClr val="accent1">
+              <a:shade val="50000"/>
+            </a:schemeClr>
+          </a:lnRef>
+          <a:fillRef idx="1">
+            <a:schemeClr val="accent1"/>
+          </a:fillRef>
+          <a:effectRef idx="0">
+            <a:schemeClr val="accent1"/>
+          </a:effectRef>
+          <a:fontRef idx="minor">
+            <a:schemeClr val="lt1"/>
+          </a:fontRef>
+        </p:style>
+        <p:txBody>
+          <a:bodyPr rtlCol="0" anchor="ctr"/>
+          <a:lstStyle/>
+          <a:p>
+            <a:pPr algn="ctr"/>
+            <a:endParaRPr lang="en-US" dirty="0"/>
           </a:p>
         </p:txBody>
       </p:sp>
       <p:cxnSp>
         <p:nvCxnSpPr>
-          <p:cNvPr id="20" name="Straight Connector 19"/>
+          <p:cNvPr id="29" name="Straight Connector 28"/>
           <p:cNvCxnSpPr>
-            <a:stCxn id="19" idx="7"/>
+            <a:stCxn id="22" idx="6"/>
+            <a:endCxn id="15" idx="0"/>
           </p:cNvCxnSpPr>
           <p:nvPr/>
         </p:nvCxnSpPr>
         <p:spPr>
           <a:xfrm flipV="1">
-            <a:off x="6187863" y="1669492"/>
-            <a:ext cx="521856" cy="1494292"/>
+            <a:off x="3175089" y="3745065"/>
+            <a:ext cx="295454" cy="33593"/>
           </a:xfrm>
           <a:prstGeom prst="line">
             <a:avLst/>
           </a:prstGeom>
           <a:ln w="28575">
             <a:solidFill>
+              <a:srgbClr val="FF0000"/>
+            </a:solidFill>
+          </a:ln>
+        </p:spPr>
+        <p:style>
+          <a:lnRef idx="1">
+            <a:schemeClr val="accent1"/>
+          </a:lnRef>
+          <a:fillRef idx="0">
+            <a:schemeClr val="accent1"/>
+          </a:fillRef>
+          <a:effectRef idx="0">
+            <a:schemeClr val="accent1"/>
+          </a:effectRef>
+          <a:fontRef idx="minor">
+            <a:schemeClr val="tx1"/>
+          </a:fontRef>
+        </p:style>
+      </p:cxnSp>
+      <p:sp>
+        <p:nvSpPr>
+          <p:cNvPr id="7" name="Oval 6"/>
+          <p:cNvSpPr/>
+          <p:nvPr/>
+        </p:nvSpPr>
+        <p:spPr>
+          <a:xfrm>
+            <a:off x="3393781" y="3646157"/>
+            <a:ext cx="166093" cy="166093"/>
+          </a:xfrm>
+          <a:prstGeom prst="ellipse">
+            <a:avLst/>
+          </a:prstGeom>
+          <a:solidFill>
+            <a:schemeClr val="tx1"/>
+          </a:solidFill>
+          <a:ln>
+            <a:solidFill>
               <a:schemeClr val="tx1"/>
-            </a:solidFill>
-          </a:ln>
-        </p:spPr>
-        <p:style>
-          <a:lnRef idx="1">
-            <a:schemeClr val="accent1"/>
-          </a:lnRef>
-          <a:fillRef idx="0">
-            <a:schemeClr val="accent1"/>
-          </a:fillRef>
-          <a:effectRef idx="0">
-            <a:schemeClr val="accent1"/>
-          </a:effectRef>
-          <a:fontRef idx="minor">
-            <a:schemeClr val="tx1"/>
-          </a:fontRef>
-        </p:style>
-      </p:cxnSp>
-      <p:sp>
-        <p:nvSpPr>
-          <p:cNvPr id="21" name="Oval 20"/>
-          <p:cNvSpPr/>
-          <p:nvPr/>
-        </p:nvSpPr>
-        <p:spPr>
-          <a:xfrm>
-            <a:off x="2157676" y="2774142"/>
-            <a:ext cx="166093" cy="166093"/>
-          </a:xfrm>
-          <a:prstGeom prst="ellipse">
-            <a:avLst/>
-          </a:prstGeom>
-          <a:solidFill>
-            <a:schemeClr val="accent1"/>
-          </a:solidFill>
-          <a:ln w="76200">
-            <a:solidFill>
-              <a:schemeClr val="accent1"/>
             </a:solidFill>
           </a:ln>
         </p:spPr>
@@ -10396,261 +10588,10 @@
           </a:p>
         </p:txBody>
       </p:sp>
-      <p:sp>
-        <p:nvSpPr>
-          <p:cNvPr id="22" name="TextBox 21"/>
-          <p:cNvSpPr txBox="1"/>
-          <p:nvPr/>
-        </p:nvSpPr>
-        <p:spPr>
-          <a:xfrm>
-            <a:off x="2115047" y="2496709"/>
-            <a:ext cx="317716" cy="369332"/>
-          </a:xfrm>
-          <a:prstGeom prst="rect">
-            <a:avLst/>
-          </a:prstGeom>
-          <a:noFill/>
-        </p:spPr>
-        <p:txBody>
-          <a:bodyPr wrap="none" rtlCol="0">
-            <a:spAutoFit/>
-          </a:bodyPr>
-          <a:lstStyle/>
-          <a:p>
-            <a:r>
-              <a:rPr lang="en-US" dirty="0" smtClean="0"/>
-              <a:t>A</a:t>
-            </a:r>
-            <a:endParaRPr lang="en-US" dirty="0"/>
-          </a:p>
-        </p:txBody>
-      </p:sp>
-      <p:sp>
-        <p:nvSpPr>
-          <p:cNvPr id="23" name="TextBox 22"/>
-          <p:cNvSpPr txBox="1"/>
-          <p:nvPr/>
-        </p:nvSpPr>
-        <p:spPr>
-          <a:xfrm>
-            <a:off x="3315693" y="3745065"/>
-            <a:ext cx="309700" cy="369332"/>
-          </a:xfrm>
-          <a:prstGeom prst="rect">
-            <a:avLst/>
-          </a:prstGeom>
-          <a:noFill/>
-        </p:spPr>
-        <p:txBody>
-          <a:bodyPr wrap="none" rtlCol="0">
-            <a:spAutoFit/>
-          </a:bodyPr>
-          <a:lstStyle/>
-          <a:p>
-            <a:r>
-              <a:rPr lang="en-US" dirty="0" smtClean="0"/>
-              <a:t>B</a:t>
-            </a:r>
-            <a:endParaRPr lang="en-US" dirty="0"/>
-          </a:p>
-        </p:txBody>
-      </p:sp>
-      <p:sp>
-        <p:nvSpPr>
-          <p:cNvPr id="24" name="TextBox 23"/>
-          <p:cNvSpPr txBox="1"/>
-          <p:nvPr/>
-        </p:nvSpPr>
-        <p:spPr>
-          <a:xfrm>
-            <a:off x="4357315" y="2496709"/>
-            <a:ext cx="308098" cy="369332"/>
-          </a:xfrm>
-          <a:prstGeom prst="rect">
-            <a:avLst/>
-          </a:prstGeom>
-          <a:noFill/>
-        </p:spPr>
-        <p:txBody>
-          <a:bodyPr wrap="none" rtlCol="0">
-            <a:spAutoFit/>
-          </a:bodyPr>
-          <a:lstStyle/>
-          <a:p>
-            <a:r>
-              <a:rPr lang="en-US" dirty="0" smtClean="0"/>
-              <a:t>C</a:t>
-            </a:r>
-            <a:endParaRPr lang="en-US" dirty="0"/>
-          </a:p>
-        </p:txBody>
-      </p:sp>
-      <p:sp>
-        <p:nvSpPr>
-          <p:cNvPr id="25" name="TextBox 24"/>
-          <p:cNvSpPr txBox="1"/>
-          <p:nvPr/>
-        </p:nvSpPr>
-        <p:spPr>
-          <a:xfrm>
-            <a:off x="5978298" y="3269353"/>
-            <a:ext cx="327334" cy="369332"/>
-          </a:xfrm>
-          <a:prstGeom prst="rect">
-            <a:avLst/>
-          </a:prstGeom>
-          <a:noFill/>
-        </p:spPr>
-        <p:txBody>
-          <a:bodyPr wrap="none" rtlCol="0">
-            <a:spAutoFit/>
-          </a:bodyPr>
-          <a:lstStyle/>
-          <a:p>
-            <a:r>
-              <a:rPr lang="en-US" dirty="0" smtClean="0"/>
-              <a:t>D</a:t>
-            </a:r>
-            <a:endParaRPr lang="en-US" dirty="0"/>
-          </a:p>
-        </p:txBody>
-      </p:sp>
-      <p:sp>
-        <p:nvSpPr>
-          <p:cNvPr id="26" name="Oval 25"/>
-          <p:cNvSpPr/>
-          <p:nvPr/>
-        </p:nvSpPr>
-        <p:spPr>
-          <a:xfrm>
-            <a:off x="6626672" y="1563365"/>
-            <a:ext cx="166093" cy="166093"/>
-          </a:xfrm>
-          <a:prstGeom prst="ellipse">
-            <a:avLst/>
-          </a:prstGeom>
-          <a:solidFill>
-            <a:schemeClr val="tx1"/>
-          </a:solidFill>
-          <a:ln>
-            <a:solidFill>
-              <a:schemeClr val="tx1"/>
-            </a:solidFill>
-          </a:ln>
-        </p:spPr>
-        <p:style>
-          <a:lnRef idx="2">
-            <a:schemeClr val="accent1">
-              <a:shade val="50000"/>
-            </a:schemeClr>
-          </a:lnRef>
-          <a:fillRef idx="1">
-            <a:schemeClr val="accent1"/>
-          </a:fillRef>
-          <a:effectRef idx="0">
-            <a:schemeClr val="accent1"/>
-          </a:effectRef>
-          <a:fontRef idx="minor">
-            <a:schemeClr val="lt1"/>
-          </a:fontRef>
-        </p:style>
-        <p:txBody>
-          <a:bodyPr rot="0" spcFirstLastPara="0" vertOverflow="overflow" horzOverflow="overflow" vert="horz" wrap="square" lIns="91440" tIns="45720" rIns="91440" bIns="45720" numCol="1" spcCol="0" rtlCol="0" fromWordArt="0" anchor="ctr" anchorCtr="0" forceAA="0" compatLnSpc="1">
-            <a:prstTxWarp prst="textNoShape">
-              <a:avLst/>
-            </a:prstTxWarp>
-            <a:noAutofit/>
-          </a:bodyPr>
-          <a:lstStyle/>
-          <a:p>
-            <a:pPr algn="ctr"/>
-            <a:endParaRPr lang="en-US" dirty="0"/>
-          </a:p>
-        </p:txBody>
-      </p:sp>
-      <p:sp>
-        <p:nvSpPr>
-          <p:cNvPr id="27" name="TextBox 26"/>
-          <p:cNvSpPr txBox="1"/>
-          <p:nvPr/>
-        </p:nvSpPr>
-        <p:spPr>
-          <a:xfrm>
-            <a:off x="6709718" y="1561188"/>
-            <a:ext cx="296876" cy="369332"/>
-          </a:xfrm>
-          <a:prstGeom prst="rect">
-            <a:avLst/>
-          </a:prstGeom>
-          <a:noFill/>
-        </p:spPr>
-        <p:txBody>
-          <a:bodyPr wrap="none" rtlCol="0">
-            <a:spAutoFit/>
-          </a:bodyPr>
-          <a:lstStyle/>
-          <a:p>
-            <a:r>
-              <a:rPr lang="en-US" dirty="0" smtClean="0"/>
-              <a:t>E</a:t>
-            </a:r>
-            <a:endParaRPr lang="en-US" dirty="0"/>
-          </a:p>
-        </p:txBody>
-      </p:sp>
-      <p:sp>
-        <p:nvSpPr>
-          <p:cNvPr id="29" name="Oval 28"/>
-          <p:cNvSpPr/>
-          <p:nvPr/>
-        </p:nvSpPr>
-        <p:spPr>
-          <a:xfrm>
-            <a:off x="3002094" y="3692160"/>
-            <a:ext cx="172995" cy="172995"/>
-          </a:xfrm>
-          <a:prstGeom prst="ellipse">
-            <a:avLst/>
-          </a:prstGeom>
-          <a:solidFill>
-            <a:srgbClr val="FF0000"/>
-          </a:solidFill>
-          <a:ln>
-            <a:solidFill>
-              <a:srgbClr val="FF0000"/>
-            </a:solidFill>
-          </a:ln>
-        </p:spPr>
-        <p:style>
-          <a:lnRef idx="2">
-            <a:schemeClr val="accent1">
-              <a:shade val="50000"/>
-            </a:schemeClr>
-          </a:lnRef>
-          <a:fillRef idx="1">
-            <a:schemeClr val="accent1"/>
-          </a:fillRef>
-          <a:effectRef idx="0">
-            <a:schemeClr val="accent1"/>
-          </a:effectRef>
-          <a:fontRef idx="minor">
-            <a:schemeClr val="lt1"/>
-          </a:fontRef>
-        </p:style>
-        <p:txBody>
-          <a:bodyPr rtlCol="0" anchor="ctr"/>
-          <a:lstStyle/>
-          <a:p>
-            <a:pPr algn="ctr"/>
-            <a:endParaRPr lang="en-US" dirty="0"/>
-          </a:p>
-        </p:txBody>
-      </p:sp>
     </p:spTree>
     <p:extLst>
       <p:ext uri="{BB962C8B-B14F-4D97-AF65-F5344CB8AC3E}">
-        <p14:creationId xmlns:p14="http://schemas.microsoft.com/office/powerpoint/2010/main" val="2706296718"/>
+        <p14:creationId xmlns:p14="http://schemas.microsoft.com/office/powerpoint/2010/main" val="418802410"/>
       </p:ext>
     </p:extLst>
   </p:cSld>
@@ -10679,6 +10620,695 @@
       </p:grpSpPr>
       <p:cxnSp>
         <p:nvCxnSpPr>
+          <p:cNvPr id="8" name="Straight Connector 7"/>
+          <p:cNvCxnSpPr/>
+          <p:nvPr/>
+        </p:nvCxnSpPr>
+        <p:spPr>
+          <a:xfrm>
+            <a:off x="2265890" y="2866041"/>
+            <a:ext cx="1200646" cy="879024"/>
+          </a:xfrm>
+          <a:prstGeom prst="line">
+            <a:avLst/>
+          </a:prstGeom>
+          <a:ln w="57150">
+            <a:solidFill>
+              <a:schemeClr val="accent1"/>
+            </a:solidFill>
+          </a:ln>
+        </p:spPr>
+        <p:style>
+          <a:lnRef idx="1">
+            <a:schemeClr val="accent1"/>
+          </a:lnRef>
+          <a:fillRef idx="0">
+            <a:schemeClr val="accent1"/>
+          </a:fillRef>
+          <a:effectRef idx="0">
+            <a:schemeClr val="accent1"/>
+          </a:effectRef>
+          <a:fontRef idx="minor">
+            <a:schemeClr val="tx1"/>
+          </a:fontRef>
+        </p:style>
+      </p:cxnSp>
+      <p:cxnSp>
+        <p:nvCxnSpPr>
+          <p:cNvPr id="9" name="Straight Connector 8"/>
+          <p:cNvCxnSpPr/>
+          <p:nvPr/>
+        </p:nvCxnSpPr>
+        <p:spPr>
+          <a:xfrm flipV="1">
+            <a:off x="3466536" y="2866041"/>
+            <a:ext cx="1041622" cy="879024"/>
+          </a:xfrm>
+          <a:prstGeom prst="line">
+            <a:avLst/>
+          </a:prstGeom>
+          <a:ln w="28575">
+            <a:solidFill>
+              <a:schemeClr val="tx1"/>
+            </a:solidFill>
+          </a:ln>
+        </p:spPr>
+        <p:style>
+          <a:lnRef idx="1">
+            <a:schemeClr val="accent1"/>
+          </a:lnRef>
+          <a:fillRef idx="0">
+            <a:schemeClr val="accent1"/>
+          </a:fillRef>
+          <a:effectRef idx="0">
+            <a:schemeClr val="accent1"/>
+          </a:effectRef>
+          <a:fontRef idx="minor">
+            <a:schemeClr val="tx1"/>
+          </a:fontRef>
+        </p:style>
+      </p:cxnSp>
+      <p:sp>
+        <p:nvSpPr>
+          <p:cNvPr id="12" name="Oval 11"/>
+          <p:cNvSpPr/>
+          <p:nvPr/>
+        </p:nvSpPr>
+        <p:spPr>
+          <a:xfrm>
+            <a:off x="3393781" y="3646157"/>
+            <a:ext cx="166093" cy="166093"/>
+          </a:xfrm>
+          <a:prstGeom prst="ellipse">
+            <a:avLst/>
+          </a:prstGeom>
+          <a:solidFill>
+            <a:schemeClr val="tx1"/>
+          </a:solidFill>
+          <a:ln>
+            <a:solidFill>
+              <a:schemeClr val="tx1"/>
+            </a:solidFill>
+          </a:ln>
+        </p:spPr>
+        <p:style>
+          <a:lnRef idx="2">
+            <a:schemeClr val="accent1">
+              <a:shade val="50000"/>
+            </a:schemeClr>
+          </a:lnRef>
+          <a:fillRef idx="1">
+            <a:schemeClr val="accent1"/>
+          </a:fillRef>
+          <a:effectRef idx="0">
+            <a:schemeClr val="accent1"/>
+          </a:effectRef>
+          <a:fontRef idx="minor">
+            <a:schemeClr val="lt1"/>
+          </a:fontRef>
+        </p:style>
+        <p:txBody>
+          <a:bodyPr rot="0" spcFirstLastPara="0" vertOverflow="overflow" horzOverflow="overflow" vert="horz" wrap="square" lIns="91440" tIns="45720" rIns="91440" bIns="45720" numCol="1" spcCol="0" rtlCol="0" fromWordArt="0" anchor="ctr" anchorCtr="0" forceAA="0" compatLnSpc="1">
+            <a:prstTxWarp prst="textNoShape">
+              <a:avLst/>
+            </a:prstTxWarp>
+            <a:noAutofit/>
+          </a:bodyPr>
+          <a:lstStyle/>
+          <a:p>
+            <a:pPr algn="ctr"/>
+            <a:endParaRPr lang="en-US"/>
+          </a:p>
+        </p:txBody>
+      </p:sp>
+      <p:sp>
+        <p:nvSpPr>
+          <p:cNvPr id="13" name="Oval 12"/>
+          <p:cNvSpPr/>
+          <p:nvPr/>
+        </p:nvSpPr>
+        <p:spPr>
+          <a:xfrm>
+            <a:off x="4433393" y="2792057"/>
+            <a:ext cx="166093" cy="166093"/>
+          </a:xfrm>
+          <a:prstGeom prst="ellipse">
+            <a:avLst/>
+          </a:prstGeom>
+          <a:solidFill>
+            <a:schemeClr val="tx1"/>
+          </a:solidFill>
+          <a:ln>
+            <a:solidFill>
+              <a:schemeClr val="tx1"/>
+            </a:solidFill>
+          </a:ln>
+        </p:spPr>
+        <p:style>
+          <a:lnRef idx="2">
+            <a:schemeClr val="accent1">
+              <a:shade val="50000"/>
+            </a:schemeClr>
+          </a:lnRef>
+          <a:fillRef idx="1">
+            <a:schemeClr val="accent1"/>
+          </a:fillRef>
+          <a:effectRef idx="0">
+            <a:schemeClr val="accent1"/>
+          </a:effectRef>
+          <a:fontRef idx="minor">
+            <a:schemeClr val="lt1"/>
+          </a:fontRef>
+        </p:style>
+        <p:txBody>
+          <a:bodyPr rot="0" spcFirstLastPara="0" vertOverflow="overflow" horzOverflow="overflow" vert="horz" wrap="square" lIns="91440" tIns="45720" rIns="91440" bIns="45720" numCol="1" spcCol="0" rtlCol="0" fromWordArt="0" anchor="ctr" anchorCtr="0" forceAA="0" compatLnSpc="1">
+            <a:prstTxWarp prst="textNoShape">
+              <a:avLst/>
+            </a:prstTxWarp>
+            <a:noAutofit/>
+          </a:bodyPr>
+          <a:lstStyle/>
+          <a:p>
+            <a:pPr algn="ctr"/>
+            <a:endParaRPr lang="en-US"/>
+          </a:p>
+        </p:txBody>
+      </p:sp>
+      <p:sp>
+        <p:nvSpPr>
+          <p:cNvPr id="15" name="Oval Callout 14"/>
+          <p:cNvSpPr/>
+          <p:nvPr/>
+        </p:nvSpPr>
+        <p:spPr>
+          <a:xfrm>
+            <a:off x="3153191" y="1409700"/>
+            <a:ext cx="1925436" cy="902344"/>
+          </a:xfrm>
+          <a:prstGeom prst="wedgeEllipseCallout">
+            <a:avLst>
+              <a:gd name="adj1" fmla="val -30569"/>
+              <a:gd name="adj2" fmla="val 199426"/>
+            </a:avLst>
+          </a:prstGeom>
+        </p:spPr>
+        <p:style>
+          <a:lnRef idx="2">
+            <a:schemeClr val="accent1">
+              <a:shade val="50000"/>
+            </a:schemeClr>
+          </a:lnRef>
+          <a:fillRef idx="1">
+            <a:schemeClr val="accent1"/>
+          </a:fillRef>
+          <a:effectRef idx="0">
+            <a:schemeClr val="accent1"/>
+          </a:effectRef>
+          <a:fontRef idx="minor">
+            <a:schemeClr val="lt1"/>
+          </a:fontRef>
+        </p:style>
+        <p:txBody>
+          <a:bodyPr rot="0" spcFirstLastPara="0" vertOverflow="overflow" horzOverflow="overflow" vert="horz" wrap="square" lIns="91440" tIns="45720" rIns="91440" bIns="45720" numCol="1" spcCol="0" rtlCol="0" fromWordArt="0" anchor="ctr" anchorCtr="0" forceAA="0" compatLnSpc="1">
+            <a:prstTxWarp prst="textNoShape">
+              <a:avLst/>
+            </a:prstTxWarp>
+            <a:noAutofit/>
+          </a:bodyPr>
+          <a:lstStyle/>
+          <a:p>
+            <a:pPr algn="ctr"/>
+            <a:r>
+              <a:rPr lang="en-US" dirty="0" smtClean="0"/>
+              <a:t>Notify: prepare to turn left</a:t>
+            </a:r>
+            <a:endParaRPr lang="en-US" dirty="0"/>
+          </a:p>
+        </p:txBody>
+      </p:sp>
+      <p:cxnSp>
+        <p:nvCxnSpPr>
+          <p:cNvPr id="18" name="Straight Connector 17"/>
+          <p:cNvCxnSpPr>
+            <a:endCxn id="19" idx="2"/>
+          </p:cNvCxnSpPr>
+          <p:nvPr/>
+        </p:nvCxnSpPr>
+        <p:spPr>
+          <a:xfrm>
+            <a:off x="4508158" y="2866041"/>
+            <a:ext cx="1537936" cy="356466"/>
+          </a:xfrm>
+          <a:prstGeom prst="line">
+            <a:avLst/>
+          </a:prstGeom>
+          <a:ln w="28575">
+            <a:solidFill>
+              <a:schemeClr val="tx1"/>
+            </a:solidFill>
+          </a:ln>
+        </p:spPr>
+        <p:style>
+          <a:lnRef idx="1">
+            <a:schemeClr val="accent1"/>
+          </a:lnRef>
+          <a:fillRef idx="0">
+            <a:schemeClr val="accent1"/>
+          </a:fillRef>
+          <a:effectRef idx="0">
+            <a:schemeClr val="accent1"/>
+          </a:effectRef>
+          <a:fontRef idx="minor">
+            <a:schemeClr val="tx1"/>
+          </a:fontRef>
+        </p:style>
+      </p:cxnSp>
+      <p:sp>
+        <p:nvSpPr>
+          <p:cNvPr id="19" name="Oval 18"/>
+          <p:cNvSpPr/>
+          <p:nvPr/>
+        </p:nvSpPr>
+        <p:spPr>
+          <a:xfrm>
+            <a:off x="6046094" y="3139460"/>
+            <a:ext cx="166093" cy="166093"/>
+          </a:xfrm>
+          <a:prstGeom prst="ellipse">
+            <a:avLst/>
+          </a:prstGeom>
+          <a:solidFill>
+            <a:schemeClr val="tx1"/>
+          </a:solidFill>
+          <a:ln>
+            <a:solidFill>
+              <a:schemeClr val="tx1"/>
+            </a:solidFill>
+          </a:ln>
+        </p:spPr>
+        <p:style>
+          <a:lnRef idx="2">
+            <a:schemeClr val="accent1">
+              <a:shade val="50000"/>
+            </a:schemeClr>
+          </a:lnRef>
+          <a:fillRef idx="1">
+            <a:schemeClr val="accent1"/>
+          </a:fillRef>
+          <a:effectRef idx="0">
+            <a:schemeClr val="accent1"/>
+          </a:effectRef>
+          <a:fontRef idx="minor">
+            <a:schemeClr val="lt1"/>
+          </a:fontRef>
+        </p:style>
+        <p:txBody>
+          <a:bodyPr rot="0" spcFirstLastPara="0" vertOverflow="overflow" horzOverflow="overflow" vert="horz" wrap="square" lIns="91440" tIns="45720" rIns="91440" bIns="45720" numCol="1" spcCol="0" rtlCol="0" fromWordArt="0" anchor="ctr" anchorCtr="0" forceAA="0" compatLnSpc="1">
+            <a:prstTxWarp prst="textNoShape">
+              <a:avLst/>
+            </a:prstTxWarp>
+            <a:noAutofit/>
+          </a:bodyPr>
+          <a:lstStyle/>
+          <a:p>
+            <a:pPr algn="ctr"/>
+            <a:endParaRPr lang="en-US"/>
+          </a:p>
+        </p:txBody>
+      </p:sp>
+      <p:cxnSp>
+        <p:nvCxnSpPr>
+          <p:cNvPr id="20" name="Straight Connector 19"/>
+          <p:cNvCxnSpPr>
+            <a:stCxn id="19" idx="7"/>
+          </p:cNvCxnSpPr>
+          <p:nvPr/>
+        </p:nvCxnSpPr>
+        <p:spPr>
+          <a:xfrm flipV="1">
+            <a:off x="6187863" y="1669492"/>
+            <a:ext cx="521856" cy="1494292"/>
+          </a:xfrm>
+          <a:prstGeom prst="line">
+            <a:avLst/>
+          </a:prstGeom>
+          <a:ln w="28575">
+            <a:solidFill>
+              <a:schemeClr val="tx1"/>
+            </a:solidFill>
+          </a:ln>
+        </p:spPr>
+        <p:style>
+          <a:lnRef idx="1">
+            <a:schemeClr val="accent1"/>
+          </a:lnRef>
+          <a:fillRef idx="0">
+            <a:schemeClr val="accent1"/>
+          </a:fillRef>
+          <a:effectRef idx="0">
+            <a:schemeClr val="accent1"/>
+          </a:effectRef>
+          <a:fontRef idx="minor">
+            <a:schemeClr val="tx1"/>
+          </a:fontRef>
+        </p:style>
+      </p:cxnSp>
+      <p:sp>
+        <p:nvSpPr>
+          <p:cNvPr id="21" name="Oval 20"/>
+          <p:cNvSpPr/>
+          <p:nvPr/>
+        </p:nvSpPr>
+        <p:spPr>
+          <a:xfrm>
+            <a:off x="2157676" y="2774142"/>
+            <a:ext cx="166093" cy="166093"/>
+          </a:xfrm>
+          <a:prstGeom prst="ellipse">
+            <a:avLst/>
+          </a:prstGeom>
+          <a:solidFill>
+            <a:schemeClr val="accent1"/>
+          </a:solidFill>
+          <a:ln w="76200">
+            <a:solidFill>
+              <a:schemeClr val="accent1"/>
+            </a:solidFill>
+          </a:ln>
+        </p:spPr>
+        <p:style>
+          <a:lnRef idx="2">
+            <a:schemeClr val="accent1">
+              <a:shade val="50000"/>
+            </a:schemeClr>
+          </a:lnRef>
+          <a:fillRef idx="1">
+            <a:schemeClr val="accent1"/>
+          </a:fillRef>
+          <a:effectRef idx="0">
+            <a:schemeClr val="accent1"/>
+          </a:effectRef>
+          <a:fontRef idx="minor">
+            <a:schemeClr val="lt1"/>
+          </a:fontRef>
+        </p:style>
+        <p:txBody>
+          <a:bodyPr rot="0" spcFirstLastPara="0" vertOverflow="overflow" horzOverflow="overflow" vert="horz" wrap="square" lIns="91440" tIns="45720" rIns="91440" bIns="45720" numCol="1" spcCol="0" rtlCol="0" fromWordArt="0" anchor="ctr" anchorCtr="0" forceAA="0" compatLnSpc="1">
+            <a:prstTxWarp prst="textNoShape">
+              <a:avLst/>
+            </a:prstTxWarp>
+            <a:noAutofit/>
+          </a:bodyPr>
+          <a:lstStyle/>
+          <a:p>
+            <a:pPr algn="ctr"/>
+            <a:endParaRPr lang="en-US"/>
+          </a:p>
+        </p:txBody>
+      </p:sp>
+      <p:sp>
+        <p:nvSpPr>
+          <p:cNvPr id="22" name="TextBox 21"/>
+          <p:cNvSpPr txBox="1"/>
+          <p:nvPr/>
+        </p:nvSpPr>
+        <p:spPr>
+          <a:xfrm>
+            <a:off x="2115047" y="2496709"/>
+            <a:ext cx="317716" cy="369332"/>
+          </a:xfrm>
+          <a:prstGeom prst="rect">
+            <a:avLst/>
+          </a:prstGeom>
+          <a:noFill/>
+        </p:spPr>
+        <p:txBody>
+          <a:bodyPr wrap="none" rtlCol="0">
+            <a:spAutoFit/>
+          </a:bodyPr>
+          <a:lstStyle/>
+          <a:p>
+            <a:r>
+              <a:rPr lang="en-US" dirty="0" smtClean="0"/>
+              <a:t>A</a:t>
+            </a:r>
+            <a:endParaRPr lang="en-US" dirty="0"/>
+          </a:p>
+        </p:txBody>
+      </p:sp>
+      <p:sp>
+        <p:nvSpPr>
+          <p:cNvPr id="23" name="TextBox 22"/>
+          <p:cNvSpPr txBox="1"/>
+          <p:nvPr/>
+        </p:nvSpPr>
+        <p:spPr>
+          <a:xfrm>
+            <a:off x="3315693" y="3745065"/>
+            <a:ext cx="309700" cy="369332"/>
+          </a:xfrm>
+          <a:prstGeom prst="rect">
+            <a:avLst/>
+          </a:prstGeom>
+          <a:noFill/>
+        </p:spPr>
+        <p:txBody>
+          <a:bodyPr wrap="none" rtlCol="0">
+            <a:spAutoFit/>
+          </a:bodyPr>
+          <a:lstStyle/>
+          <a:p>
+            <a:r>
+              <a:rPr lang="en-US" dirty="0" smtClean="0"/>
+              <a:t>B</a:t>
+            </a:r>
+            <a:endParaRPr lang="en-US" dirty="0"/>
+          </a:p>
+        </p:txBody>
+      </p:sp>
+      <p:sp>
+        <p:nvSpPr>
+          <p:cNvPr id="24" name="TextBox 23"/>
+          <p:cNvSpPr txBox="1"/>
+          <p:nvPr/>
+        </p:nvSpPr>
+        <p:spPr>
+          <a:xfrm>
+            <a:off x="4357315" y="2496709"/>
+            <a:ext cx="308098" cy="369332"/>
+          </a:xfrm>
+          <a:prstGeom prst="rect">
+            <a:avLst/>
+          </a:prstGeom>
+          <a:noFill/>
+        </p:spPr>
+        <p:txBody>
+          <a:bodyPr wrap="none" rtlCol="0">
+            <a:spAutoFit/>
+          </a:bodyPr>
+          <a:lstStyle/>
+          <a:p>
+            <a:r>
+              <a:rPr lang="en-US" dirty="0" smtClean="0"/>
+              <a:t>C</a:t>
+            </a:r>
+            <a:endParaRPr lang="en-US" dirty="0"/>
+          </a:p>
+        </p:txBody>
+      </p:sp>
+      <p:sp>
+        <p:nvSpPr>
+          <p:cNvPr id="25" name="TextBox 24"/>
+          <p:cNvSpPr txBox="1"/>
+          <p:nvPr/>
+        </p:nvSpPr>
+        <p:spPr>
+          <a:xfrm>
+            <a:off x="5978298" y="3269353"/>
+            <a:ext cx="327334" cy="369332"/>
+          </a:xfrm>
+          <a:prstGeom prst="rect">
+            <a:avLst/>
+          </a:prstGeom>
+          <a:noFill/>
+        </p:spPr>
+        <p:txBody>
+          <a:bodyPr wrap="none" rtlCol="0">
+            <a:spAutoFit/>
+          </a:bodyPr>
+          <a:lstStyle/>
+          <a:p>
+            <a:r>
+              <a:rPr lang="en-US" dirty="0" smtClean="0"/>
+              <a:t>D</a:t>
+            </a:r>
+            <a:endParaRPr lang="en-US" dirty="0"/>
+          </a:p>
+        </p:txBody>
+      </p:sp>
+      <p:sp>
+        <p:nvSpPr>
+          <p:cNvPr id="26" name="Oval 25"/>
+          <p:cNvSpPr/>
+          <p:nvPr/>
+        </p:nvSpPr>
+        <p:spPr>
+          <a:xfrm>
+            <a:off x="6626672" y="1563365"/>
+            <a:ext cx="166093" cy="166093"/>
+          </a:xfrm>
+          <a:prstGeom prst="ellipse">
+            <a:avLst/>
+          </a:prstGeom>
+          <a:solidFill>
+            <a:schemeClr val="tx1"/>
+          </a:solidFill>
+          <a:ln>
+            <a:solidFill>
+              <a:schemeClr val="tx1"/>
+            </a:solidFill>
+          </a:ln>
+        </p:spPr>
+        <p:style>
+          <a:lnRef idx="2">
+            <a:schemeClr val="accent1">
+              <a:shade val="50000"/>
+            </a:schemeClr>
+          </a:lnRef>
+          <a:fillRef idx="1">
+            <a:schemeClr val="accent1"/>
+          </a:fillRef>
+          <a:effectRef idx="0">
+            <a:schemeClr val="accent1"/>
+          </a:effectRef>
+          <a:fontRef idx="minor">
+            <a:schemeClr val="lt1"/>
+          </a:fontRef>
+        </p:style>
+        <p:txBody>
+          <a:bodyPr rot="0" spcFirstLastPara="0" vertOverflow="overflow" horzOverflow="overflow" vert="horz" wrap="square" lIns="91440" tIns="45720" rIns="91440" bIns="45720" numCol="1" spcCol="0" rtlCol="0" fromWordArt="0" anchor="ctr" anchorCtr="0" forceAA="0" compatLnSpc="1">
+            <a:prstTxWarp prst="textNoShape">
+              <a:avLst/>
+            </a:prstTxWarp>
+            <a:noAutofit/>
+          </a:bodyPr>
+          <a:lstStyle/>
+          <a:p>
+            <a:pPr algn="ctr"/>
+            <a:endParaRPr lang="en-US" dirty="0"/>
+          </a:p>
+        </p:txBody>
+      </p:sp>
+      <p:sp>
+        <p:nvSpPr>
+          <p:cNvPr id="27" name="TextBox 26"/>
+          <p:cNvSpPr txBox="1"/>
+          <p:nvPr/>
+        </p:nvSpPr>
+        <p:spPr>
+          <a:xfrm>
+            <a:off x="6709718" y="1561188"/>
+            <a:ext cx="296876" cy="369332"/>
+          </a:xfrm>
+          <a:prstGeom prst="rect">
+            <a:avLst/>
+          </a:prstGeom>
+          <a:noFill/>
+        </p:spPr>
+        <p:txBody>
+          <a:bodyPr wrap="none" rtlCol="0">
+            <a:spAutoFit/>
+          </a:bodyPr>
+          <a:lstStyle/>
+          <a:p>
+            <a:r>
+              <a:rPr lang="en-US" dirty="0" smtClean="0"/>
+              <a:t>E</a:t>
+            </a:r>
+            <a:endParaRPr lang="en-US" dirty="0"/>
+          </a:p>
+        </p:txBody>
+      </p:sp>
+      <p:sp>
+        <p:nvSpPr>
+          <p:cNvPr id="29" name="Oval 28"/>
+          <p:cNvSpPr/>
+          <p:nvPr/>
+        </p:nvSpPr>
+        <p:spPr>
+          <a:xfrm>
+            <a:off x="3002094" y="3692160"/>
+            <a:ext cx="172995" cy="172995"/>
+          </a:xfrm>
+          <a:prstGeom prst="ellipse">
+            <a:avLst/>
+          </a:prstGeom>
+          <a:solidFill>
+            <a:srgbClr val="FF0000"/>
+          </a:solidFill>
+          <a:ln>
+            <a:solidFill>
+              <a:srgbClr val="FF0000"/>
+            </a:solidFill>
+          </a:ln>
+        </p:spPr>
+        <p:style>
+          <a:lnRef idx="2">
+            <a:schemeClr val="accent1">
+              <a:shade val="50000"/>
+            </a:schemeClr>
+          </a:lnRef>
+          <a:fillRef idx="1">
+            <a:schemeClr val="accent1"/>
+          </a:fillRef>
+          <a:effectRef idx="0">
+            <a:schemeClr val="accent1"/>
+          </a:effectRef>
+          <a:fontRef idx="minor">
+            <a:schemeClr val="lt1"/>
+          </a:fontRef>
+        </p:style>
+        <p:txBody>
+          <a:bodyPr rtlCol="0" anchor="ctr"/>
+          <a:lstStyle/>
+          <a:p>
+            <a:pPr algn="ctr"/>
+            <a:endParaRPr lang="en-US" dirty="0"/>
+          </a:p>
+        </p:txBody>
+      </p:sp>
+    </p:spTree>
+    <p:extLst>
+      <p:ext uri="{BB962C8B-B14F-4D97-AF65-F5344CB8AC3E}">
+        <p14:creationId xmlns:p14="http://schemas.microsoft.com/office/powerpoint/2010/main" val="2706296718"/>
+      </p:ext>
+    </p:extLst>
+  </p:cSld>
+  <p:clrMapOvr>
+    <a:masterClrMapping/>
+  </p:clrMapOvr>
+</p:sld>
+</file>
+
+<file path=ppt/slides/slide24.xml><?xml version="1.0" encoding="utf-8"?>
+<p:sld xmlns:a="http://schemas.openxmlformats.org/drawingml/2006/main" xmlns:r="http://schemas.openxmlformats.org/officeDocument/2006/relationships" xmlns:p="http://schemas.openxmlformats.org/presentationml/2006/main">
+  <p:cSld>
+    <p:spTree>
+      <p:nvGrpSpPr>
+        <p:cNvPr id="1" name=""/>
+        <p:cNvGrpSpPr/>
+        <p:nvPr/>
+      </p:nvGrpSpPr>
+      <p:grpSpPr>
+        <a:xfrm>
+          <a:off x="0" y="0"/>
+          <a:ext cx="0" cy="0"/>
+          <a:chOff x="0" y="0"/>
+          <a:chExt cx="0" cy="0"/>
+        </a:xfrm>
+      </p:grpSpPr>
+      <p:cxnSp>
+        <p:nvCxnSpPr>
           <p:cNvPr id="9" name="Straight Connector 8"/>
           <p:cNvCxnSpPr/>
           <p:nvPr/>
@@ -11297,7 +11927,7 @@
 </p:sld>
 </file>
 
-<file path=ppt/slides/slide24.xml><?xml version="1.0" encoding="utf-8"?>
+<file path=ppt/slides/slide25.xml><?xml version="1.0" encoding="utf-8"?>
 <p:sld xmlns:a="http://schemas.openxmlformats.org/drawingml/2006/main" xmlns:r="http://schemas.openxmlformats.org/officeDocument/2006/relationships" xmlns:p="http://schemas.openxmlformats.org/presentationml/2006/main">
   <p:cSld>
     <p:spTree>

--- a/Document/presentation/nam/notify right route.pptx
+++ b/Document/presentation/nam/notify right route.pptx
@@ -267,7 +267,7 @@
           <a:p>
             <a:fld id="{94B1E4EC-92D8-4A33-94B0-5CDDBDDA3BE9}" type="datetimeFigureOut">
               <a:rPr lang="en-US" smtClean="0"/>
-              <a:t>12/11/2015</a:t>
+              <a:t>12/11/15</a:t>
             </a:fld>
             <a:endParaRPr lang="en-US"/>
           </a:p>
@@ -437,7 +437,7 @@
           <a:p>
             <a:fld id="{94B1E4EC-92D8-4A33-94B0-5CDDBDDA3BE9}" type="datetimeFigureOut">
               <a:rPr lang="en-US" smtClean="0"/>
-              <a:t>12/11/2015</a:t>
+              <a:t>12/11/15</a:t>
             </a:fld>
             <a:endParaRPr lang="en-US"/>
           </a:p>
@@ -617,7 +617,7 @@
           <a:p>
             <a:fld id="{94B1E4EC-92D8-4A33-94B0-5CDDBDDA3BE9}" type="datetimeFigureOut">
               <a:rPr lang="en-US" smtClean="0"/>
-              <a:t>12/11/2015</a:t>
+              <a:t>12/11/15</a:t>
             </a:fld>
             <a:endParaRPr lang="en-US"/>
           </a:p>
@@ -787,7 +787,7 @@
           <a:p>
             <a:fld id="{94B1E4EC-92D8-4A33-94B0-5CDDBDDA3BE9}" type="datetimeFigureOut">
               <a:rPr lang="en-US" smtClean="0"/>
-              <a:t>12/11/2015</a:t>
+              <a:t>12/11/15</a:t>
             </a:fld>
             <a:endParaRPr lang="en-US"/>
           </a:p>
@@ -1031,7 +1031,7 @@
           <a:p>
             <a:fld id="{94B1E4EC-92D8-4A33-94B0-5CDDBDDA3BE9}" type="datetimeFigureOut">
               <a:rPr lang="en-US" smtClean="0"/>
-              <a:t>12/11/2015</a:t>
+              <a:t>12/11/15</a:t>
             </a:fld>
             <a:endParaRPr lang="en-US"/>
           </a:p>
@@ -1263,7 +1263,7 @@
           <a:p>
             <a:fld id="{94B1E4EC-92D8-4A33-94B0-5CDDBDDA3BE9}" type="datetimeFigureOut">
               <a:rPr lang="en-US" smtClean="0"/>
-              <a:t>12/11/2015</a:t>
+              <a:t>12/11/15</a:t>
             </a:fld>
             <a:endParaRPr lang="en-US"/>
           </a:p>
@@ -1630,7 +1630,7 @@
           <a:p>
             <a:fld id="{94B1E4EC-92D8-4A33-94B0-5CDDBDDA3BE9}" type="datetimeFigureOut">
               <a:rPr lang="en-US" smtClean="0"/>
-              <a:t>12/11/2015</a:t>
+              <a:t>12/11/15</a:t>
             </a:fld>
             <a:endParaRPr lang="en-US"/>
           </a:p>
@@ -1748,7 +1748,7 @@
           <a:p>
             <a:fld id="{94B1E4EC-92D8-4A33-94B0-5CDDBDDA3BE9}" type="datetimeFigureOut">
               <a:rPr lang="en-US" smtClean="0"/>
-              <a:t>12/11/2015</a:t>
+              <a:t>12/11/15</a:t>
             </a:fld>
             <a:endParaRPr lang="en-US"/>
           </a:p>
@@ -1843,7 +1843,7 @@
           <a:p>
             <a:fld id="{94B1E4EC-92D8-4A33-94B0-5CDDBDDA3BE9}" type="datetimeFigureOut">
               <a:rPr lang="en-US" smtClean="0"/>
-              <a:t>12/11/2015</a:t>
+              <a:t>12/11/15</a:t>
             </a:fld>
             <a:endParaRPr lang="en-US"/>
           </a:p>
@@ -2120,7 +2120,7 @@
           <a:p>
             <a:fld id="{94B1E4EC-92D8-4A33-94B0-5CDDBDDA3BE9}" type="datetimeFigureOut">
               <a:rPr lang="en-US" smtClean="0"/>
-              <a:t>12/11/2015</a:t>
+              <a:t>12/11/15</a:t>
             </a:fld>
             <a:endParaRPr lang="en-US"/>
           </a:p>
@@ -2377,7 +2377,7 @@
           <a:p>
             <a:fld id="{94B1E4EC-92D8-4A33-94B0-5CDDBDDA3BE9}" type="datetimeFigureOut">
               <a:rPr lang="en-US" smtClean="0"/>
-              <a:t>12/11/2015</a:t>
+              <a:t>12/11/15</a:t>
             </a:fld>
             <a:endParaRPr lang="en-US"/>
           </a:p>
@@ -2590,7 +2590,7 @@
           <a:p>
             <a:fld id="{94B1E4EC-92D8-4A33-94B0-5CDDBDDA3BE9}" type="datetimeFigureOut">
               <a:rPr lang="en-US" smtClean="0"/>
-              <a:t>12/11/2015</a:t>
+              <a:t>12/11/15</a:t>
             </a:fld>
             <a:endParaRPr lang="en-US"/>
           </a:p>
@@ -12694,7 +12694,11 @@
             </a:pPr>
             <a:r>
               <a:rPr lang="en-US" dirty="0" smtClean="0"/>
-              <a:t>- Auto detect and notify.</a:t>
+              <a:t>- Auto detect and </a:t>
+            </a:r>
+            <a:r>
+              <a:rPr lang="en-US" dirty="0" smtClean="0"/>
+              <a:t>notify at each motorbike turn.</a:t>
             </a:r>
             <a:endParaRPr lang="en-US" dirty="0"/>
           </a:p>

--- a/Document/presentation/nam/notify right route.pptx
+++ b/Document/presentation/nam/notify right route.pptx
@@ -4,32 +4,36 @@
   <p:sldMasterIdLst>
     <p:sldMasterId id="2147483660" r:id="rId1"/>
   </p:sldMasterIdLst>
+  <p:notesMasterIdLst>
+    <p:notesMasterId r:id="rId28"/>
+  </p:notesMasterIdLst>
   <p:sldIdLst>
-    <p:sldId id="297" r:id="rId2"/>
-    <p:sldId id="298" r:id="rId3"/>
-    <p:sldId id="299" r:id="rId4"/>
+    <p:sldId id="304" r:id="rId2"/>
+    <p:sldId id="305" r:id="rId3"/>
+    <p:sldId id="306" r:id="rId4"/>
     <p:sldId id="301" r:id="rId5"/>
-    <p:sldId id="265" r:id="rId6"/>
-    <p:sldId id="295" r:id="rId7"/>
-    <p:sldId id="266" r:id="rId8"/>
-    <p:sldId id="267" r:id="rId9"/>
-    <p:sldId id="263" r:id="rId10"/>
-    <p:sldId id="264" r:id="rId11"/>
-    <p:sldId id="292" r:id="rId12"/>
-    <p:sldId id="287" r:id="rId13"/>
-    <p:sldId id="302" r:id="rId14"/>
-    <p:sldId id="256" r:id="rId15"/>
-    <p:sldId id="289" r:id="rId16"/>
-    <p:sldId id="288" r:id="rId17"/>
-    <p:sldId id="257" r:id="rId18"/>
-    <p:sldId id="296" r:id="rId19"/>
-    <p:sldId id="290" r:id="rId20"/>
-    <p:sldId id="291" r:id="rId21"/>
-    <p:sldId id="293" r:id="rId22"/>
-    <p:sldId id="303" r:id="rId23"/>
-    <p:sldId id="261" r:id="rId24"/>
-    <p:sldId id="258" r:id="rId25"/>
-    <p:sldId id="269" r:id="rId26"/>
+    <p:sldId id="308" r:id="rId6"/>
+    <p:sldId id="265" r:id="rId7"/>
+    <p:sldId id="295" r:id="rId8"/>
+    <p:sldId id="266" r:id="rId9"/>
+    <p:sldId id="267" r:id="rId10"/>
+    <p:sldId id="263" r:id="rId11"/>
+    <p:sldId id="264" r:id="rId12"/>
+    <p:sldId id="292" r:id="rId13"/>
+    <p:sldId id="287" r:id="rId14"/>
+    <p:sldId id="309" r:id="rId15"/>
+    <p:sldId id="256" r:id="rId16"/>
+    <p:sldId id="289" r:id="rId17"/>
+    <p:sldId id="288" r:id="rId18"/>
+    <p:sldId id="257" r:id="rId19"/>
+    <p:sldId id="296" r:id="rId20"/>
+    <p:sldId id="290" r:id="rId21"/>
+    <p:sldId id="291" r:id="rId22"/>
+    <p:sldId id="293" r:id="rId23"/>
+    <p:sldId id="303" r:id="rId24"/>
+    <p:sldId id="261" r:id="rId25"/>
+    <p:sldId id="258" r:id="rId26"/>
+    <p:sldId id="269" r:id="rId27"/>
   </p:sldIdLst>
   <p:sldSz cx="9144000" cy="6858000" type="screen4x3"/>
   <p:notesSz cx="6858000" cy="9144000"/>
@@ -136,6 +140,862 @@
 </p:presentation>
 </file>
 
+<file path=ppt/notesMasters/notesMaster1.xml><?xml version="1.0" encoding="utf-8"?>
+<p:notesMaster xmlns:a="http://schemas.openxmlformats.org/drawingml/2006/main" xmlns:r="http://schemas.openxmlformats.org/officeDocument/2006/relationships" xmlns:p="http://schemas.openxmlformats.org/presentationml/2006/main">
+  <p:cSld>
+    <p:bg>
+      <p:bgRef idx="1001">
+        <a:schemeClr val="bg1"/>
+      </p:bgRef>
+    </p:bg>
+    <p:spTree>
+      <p:nvGrpSpPr>
+        <p:cNvPr id="1" name=""/>
+        <p:cNvGrpSpPr/>
+        <p:nvPr/>
+      </p:nvGrpSpPr>
+      <p:grpSpPr>
+        <a:xfrm>
+          <a:off x="0" y="0"/>
+          <a:ext cx="0" cy="0"/>
+          <a:chOff x="0" y="0"/>
+          <a:chExt cx="0" cy="0"/>
+        </a:xfrm>
+      </p:grpSpPr>
+      <p:sp>
+        <p:nvSpPr>
+          <p:cNvPr id="2" name="Header Placeholder 1"/>
+          <p:cNvSpPr>
+            <a:spLocks noGrp="1"/>
+          </p:cNvSpPr>
+          <p:nvPr>
+            <p:ph type="hdr" sz="quarter"/>
+          </p:nvPr>
+        </p:nvSpPr>
+        <p:spPr>
+          <a:xfrm>
+            <a:off x="0" y="0"/>
+            <a:ext cx="2971800" cy="458788"/>
+          </a:xfrm>
+          <a:prstGeom prst="rect">
+            <a:avLst/>
+          </a:prstGeom>
+        </p:spPr>
+        <p:txBody>
+          <a:bodyPr vert="horz" lIns="91440" tIns="45720" rIns="91440" bIns="45720" rtlCol="0"/>
+          <a:lstStyle>
+            <a:lvl1pPr algn="l">
+              <a:defRPr sz="1200"/>
+            </a:lvl1pPr>
+          </a:lstStyle>
+          <a:p>
+            <a:endParaRPr lang="en-US"/>
+          </a:p>
+        </p:txBody>
+      </p:sp>
+      <p:sp>
+        <p:nvSpPr>
+          <p:cNvPr id="3" name="Date Placeholder 2"/>
+          <p:cNvSpPr>
+            <a:spLocks noGrp="1"/>
+          </p:cNvSpPr>
+          <p:nvPr>
+            <p:ph type="dt" idx="1"/>
+          </p:nvPr>
+        </p:nvSpPr>
+        <p:spPr>
+          <a:xfrm>
+            <a:off x="3884613" y="0"/>
+            <a:ext cx="2971800" cy="458788"/>
+          </a:xfrm>
+          <a:prstGeom prst="rect">
+            <a:avLst/>
+          </a:prstGeom>
+        </p:spPr>
+        <p:txBody>
+          <a:bodyPr vert="horz" lIns="91440" tIns="45720" rIns="91440" bIns="45720" rtlCol="0"/>
+          <a:lstStyle>
+            <a:lvl1pPr algn="r">
+              <a:defRPr sz="1200"/>
+            </a:lvl1pPr>
+          </a:lstStyle>
+          <a:p>
+            <a:fld id="{DA9549E1-0AAC-2C4B-93C1-37A6039FCBA8}" type="datetimeFigureOut">
+              <a:rPr lang="en-US" smtClean="0"/>
+              <a:t>12/11/15</a:t>
+            </a:fld>
+            <a:endParaRPr lang="en-US"/>
+          </a:p>
+        </p:txBody>
+      </p:sp>
+      <p:sp>
+        <p:nvSpPr>
+          <p:cNvPr id="4" name="Slide Image Placeholder 3"/>
+          <p:cNvSpPr>
+            <a:spLocks noGrp="1" noRot="1" noChangeAspect="1"/>
+          </p:cNvSpPr>
+          <p:nvPr>
+            <p:ph type="sldImg" idx="2"/>
+          </p:nvPr>
+        </p:nvSpPr>
+        <p:spPr>
+          <a:xfrm>
+            <a:off x="1371600" y="1143000"/>
+            <a:ext cx="4114800" cy="3086100"/>
+          </a:xfrm>
+          <a:prstGeom prst="rect">
+            <a:avLst/>
+          </a:prstGeom>
+          <a:noFill/>
+          <a:ln w="12700">
+            <a:solidFill>
+              <a:prstClr val="black"/>
+            </a:solidFill>
+          </a:ln>
+        </p:spPr>
+        <p:txBody>
+          <a:bodyPr vert="horz" lIns="91440" tIns="45720" rIns="91440" bIns="45720" rtlCol="0" anchor="ctr"/>
+          <a:lstStyle/>
+          <a:p>
+            <a:endParaRPr lang="en-US"/>
+          </a:p>
+        </p:txBody>
+      </p:sp>
+      <p:sp>
+        <p:nvSpPr>
+          <p:cNvPr id="5" name="Notes Placeholder 4"/>
+          <p:cNvSpPr>
+            <a:spLocks noGrp="1"/>
+          </p:cNvSpPr>
+          <p:nvPr>
+            <p:ph type="body" sz="quarter" idx="3"/>
+          </p:nvPr>
+        </p:nvSpPr>
+        <p:spPr>
+          <a:xfrm>
+            <a:off x="685800" y="4400550"/>
+            <a:ext cx="5486400" cy="3600450"/>
+          </a:xfrm>
+          <a:prstGeom prst="rect">
+            <a:avLst/>
+          </a:prstGeom>
+        </p:spPr>
+        <p:txBody>
+          <a:bodyPr vert="horz" lIns="91440" tIns="45720" rIns="91440" bIns="45720" rtlCol="0"/>
+          <a:lstStyle/>
+          <a:p>
+            <a:pPr lvl="0"/>
+            <a:r>
+              <a:rPr lang="vi-VN" smtClean="0"/>
+              <a:t>Click to edit Master text styles</a:t>
+            </a:r>
+          </a:p>
+          <a:p>
+            <a:pPr lvl="1"/>
+            <a:r>
+              <a:rPr lang="vi-VN" smtClean="0"/>
+              <a:t>Second level</a:t>
+            </a:r>
+          </a:p>
+          <a:p>
+            <a:pPr lvl="2"/>
+            <a:r>
+              <a:rPr lang="vi-VN" smtClean="0"/>
+              <a:t>Third level</a:t>
+            </a:r>
+          </a:p>
+          <a:p>
+            <a:pPr lvl="3"/>
+            <a:r>
+              <a:rPr lang="vi-VN" smtClean="0"/>
+              <a:t>Fourth level</a:t>
+            </a:r>
+          </a:p>
+          <a:p>
+            <a:pPr lvl="4"/>
+            <a:r>
+              <a:rPr lang="vi-VN" smtClean="0"/>
+              <a:t>Fifth level</a:t>
+            </a:r>
+            <a:endParaRPr lang="en-US"/>
+          </a:p>
+        </p:txBody>
+      </p:sp>
+      <p:sp>
+        <p:nvSpPr>
+          <p:cNvPr id="6" name="Footer Placeholder 5"/>
+          <p:cNvSpPr>
+            <a:spLocks noGrp="1"/>
+          </p:cNvSpPr>
+          <p:nvPr>
+            <p:ph type="ftr" sz="quarter" idx="4"/>
+          </p:nvPr>
+        </p:nvSpPr>
+        <p:spPr>
+          <a:xfrm>
+            <a:off x="0" y="8685213"/>
+            <a:ext cx="2971800" cy="458787"/>
+          </a:xfrm>
+          <a:prstGeom prst="rect">
+            <a:avLst/>
+          </a:prstGeom>
+        </p:spPr>
+        <p:txBody>
+          <a:bodyPr vert="horz" lIns="91440" tIns="45720" rIns="91440" bIns="45720" rtlCol="0" anchor="b"/>
+          <a:lstStyle>
+            <a:lvl1pPr algn="l">
+              <a:defRPr sz="1200"/>
+            </a:lvl1pPr>
+          </a:lstStyle>
+          <a:p>
+            <a:endParaRPr lang="en-US"/>
+          </a:p>
+        </p:txBody>
+      </p:sp>
+      <p:sp>
+        <p:nvSpPr>
+          <p:cNvPr id="7" name="Slide Number Placeholder 6"/>
+          <p:cNvSpPr>
+            <a:spLocks noGrp="1"/>
+          </p:cNvSpPr>
+          <p:nvPr>
+            <p:ph type="sldNum" sz="quarter" idx="5"/>
+          </p:nvPr>
+        </p:nvSpPr>
+        <p:spPr>
+          <a:xfrm>
+            <a:off x="3884613" y="8685213"/>
+            <a:ext cx="2971800" cy="458787"/>
+          </a:xfrm>
+          <a:prstGeom prst="rect">
+            <a:avLst/>
+          </a:prstGeom>
+        </p:spPr>
+        <p:txBody>
+          <a:bodyPr vert="horz" lIns="91440" tIns="45720" rIns="91440" bIns="45720" rtlCol="0" anchor="b"/>
+          <a:lstStyle>
+            <a:lvl1pPr algn="r">
+              <a:defRPr sz="1200"/>
+            </a:lvl1pPr>
+          </a:lstStyle>
+          <a:p>
+            <a:fld id="{6EAC9104-BF7A-AB40-8603-EF459625F286}" type="slidenum">
+              <a:rPr lang="en-US" smtClean="0"/>
+              <a:t>‹#›</a:t>
+            </a:fld>
+            <a:endParaRPr lang="en-US"/>
+          </a:p>
+        </p:txBody>
+      </p:sp>
+    </p:spTree>
+    <p:extLst>
+      <p:ext uri="{BB962C8B-B14F-4D97-AF65-F5344CB8AC3E}">
+        <p14:creationId xmlns:p14="http://schemas.microsoft.com/office/powerpoint/2010/main" val="2102174763"/>
+      </p:ext>
+    </p:extLst>
+  </p:cSld>
+  <p:clrMap bg1="lt1" tx1="dk1" bg2="lt2" tx2="dk2" accent1="accent1" accent2="accent2" accent3="accent3" accent4="accent4" accent5="accent5" accent6="accent6" hlink="hlink" folHlink="folHlink"/>
+  <p:notesStyle>
+    <a:lvl1pPr marL="0" algn="l" defTabSz="914400" rtl="0" eaLnBrk="1" latinLnBrk="0" hangingPunct="1">
+      <a:defRPr sz="1200" kern="1200">
+        <a:solidFill>
+          <a:schemeClr val="tx1"/>
+        </a:solidFill>
+        <a:latin typeface="+mn-lt"/>
+        <a:ea typeface="+mn-ea"/>
+        <a:cs typeface="+mn-cs"/>
+      </a:defRPr>
+    </a:lvl1pPr>
+    <a:lvl2pPr marL="457200" algn="l" defTabSz="914400" rtl="0" eaLnBrk="1" latinLnBrk="0" hangingPunct="1">
+      <a:defRPr sz="1200" kern="1200">
+        <a:solidFill>
+          <a:schemeClr val="tx1"/>
+        </a:solidFill>
+        <a:latin typeface="+mn-lt"/>
+        <a:ea typeface="+mn-ea"/>
+        <a:cs typeface="+mn-cs"/>
+      </a:defRPr>
+    </a:lvl2pPr>
+    <a:lvl3pPr marL="914400" algn="l" defTabSz="914400" rtl="0" eaLnBrk="1" latinLnBrk="0" hangingPunct="1">
+      <a:defRPr sz="1200" kern="1200">
+        <a:solidFill>
+          <a:schemeClr val="tx1"/>
+        </a:solidFill>
+        <a:latin typeface="+mn-lt"/>
+        <a:ea typeface="+mn-ea"/>
+        <a:cs typeface="+mn-cs"/>
+      </a:defRPr>
+    </a:lvl3pPr>
+    <a:lvl4pPr marL="1371600" algn="l" defTabSz="914400" rtl="0" eaLnBrk="1" latinLnBrk="0" hangingPunct="1">
+      <a:defRPr sz="1200" kern="1200">
+        <a:solidFill>
+          <a:schemeClr val="tx1"/>
+        </a:solidFill>
+        <a:latin typeface="+mn-lt"/>
+        <a:ea typeface="+mn-ea"/>
+        <a:cs typeface="+mn-cs"/>
+      </a:defRPr>
+    </a:lvl4pPr>
+    <a:lvl5pPr marL="1828800" algn="l" defTabSz="914400" rtl="0" eaLnBrk="1" latinLnBrk="0" hangingPunct="1">
+      <a:defRPr sz="1200" kern="1200">
+        <a:solidFill>
+          <a:schemeClr val="tx1"/>
+        </a:solidFill>
+        <a:latin typeface="+mn-lt"/>
+        <a:ea typeface="+mn-ea"/>
+        <a:cs typeface="+mn-cs"/>
+      </a:defRPr>
+    </a:lvl5pPr>
+    <a:lvl6pPr marL="2286000" algn="l" defTabSz="914400" rtl="0" eaLnBrk="1" latinLnBrk="0" hangingPunct="1">
+      <a:defRPr sz="1200" kern="1200">
+        <a:solidFill>
+          <a:schemeClr val="tx1"/>
+        </a:solidFill>
+        <a:latin typeface="+mn-lt"/>
+        <a:ea typeface="+mn-ea"/>
+        <a:cs typeface="+mn-cs"/>
+      </a:defRPr>
+    </a:lvl6pPr>
+    <a:lvl7pPr marL="2743200" algn="l" defTabSz="914400" rtl="0" eaLnBrk="1" latinLnBrk="0" hangingPunct="1">
+      <a:defRPr sz="1200" kern="1200">
+        <a:solidFill>
+          <a:schemeClr val="tx1"/>
+        </a:solidFill>
+        <a:latin typeface="+mn-lt"/>
+        <a:ea typeface="+mn-ea"/>
+        <a:cs typeface="+mn-cs"/>
+      </a:defRPr>
+    </a:lvl7pPr>
+    <a:lvl8pPr marL="3200400" algn="l" defTabSz="914400" rtl="0" eaLnBrk="1" latinLnBrk="0" hangingPunct="1">
+      <a:defRPr sz="1200" kern="1200">
+        <a:solidFill>
+          <a:schemeClr val="tx1"/>
+        </a:solidFill>
+        <a:latin typeface="+mn-lt"/>
+        <a:ea typeface="+mn-ea"/>
+        <a:cs typeface="+mn-cs"/>
+      </a:defRPr>
+    </a:lvl8pPr>
+    <a:lvl9pPr marL="3657600" algn="l" defTabSz="914400" rtl="0" eaLnBrk="1" latinLnBrk="0" hangingPunct="1">
+      <a:defRPr sz="1200" kern="1200">
+        <a:solidFill>
+          <a:schemeClr val="tx1"/>
+        </a:solidFill>
+        <a:latin typeface="+mn-lt"/>
+        <a:ea typeface="+mn-ea"/>
+        <a:cs typeface="+mn-cs"/>
+      </a:defRPr>
+    </a:lvl9pPr>
+  </p:notesStyle>
+</p:notesMaster>
+</file>
+
+<file path=ppt/notesSlides/notesSlide1.xml><?xml version="1.0" encoding="utf-8"?>
+<p:notes xmlns:a="http://schemas.openxmlformats.org/drawingml/2006/main" xmlns:r="http://schemas.openxmlformats.org/officeDocument/2006/relationships" xmlns:p="http://schemas.openxmlformats.org/presentationml/2006/main">
+  <p:cSld>
+    <p:spTree>
+      <p:nvGrpSpPr>
+        <p:cNvPr id="1" name=""/>
+        <p:cNvGrpSpPr/>
+        <p:nvPr/>
+      </p:nvGrpSpPr>
+      <p:grpSpPr>
+        <a:xfrm>
+          <a:off x="0" y="0"/>
+          <a:ext cx="0" cy="0"/>
+          <a:chOff x="0" y="0"/>
+          <a:chExt cx="0" cy="0"/>
+        </a:xfrm>
+      </p:grpSpPr>
+      <p:sp>
+        <p:nvSpPr>
+          <p:cNvPr id="2" name="Slide Image Placeholder 1"/>
+          <p:cNvSpPr>
+            <a:spLocks noGrp="1" noRot="1" noChangeAspect="1"/>
+          </p:cNvSpPr>
+          <p:nvPr>
+            <p:ph type="sldImg"/>
+          </p:nvPr>
+        </p:nvSpPr>
+        <p:spPr/>
+      </p:sp>
+      <p:sp>
+        <p:nvSpPr>
+          <p:cNvPr id="3" name="Notes Placeholder 2"/>
+          <p:cNvSpPr>
+            <a:spLocks noGrp="1"/>
+          </p:cNvSpPr>
+          <p:nvPr>
+            <p:ph type="body" idx="1"/>
+          </p:nvPr>
+        </p:nvSpPr>
+        <p:spPr/>
+        <p:txBody>
+          <a:bodyPr/>
+          <a:lstStyle/>
+          <a:p>
+            <a:endParaRPr lang="en-US" dirty="0"/>
+          </a:p>
+        </p:txBody>
+      </p:sp>
+      <p:sp>
+        <p:nvSpPr>
+          <p:cNvPr id="4" name="Slide Number Placeholder 3"/>
+          <p:cNvSpPr>
+            <a:spLocks noGrp="1"/>
+          </p:cNvSpPr>
+          <p:nvPr>
+            <p:ph type="sldNum" sz="quarter" idx="10"/>
+          </p:nvPr>
+        </p:nvSpPr>
+        <p:spPr/>
+        <p:txBody>
+          <a:bodyPr/>
+          <a:lstStyle/>
+          <a:p>
+            <a:fld id="{2599C3E7-3278-1243-886F-92FF82204DB1}" type="slidenum">
+              <a:rPr lang="en-US" smtClean="0"/>
+              <a:t>1</a:t>
+            </a:fld>
+            <a:endParaRPr lang="en-US"/>
+          </a:p>
+        </p:txBody>
+      </p:sp>
+    </p:spTree>
+    <p:extLst>
+      <p:ext uri="{BB962C8B-B14F-4D97-AF65-F5344CB8AC3E}">
+        <p14:creationId xmlns:p14="http://schemas.microsoft.com/office/powerpoint/2010/main" val="154745863"/>
+      </p:ext>
+    </p:extLst>
+  </p:cSld>
+  <p:clrMapOvr>
+    <a:masterClrMapping/>
+  </p:clrMapOvr>
+</p:notes>
+</file>
+
+<file path=ppt/notesSlides/notesSlide2.xml><?xml version="1.0" encoding="utf-8"?>
+<p:notes xmlns:a="http://schemas.openxmlformats.org/drawingml/2006/main" xmlns:r="http://schemas.openxmlformats.org/officeDocument/2006/relationships" xmlns:p="http://schemas.openxmlformats.org/presentationml/2006/main">
+  <p:cSld>
+    <p:spTree>
+      <p:nvGrpSpPr>
+        <p:cNvPr id="1" name=""/>
+        <p:cNvGrpSpPr/>
+        <p:nvPr/>
+      </p:nvGrpSpPr>
+      <p:grpSpPr>
+        <a:xfrm>
+          <a:off x="0" y="0"/>
+          <a:ext cx="0" cy="0"/>
+          <a:chOff x="0" y="0"/>
+          <a:chExt cx="0" cy="0"/>
+        </a:xfrm>
+      </p:grpSpPr>
+      <p:sp>
+        <p:nvSpPr>
+          <p:cNvPr id="2" name="Slide Image Placeholder 1"/>
+          <p:cNvSpPr>
+            <a:spLocks noGrp="1" noRot="1" noChangeAspect="1"/>
+          </p:cNvSpPr>
+          <p:nvPr>
+            <p:ph type="sldImg"/>
+          </p:nvPr>
+        </p:nvSpPr>
+        <p:spPr/>
+      </p:sp>
+      <p:sp>
+        <p:nvSpPr>
+          <p:cNvPr id="3" name="Notes Placeholder 2"/>
+          <p:cNvSpPr>
+            <a:spLocks noGrp="1"/>
+          </p:cNvSpPr>
+          <p:nvPr>
+            <p:ph type="body" idx="1"/>
+          </p:nvPr>
+        </p:nvSpPr>
+        <p:spPr/>
+        <p:txBody>
+          <a:bodyPr/>
+          <a:lstStyle/>
+          <a:p>
+            <a:r>
+              <a:rPr lang="vi-VN" dirty="0" smtClean="0"/>
+              <a:t>Lâu rồi anh Khương chưa về nước, nên rất bối zối với giao thông việt nam</a:t>
+            </a:r>
+            <a:r>
+              <a:rPr lang="vi-VN" baseline="0" dirty="0" smtClean="0"/>
+              <a:t> và rất cần một phần mềm hướng dẫn để tham gia giao thông.</a:t>
+            </a:r>
+          </a:p>
+          <a:p>
+            <a:r>
+              <a:rPr lang="vi-VN" dirty="0" smtClean="0"/>
+              <a:t>Anh khương điện thoại cũng ko có 3G để coi map liên tục</a:t>
+            </a:r>
+            <a:r>
+              <a:rPr lang="vi-VN" baseline="0" dirty="0" smtClean="0"/>
+              <a:t> khi tham gia giao thông.</a:t>
+            </a:r>
+            <a:endParaRPr lang="en-US" dirty="0" smtClean="0"/>
+          </a:p>
+          <a:p>
+            <a:endParaRPr lang="en-US" dirty="0" smtClean="0"/>
+          </a:p>
+          <a:p>
+            <a:endParaRPr lang="en-US" dirty="0"/>
+          </a:p>
+        </p:txBody>
+      </p:sp>
+      <p:sp>
+        <p:nvSpPr>
+          <p:cNvPr id="4" name="Slide Number Placeholder 3"/>
+          <p:cNvSpPr>
+            <a:spLocks noGrp="1"/>
+          </p:cNvSpPr>
+          <p:nvPr>
+            <p:ph type="sldNum" sz="quarter" idx="10"/>
+          </p:nvPr>
+        </p:nvSpPr>
+        <p:spPr/>
+        <p:txBody>
+          <a:bodyPr/>
+          <a:lstStyle/>
+          <a:p>
+            <a:fld id="{2599C3E7-3278-1243-886F-92FF82204DB1}" type="slidenum">
+              <a:rPr lang="en-US" smtClean="0"/>
+              <a:t>2</a:t>
+            </a:fld>
+            <a:endParaRPr lang="en-US"/>
+          </a:p>
+        </p:txBody>
+      </p:sp>
+    </p:spTree>
+    <p:extLst>
+      <p:ext uri="{BB962C8B-B14F-4D97-AF65-F5344CB8AC3E}">
+        <p14:creationId xmlns:p14="http://schemas.microsoft.com/office/powerpoint/2010/main" val="1002225485"/>
+      </p:ext>
+    </p:extLst>
+  </p:cSld>
+  <p:clrMapOvr>
+    <a:masterClrMapping/>
+  </p:clrMapOvr>
+</p:notes>
+</file>
+
+<file path=ppt/notesSlides/notesSlide3.xml><?xml version="1.0" encoding="utf-8"?>
+<p:notes xmlns:a="http://schemas.openxmlformats.org/drawingml/2006/main" xmlns:r="http://schemas.openxmlformats.org/officeDocument/2006/relationships" xmlns:p="http://schemas.openxmlformats.org/presentationml/2006/main">
+  <p:cSld>
+    <p:spTree>
+      <p:nvGrpSpPr>
+        <p:cNvPr id="1" name=""/>
+        <p:cNvGrpSpPr/>
+        <p:nvPr/>
+      </p:nvGrpSpPr>
+      <p:grpSpPr>
+        <a:xfrm>
+          <a:off x="0" y="0"/>
+          <a:ext cx="0" cy="0"/>
+          <a:chOff x="0" y="0"/>
+          <a:chExt cx="0" cy="0"/>
+        </a:xfrm>
+      </p:grpSpPr>
+      <p:sp>
+        <p:nvSpPr>
+          <p:cNvPr id="2" name="Slide Image Placeholder 1"/>
+          <p:cNvSpPr>
+            <a:spLocks noGrp="1" noRot="1" noChangeAspect="1"/>
+          </p:cNvSpPr>
+          <p:nvPr>
+            <p:ph type="sldImg"/>
+          </p:nvPr>
+        </p:nvSpPr>
+        <p:spPr/>
+      </p:sp>
+      <p:sp>
+        <p:nvSpPr>
+          <p:cNvPr id="3" name="Notes Placeholder 2"/>
+          <p:cNvSpPr>
+            <a:spLocks noGrp="1"/>
+          </p:cNvSpPr>
+          <p:nvPr>
+            <p:ph type="body" idx="1"/>
+          </p:nvPr>
+        </p:nvSpPr>
+        <p:spPr/>
+        <p:txBody>
+          <a:bodyPr/>
+          <a:lstStyle/>
+          <a:p>
+            <a:r>
+              <a:rPr lang="vi-VN" dirty="0" smtClean="0"/>
+              <a:t>Phát hiện và thông báo cho anh Khương ở mỗi ngả rẽ.</a:t>
+            </a:r>
+          </a:p>
+          <a:p>
+            <a:r>
+              <a:rPr lang="en-US" dirty="0" smtClean="0"/>
+              <a:t>S</a:t>
+            </a:r>
+            <a:r>
+              <a:rPr lang="vi-VN" dirty="0" smtClean="0"/>
+              <a:t>ong song đó, chúng tôi cung cấp chức năng map offline mà ko cần mạng 3G.</a:t>
+            </a:r>
+            <a:endParaRPr lang="en-US" dirty="0"/>
+          </a:p>
+        </p:txBody>
+      </p:sp>
+      <p:sp>
+        <p:nvSpPr>
+          <p:cNvPr id="4" name="Slide Number Placeholder 3"/>
+          <p:cNvSpPr>
+            <a:spLocks noGrp="1"/>
+          </p:cNvSpPr>
+          <p:nvPr>
+            <p:ph type="sldNum" sz="quarter" idx="10"/>
+          </p:nvPr>
+        </p:nvSpPr>
+        <p:spPr/>
+        <p:txBody>
+          <a:bodyPr/>
+          <a:lstStyle/>
+          <a:p>
+            <a:fld id="{2599C3E7-3278-1243-886F-92FF82204DB1}" type="slidenum">
+              <a:rPr lang="en-US" smtClean="0"/>
+              <a:t>3</a:t>
+            </a:fld>
+            <a:endParaRPr lang="en-US"/>
+          </a:p>
+        </p:txBody>
+      </p:sp>
+    </p:spTree>
+    <p:extLst>
+      <p:ext uri="{BB962C8B-B14F-4D97-AF65-F5344CB8AC3E}">
+        <p14:creationId xmlns:p14="http://schemas.microsoft.com/office/powerpoint/2010/main" val="1161482418"/>
+      </p:ext>
+    </p:extLst>
+  </p:cSld>
+  <p:clrMapOvr>
+    <a:masterClrMapping/>
+  </p:clrMapOvr>
+</p:notes>
+</file>
+
+<file path=ppt/notesSlides/notesSlide4.xml><?xml version="1.0" encoding="utf-8"?>
+<p:notes xmlns:a="http://schemas.openxmlformats.org/drawingml/2006/main" xmlns:r="http://schemas.openxmlformats.org/officeDocument/2006/relationships" xmlns:p="http://schemas.openxmlformats.org/presentationml/2006/main">
+  <p:cSld>
+    <p:spTree>
+      <p:nvGrpSpPr>
+        <p:cNvPr id="1" name=""/>
+        <p:cNvGrpSpPr/>
+        <p:nvPr/>
+      </p:nvGrpSpPr>
+      <p:grpSpPr>
+        <a:xfrm>
+          <a:off x="0" y="0"/>
+          <a:ext cx="0" cy="0"/>
+          <a:chOff x="0" y="0"/>
+          <a:chExt cx="0" cy="0"/>
+        </a:xfrm>
+      </p:grpSpPr>
+      <p:sp>
+        <p:nvSpPr>
+          <p:cNvPr id="2" name="Slide Image Placeholder 1"/>
+          <p:cNvSpPr>
+            <a:spLocks noGrp="1" noRot="1" noChangeAspect="1"/>
+          </p:cNvSpPr>
+          <p:nvPr>
+            <p:ph type="sldImg"/>
+          </p:nvPr>
+        </p:nvSpPr>
+        <p:spPr/>
+      </p:sp>
+      <p:sp>
+        <p:nvSpPr>
+          <p:cNvPr id="3" name="Notes Placeholder 2"/>
+          <p:cNvSpPr>
+            <a:spLocks noGrp="1"/>
+          </p:cNvSpPr>
+          <p:nvPr>
+            <p:ph type="body" idx="1"/>
+          </p:nvPr>
+        </p:nvSpPr>
+        <p:spPr/>
+        <p:txBody>
+          <a:bodyPr/>
+          <a:lstStyle/>
+          <a:p>
+            <a:pPr marL="0" marR="0" indent="0" algn="l" defTabSz="914400" rtl="0" eaLnBrk="1" fontAlgn="auto" latinLnBrk="0" hangingPunct="1">
+              <a:lnSpc>
+                <a:spcPct val="100000"/>
+              </a:lnSpc>
+              <a:spcBef>
+                <a:spcPts val="0"/>
+              </a:spcBef>
+              <a:spcAft>
+                <a:spcPts val="0"/>
+              </a:spcAft>
+              <a:buClrTx/>
+              <a:buSzTx/>
+              <a:buFontTx/>
+              <a:buNone/>
+              <a:tabLst/>
+              <a:defRPr/>
+            </a:pPr>
+            <a:r>
+              <a:rPr lang="vi-VN" dirty="0" smtClean="0"/>
+              <a:t>Để hỗ trợ thuật toán trên, Trước hết, tôi xin trình bày tìm khoảng cách ... </a:t>
+            </a:r>
+            <a:endParaRPr lang="en-US" dirty="0" smtClean="0"/>
+          </a:p>
+          <a:p>
+            <a:endParaRPr lang="en-US" dirty="0"/>
+          </a:p>
+        </p:txBody>
+      </p:sp>
+      <p:sp>
+        <p:nvSpPr>
+          <p:cNvPr id="4" name="Slide Number Placeholder 3"/>
+          <p:cNvSpPr>
+            <a:spLocks noGrp="1"/>
+          </p:cNvSpPr>
+          <p:nvPr>
+            <p:ph type="sldNum" sz="quarter" idx="10"/>
+          </p:nvPr>
+        </p:nvSpPr>
+        <p:spPr/>
+        <p:txBody>
+          <a:bodyPr/>
+          <a:lstStyle/>
+          <a:p>
+            <a:fld id="{6EAC9104-BF7A-AB40-8603-EF459625F286}" type="slidenum">
+              <a:rPr lang="en-US" smtClean="0"/>
+              <a:t>5</a:t>
+            </a:fld>
+            <a:endParaRPr lang="en-US"/>
+          </a:p>
+        </p:txBody>
+      </p:sp>
+    </p:spTree>
+    <p:extLst>
+      <p:ext uri="{BB962C8B-B14F-4D97-AF65-F5344CB8AC3E}">
+        <p14:creationId xmlns:p14="http://schemas.microsoft.com/office/powerpoint/2010/main" val="1214627414"/>
+      </p:ext>
+    </p:extLst>
+  </p:cSld>
+  <p:clrMapOvr>
+    <a:masterClrMapping/>
+  </p:clrMapOvr>
+</p:notes>
+</file>
+
+<file path=ppt/notesSlides/notesSlide5.xml><?xml version="1.0" encoding="utf-8"?>
+<p:notes xmlns:a="http://schemas.openxmlformats.org/drawingml/2006/main" xmlns:r="http://schemas.openxmlformats.org/officeDocument/2006/relationships" xmlns:p="http://schemas.openxmlformats.org/presentationml/2006/main">
+  <p:cSld>
+    <p:spTree>
+      <p:nvGrpSpPr>
+        <p:cNvPr id="1" name=""/>
+        <p:cNvGrpSpPr/>
+        <p:nvPr/>
+      </p:nvGrpSpPr>
+      <p:grpSpPr>
+        <a:xfrm>
+          <a:off x="0" y="0"/>
+          <a:ext cx="0" cy="0"/>
+          <a:chOff x="0" y="0"/>
+          <a:chExt cx="0" cy="0"/>
+        </a:xfrm>
+      </p:grpSpPr>
+      <p:sp>
+        <p:nvSpPr>
+          <p:cNvPr id="2" name="Slide Image Placeholder 1"/>
+          <p:cNvSpPr>
+            <a:spLocks noGrp="1" noRot="1" noChangeAspect="1"/>
+          </p:cNvSpPr>
+          <p:nvPr>
+            <p:ph type="sldImg"/>
+          </p:nvPr>
+        </p:nvSpPr>
+        <p:spPr/>
+      </p:sp>
+      <p:sp>
+        <p:nvSpPr>
+          <p:cNvPr id="3" name="Notes Placeholder 2"/>
+          <p:cNvSpPr>
+            <a:spLocks noGrp="1"/>
+          </p:cNvSpPr>
+          <p:nvPr>
+            <p:ph type="body" idx="1"/>
+          </p:nvPr>
+        </p:nvSpPr>
+        <p:spPr/>
+        <p:txBody>
+          <a:bodyPr/>
+          <a:lstStyle/>
+          <a:p>
+            <a:pPr marL="0" marR="0" indent="0" algn="l" defTabSz="914400" rtl="0" eaLnBrk="1" fontAlgn="auto" latinLnBrk="0" hangingPunct="1">
+              <a:lnSpc>
+                <a:spcPct val="100000"/>
+              </a:lnSpc>
+              <a:spcBef>
+                <a:spcPts val="0"/>
+              </a:spcBef>
+              <a:spcAft>
+                <a:spcPts val="0"/>
+              </a:spcAft>
+              <a:buClrTx/>
+              <a:buSzTx/>
+              <a:buFontTx/>
+              <a:buNone/>
+              <a:tabLst/>
+              <a:defRPr/>
+            </a:pPr>
+            <a:r>
+              <a:rPr lang="vi-VN" dirty="0" smtClean="0"/>
+              <a:t>Tôi có một chuyến đi gồm 4 đoạn từ A -&gt; E</a:t>
+            </a:r>
+            <a:endParaRPr lang="en-US" dirty="0" smtClean="0"/>
+          </a:p>
+          <a:p>
+            <a:endParaRPr lang="en-US" dirty="0"/>
+          </a:p>
+        </p:txBody>
+      </p:sp>
+      <p:sp>
+        <p:nvSpPr>
+          <p:cNvPr id="4" name="Slide Number Placeholder 3"/>
+          <p:cNvSpPr>
+            <a:spLocks noGrp="1"/>
+          </p:cNvSpPr>
+          <p:nvPr>
+            <p:ph type="sldNum" sz="quarter" idx="10"/>
+          </p:nvPr>
+        </p:nvSpPr>
+        <p:spPr/>
+        <p:txBody>
+          <a:bodyPr/>
+          <a:lstStyle/>
+          <a:p>
+            <a:fld id="{6EAC9104-BF7A-AB40-8603-EF459625F286}" type="slidenum">
+              <a:rPr lang="en-US" smtClean="0"/>
+              <a:t>15</a:t>
+            </a:fld>
+            <a:endParaRPr lang="en-US"/>
+          </a:p>
+        </p:txBody>
+      </p:sp>
+    </p:spTree>
+    <p:extLst>
+      <p:ext uri="{BB962C8B-B14F-4D97-AF65-F5344CB8AC3E}">
+        <p14:creationId xmlns:p14="http://schemas.microsoft.com/office/powerpoint/2010/main" val="443439637"/>
+      </p:ext>
+    </p:extLst>
+  </p:cSld>
+  <p:clrMapOvr>
+    <a:masterClrMapping/>
+  </p:clrMapOvr>
+</p:notes>
+</file>
+
 <file path=ppt/slideLayouts/slideLayout1.xml><?xml version="1.0" encoding="utf-8"?>
 <p:sldLayout xmlns:a="http://schemas.openxmlformats.org/drawingml/2006/main" xmlns:r="http://schemas.openxmlformats.org/officeDocument/2006/relationships" xmlns:p="http://schemas.openxmlformats.org/presentationml/2006/main" type="title" preserve="1">
   <p:cSld name="Title Slide">
@@ -669,6 +1529,301 @@
     <p:extLst>
       <p:ext uri="{BB962C8B-B14F-4D97-AF65-F5344CB8AC3E}">
         <p14:creationId xmlns:p14="http://schemas.microsoft.com/office/powerpoint/2010/main" val="3067025577"/>
+      </p:ext>
+    </p:extLst>
+  </p:cSld>
+  <p:clrMapOvr>
+    <a:masterClrMapping/>
+  </p:clrMapOvr>
+</p:sldLayout>
+</file>
+
+<file path=ppt/slideLayouts/slideLayout12.xml><?xml version="1.0" encoding="utf-8"?>
+<p:sldLayout xmlns:a="http://schemas.openxmlformats.org/drawingml/2006/main" xmlns:r="http://schemas.openxmlformats.org/officeDocument/2006/relationships" xmlns:p="http://schemas.openxmlformats.org/presentationml/2006/main" type="tx">
+  <p:cSld name="Title and body">
+    <p:spTree>
+      <p:nvGrpSpPr>
+        <p:cNvPr id="1" name="Shape 14"/>
+        <p:cNvGrpSpPr/>
+        <p:nvPr/>
+      </p:nvGrpSpPr>
+      <p:grpSpPr>
+        <a:xfrm>
+          <a:off x="0" y="0"/>
+          <a:ext cx="0" cy="0"/>
+          <a:chOff x="0" y="0"/>
+          <a:chExt cx="0" cy="0"/>
+        </a:xfrm>
+      </p:grpSpPr>
+      <p:sp>
+        <p:nvSpPr>
+          <p:cNvPr id="15" name="Shape 15"/>
+          <p:cNvSpPr/>
+          <p:nvPr/>
+        </p:nvSpPr>
+        <p:spPr>
+          <a:xfrm>
+            <a:off x="0" y="2"/>
+            <a:ext cx="9144000" cy="1532999"/>
+          </a:xfrm>
+          <a:prstGeom prst="rect">
+            <a:avLst/>
+          </a:prstGeom>
+          <a:solidFill>
+            <a:srgbClr val="2388DB"/>
+          </a:solidFill>
+          <a:ln>
+            <a:noFill/>
+          </a:ln>
+        </p:spPr>
+        <p:txBody>
+          <a:bodyPr lIns="68569" tIns="34275" rIns="68569" bIns="34275" anchor="ctr" anchorCtr="0">
+            <a:noAutofit/>
+          </a:bodyPr>
+          <a:lstStyle/>
+          <a:p>
+            <a:endParaRPr sz="1050" kern="0">
+              <a:solidFill>
+                <a:srgbClr val="000000"/>
+              </a:solidFill>
+              <a:ea typeface="Arial"/>
+              <a:cs typeface="Arial"/>
+              <a:sym typeface="Arial"/>
+              <a:rtl val="0"/>
+            </a:endParaRPr>
+          </a:p>
+        </p:txBody>
+      </p:sp>
+      <p:cxnSp>
+        <p:nvCxnSpPr>
+          <p:cNvPr id="16" name="Shape 16"/>
+          <p:cNvCxnSpPr/>
+          <p:nvPr/>
+        </p:nvCxnSpPr>
+        <p:spPr>
+          <a:xfrm>
+            <a:off x="0" y="1503833"/>
+            <a:ext cx="9144000" cy="0"/>
+          </a:xfrm>
+          <a:prstGeom prst="straightConnector1">
+            <a:avLst/>
+          </a:prstGeom>
+          <a:noFill/>
+          <a:ln w="57150" cap="flat" cmpd="sng">
+            <a:solidFill>
+              <a:srgbClr val="000000">
+                <a:alpha val="14901"/>
+              </a:srgbClr>
+            </a:solidFill>
+            <a:prstDash val="solid"/>
+            <a:round/>
+            <a:headEnd type="none" w="med" len="med"/>
+            <a:tailEnd type="none" w="med" len="med"/>
+          </a:ln>
+        </p:spPr>
+      </p:cxnSp>
+      <p:sp>
+        <p:nvSpPr>
+          <p:cNvPr id="17" name="Shape 17"/>
+          <p:cNvSpPr txBox="1">
+            <a:spLocks noGrp="1"/>
+          </p:cNvSpPr>
+          <p:nvPr>
+            <p:ph type="title"/>
+          </p:nvPr>
+        </p:nvSpPr>
+        <p:spPr>
+          <a:xfrm>
+            <a:off x="457200" y="274637"/>
+            <a:ext cx="8229600" cy="1143000"/>
+          </a:xfrm>
+          <a:prstGeom prst="rect">
+            <a:avLst/>
+          </a:prstGeom>
+        </p:spPr>
+        <p:txBody>
+          <a:bodyPr lIns="91425" tIns="91425" rIns="91425" bIns="91425" anchor="b" anchorCtr="0"/>
+          <a:lstStyle>
+            <a:lvl1pPr>
+              <a:spcBef>
+                <a:spcPts val="0"/>
+              </a:spcBef>
+              <a:defRPr/>
+            </a:lvl1pPr>
+            <a:lvl2pPr>
+              <a:spcBef>
+                <a:spcPts val="0"/>
+              </a:spcBef>
+              <a:defRPr/>
+            </a:lvl2pPr>
+            <a:lvl3pPr>
+              <a:spcBef>
+                <a:spcPts val="0"/>
+              </a:spcBef>
+              <a:defRPr/>
+            </a:lvl3pPr>
+            <a:lvl4pPr>
+              <a:spcBef>
+                <a:spcPts val="0"/>
+              </a:spcBef>
+              <a:defRPr/>
+            </a:lvl4pPr>
+            <a:lvl5pPr>
+              <a:spcBef>
+                <a:spcPts val="0"/>
+              </a:spcBef>
+              <a:defRPr/>
+            </a:lvl5pPr>
+            <a:lvl6pPr>
+              <a:spcBef>
+                <a:spcPts val="0"/>
+              </a:spcBef>
+              <a:defRPr/>
+            </a:lvl6pPr>
+            <a:lvl7pPr>
+              <a:spcBef>
+                <a:spcPts val="0"/>
+              </a:spcBef>
+              <a:defRPr/>
+            </a:lvl7pPr>
+            <a:lvl8pPr>
+              <a:spcBef>
+                <a:spcPts val="0"/>
+              </a:spcBef>
+              <a:defRPr/>
+            </a:lvl8pPr>
+            <a:lvl9pPr>
+              <a:spcBef>
+                <a:spcPts val="0"/>
+              </a:spcBef>
+              <a:defRPr/>
+            </a:lvl9pPr>
+          </a:lstStyle>
+          <a:p>
+            <a:endParaRPr/>
+          </a:p>
+        </p:txBody>
+      </p:sp>
+      <p:sp>
+        <p:nvSpPr>
+          <p:cNvPr id="18" name="Shape 18"/>
+          <p:cNvSpPr txBox="1">
+            <a:spLocks noGrp="1"/>
+          </p:cNvSpPr>
+          <p:nvPr>
+            <p:ph type="body" idx="1"/>
+          </p:nvPr>
+        </p:nvSpPr>
+        <p:spPr>
+          <a:xfrm>
+            <a:off x="457200" y="1600200"/>
+            <a:ext cx="8229600" cy="4967700"/>
+          </a:xfrm>
+          <a:prstGeom prst="rect">
+            <a:avLst/>
+          </a:prstGeom>
+        </p:spPr>
+        <p:txBody>
+          <a:bodyPr lIns="91425" tIns="91425" rIns="91425" bIns="91425" anchor="t" anchorCtr="0"/>
+          <a:lstStyle>
+            <a:lvl1pPr>
+              <a:spcBef>
+                <a:spcPts val="0"/>
+              </a:spcBef>
+              <a:defRPr/>
+            </a:lvl1pPr>
+            <a:lvl2pPr>
+              <a:spcBef>
+                <a:spcPts val="0"/>
+              </a:spcBef>
+              <a:defRPr/>
+            </a:lvl2pPr>
+            <a:lvl3pPr>
+              <a:spcBef>
+                <a:spcPts val="0"/>
+              </a:spcBef>
+              <a:defRPr/>
+            </a:lvl3pPr>
+            <a:lvl4pPr>
+              <a:spcBef>
+                <a:spcPts val="0"/>
+              </a:spcBef>
+              <a:defRPr/>
+            </a:lvl4pPr>
+            <a:lvl5pPr>
+              <a:spcBef>
+                <a:spcPts val="0"/>
+              </a:spcBef>
+              <a:defRPr/>
+            </a:lvl5pPr>
+            <a:lvl6pPr>
+              <a:spcBef>
+                <a:spcPts val="0"/>
+              </a:spcBef>
+              <a:defRPr/>
+            </a:lvl6pPr>
+            <a:lvl7pPr>
+              <a:spcBef>
+                <a:spcPts val="0"/>
+              </a:spcBef>
+              <a:defRPr/>
+            </a:lvl7pPr>
+            <a:lvl8pPr>
+              <a:spcBef>
+                <a:spcPts val="0"/>
+              </a:spcBef>
+              <a:defRPr/>
+            </a:lvl8pPr>
+            <a:lvl9pPr>
+              <a:spcBef>
+                <a:spcPts val="0"/>
+              </a:spcBef>
+              <a:defRPr/>
+            </a:lvl9pPr>
+          </a:lstStyle>
+          <a:p>
+            <a:endParaRPr/>
+          </a:p>
+        </p:txBody>
+      </p:sp>
+      <p:sp>
+        <p:nvSpPr>
+          <p:cNvPr id="19" name="Shape 19"/>
+          <p:cNvSpPr txBox="1">
+            <a:spLocks noGrp="1"/>
+          </p:cNvSpPr>
+          <p:nvPr>
+            <p:ph type="sldNum" idx="12"/>
+          </p:nvPr>
+        </p:nvSpPr>
+        <p:spPr>
+          <a:xfrm>
+            <a:off x="8556792" y="6333136"/>
+            <a:ext cx="548699" cy="524699"/>
+          </a:xfrm>
+          <a:prstGeom prst="rect">
+            <a:avLst/>
+          </a:prstGeom>
+        </p:spPr>
+        <p:txBody>
+          <a:bodyPr lIns="91425" tIns="91425" rIns="91425" bIns="91425" anchor="ctr" anchorCtr="0">
+            <a:noAutofit/>
+          </a:bodyPr>
+          <a:lstStyle/>
+          <a:p>
+            <a:fld id="{00000000-1234-1234-1234-123412341234}" type="slidenum">
+              <a:rPr lang="en"/>
+              <a:pPr/>
+              <a:t>‹#›</a:t>
+            </a:fld>
+            <a:endParaRPr lang="en"/>
+          </a:p>
+        </p:txBody>
+      </p:sp>
+    </p:spTree>
+    <p:extLst>
+      <p:ext uri="{BB962C8B-B14F-4D97-AF65-F5344CB8AC3E}">
+        <p14:creationId xmlns:p14="http://schemas.microsoft.com/office/powerpoint/2010/main" val="1981260927"/>
       </p:ext>
     </p:extLst>
   </p:cSld>
@@ -2694,6 +3849,7 @@
     <p:sldLayoutId id="2147483669" r:id="rId9"/>
     <p:sldLayoutId id="2147483670" r:id="rId10"/>
     <p:sldLayoutId id="2147483671" r:id="rId11"/>
+    <p:sldLayoutId id="2147483672" r:id="rId12"/>
   </p:sldLayoutIdLst>
   <p:txStyles>
     <p:titleStyle>
@@ -2997,138 +4153,117 @@
       </p:grpSpPr>
       <p:sp>
         <p:nvSpPr>
-          <p:cNvPr id="4" name="Rectangle 3"/>
+          <p:cNvPr id="2" name="Title 1"/>
+          <p:cNvSpPr>
+            <a:spLocks noGrp="1"/>
+          </p:cNvSpPr>
+          <p:nvPr>
+            <p:ph type="title"/>
+          </p:nvPr>
+        </p:nvSpPr>
+        <p:spPr/>
+        <p:txBody>
+          <a:bodyPr>
+            <a:noAutofit/>
+          </a:bodyPr>
+          <a:lstStyle/>
+          <a:p>
+            <a:r>
+              <a:rPr lang="vi-VN" sz="6000" dirty="0" smtClean="0">
+                <a:solidFill>
+                  <a:schemeClr val="bg1"/>
+                </a:solidFill>
+                <a:latin typeface="Cambria" pitchFamily="18" charset="0"/>
+              </a:rPr>
+              <a:t>Scenario</a:t>
+            </a:r>
+            <a:endParaRPr lang="en-US" sz="6000" dirty="0">
+              <a:solidFill>
+                <a:schemeClr val="bg1"/>
+              </a:solidFill>
+              <a:latin typeface="Cambria" pitchFamily="18" charset="0"/>
+            </a:endParaRPr>
+          </a:p>
+        </p:txBody>
+      </p:sp>
+      <p:sp>
+        <p:nvSpPr>
+          <p:cNvPr id="4" name="Slide Number Placeholder 3"/>
+          <p:cNvSpPr>
+            <a:spLocks noGrp="1"/>
+          </p:cNvSpPr>
+          <p:nvPr>
+            <p:ph type="sldNum" idx="12"/>
+          </p:nvPr>
+        </p:nvSpPr>
+        <p:spPr/>
+        <p:txBody>
+          <a:bodyPr/>
+          <a:lstStyle/>
+          <a:p>
+            <a:fld id="{00000000-1234-1234-1234-123412341234}" type="slidenum">
+              <a:rPr lang="en" smtClean="0"/>
+              <a:pPr/>
+              <a:t>1</a:t>
+            </a:fld>
+            <a:endParaRPr lang="en"/>
+          </a:p>
+        </p:txBody>
+      </p:sp>
+      <p:sp>
+        <p:nvSpPr>
+          <p:cNvPr id="5" name="Rectangle 4"/>
           <p:cNvSpPr/>
           <p:nvPr/>
         </p:nvSpPr>
         <p:spPr>
           <a:xfrm>
-            <a:off x="668387" y="402280"/>
-            <a:ext cx="1159292" cy="369332"/>
+            <a:off x="457200" y="2527462"/>
+            <a:ext cx="8229600" cy="954107"/>
           </a:xfrm>
           <a:prstGeom prst="rect">
             <a:avLst/>
           </a:prstGeom>
         </p:spPr>
         <p:txBody>
-          <a:bodyPr wrap="none">
+          <a:bodyPr wrap="square">
             <a:spAutoFit/>
           </a:bodyPr>
           <a:lstStyle/>
           <a:p>
             <a:r>
-              <a:rPr lang="en-US" dirty="0">
-                <a:solidFill>
-                  <a:srgbClr val="2C2D30"/>
-                </a:solidFill>
-                <a:latin typeface="Slack-Lato"/>
-              </a:rPr>
-              <a:t>Scenario </a:t>
-            </a:r>
-            <a:endParaRPr lang="en-US" dirty="0"/>
-          </a:p>
-        </p:txBody>
-      </p:sp>
-      <p:sp>
-        <p:nvSpPr>
-          <p:cNvPr id="5" name="TextBox 4"/>
-          <p:cNvSpPr txBox="1"/>
-          <p:nvPr/>
-        </p:nvSpPr>
-        <p:spPr>
-          <a:xfrm>
-            <a:off x="4065373" y="1631092"/>
-            <a:ext cx="184731" cy="369332"/>
-          </a:xfrm>
-          <a:prstGeom prst="rect">
-            <a:avLst/>
-          </a:prstGeom>
-          <a:noFill/>
-        </p:spPr>
-        <p:txBody>
-          <a:bodyPr wrap="none" rtlCol="0">
-            <a:spAutoFit/>
-          </a:bodyPr>
-          <a:lstStyle/>
-          <a:p>
-            <a:endParaRPr lang="en-US" dirty="0"/>
-          </a:p>
-        </p:txBody>
-      </p:sp>
-      <p:sp>
-        <p:nvSpPr>
-          <p:cNvPr id="6" name="Rectangle 5"/>
-          <p:cNvSpPr/>
-          <p:nvPr/>
-        </p:nvSpPr>
-        <p:spPr>
-          <a:xfrm>
-            <a:off x="2286000" y="3105835"/>
-            <a:ext cx="4572000" cy="646331"/>
-          </a:xfrm>
-          <a:prstGeom prst="rect">
-            <a:avLst/>
-          </a:prstGeom>
-        </p:spPr>
-        <p:txBody>
-          <a:bodyPr>
-            <a:spAutoFit/>
-          </a:bodyPr>
-          <a:lstStyle/>
-          <a:p>
-            <a:r>
-              <a:rPr lang="en-US" dirty="0"/>
-              <a:t>After </a:t>
-            </a:r>
-            <a:r>
-              <a:rPr lang="en-US" dirty="0" smtClean="0"/>
-              <a:t>search motor route </a:t>
-            </a:r>
-            <a:r>
-              <a:rPr lang="en-US" dirty="0"/>
-              <a:t>by </a:t>
-            </a:r>
-            <a:r>
-              <a:rPr lang="en-US" dirty="0" smtClean="0"/>
-              <a:t>Wi-Fi </a:t>
-            </a:r>
-            <a:r>
-              <a:rPr lang="en-US" dirty="0"/>
-              <a:t>at home. Mr. </a:t>
-            </a:r>
-            <a:r>
-              <a:rPr lang="en-US" dirty="0" err="1" smtClean="0"/>
+              <a:rPr lang="en-US" sz="2800" dirty="0"/>
+              <a:t>After search motor route by Wi-Fi at home. Mr. </a:t>
+            </a:r>
+            <a:r>
+              <a:rPr lang="en-US" sz="2800" dirty="0" err="1"/>
               <a:t>Khuong</a:t>
             </a:r>
             <a:r>
-              <a:rPr lang="en-US" dirty="0" smtClean="0"/>
-              <a:t> </a:t>
-            </a:r>
-            <a:r>
-              <a:rPr lang="en-US" dirty="0"/>
-              <a:t>start </a:t>
-            </a:r>
-            <a:r>
-              <a:rPr lang="en-US" dirty="0" smtClean="0"/>
-              <a:t>his </a:t>
-            </a:r>
-            <a:r>
-              <a:rPr lang="en-US" dirty="0"/>
-              <a:t>trip.</a:t>
-            </a:r>
+              <a:rPr lang="en-US" sz="2800" dirty="0"/>
+              <a:t> start his trip.</a:t>
+            </a:r>
+            <a:endParaRPr lang="en-US" sz="2800" dirty="0"/>
           </a:p>
         </p:txBody>
       </p:sp>
     </p:spTree>
     <p:extLst>
       <p:ext uri="{BB962C8B-B14F-4D97-AF65-F5344CB8AC3E}">
-        <p14:creationId xmlns:p14="http://schemas.microsoft.com/office/powerpoint/2010/main" val="3941783164"/>
+        <p14:creationId xmlns:p14="http://schemas.microsoft.com/office/powerpoint/2010/main" val="170969707"/>
       </p:ext>
     </p:extLst>
   </p:cSld>
   <p:clrMapOvr>
     <a:masterClrMapping/>
   </p:clrMapOvr>
+  <p:timing>
+    <p:tnLst>
+      <p:par>
+        <p:cTn id="1" dur="indefinite" restart="never" nodeType="tmRoot"/>
+      </p:par>
+    </p:tnLst>
+  </p:timing>
 </p:sld>
 </file>
 
@@ -3151,100 +4286,40 @@
       </p:grpSpPr>
       <p:cxnSp>
         <p:nvCxnSpPr>
-          <p:cNvPr id="5" name="Straight Connector 4"/>
+          <p:cNvPr id="35" name="Straight Connector 34"/>
           <p:cNvCxnSpPr/>
           <p:nvPr/>
         </p:nvCxnSpPr>
         <p:spPr>
           <a:xfrm>
-            <a:off x="2162175" y="3143251"/>
-            <a:ext cx="3657600" cy="0"/>
+            <a:off x="5819775" y="2111459"/>
+            <a:ext cx="0" cy="2063579"/>
           </a:xfrm>
           <a:prstGeom prst="line">
             <a:avLst/>
           </a:prstGeom>
           <a:ln w="38100">
-            <a:solidFill>
-              <a:schemeClr val="tx1"/>
-            </a:solidFill>
+            <a:prstDash val="dash"/>
           </a:ln>
         </p:spPr>
         <p:style>
           <a:lnRef idx="1">
-            <a:schemeClr val="accent1"/>
+            <a:schemeClr val="dk1"/>
           </a:lnRef>
           <a:fillRef idx="0">
-            <a:schemeClr val="accent1"/>
-          </a:fillRef>
-          <a:effectRef idx="0">
-            <a:schemeClr val="accent1"/>
+            <a:schemeClr val="dk1"/>
+          </a:fillRef>
+          <a:effectRef idx="0">
+            <a:schemeClr val="dk1"/>
           </a:effectRef>
           <a:fontRef idx="minor">
             <a:schemeClr val="tx1"/>
           </a:fontRef>
         </p:style>
       </p:cxnSp>
-      <p:sp>
-        <p:nvSpPr>
-          <p:cNvPr id="6" name="TextBox 5"/>
-          <p:cNvSpPr txBox="1"/>
-          <p:nvPr/>
-        </p:nvSpPr>
-        <p:spPr>
-          <a:xfrm>
-            <a:off x="1844459" y="2773917"/>
-            <a:ext cx="317716" cy="369332"/>
-          </a:xfrm>
-          <a:prstGeom prst="rect">
-            <a:avLst/>
-          </a:prstGeom>
-          <a:noFill/>
-        </p:spPr>
-        <p:txBody>
-          <a:bodyPr wrap="none" rtlCol="0">
-            <a:spAutoFit/>
-          </a:bodyPr>
-          <a:lstStyle/>
-          <a:p>
-            <a:r>
-              <a:rPr lang="en-US" dirty="0"/>
-              <a:t>A</a:t>
-            </a:r>
-          </a:p>
-        </p:txBody>
-      </p:sp>
-      <p:sp>
-        <p:nvSpPr>
-          <p:cNvPr id="7" name="TextBox 6"/>
-          <p:cNvSpPr txBox="1"/>
-          <p:nvPr/>
-        </p:nvSpPr>
-        <p:spPr>
-          <a:xfrm>
-            <a:off x="5915026" y="2773917"/>
-            <a:ext cx="309700" cy="369332"/>
-          </a:xfrm>
-          <a:prstGeom prst="rect">
-            <a:avLst/>
-          </a:prstGeom>
-          <a:noFill/>
-        </p:spPr>
-        <p:txBody>
-          <a:bodyPr wrap="none" rtlCol="0">
-            <a:spAutoFit/>
-          </a:bodyPr>
-          <a:lstStyle/>
-          <a:p>
-            <a:r>
-              <a:rPr lang="en-US" dirty="0"/>
-              <a:t>B</a:t>
-            </a:r>
-          </a:p>
-        </p:txBody>
-      </p:sp>
       <p:cxnSp>
         <p:nvCxnSpPr>
-          <p:cNvPr id="13" name="Straight Connector 12"/>
+          <p:cNvPr id="34" name="Straight Connector 33"/>
           <p:cNvCxnSpPr/>
           <p:nvPr/>
         </p:nvCxnSpPr>
@@ -3278,42 +4353,9 @@
           </a:fontRef>
         </p:style>
       </p:cxnSp>
-      <p:cxnSp>
-        <p:nvCxnSpPr>
-          <p:cNvPr id="14" name="Straight Connector 13"/>
-          <p:cNvCxnSpPr/>
-          <p:nvPr/>
-        </p:nvCxnSpPr>
-        <p:spPr>
-          <a:xfrm>
-            <a:off x="5819775" y="2111459"/>
-            <a:ext cx="0" cy="2063579"/>
-          </a:xfrm>
-          <a:prstGeom prst="line">
-            <a:avLst/>
-          </a:prstGeom>
-          <a:ln w="38100">
-            <a:prstDash val="dash"/>
-          </a:ln>
-        </p:spPr>
-        <p:style>
-          <a:lnRef idx="1">
-            <a:schemeClr val="dk1"/>
-          </a:lnRef>
-          <a:fillRef idx="0">
-            <a:schemeClr val="dk1"/>
-          </a:fillRef>
-          <a:effectRef idx="0">
-            <a:schemeClr val="dk1"/>
-          </a:effectRef>
-          <a:fontRef idx="minor">
-            <a:schemeClr val="tx1"/>
-          </a:fontRef>
-        </p:style>
-      </p:cxnSp>
-      <p:sp>
-        <p:nvSpPr>
-          <p:cNvPr id="15" name="TextBox 14"/>
+      <p:sp>
+        <p:nvSpPr>
+          <p:cNvPr id="25" name="TextBox 24"/>
           <p:cNvSpPr txBox="1"/>
           <p:nvPr/>
         </p:nvSpPr>
@@ -3342,7 +4384,7 @@
       </p:sp>
       <p:sp>
         <p:nvSpPr>
-          <p:cNvPr id="16" name="Oval 15"/>
+          <p:cNvPr id="26" name="Oval 25"/>
           <p:cNvSpPr/>
           <p:nvPr/>
         </p:nvSpPr>
@@ -3388,9 +4430,102 @@
           </a:p>
         </p:txBody>
       </p:sp>
-      <p:sp>
-        <p:nvSpPr>
-          <p:cNvPr id="17" name="Oval 16"/>
+      <p:cxnSp>
+        <p:nvCxnSpPr>
+          <p:cNvPr id="27" name="Straight Connector 26"/>
+          <p:cNvCxnSpPr/>
+          <p:nvPr/>
+        </p:nvCxnSpPr>
+        <p:spPr>
+          <a:xfrm>
+            <a:off x="2162175" y="3143251"/>
+            <a:ext cx="3657600" cy="0"/>
+          </a:xfrm>
+          <a:prstGeom prst="line">
+            <a:avLst/>
+          </a:prstGeom>
+          <a:ln w="38100">
+            <a:solidFill>
+              <a:schemeClr val="tx1"/>
+            </a:solidFill>
+          </a:ln>
+        </p:spPr>
+        <p:style>
+          <a:lnRef idx="1">
+            <a:schemeClr val="accent1"/>
+          </a:lnRef>
+          <a:fillRef idx="0">
+            <a:schemeClr val="accent1"/>
+          </a:fillRef>
+          <a:effectRef idx="0">
+            <a:schemeClr val="accent1"/>
+          </a:effectRef>
+          <a:fontRef idx="minor">
+            <a:schemeClr val="tx1"/>
+          </a:fontRef>
+        </p:style>
+      </p:cxnSp>
+      <p:sp>
+        <p:nvSpPr>
+          <p:cNvPr id="28" name="TextBox 27"/>
+          <p:cNvSpPr txBox="1"/>
+          <p:nvPr/>
+        </p:nvSpPr>
+        <p:spPr>
+          <a:xfrm>
+            <a:off x="1844459" y="2773917"/>
+            <a:ext cx="317716" cy="369332"/>
+          </a:xfrm>
+          <a:prstGeom prst="rect">
+            <a:avLst/>
+          </a:prstGeom>
+          <a:noFill/>
+        </p:spPr>
+        <p:txBody>
+          <a:bodyPr wrap="none" rtlCol="0">
+            <a:spAutoFit/>
+          </a:bodyPr>
+          <a:lstStyle/>
+          <a:p>
+            <a:r>
+              <a:rPr lang="en-US" dirty="0"/>
+              <a:t>A</a:t>
+            </a:r>
+          </a:p>
+        </p:txBody>
+      </p:sp>
+      <p:sp>
+        <p:nvSpPr>
+          <p:cNvPr id="29" name="TextBox 28"/>
+          <p:cNvSpPr txBox="1"/>
+          <p:nvPr/>
+        </p:nvSpPr>
+        <p:spPr>
+          <a:xfrm>
+            <a:off x="5915026" y="2773917"/>
+            <a:ext cx="309700" cy="369332"/>
+          </a:xfrm>
+          <a:prstGeom prst="rect">
+            <a:avLst/>
+          </a:prstGeom>
+          <a:noFill/>
+        </p:spPr>
+        <p:txBody>
+          <a:bodyPr wrap="none" rtlCol="0">
+            <a:spAutoFit/>
+          </a:bodyPr>
+          <a:lstStyle/>
+          <a:p>
+            <a:r>
+              <a:rPr lang="en-US" dirty="0"/>
+              <a:t>B</a:t>
+            </a:r>
+          </a:p>
+        </p:txBody>
+      </p:sp>
+      <p:sp>
+        <p:nvSpPr>
+          <p:cNvPr id="31" name="Oval 30"/>
           <p:cNvSpPr/>
           <p:nvPr/>
         </p:nvSpPr>
@@ -3430,7 +4565,7 @@
       </p:sp>
       <p:sp>
         <p:nvSpPr>
-          <p:cNvPr id="18" name="Oval 17"/>
+          <p:cNvPr id="32" name="Oval 31"/>
           <p:cNvSpPr/>
           <p:nvPr/>
         </p:nvSpPr>
@@ -3468,48 +4603,10 @@
           </a:p>
         </p:txBody>
       </p:sp>
-      <p:cxnSp>
-        <p:nvCxnSpPr>
-          <p:cNvPr id="19" name="Straight Connector 18"/>
-          <p:cNvCxnSpPr>
-            <a:stCxn id="16" idx="2"/>
-            <a:endCxn id="17" idx="5"/>
-          </p:cNvCxnSpPr>
-          <p:nvPr/>
-        </p:nvCxnSpPr>
-        <p:spPr>
-          <a:xfrm flipH="1" flipV="1">
-            <a:off x="2237823" y="3208782"/>
-            <a:ext cx="3875372" cy="873580"/>
-          </a:xfrm>
-          <a:prstGeom prst="line">
-            <a:avLst/>
-          </a:prstGeom>
-          <a:ln w="38100">
-            <a:solidFill>
-              <a:srgbClr val="FF0000"/>
-            </a:solidFill>
-          </a:ln>
-        </p:spPr>
-        <p:style>
-          <a:lnRef idx="1">
-            <a:schemeClr val="accent1"/>
-          </a:lnRef>
-          <a:fillRef idx="0">
-            <a:schemeClr val="accent1"/>
-          </a:fillRef>
-          <a:effectRef idx="0">
-            <a:schemeClr val="accent1"/>
-          </a:effectRef>
-          <a:fontRef idx="minor">
-            <a:schemeClr val="tx1"/>
-          </a:fontRef>
-        </p:style>
-      </p:cxnSp>
     </p:spTree>
     <p:extLst>
       <p:ext uri="{BB962C8B-B14F-4D97-AF65-F5344CB8AC3E}">
-        <p14:creationId xmlns:p14="http://schemas.microsoft.com/office/powerpoint/2010/main" val="3480599522"/>
+        <p14:creationId xmlns:p14="http://schemas.microsoft.com/office/powerpoint/2010/main" val="366122734"/>
       </p:ext>
     </p:extLst>
   </p:cSld>
@@ -3538,7 +4635,7 @@
       </p:grpSpPr>
       <p:cxnSp>
         <p:nvCxnSpPr>
-          <p:cNvPr id="4" name="Straight Connector 3"/>
+          <p:cNvPr id="5" name="Straight Connector 4"/>
           <p:cNvCxnSpPr/>
           <p:nvPr/>
         </p:nvCxnSpPr>
@@ -3573,7 +4670,7 @@
       </p:cxnSp>
       <p:sp>
         <p:nvSpPr>
-          <p:cNvPr id="5" name="TextBox 4"/>
+          <p:cNvPr id="6" name="TextBox 5"/>
           <p:cNvSpPr txBox="1"/>
           <p:nvPr/>
         </p:nvSpPr>
@@ -3602,7 +4699,7 @@
       </p:sp>
       <p:sp>
         <p:nvSpPr>
-          <p:cNvPr id="6" name="TextBox 5"/>
+          <p:cNvPr id="7" name="TextBox 6"/>
           <p:cNvSpPr txBox="1"/>
           <p:nvPr/>
         </p:nvSpPr>
@@ -3631,42 +4728,7 @@
       </p:sp>
       <p:cxnSp>
         <p:nvCxnSpPr>
-          <p:cNvPr id="7" name="Straight Connector 6"/>
-          <p:cNvCxnSpPr/>
-          <p:nvPr/>
-        </p:nvCxnSpPr>
-        <p:spPr>
-          <a:xfrm flipH="1" flipV="1">
-            <a:off x="5819775" y="3143249"/>
-            <a:ext cx="404951" cy="996265"/>
-          </a:xfrm>
-          <a:prstGeom prst="line">
-            <a:avLst/>
-          </a:prstGeom>
-          <a:ln w="38100">
-            <a:solidFill>
-              <a:srgbClr val="FF0000"/>
-            </a:solidFill>
-          </a:ln>
-        </p:spPr>
-        <p:style>
-          <a:lnRef idx="1">
-            <a:schemeClr val="accent1"/>
-          </a:lnRef>
-          <a:fillRef idx="0">
-            <a:schemeClr val="accent1"/>
-          </a:fillRef>
-          <a:effectRef idx="0">
-            <a:schemeClr val="accent1"/>
-          </a:effectRef>
-          <a:fontRef idx="minor">
-            <a:schemeClr val="tx1"/>
-          </a:fontRef>
-        </p:style>
-      </p:cxnSp>
-      <p:cxnSp>
-        <p:nvCxnSpPr>
-          <p:cNvPr id="8" name="Straight Connector 7"/>
+          <p:cNvPr id="13" name="Straight Connector 12"/>
           <p:cNvCxnSpPr/>
           <p:nvPr/>
         </p:nvCxnSpPr>
@@ -3702,7 +4764,7 @@
       </p:cxnSp>
       <p:cxnSp>
         <p:nvCxnSpPr>
-          <p:cNvPr id="9" name="Straight Connector 8"/>
+          <p:cNvPr id="14" name="Straight Connector 13"/>
           <p:cNvCxnSpPr/>
           <p:nvPr/>
         </p:nvCxnSpPr>
@@ -3735,7 +4797,7 @@
       </p:cxnSp>
       <p:sp>
         <p:nvSpPr>
-          <p:cNvPr id="10" name="TextBox 9"/>
+          <p:cNvPr id="15" name="TextBox 14"/>
           <p:cNvSpPr txBox="1"/>
           <p:nvPr/>
         </p:nvSpPr>
@@ -3764,7 +4826,7 @@
       </p:sp>
       <p:sp>
         <p:nvSpPr>
-          <p:cNvPr id="11" name="Oval 10"/>
+          <p:cNvPr id="16" name="Oval 15"/>
           <p:cNvSpPr/>
           <p:nvPr/>
         </p:nvSpPr>
@@ -3812,7 +4874,7 @@
       </p:sp>
       <p:sp>
         <p:nvSpPr>
-          <p:cNvPr id="12" name="Oval 11"/>
+          <p:cNvPr id="17" name="Oval 16"/>
           <p:cNvSpPr/>
           <p:nvPr/>
         </p:nvSpPr>
@@ -3852,7 +4914,7 @@
       </p:sp>
       <p:sp>
         <p:nvSpPr>
-          <p:cNvPr id="13" name="Oval 12"/>
+          <p:cNvPr id="18" name="Oval 17"/>
           <p:cNvSpPr/>
           <p:nvPr/>
         </p:nvSpPr>
@@ -3892,10 +4954,10 @@
       </p:sp>
       <p:cxnSp>
         <p:nvCxnSpPr>
-          <p:cNvPr id="14" name="Straight Connector 13"/>
+          <p:cNvPr id="19" name="Straight Connector 18"/>
           <p:cNvCxnSpPr>
-            <a:stCxn id="11" idx="2"/>
-            <a:endCxn id="12" idx="5"/>
+            <a:stCxn id="16" idx="2"/>
+            <a:endCxn id="17" idx="5"/>
           </p:cNvCxnSpPr>
           <p:nvPr/>
         </p:nvCxnSpPr>
@@ -3931,7 +4993,7 @@
     </p:spTree>
     <p:extLst>
       <p:ext uri="{BB962C8B-B14F-4D97-AF65-F5344CB8AC3E}">
-        <p14:creationId xmlns:p14="http://schemas.microsoft.com/office/powerpoint/2010/main" val="3539808524"/>
+        <p14:creationId xmlns:p14="http://schemas.microsoft.com/office/powerpoint/2010/main" val="3480599522"/>
       </p:ext>
     </p:extLst>
   </p:cSld>
@@ -3960,7 +5022,7 @@
       </p:grpSpPr>
       <p:cxnSp>
         <p:nvCxnSpPr>
-          <p:cNvPr id="15" name="Straight Connector 14"/>
+          <p:cNvPr id="4" name="Straight Connector 3"/>
           <p:cNvCxnSpPr/>
           <p:nvPr/>
         </p:nvCxnSpPr>
@@ -3995,7 +5057,7 @@
       </p:cxnSp>
       <p:sp>
         <p:nvSpPr>
-          <p:cNvPr id="16" name="TextBox 15"/>
+          <p:cNvPr id="5" name="TextBox 4"/>
           <p:cNvSpPr txBox="1"/>
           <p:nvPr/>
         </p:nvSpPr>
@@ -4024,7 +5086,7 @@
       </p:sp>
       <p:sp>
         <p:nvSpPr>
-          <p:cNvPr id="17" name="TextBox 16"/>
+          <p:cNvPr id="6" name="TextBox 5"/>
           <p:cNvSpPr txBox="1"/>
           <p:nvPr/>
         </p:nvSpPr>
@@ -4053,7 +5115,7 @@
       </p:sp>
       <p:cxnSp>
         <p:nvCxnSpPr>
-          <p:cNvPr id="18" name="Straight Connector 17"/>
+          <p:cNvPr id="7" name="Straight Connector 6"/>
           <p:cNvCxnSpPr/>
           <p:nvPr/>
         </p:nvCxnSpPr>
@@ -4088,7 +5150,7 @@
       </p:cxnSp>
       <p:cxnSp>
         <p:nvCxnSpPr>
-          <p:cNvPr id="19" name="Straight Connector 18"/>
+          <p:cNvPr id="8" name="Straight Connector 7"/>
           <p:cNvCxnSpPr/>
           <p:nvPr/>
         </p:nvCxnSpPr>
@@ -4124,7 +5186,7 @@
       </p:cxnSp>
       <p:cxnSp>
         <p:nvCxnSpPr>
-          <p:cNvPr id="20" name="Straight Connector 19"/>
+          <p:cNvPr id="9" name="Straight Connector 8"/>
           <p:cNvCxnSpPr/>
           <p:nvPr/>
         </p:nvCxnSpPr>
@@ -4157,7 +5219,7 @@
       </p:cxnSp>
       <p:sp>
         <p:nvSpPr>
-          <p:cNvPr id="21" name="TextBox 20"/>
+          <p:cNvPr id="10" name="TextBox 9"/>
           <p:cNvSpPr txBox="1"/>
           <p:nvPr/>
         </p:nvSpPr>
@@ -4186,7 +5248,7 @@
       </p:sp>
       <p:sp>
         <p:nvSpPr>
-          <p:cNvPr id="22" name="Oval 21"/>
+          <p:cNvPr id="11" name="Oval 10"/>
           <p:cNvSpPr/>
           <p:nvPr/>
         </p:nvSpPr>
@@ -4234,7 +5296,7 @@
       </p:sp>
       <p:sp>
         <p:nvSpPr>
-          <p:cNvPr id="23" name="Oval 22"/>
+          <p:cNvPr id="12" name="Oval 11"/>
           <p:cNvSpPr/>
           <p:nvPr/>
         </p:nvSpPr>
@@ -4274,7 +5336,7 @@
       </p:sp>
       <p:sp>
         <p:nvSpPr>
-          <p:cNvPr id="24" name="Oval 23"/>
+          <p:cNvPr id="13" name="Oval 12"/>
           <p:cNvSpPr/>
           <p:nvPr/>
         </p:nvSpPr>
@@ -4312,40 +5374,48 @@
           </a:p>
         </p:txBody>
       </p:sp>
-      <p:sp>
-        <p:nvSpPr>
-          <p:cNvPr id="26" name="TextBox 25"/>
-          <p:cNvSpPr txBox="1"/>
-          <p:nvPr/>
-        </p:nvSpPr>
-        <p:spPr>
-          <a:xfrm>
-            <a:off x="6113195" y="3435350"/>
-            <a:ext cx="306494" cy="369332"/>
-          </a:xfrm>
-          <a:prstGeom prst="rect">
-            <a:avLst/>
-          </a:prstGeom>
-          <a:noFill/>
-        </p:spPr>
-        <p:txBody>
-          <a:bodyPr wrap="none" rtlCol="0">
-            <a:spAutoFit/>
-          </a:bodyPr>
-          <a:lstStyle/>
-          <a:p>
-            <a:r>
-              <a:rPr lang="en-US" dirty="0" smtClean="0"/>
-              <a:t>d</a:t>
-            </a:r>
-            <a:endParaRPr lang="en-US" dirty="0"/>
-          </a:p>
-        </p:txBody>
-      </p:sp>
+      <p:cxnSp>
+        <p:nvCxnSpPr>
+          <p:cNvPr id="14" name="Straight Connector 13"/>
+          <p:cNvCxnSpPr>
+            <a:stCxn id="11" idx="2"/>
+            <a:endCxn id="12" idx="5"/>
+          </p:cNvCxnSpPr>
+          <p:nvPr/>
+        </p:nvCxnSpPr>
+        <p:spPr>
+          <a:xfrm flipH="1" flipV="1">
+            <a:off x="2237823" y="3208782"/>
+            <a:ext cx="3875372" cy="873580"/>
+          </a:xfrm>
+          <a:prstGeom prst="line">
+            <a:avLst/>
+          </a:prstGeom>
+          <a:ln w="38100">
+            <a:solidFill>
+              <a:srgbClr val="FF0000"/>
+            </a:solidFill>
+          </a:ln>
+        </p:spPr>
+        <p:style>
+          <a:lnRef idx="1">
+            <a:schemeClr val="accent1"/>
+          </a:lnRef>
+          <a:fillRef idx="0">
+            <a:schemeClr val="accent1"/>
+          </a:fillRef>
+          <a:effectRef idx="0">
+            <a:schemeClr val="accent1"/>
+          </a:effectRef>
+          <a:fontRef idx="minor">
+            <a:schemeClr val="tx1"/>
+          </a:fontRef>
+        </p:style>
+      </p:cxnSp>
     </p:spTree>
     <p:extLst>
       <p:ext uri="{BB962C8B-B14F-4D97-AF65-F5344CB8AC3E}">
-        <p14:creationId xmlns:p14="http://schemas.microsoft.com/office/powerpoint/2010/main" val="926511342"/>
+        <p14:creationId xmlns:p14="http://schemas.microsoft.com/office/powerpoint/2010/main" val="3539808524"/>
       </p:ext>
     </p:extLst>
   </p:cSld>
@@ -4372,24 +5442,385 @@
           <a:chExt cx="0" cy="0"/>
         </a:xfrm>
       </p:grpSpPr>
-      <p:sp>
-        <p:nvSpPr>
-          <p:cNvPr id="2" name="Title 1"/>
-          <p:cNvSpPr>
-            <a:spLocks noGrp="1"/>
-          </p:cNvSpPr>
-          <p:nvPr>
-            <p:ph type="title"/>
-          </p:nvPr>
-        </p:nvSpPr>
-        <p:spPr/>
-        <p:txBody>
-          <a:bodyPr/>
+      <p:cxnSp>
+        <p:nvCxnSpPr>
+          <p:cNvPr id="15" name="Straight Connector 14"/>
+          <p:cNvCxnSpPr/>
+          <p:nvPr/>
+        </p:nvCxnSpPr>
+        <p:spPr>
+          <a:xfrm>
+            <a:off x="2162175" y="3143251"/>
+            <a:ext cx="3657600" cy="0"/>
+          </a:xfrm>
+          <a:prstGeom prst="line">
+            <a:avLst/>
+          </a:prstGeom>
+          <a:ln w="38100">
+            <a:solidFill>
+              <a:schemeClr val="tx1"/>
+            </a:solidFill>
+          </a:ln>
+        </p:spPr>
+        <p:style>
+          <a:lnRef idx="1">
+            <a:schemeClr val="accent1"/>
+          </a:lnRef>
+          <a:fillRef idx="0">
+            <a:schemeClr val="accent1"/>
+          </a:fillRef>
+          <a:effectRef idx="0">
+            <a:schemeClr val="accent1"/>
+          </a:effectRef>
+          <a:fontRef idx="minor">
+            <a:schemeClr val="tx1"/>
+          </a:fontRef>
+        </p:style>
+      </p:cxnSp>
+      <p:sp>
+        <p:nvSpPr>
+          <p:cNvPr id="16" name="TextBox 15"/>
+          <p:cNvSpPr txBox="1"/>
+          <p:nvPr/>
+        </p:nvSpPr>
+        <p:spPr>
+          <a:xfrm>
+            <a:off x="1844459" y="2773917"/>
+            <a:ext cx="317716" cy="369332"/>
+          </a:xfrm>
+          <a:prstGeom prst="rect">
+            <a:avLst/>
+          </a:prstGeom>
+          <a:noFill/>
+        </p:spPr>
+        <p:txBody>
+          <a:bodyPr wrap="none" rtlCol="0">
+            <a:spAutoFit/>
+          </a:bodyPr>
+          <a:lstStyle/>
+          <a:p>
+            <a:r>
+              <a:rPr lang="en-US" dirty="0"/>
+              <a:t>A</a:t>
+            </a:r>
+          </a:p>
+        </p:txBody>
+      </p:sp>
+      <p:sp>
+        <p:nvSpPr>
+          <p:cNvPr id="17" name="TextBox 16"/>
+          <p:cNvSpPr txBox="1"/>
+          <p:nvPr/>
+        </p:nvSpPr>
+        <p:spPr>
+          <a:xfrm>
+            <a:off x="5915026" y="2773917"/>
+            <a:ext cx="309700" cy="369332"/>
+          </a:xfrm>
+          <a:prstGeom prst="rect">
+            <a:avLst/>
+          </a:prstGeom>
+          <a:noFill/>
+        </p:spPr>
+        <p:txBody>
+          <a:bodyPr wrap="none" rtlCol="0">
+            <a:spAutoFit/>
+          </a:bodyPr>
+          <a:lstStyle/>
+          <a:p>
+            <a:r>
+              <a:rPr lang="en-US" dirty="0"/>
+              <a:t>B</a:t>
+            </a:r>
+          </a:p>
+        </p:txBody>
+      </p:sp>
+      <p:cxnSp>
+        <p:nvCxnSpPr>
+          <p:cNvPr id="18" name="Straight Connector 17"/>
+          <p:cNvCxnSpPr/>
+          <p:nvPr/>
+        </p:nvCxnSpPr>
+        <p:spPr>
+          <a:xfrm flipH="1" flipV="1">
+            <a:off x="5819775" y="3143249"/>
+            <a:ext cx="404951" cy="996265"/>
+          </a:xfrm>
+          <a:prstGeom prst="line">
+            <a:avLst/>
+          </a:prstGeom>
+          <a:ln w="38100">
+            <a:solidFill>
+              <a:srgbClr val="FF0000"/>
+            </a:solidFill>
+          </a:ln>
+        </p:spPr>
+        <p:style>
+          <a:lnRef idx="1">
+            <a:schemeClr val="accent1"/>
+          </a:lnRef>
+          <a:fillRef idx="0">
+            <a:schemeClr val="accent1"/>
+          </a:fillRef>
+          <a:effectRef idx="0">
+            <a:schemeClr val="accent1"/>
+          </a:effectRef>
+          <a:fontRef idx="minor">
+            <a:schemeClr val="tx1"/>
+          </a:fontRef>
+        </p:style>
+      </p:cxnSp>
+      <p:cxnSp>
+        <p:nvCxnSpPr>
+          <p:cNvPr id="19" name="Straight Connector 18"/>
+          <p:cNvCxnSpPr/>
+          <p:nvPr/>
+        </p:nvCxnSpPr>
+        <p:spPr>
+          <a:xfrm>
+            <a:off x="2162175" y="2075935"/>
+            <a:ext cx="0" cy="2063579"/>
+          </a:xfrm>
+          <a:prstGeom prst="line">
+            <a:avLst/>
+          </a:prstGeom>
+          <a:ln w="38100">
+            <a:solidFill>
+              <a:schemeClr val="tx1"/>
+            </a:solidFill>
+            <a:prstDash val="dash"/>
+          </a:ln>
+        </p:spPr>
+        <p:style>
+          <a:lnRef idx="1">
+            <a:schemeClr val="accent1"/>
+          </a:lnRef>
+          <a:fillRef idx="0">
+            <a:schemeClr val="accent1"/>
+          </a:fillRef>
+          <a:effectRef idx="0">
+            <a:schemeClr val="accent1"/>
+          </a:effectRef>
+          <a:fontRef idx="minor">
+            <a:schemeClr val="tx1"/>
+          </a:fontRef>
+        </p:style>
+      </p:cxnSp>
+      <p:cxnSp>
+        <p:nvCxnSpPr>
+          <p:cNvPr id="20" name="Straight Connector 19"/>
+          <p:cNvCxnSpPr/>
+          <p:nvPr/>
+        </p:nvCxnSpPr>
+        <p:spPr>
+          <a:xfrm>
+            <a:off x="5819775" y="2111459"/>
+            <a:ext cx="0" cy="2063579"/>
+          </a:xfrm>
+          <a:prstGeom prst="line">
+            <a:avLst/>
+          </a:prstGeom>
+          <a:ln w="38100">
+            <a:prstDash val="dash"/>
+          </a:ln>
+        </p:spPr>
+        <p:style>
+          <a:lnRef idx="1">
+            <a:schemeClr val="dk1"/>
+          </a:lnRef>
+          <a:fillRef idx="0">
+            <a:schemeClr val="dk1"/>
+          </a:fillRef>
+          <a:effectRef idx="0">
+            <a:schemeClr val="dk1"/>
+          </a:effectRef>
+          <a:fontRef idx="minor">
+            <a:schemeClr val="tx1"/>
+          </a:fontRef>
+        </p:style>
+      </p:cxnSp>
+      <p:sp>
+        <p:nvSpPr>
+          <p:cNvPr id="21" name="TextBox 20"/>
+          <p:cNvSpPr txBox="1"/>
+          <p:nvPr/>
+        </p:nvSpPr>
+        <p:spPr>
+          <a:xfrm>
+            <a:off x="6230633" y="3805020"/>
+            <a:ext cx="308098" cy="369332"/>
+          </a:xfrm>
+          <a:prstGeom prst="rect">
+            <a:avLst/>
+          </a:prstGeom>
+          <a:noFill/>
+        </p:spPr>
+        <p:txBody>
+          <a:bodyPr wrap="none" rtlCol="0">
+            <a:spAutoFit/>
+          </a:bodyPr>
+          <a:lstStyle/>
+          <a:p>
+            <a:r>
+              <a:rPr lang="en-US" dirty="0"/>
+              <a:t>C</a:t>
+            </a:r>
+          </a:p>
+        </p:txBody>
+      </p:sp>
+      <p:sp>
+        <p:nvSpPr>
+          <p:cNvPr id="22" name="Oval 21"/>
+          <p:cNvSpPr/>
+          <p:nvPr/>
+        </p:nvSpPr>
+        <p:spPr>
+          <a:xfrm>
+            <a:off x="6113195" y="3989686"/>
+            <a:ext cx="185352" cy="185352"/>
+          </a:xfrm>
+          <a:prstGeom prst="ellipse">
+            <a:avLst/>
+          </a:prstGeom>
+          <a:solidFill>
+            <a:srgbClr val="FF0000"/>
+          </a:solidFill>
+          <a:ln>
+            <a:solidFill>
+              <a:srgbClr val="FF0000"/>
+            </a:solidFill>
+          </a:ln>
+        </p:spPr>
+        <p:style>
+          <a:lnRef idx="2">
+            <a:schemeClr val="dk1">
+              <a:shade val="50000"/>
+            </a:schemeClr>
+          </a:lnRef>
+          <a:fillRef idx="1">
+            <a:schemeClr val="dk1"/>
+          </a:fillRef>
+          <a:effectRef idx="0">
+            <a:schemeClr val="dk1"/>
+          </a:effectRef>
+          <a:fontRef idx="minor">
+            <a:schemeClr val="lt1"/>
+          </a:fontRef>
+        </p:style>
+        <p:txBody>
+          <a:bodyPr rtlCol="0" anchor="ctr"/>
+          <a:lstStyle/>
+          <a:p>
+            <a:pPr algn="ctr"/>
+            <a:endParaRPr lang="en-US"/>
+          </a:p>
+        </p:txBody>
+      </p:sp>
+      <p:sp>
+        <p:nvSpPr>
+          <p:cNvPr id="23" name="Oval 22"/>
+          <p:cNvSpPr/>
+          <p:nvPr/>
+        </p:nvSpPr>
+        <p:spPr>
+          <a:xfrm>
+            <a:off x="2079615" y="3050574"/>
+            <a:ext cx="185352" cy="185352"/>
+          </a:xfrm>
+          <a:prstGeom prst="ellipse">
+            <a:avLst/>
+          </a:prstGeom>
+        </p:spPr>
+        <p:style>
+          <a:lnRef idx="2">
+            <a:schemeClr val="dk1">
+              <a:shade val="50000"/>
+            </a:schemeClr>
+          </a:lnRef>
+          <a:fillRef idx="1">
+            <a:schemeClr val="dk1"/>
+          </a:fillRef>
+          <a:effectRef idx="0">
+            <a:schemeClr val="dk1"/>
+          </a:effectRef>
+          <a:fontRef idx="minor">
+            <a:schemeClr val="lt1"/>
+          </a:fontRef>
+        </p:style>
+        <p:txBody>
+          <a:bodyPr rtlCol="0" anchor="ctr"/>
+          <a:lstStyle/>
+          <a:p>
+            <a:pPr algn="ctr"/>
+            <a:endParaRPr lang="en-US"/>
+          </a:p>
+        </p:txBody>
+      </p:sp>
+      <p:sp>
+        <p:nvSpPr>
+          <p:cNvPr id="24" name="Oval 23"/>
+          <p:cNvSpPr/>
+          <p:nvPr/>
+        </p:nvSpPr>
+        <p:spPr>
+          <a:xfrm>
+            <a:off x="5729674" y="3055207"/>
+            <a:ext cx="185352" cy="185352"/>
+          </a:xfrm>
+          <a:prstGeom prst="ellipse">
+            <a:avLst/>
+          </a:prstGeom>
+        </p:spPr>
+        <p:style>
+          <a:lnRef idx="2">
+            <a:schemeClr val="dk1">
+              <a:shade val="50000"/>
+            </a:schemeClr>
+          </a:lnRef>
+          <a:fillRef idx="1">
+            <a:schemeClr val="dk1"/>
+          </a:fillRef>
+          <a:effectRef idx="0">
+            <a:schemeClr val="dk1"/>
+          </a:effectRef>
+          <a:fontRef idx="minor">
+            <a:schemeClr val="lt1"/>
+          </a:fontRef>
+        </p:style>
+        <p:txBody>
+          <a:bodyPr rtlCol="0" anchor="ctr"/>
+          <a:lstStyle/>
+          <a:p>
+            <a:pPr algn="ctr"/>
+            <a:endParaRPr lang="en-US"/>
+          </a:p>
+        </p:txBody>
+      </p:sp>
+      <p:sp>
+        <p:nvSpPr>
+          <p:cNvPr id="26" name="TextBox 25"/>
+          <p:cNvSpPr txBox="1"/>
+          <p:nvPr/>
+        </p:nvSpPr>
+        <p:spPr>
+          <a:xfrm>
+            <a:off x="6113195" y="3435350"/>
+            <a:ext cx="306494" cy="369332"/>
+          </a:xfrm>
+          <a:prstGeom prst="rect">
+            <a:avLst/>
+          </a:prstGeom>
+          <a:noFill/>
+        </p:spPr>
+        <p:txBody>
+          <a:bodyPr wrap="none" rtlCol="0">
+            <a:spAutoFit/>
+          </a:bodyPr>
           <a:lstStyle/>
           <a:p>
             <a:r>
               <a:rPr lang="en-US" dirty="0" smtClean="0"/>
-              <a:t>Notify detect algorithm</a:t>
+              <a:t>d</a:t>
             </a:r>
             <a:endParaRPr lang="en-US" dirty="0"/>
           </a:p>
@@ -4398,7 +5829,7 @@
     </p:spTree>
     <p:extLst>
       <p:ext uri="{BB962C8B-B14F-4D97-AF65-F5344CB8AC3E}">
-        <p14:creationId xmlns:p14="http://schemas.microsoft.com/office/powerpoint/2010/main" val="121868592"/>
+        <p14:creationId xmlns:p14="http://schemas.microsoft.com/office/powerpoint/2010/main" val="926511342"/>
       </p:ext>
     </p:extLst>
   </p:cSld>
@@ -4427,192 +5858,18 @@
       </p:grpSpPr>
       <p:sp>
         <p:nvSpPr>
-          <p:cNvPr id="4" name="TextBox 3"/>
-          <p:cNvSpPr txBox="1"/>
-          <p:nvPr/>
-        </p:nvSpPr>
-        <p:spPr>
-          <a:xfrm>
-            <a:off x="2115047" y="2496709"/>
-            <a:ext cx="317716" cy="369332"/>
+          <p:cNvPr id="2" name="Rectangle 1"/>
+          <p:cNvSpPr/>
+          <p:nvPr/>
+        </p:nvSpPr>
+        <p:spPr>
+          <a:xfrm>
+            <a:off x="0" y="0"/>
+            <a:ext cx="9144000" cy="6858000"/>
           </a:xfrm>
           <a:prstGeom prst="rect">
             <a:avLst/>
           </a:prstGeom>
-          <a:noFill/>
-        </p:spPr>
-        <p:txBody>
-          <a:bodyPr wrap="none" rtlCol="0">
-            <a:spAutoFit/>
-          </a:bodyPr>
-          <a:lstStyle/>
-          <a:p>
-            <a:r>
-              <a:rPr lang="en-US" dirty="0" smtClean="0"/>
-              <a:t>A</a:t>
-            </a:r>
-            <a:endParaRPr lang="en-US" dirty="0"/>
-          </a:p>
-        </p:txBody>
-      </p:sp>
-      <p:sp>
-        <p:nvSpPr>
-          <p:cNvPr id="5" name="TextBox 4"/>
-          <p:cNvSpPr txBox="1"/>
-          <p:nvPr/>
-        </p:nvSpPr>
-        <p:spPr>
-          <a:xfrm>
-            <a:off x="3315693" y="3745065"/>
-            <a:ext cx="309700" cy="369332"/>
-          </a:xfrm>
-          <a:prstGeom prst="rect">
-            <a:avLst/>
-          </a:prstGeom>
-          <a:noFill/>
-        </p:spPr>
-        <p:txBody>
-          <a:bodyPr wrap="none" rtlCol="0">
-            <a:spAutoFit/>
-          </a:bodyPr>
-          <a:lstStyle/>
-          <a:p>
-            <a:r>
-              <a:rPr lang="en-US" dirty="0" smtClean="0"/>
-              <a:t>B</a:t>
-            </a:r>
-            <a:endParaRPr lang="en-US" dirty="0"/>
-          </a:p>
-        </p:txBody>
-      </p:sp>
-      <p:sp>
-        <p:nvSpPr>
-          <p:cNvPr id="6" name="TextBox 5"/>
-          <p:cNvSpPr txBox="1"/>
-          <p:nvPr/>
-        </p:nvSpPr>
-        <p:spPr>
-          <a:xfrm>
-            <a:off x="4357315" y="2496709"/>
-            <a:ext cx="308098" cy="369332"/>
-          </a:xfrm>
-          <a:prstGeom prst="rect">
-            <a:avLst/>
-          </a:prstGeom>
-          <a:noFill/>
-        </p:spPr>
-        <p:txBody>
-          <a:bodyPr wrap="none" rtlCol="0">
-            <a:spAutoFit/>
-          </a:bodyPr>
-          <a:lstStyle/>
-          <a:p>
-            <a:r>
-              <a:rPr lang="en-US" dirty="0" smtClean="0"/>
-              <a:t>C</a:t>
-            </a:r>
-            <a:endParaRPr lang="en-US" dirty="0"/>
-          </a:p>
-        </p:txBody>
-      </p:sp>
-      <p:cxnSp>
-        <p:nvCxnSpPr>
-          <p:cNvPr id="9" name="Straight Connector 8"/>
-          <p:cNvCxnSpPr>
-            <a:stCxn id="4" idx="2"/>
-            <a:endCxn id="5" idx="0"/>
-          </p:cNvCxnSpPr>
-          <p:nvPr/>
-        </p:nvCxnSpPr>
-        <p:spPr>
-          <a:xfrm>
-            <a:off x="2273905" y="2866041"/>
-            <a:ext cx="1196638" cy="879024"/>
-          </a:xfrm>
-          <a:prstGeom prst="line">
-            <a:avLst/>
-          </a:prstGeom>
-          <a:ln w="28575">
-            <a:solidFill>
-              <a:schemeClr val="tx1"/>
-            </a:solidFill>
-          </a:ln>
-        </p:spPr>
-        <p:style>
-          <a:lnRef idx="1">
-            <a:schemeClr val="accent1"/>
-          </a:lnRef>
-          <a:fillRef idx="0">
-            <a:schemeClr val="accent1"/>
-          </a:fillRef>
-          <a:effectRef idx="0">
-            <a:schemeClr val="accent1"/>
-          </a:effectRef>
-          <a:fontRef idx="minor">
-            <a:schemeClr val="tx1"/>
-          </a:fontRef>
-        </p:style>
-      </p:cxnSp>
-      <p:cxnSp>
-        <p:nvCxnSpPr>
-          <p:cNvPr id="11" name="Straight Connector 10"/>
-          <p:cNvCxnSpPr>
-            <a:stCxn id="5" idx="0"/>
-            <a:endCxn id="6" idx="2"/>
-          </p:cNvCxnSpPr>
-          <p:nvPr/>
-        </p:nvCxnSpPr>
-        <p:spPr>
-          <a:xfrm flipV="1">
-            <a:off x="3470543" y="2866041"/>
-            <a:ext cx="1040821" cy="879024"/>
-          </a:xfrm>
-          <a:prstGeom prst="line">
-            <a:avLst/>
-          </a:prstGeom>
-          <a:ln w="28575">
-            <a:solidFill>
-              <a:schemeClr val="tx1"/>
-            </a:solidFill>
-          </a:ln>
-        </p:spPr>
-        <p:style>
-          <a:lnRef idx="1">
-            <a:schemeClr val="accent1"/>
-          </a:lnRef>
-          <a:fillRef idx="0">
-            <a:schemeClr val="accent1"/>
-          </a:fillRef>
-          <a:effectRef idx="0">
-            <a:schemeClr val="accent1"/>
-          </a:effectRef>
-          <a:fontRef idx="minor">
-            <a:schemeClr val="tx1"/>
-          </a:fontRef>
-        </p:style>
-      </p:cxnSp>
-      <p:sp>
-        <p:nvSpPr>
-          <p:cNvPr id="15" name="Oval 14"/>
-          <p:cNvSpPr/>
-          <p:nvPr/>
-        </p:nvSpPr>
-        <p:spPr>
-          <a:xfrm>
-            <a:off x="2182845" y="2788871"/>
-            <a:ext cx="166093" cy="166093"/>
-          </a:xfrm>
-          <a:prstGeom prst="ellipse">
-            <a:avLst/>
-          </a:prstGeom>
-          <a:solidFill>
-            <a:schemeClr val="tx1"/>
-          </a:solidFill>
-          <a:ln>
-            <a:solidFill>
-              <a:schemeClr val="tx1"/>
-            </a:solidFill>
-          </a:ln>
         </p:spPr>
         <p:style>
           <a:lnRef idx="2">
@@ -4631,12 +5888,7 @@
           </a:fontRef>
         </p:style>
         <p:txBody>
-          <a:bodyPr rot="0" spcFirstLastPara="0" vertOverflow="overflow" horzOverflow="overflow" vert="horz" wrap="square" lIns="91440" tIns="45720" rIns="91440" bIns="45720" numCol="1" spcCol="0" rtlCol="0" fromWordArt="0" anchor="ctr" anchorCtr="0" forceAA="0" compatLnSpc="1">
-            <a:prstTxWarp prst="textNoShape">
-              <a:avLst/>
-            </a:prstTxWarp>
-            <a:noAutofit/>
-          </a:bodyPr>
+          <a:bodyPr rtlCol="0" anchor="ctr"/>
           <a:lstStyle/>
           <a:p>
             <a:pPr algn="ctr"/>
@@ -4646,120 +5898,14 @@
       </p:sp>
       <p:sp>
         <p:nvSpPr>
-          <p:cNvPr id="16" name="Oval 15"/>
-          <p:cNvSpPr/>
-          <p:nvPr/>
-        </p:nvSpPr>
-        <p:spPr>
-          <a:xfrm>
-            <a:off x="3393781" y="3646157"/>
-            <a:ext cx="166093" cy="166093"/>
-          </a:xfrm>
-          <a:prstGeom prst="ellipse">
-            <a:avLst/>
-          </a:prstGeom>
-          <a:solidFill>
-            <a:schemeClr val="tx1"/>
-          </a:solidFill>
-          <a:ln>
-            <a:solidFill>
-              <a:schemeClr val="tx1"/>
-            </a:solidFill>
-          </a:ln>
-        </p:spPr>
-        <p:style>
-          <a:lnRef idx="2">
-            <a:schemeClr val="accent1">
-              <a:shade val="50000"/>
-            </a:schemeClr>
-          </a:lnRef>
-          <a:fillRef idx="1">
-            <a:schemeClr val="accent1"/>
-          </a:fillRef>
-          <a:effectRef idx="0">
-            <a:schemeClr val="accent1"/>
-          </a:effectRef>
-          <a:fontRef idx="minor">
-            <a:schemeClr val="lt1"/>
-          </a:fontRef>
-        </p:style>
-        <p:txBody>
-          <a:bodyPr rot="0" spcFirstLastPara="0" vertOverflow="overflow" horzOverflow="overflow" vert="horz" wrap="square" lIns="91440" tIns="45720" rIns="91440" bIns="45720" numCol="1" spcCol="0" rtlCol="0" fromWordArt="0" anchor="ctr" anchorCtr="0" forceAA="0" compatLnSpc="1">
-            <a:prstTxWarp prst="textNoShape">
-              <a:avLst/>
-            </a:prstTxWarp>
-            <a:noAutofit/>
-          </a:bodyPr>
-          <a:lstStyle/>
-          <a:p>
-            <a:pPr algn="ctr"/>
-            <a:endParaRPr lang="en-US"/>
-          </a:p>
-        </p:txBody>
-      </p:sp>
-      <p:sp>
-        <p:nvSpPr>
-          <p:cNvPr id="17" name="Oval 16"/>
-          <p:cNvSpPr/>
-          <p:nvPr/>
-        </p:nvSpPr>
-        <p:spPr>
-          <a:xfrm>
-            <a:off x="4433393" y="2792057"/>
-            <a:ext cx="166093" cy="166093"/>
-          </a:xfrm>
-          <a:prstGeom prst="ellipse">
-            <a:avLst/>
-          </a:prstGeom>
-          <a:solidFill>
-            <a:schemeClr val="tx1"/>
-          </a:solidFill>
-          <a:ln>
-            <a:solidFill>
-              <a:schemeClr val="tx1"/>
-            </a:solidFill>
-          </a:ln>
-        </p:spPr>
-        <p:style>
-          <a:lnRef idx="2">
-            <a:schemeClr val="accent1">
-              <a:shade val="50000"/>
-            </a:schemeClr>
-          </a:lnRef>
-          <a:fillRef idx="1">
-            <a:schemeClr val="accent1"/>
-          </a:fillRef>
-          <a:effectRef idx="0">
-            <a:schemeClr val="accent1"/>
-          </a:effectRef>
-          <a:fontRef idx="minor">
-            <a:schemeClr val="lt1"/>
-          </a:fontRef>
-        </p:style>
-        <p:txBody>
-          <a:bodyPr rot="0" spcFirstLastPara="0" vertOverflow="overflow" horzOverflow="overflow" vert="horz" wrap="square" lIns="91440" tIns="45720" rIns="91440" bIns="45720" numCol="1" spcCol="0" rtlCol="0" fromWordArt="0" anchor="ctr" anchorCtr="0" forceAA="0" compatLnSpc="1">
-            <a:prstTxWarp prst="textNoShape">
-              <a:avLst/>
-            </a:prstTxWarp>
-            <a:noAutofit/>
-          </a:bodyPr>
-          <a:lstStyle/>
-          <a:p>
-            <a:pPr algn="ctr"/>
-            <a:endParaRPr lang="en-US"/>
-          </a:p>
-        </p:txBody>
-      </p:sp>
-      <p:sp>
-        <p:nvSpPr>
-          <p:cNvPr id="20" name="TextBox 19"/>
+          <p:cNvPr id="4" name="TextBox 3"/>
           <p:cNvSpPr txBox="1"/>
           <p:nvPr/>
         </p:nvSpPr>
         <p:spPr>
           <a:xfrm>
-            <a:off x="5978298" y="3269353"/>
-            <a:ext cx="327334" cy="369332"/>
+            <a:off x="1327265" y="2204387"/>
+            <a:ext cx="6802631" cy="923330"/>
           </a:xfrm>
           <a:prstGeom prst="rect">
             <a:avLst/>
@@ -4772,228 +5918,27 @@
           </a:bodyPr>
           <a:lstStyle/>
           <a:p>
-            <a:r>
-              <a:rPr lang="en-US" dirty="0" smtClean="0"/>
-              <a:t>D</a:t>
-            </a:r>
-            <a:endParaRPr lang="en-US" dirty="0"/>
-          </a:p>
-        </p:txBody>
-      </p:sp>
-      <p:cxnSp>
-        <p:nvCxnSpPr>
-          <p:cNvPr id="21" name="Straight Connector 20"/>
-          <p:cNvCxnSpPr>
-            <a:endCxn id="22" idx="2"/>
-          </p:cNvCxnSpPr>
-          <p:nvPr/>
-        </p:nvCxnSpPr>
-        <p:spPr>
-          <a:xfrm>
-            <a:off x="4508158" y="2866041"/>
-            <a:ext cx="1537936" cy="356466"/>
-          </a:xfrm>
-          <a:prstGeom prst="line">
-            <a:avLst/>
-          </a:prstGeom>
-          <a:ln w="28575">
-            <a:solidFill>
-              <a:schemeClr val="tx1"/>
-            </a:solidFill>
-          </a:ln>
-        </p:spPr>
-        <p:style>
-          <a:lnRef idx="1">
-            <a:schemeClr val="accent1"/>
-          </a:lnRef>
-          <a:fillRef idx="0">
-            <a:schemeClr val="accent1"/>
-          </a:fillRef>
-          <a:effectRef idx="0">
-            <a:schemeClr val="accent1"/>
-          </a:effectRef>
-          <a:fontRef idx="minor">
-            <a:schemeClr val="tx1"/>
-          </a:fontRef>
-        </p:style>
-      </p:cxnSp>
-      <p:sp>
-        <p:nvSpPr>
-          <p:cNvPr id="22" name="Oval 21"/>
-          <p:cNvSpPr/>
-          <p:nvPr/>
-        </p:nvSpPr>
-        <p:spPr>
-          <a:xfrm>
-            <a:off x="6046094" y="3139460"/>
-            <a:ext cx="166093" cy="166093"/>
-          </a:xfrm>
-          <a:prstGeom prst="ellipse">
-            <a:avLst/>
-          </a:prstGeom>
-          <a:solidFill>
-            <a:schemeClr val="tx1"/>
-          </a:solidFill>
-          <a:ln>
-            <a:solidFill>
-              <a:schemeClr val="tx1"/>
-            </a:solidFill>
-          </a:ln>
-        </p:spPr>
-        <p:style>
-          <a:lnRef idx="2">
-            <a:schemeClr val="accent1">
-              <a:shade val="50000"/>
-            </a:schemeClr>
-          </a:lnRef>
-          <a:fillRef idx="1">
-            <a:schemeClr val="accent1"/>
-          </a:fillRef>
-          <a:effectRef idx="0">
-            <a:schemeClr val="accent1"/>
-          </a:effectRef>
-          <a:fontRef idx="minor">
-            <a:schemeClr val="lt1"/>
-          </a:fontRef>
-        </p:style>
-        <p:txBody>
-          <a:bodyPr rot="0" spcFirstLastPara="0" vertOverflow="overflow" horzOverflow="overflow" vert="horz" wrap="square" lIns="91440" tIns="45720" rIns="91440" bIns="45720" numCol="1" spcCol="0" rtlCol="0" fromWordArt="0" anchor="ctr" anchorCtr="0" forceAA="0" compatLnSpc="1">
-            <a:prstTxWarp prst="textNoShape">
-              <a:avLst/>
-            </a:prstTxWarp>
-            <a:noAutofit/>
-          </a:bodyPr>
-          <a:lstStyle/>
-          <a:p>
             <a:pPr algn="ctr"/>
-            <a:endParaRPr lang="en-US"/>
-          </a:p>
-        </p:txBody>
-      </p:sp>
-      <p:cxnSp>
-        <p:nvCxnSpPr>
-          <p:cNvPr id="23" name="Straight Connector 22"/>
-          <p:cNvCxnSpPr>
-            <a:stCxn id="22" idx="7"/>
-          </p:cNvCxnSpPr>
-          <p:nvPr/>
-        </p:nvCxnSpPr>
-        <p:spPr>
-          <a:xfrm flipV="1">
-            <a:off x="6187863" y="1669492"/>
-            <a:ext cx="521856" cy="1494292"/>
-          </a:xfrm>
-          <a:prstGeom prst="line">
-            <a:avLst/>
-          </a:prstGeom>
-          <a:ln w="28575">
-            <a:solidFill>
-              <a:schemeClr val="tx1"/>
-            </a:solidFill>
-          </a:ln>
-        </p:spPr>
-        <p:style>
-          <a:lnRef idx="1">
-            <a:schemeClr val="accent1"/>
-          </a:lnRef>
-          <a:fillRef idx="0">
-            <a:schemeClr val="accent1"/>
-          </a:fillRef>
-          <a:effectRef idx="0">
-            <a:schemeClr val="accent1"/>
-          </a:effectRef>
-          <a:fontRef idx="minor">
-            <a:schemeClr val="tx1"/>
-          </a:fontRef>
-        </p:style>
-      </p:cxnSp>
-      <p:sp>
-        <p:nvSpPr>
-          <p:cNvPr id="24" name="Oval 23"/>
-          <p:cNvSpPr/>
-          <p:nvPr/>
-        </p:nvSpPr>
-        <p:spPr>
-          <a:xfrm>
-            <a:off x="6626672" y="1563365"/>
-            <a:ext cx="166093" cy="166093"/>
-          </a:xfrm>
-          <a:prstGeom prst="ellipse">
-            <a:avLst/>
-          </a:prstGeom>
-          <a:solidFill>
-            <a:schemeClr val="tx1"/>
-          </a:solidFill>
-          <a:ln>
-            <a:solidFill>
-              <a:schemeClr val="tx1"/>
-            </a:solidFill>
-          </a:ln>
-        </p:spPr>
-        <p:style>
-          <a:lnRef idx="2">
-            <a:schemeClr val="accent1">
-              <a:shade val="50000"/>
-            </a:schemeClr>
-          </a:lnRef>
-          <a:fillRef idx="1">
-            <a:schemeClr val="accent1"/>
-          </a:fillRef>
-          <a:effectRef idx="0">
-            <a:schemeClr val="accent1"/>
-          </a:effectRef>
-          <a:fontRef idx="minor">
-            <a:schemeClr val="lt1"/>
-          </a:fontRef>
-        </p:style>
-        <p:txBody>
-          <a:bodyPr rot="0" spcFirstLastPara="0" vertOverflow="overflow" horzOverflow="overflow" vert="horz" wrap="square" lIns="91440" tIns="45720" rIns="91440" bIns="45720" numCol="1" spcCol="0" rtlCol="0" fromWordArt="0" anchor="ctr" anchorCtr="0" forceAA="0" compatLnSpc="1">
-            <a:prstTxWarp prst="textNoShape">
-              <a:avLst/>
-            </a:prstTxWarp>
-            <a:noAutofit/>
-          </a:bodyPr>
-          <a:lstStyle/>
-          <a:p>
-            <a:pPr algn="ctr"/>
-            <a:endParaRPr lang="en-US" dirty="0"/>
-          </a:p>
-        </p:txBody>
-      </p:sp>
-      <p:sp>
-        <p:nvSpPr>
-          <p:cNvPr id="25" name="TextBox 24"/>
-          <p:cNvSpPr txBox="1"/>
-          <p:nvPr/>
-        </p:nvSpPr>
-        <p:spPr>
-          <a:xfrm>
-            <a:off x="6709718" y="1561188"/>
-            <a:ext cx="296876" cy="369332"/>
-          </a:xfrm>
-          <a:prstGeom prst="rect">
-            <a:avLst/>
-          </a:prstGeom>
-          <a:noFill/>
-        </p:spPr>
-        <p:txBody>
-          <a:bodyPr wrap="none" rtlCol="0">
-            <a:spAutoFit/>
-          </a:bodyPr>
-          <a:lstStyle/>
-          <a:p>
-            <a:r>
-              <a:rPr lang="en-US" dirty="0" smtClean="0"/>
-              <a:t>E</a:t>
-            </a:r>
-            <a:endParaRPr lang="en-US" dirty="0"/>
+            <a:r>
+              <a:rPr lang="vi-VN" sz="5400" dirty="0" smtClean="0">
+                <a:solidFill>
+                  <a:schemeClr val="bg1"/>
+                </a:solidFill>
+              </a:rPr>
+              <a:t>Notify Turn Algorithm</a:t>
+            </a:r>
+            <a:endParaRPr lang="en-US" sz="5400" dirty="0">
+              <a:solidFill>
+                <a:schemeClr val="bg1"/>
+              </a:solidFill>
+            </a:endParaRPr>
           </a:p>
         </p:txBody>
       </p:sp>
     </p:spTree>
     <p:extLst>
       <p:ext uri="{BB962C8B-B14F-4D97-AF65-F5344CB8AC3E}">
-        <p14:creationId xmlns:p14="http://schemas.microsoft.com/office/powerpoint/2010/main" val="1135895130"/>
+        <p14:creationId xmlns:p14="http://schemas.microsoft.com/office/powerpoint/2010/main" val="1248636735"/>
       </p:ext>
     </p:extLst>
   </p:cSld>
@@ -5585,58 +6530,10 @@
           </a:p>
         </p:txBody>
       </p:sp>
-      <p:sp>
-        <p:nvSpPr>
-          <p:cNvPr id="18" name="Oval 17"/>
-          <p:cNvSpPr/>
-          <p:nvPr/>
-        </p:nvSpPr>
-        <p:spPr>
-          <a:xfrm>
-            <a:off x="2469745" y="2779543"/>
-            <a:ext cx="172995" cy="172995"/>
-          </a:xfrm>
-          <a:prstGeom prst="ellipse">
-            <a:avLst/>
-          </a:prstGeom>
-          <a:solidFill>
-            <a:srgbClr val="FF0000"/>
-          </a:solidFill>
-          <a:ln>
-            <a:solidFill>
-              <a:srgbClr val="FF0000"/>
-            </a:solidFill>
-          </a:ln>
-        </p:spPr>
-        <p:style>
-          <a:lnRef idx="2">
-            <a:schemeClr val="accent1">
-              <a:shade val="50000"/>
-            </a:schemeClr>
-          </a:lnRef>
-          <a:fillRef idx="1">
-            <a:schemeClr val="accent1"/>
-          </a:fillRef>
-          <a:effectRef idx="0">
-            <a:schemeClr val="accent1"/>
-          </a:effectRef>
-          <a:fontRef idx="minor">
-            <a:schemeClr val="lt1"/>
-          </a:fontRef>
-        </p:style>
-        <p:txBody>
-          <a:bodyPr rtlCol="0" anchor="ctr"/>
-          <a:lstStyle/>
-          <a:p>
-            <a:pPr algn="ctr"/>
-            <a:endParaRPr lang="en-US"/>
-          </a:p>
-        </p:txBody>
-      </p:sp>
     </p:spTree>
     <p:extLst>
       <p:ext uri="{BB962C8B-B14F-4D97-AF65-F5344CB8AC3E}">
-        <p14:creationId xmlns:p14="http://schemas.microsoft.com/office/powerpoint/2010/main" val="2960296881"/>
+        <p14:creationId xmlns:p14="http://schemas.microsoft.com/office/powerpoint/2010/main" val="1135895130"/>
       </p:ext>
     </p:extLst>
   </p:cSld>
@@ -6276,120 +7173,10 @@
           </a:p>
         </p:txBody>
       </p:sp>
-      <p:pic>
-        <p:nvPicPr>
-          <p:cNvPr id="2" name="Picture 1"/>
-          <p:cNvPicPr>
-            <a:picLocks noChangeAspect="1"/>
-          </p:cNvPicPr>
-          <p:nvPr/>
-        </p:nvPicPr>
-        <p:blipFill>
-          <a:blip r:embed="rId2"/>
-          <a:stretch>
-            <a:fillRect/>
-          </a:stretch>
-        </p:blipFill>
-        <p:spPr>
-          <a:xfrm>
-            <a:off x="1293170" y="1859969"/>
-            <a:ext cx="2460932" cy="2185138"/>
-          </a:xfrm>
-          <a:prstGeom prst="rect">
-            <a:avLst/>
-          </a:prstGeom>
-          <a:ln>
-            <a:solidFill>
-              <a:schemeClr val="tx1"/>
-            </a:solidFill>
-          </a:ln>
-        </p:spPr>
-      </p:pic>
-      <p:sp>
-        <p:nvSpPr>
-          <p:cNvPr id="12" name="Rectangle 11"/>
-          <p:cNvSpPr/>
-          <p:nvPr/>
-        </p:nvSpPr>
-        <p:spPr>
-          <a:xfrm rot="2186999">
-            <a:off x="2456391" y="2993956"/>
-            <a:ext cx="88106" cy="88106"/>
-          </a:xfrm>
-          <a:prstGeom prst="rect">
-            <a:avLst/>
-          </a:prstGeom>
-          <a:noFill/>
-          <a:ln>
-            <a:solidFill>
-              <a:srgbClr val="FF0000"/>
-            </a:solidFill>
-          </a:ln>
-        </p:spPr>
-        <p:style>
-          <a:lnRef idx="2">
-            <a:schemeClr val="accent1">
-              <a:shade val="50000"/>
-            </a:schemeClr>
-          </a:lnRef>
-          <a:fillRef idx="1">
-            <a:schemeClr val="accent1"/>
-          </a:fillRef>
-          <a:effectRef idx="0">
-            <a:schemeClr val="accent1"/>
-          </a:effectRef>
-          <a:fontRef idx="minor">
-            <a:schemeClr val="lt1"/>
-          </a:fontRef>
-        </p:style>
-        <p:txBody>
-          <a:bodyPr rtlCol="0" anchor="ctr"/>
-          <a:lstStyle/>
-          <a:p>
-            <a:pPr algn="ctr"/>
-            <a:endParaRPr lang="en-US"/>
-          </a:p>
-        </p:txBody>
-      </p:sp>
-      <p:cxnSp>
-        <p:nvCxnSpPr>
-          <p:cNvPr id="8" name="Straight Connector 7"/>
-          <p:cNvCxnSpPr/>
-          <p:nvPr/>
-        </p:nvCxnSpPr>
-        <p:spPr>
-          <a:xfrm flipH="1">
-            <a:off x="2441702" y="2866040"/>
-            <a:ext cx="152549" cy="171969"/>
-          </a:xfrm>
-          <a:prstGeom prst="line">
-            <a:avLst/>
-          </a:prstGeom>
-          <a:ln w="38100">
-            <a:solidFill>
-              <a:srgbClr val="FF0000"/>
-            </a:solidFill>
-          </a:ln>
-        </p:spPr>
-        <p:style>
-          <a:lnRef idx="1">
-            <a:schemeClr val="accent1"/>
-          </a:lnRef>
-          <a:fillRef idx="0">
-            <a:schemeClr val="accent1"/>
-          </a:fillRef>
-          <a:effectRef idx="0">
-            <a:schemeClr val="accent1"/>
-          </a:effectRef>
-          <a:fontRef idx="minor">
-            <a:schemeClr val="tx1"/>
-          </a:fontRef>
-        </p:style>
-      </p:cxnSp>
     </p:spTree>
     <p:extLst>
       <p:ext uri="{BB962C8B-B14F-4D97-AF65-F5344CB8AC3E}">
-        <p14:creationId xmlns:p14="http://schemas.microsoft.com/office/powerpoint/2010/main" val="1346661302"/>
+        <p14:creationId xmlns:p14="http://schemas.microsoft.com/office/powerpoint/2010/main" val="2960296881"/>
       </p:ext>
     </p:extLst>
   </p:cSld>
@@ -6416,51 +7203,109 @@
           <a:chExt cx="0" cy="0"/>
         </a:xfrm>
       </p:grpSpPr>
+      <p:sp>
+        <p:nvSpPr>
+          <p:cNvPr id="4" name="TextBox 3"/>
+          <p:cNvSpPr txBox="1"/>
+          <p:nvPr/>
+        </p:nvSpPr>
+        <p:spPr>
+          <a:xfrm>
+            <a:off x="2115047" y="2496709"/>
+            <a:ext cx="317716" cy="369332"/>
+          </a:xfrm>
+          <a:prstGeom prst="rect">
+            <a:avLst/>
+          </a:prstGeom>
+          <a:noFill/>
+        </p:spPr>
+        <p:txBody>
+          <a:bodyPr wrap="none" rtlCol="0">
+            <a:spAutoFit/>
+          </a:bodyPr>
+          <a:lstStyle/>
+          <a:p>
+            <a:r>
+              <a:rPr lang="en-US" dirty="0" smtClean="0"/>
+              <a:t>A</a:t>
+            </a:r>
+            <a:endParaRPr lang="en-US" dirty="0"/>
+          </a:p>
+        </p:txBody>
+      </p:sp>
+      <p:sp>
+        <p:nvSpPr>
+          <p:cNvPr id="5" name="TextBox 4"/>
+          <p:cNvSpPr txBox="1"/>
+          <p:nvPr/>
+        </p:nvSpPr>
+        <p:spPr>
+          <a:xfrm>
+            <a:off x="3315693" y="3745065"/>
+            <a:ext cx="309700" cy="369332"/>
+          </a:xfrm>
+          <a:prstGeom prst="rect">
+            <a:avLst/>
+          </a:prstGeom>
+          <a:noFill/>
+        </p:spPr>
+        <p:txBody>
+          <a:bodyPr wrap="none" rtlCol="0">
+            <a:spAutoFit/>
+          </a:bodyPr>
+          <a:lstStyle/>
+          <a:p>
+            <a:r>
+              <a:rPr lang="en-US" dirty="0" smtClean="0"/>
+              <a:t>B</a:t>
+            </a:r>
+            <a:endParaRPr lang="en-US" dirty="0"/>
+          </a:p>
+        </p:txBody>
+      </p:sp>
+      <p:sp>
+        <p:nvSpPr>
+          <p:cNvPr id="6" name="TextBox 5"/>
+          <p:cNvSpPr txBox="1"/>
+          <p:nvPr/>
+        </p:nvSpPr>
+        <p:spPr>
+          <a:xfrm>
+            <a:off x="4357315" y="2496709"/>
+            <a:ext cx="308098" cy="369332"/>
+          </a:xfrm>
+          <a:prstGeom prst="rect">
+            <a:avLst/>
+          </a:prstGeom>
+          <a:noFill/>
+        </p:spPr>
+        <p:txBody>
+          <a:bodyPr wrap="none" rtlCol="0">
+            <a:spAutoFit/>
+          </a:bodyPr>
+          <a:lstStyle/>
+          <a:p>
+            <a:r>
+              <a:rPr lang="en-US" dirty="0" smtClean="0"/>
+              <a:t>C</a:t>
+            </a:r>
+            <a:endParaRPr lang="en-US" dirty="0"/>
+          </a:p>
+        </p:txBody>
+      </p:sp>
       <p:cxnSp>
         <p:nvCxnSpPr>
-          <p:cNvPr id="22" name="Straight Connector 21"/>
-          <p:cNvCxnSpPr/>
+          <p:cNvPr id="9" name="Straight Connector 8"/>
+          <p:cNvCxnSpPr>
+            <a:stCxn id="4" idx="2"/>
+            <a:endCxn id="5" idx="0"/>
+          </p:cNvCxnSpPr>
           <p:nvPr/>
         </p:nvCxnSpPr>
         <p:spPr>
           <a:xfrm>
-            <a:off x="2265890" y="2866041"/>
-            <a:ext cx="1200646" cy="879024"/>
-          </a:xfrm>
-          <a:prstGeom prst="line">
-            <a:avLst/>
-          </a:prstGeom>
-          <a:ln w="57150">
-            <a:solidFill>
-              <a:schemeClr val="accent1"/>
-            </a:solidFill>
-          </a:ln>
-        </p:spPr>
-        <p:style>
-          <a:lnRef idx="1">
-            <a:schemeClr val="accent1"/>
-          </a:lnRef>
-          <a:fillRef idx="0">
-            <a:schemeClr val="accent1"/>
-          </a:fillRef>
-          <a:effectRef idx="0">
-            <a:schemeClr val="accent1"/>
-          </a:effectRef>
-          <a:fontRef idx="minor">
-            <a:schemeClr val="tx1"/>
-          </a:fontRef>
-        </p:style>
-      </p:cxnSp>
-      <p:cxnSp>
-        <p:nvCxnSpPr>
-          <p:cNvPr id="23" name="Straight Connector 22"/>
-          <p:cNvCxnSpPr/>
-          <p:nvPr/>
-        </p:nvCxnSpPr>
-        <p:spPr>
-          <a:xfrm flipV="1">
-            <a:off x="3466536" y="2866041"/>
-            <a:ext cx="1041622" cy="879024"/>
+            <a:off x="2273905" y="2866041"/>
+            <a:ext cx="1196638" cy="879024"/>
           </a:xfrm>
           <a:prstGeom prst="line">
             <a:avLst/>
@@ -6486,15 +7331,53 @@
           </a:fontRef>
         </p:style>
       </p:cxnSp>
-      <p:sp>
-        <p:nvSpPr>
-          <p:cNvPr id="26" name="Oval 25"/>
+      <p:cxnSp>
+        <p:nvCxnSpPr>
+          <p:cNvPr id="11" name="Straight Connector 10"/>
+          <p:cNvCxnSpPr>
+            <a:stCxn id="5" idx="0"/>
+            <a:endCxn id="6" idx="2"/>
+          </p:cNvCxnSpPr>
+          <p:nvPr/>
+        </p:nvCxnSpPr>
+        <p:spPr>
+          <a:xfrm flipV="1">
+            <a:off x="3470543" y="2866041"/>
+            <a:ext cx="1040821" cy="879024"/>
+          </a:xfrm>
+          <a:prstGeom prst="line">
+            <a:avLst/>
+          </a:prstGeom>
+          <a:ln w="28575">
+            <a:solidFill>
+              <a:schemeClr val="tx1"/>
+            </a:solidFill>
+          </a:ln>
+        </p:spPr>
+        <p:style>
+          <a:lnRef idx="1">
+            <a:schemeClr val="accent1"/>
+          </a:lnRef>
+          <a:fillRef idx="0">
+            <a:schemeClr val="accent1"/>
+          </a:fillRef>
+          <a:effectRef idx="0">
+            <a:schemeClr val="accent1"/>
+          </a:effectRef>
+          <a:fontRef idx="minor">
+            <a:schemeClr val="tx1"/>
+          </a:fontRef>
+        </p:style>
+      </p:cxnSp>
+      <p:sp>
+        <p:nvSpPr>
+          <p:cNvPr id="15" name="Oval 14"/>
           <p:cNvSpPr/>
           <p:nvPr/>
         </p:nvSpPr>
         <p:spPr>
           <a:xfrm>
-            <a:off x="3393781" y="3646157"/>
+            <a:off x="2182845" y="2788871"/>
             <a:ext cx="166093" cy="166093"/>
           </a:xfrm>
           <a:prstGeom prst="ellipse">
@@ -6541,13 +7424,13 @@
       </p:sp>
       <p:sp>
         <p:nvSpPr>
-          <p:cNvPr id="27" name="Oval 26"/>
+          <p:cNvPr id="16" name="Oval 15"/>
           <p:cNvSpPr/>
           <p:nvPr/>
         </p:nvSpPr>
         <p:spPr>
           <a:xfrm>
-            <a:off x="4433393" y="2792057"/>
+            <a:off x="3393781" y="3646157"/>
             <a:ext cx="166093" cy="166093"/>
           </a:xfrm>
           <a:prstGeom prst="ellipse">
@@ -6594,7 +7477,300 @@
       </p:sp>
       <p:sp>
         <p:nvSpPr>
-          <p:cNvPr id="2" name="Oval 1"/>
+          <p:cNvPr id="17" name="Oval 16"/>
+          <p:cNvSpPr/>
+          <p:nvPr/>
+        </p:nvSpPr>
+        <p:spPr>
+          <a:xfrm>
+            <a:off x="4433393" y="2792057"/>
+            <a:ext cx="166093" cy="166093"/>
+          </a:xfrm>
+          <a:prstGeom prst="ellipse">
+            <a:avLst/>
+          </a:prstGeom>
+          <a:solidFill>
+            <a:schemeClr val="tx1"/>
+          </a:solidFill>
+          <a:ln>
+            <a:solidFill>
+              <a:schemeClr val="tx1"/>
+            </a:solidFill>
+          </a:ln>
+        </p:spPr>
+        <p:style>
+          <a:lnRef idx="2">
+            <a:schemeClr val="accent1">
+              <a:shade val="50000"/>
+            </a:schemeClr>
+          </a:lnRef>
+          <a:fillRef idx="1">
+            <a:schemeClr val="accent1"/>
+          </a:fillRef>
+          <a:effectRef idx="0">
+            <a:schemeClr val="accent1"/>
+          </a:effectRef>
+          <a:fontRef idx="minor">
+            <a:schemeClr val="lt1"/>
+          </a:fontRef>
+        </p:style>
+        <p:txBody>
+          <a:bodyPr rot="0" spcFirstLastPara="0" vertOverflow="overflow" horzOverflow="overflow" vert="horz" wrap="square" lIns="91440" tIns="45720" rIns="91440" bIns="45720" numCol="1" spcCol="0" rtlCol="0" fromWordArt="0" anchor="ctr" anchorCtr="0" forceAA="0" compatLnSpc="1">
+            <a:prstTxWarp prst="textNoShape">
+              <a:avLst/>
+            </a:prstTxWarp>
+            <a:noAutofit/>
+          </a:bodyPr>
+          <a:lstStyle/>
+          <a:p>
+            <a:pPr algn="ctr"/>
+            <a:endParaRPr lang="en-US"/>
+          </a:p>
+        </p:txBody>
+      </p:sp>
+      <p:sp>
+        <p:nvSpPr>
+          <p:cNvPr id="20" name="TextBox 19"/>
+          <p:cNvSpPr txBox="1"/>
+          <p:nvPr/>
+        </p:nvSpPr>
+        <p:spPr>
+          <a:xfrm>
+            <a:off x="5978298" y="3269353"/>
+            <a:ext cx="327334" cy="369332"/>
+          </a:xfrm>
+          <a:prstGeom prst="rect">
+            <a:avLst/>
+          </a:prstGeom>
+          <a:noFill/>
+        </p:spPr>
+        <p:txBody>
+          <a:bodyPr wrap="none" rtlCol="0">
+            <a:spAutoFit/>
+          </a:bodyPr>
+          <a:lstStyle/>
+          <a:p>
+            <a:r>
+              <a:rPr lang="en-US" dirty="0" smtClean="0"/>
+              <a:t>D</a:t>
+            </a:r>
+            <a:endParaRPr lang="en-US" dirty="0"/>
+          </a:p>
+        </p:txBody>
+      </p:sp>
+      <p:cxnSp>
+        <p:nvCxnSpPr>
+          <p:cNvPr id="21" name="Straight Connector 20"/>
+          <p:cNvCxnSpPr>
+            <a:endCxn id="22" idx="2"/>
+          </p:cNvCxnSpPr>
+          <p:nvPr/>
+        </p:nvCxnSpPr>
+        <p:spPr>
+          <a:xfrm>
+            <a:off x="4508158" y="2866041"/>
+            <a:ext cx="1537936" cy="356466"/>
+          </a:xfrm>
+          <a:prstGeom prst="line">
+            <a:avLst/>
+          </a:prstGeom>
+          <a:ln w="28575">
+            <a:solidFill>
+              <a:schemeClr val="tx1"/>
+            </a:solidFill>
+          </a:ln>
+        </p:spPr>
+        <p:style>
+          <a:lnRef idx="1">
+            <a:schemeClr val="accent1"/>
+          </a:lnRef>
+          <a:fillRef idx="0">
+            <a:schemeClr val="accent1"/>
+          </a:fillRef>
+          <a:effectRef idx="0">
+            <a:schemeClr val="accent1"/>
+          </a:effectRef>
+          <a:fontRef idx="minor">
+            <a:schemeClr val="tx1"/>
+          </a:fontRef>
+        </p:style>
+      </p:cxnSp>
+      <p:sp>
+        <p:nvSpPr>
+          <p:cNvPr id="22" name="Oval 21"/>
+          <p:cNvSpPr/>
+          <p:nvPr/>
+        </p:nvSpPr>
+        <p:spPr>
+          <a:xfrm>
+            <a:off x="6046094" y="3139460"/>
+            <a:ext cx="166093" cy="166093"/>
+          </a:xfrm>
+          <a:prstGeom prst="ellipse">
+            <a:avLst/>
+          </a:prstGeom>
+          <a:solidFill>
+            <a:schemeClr val="tx1"/>
+          </a:solidFill>
+          <a:ln>
+            <a:solidFill>
+              <a:schemeClr val="tx1"/>
+            </a:solidFill>
+          </a:ln>
+        </p:spPr>
+        <p:style>
+          <a:lnRef idx="2">
+            <a:schemeClr val="accent1">
+              <a:shade val="50000"/>
+            </a:schemeClr>
+          </a:lnRef>
+          <a:fillRef idx="1">
+            <a:schemeClr val="accent1"/>
+          </a:fillRef>
+          <a:effectRef idx="0">
+            <a:schemeClr val="accent1"/>
+          </a:effectRef>
+          <a:fontRef idx="minor">
+            <a:schemeClr val="lt1"/>
+          </a:fontRef>
+        </p:style>
+        <p:txBody>
+          <a:bodyPr rot="0" spcFirstLastPara="0" vertOverflow="overflow" horzOverflow="overflow" vert="horz" wrap="square" lIns="91440" tIns="45720" rIns="91440" bIns="45720" numCol="1" spcCol="0" rtlCol="0" fromWordArt="0" anchor="ctr" anchorCtr="0" forceAA="0" compatLnSpc="1">
+            <a:prstTxWarp prst="textNoShape">
+              <a:avLst/>
+            </a:prstTxWarp>
+            <a:noAutofit/>
+          </a:bodyPr>
+          <a:lstStyle/>
+          <a:p>
+            <a:pPr algn="ctr"/>
+            <a:endParaRPr lang="en-US"/>
+          </a:p>
+        </p:txBody>
+      </p:sp>
+      <p:cxnSp>
+        <p:nvCxnSpPr>
+          <p:cNvPr id="23" name="Straight Connector 22"/>
+          <p:cNvCxnSpPr>
+            <a:stCxn id="22" idx="7"/>
+          </p:cNvCxnSpPr>
+          <p:nvPr/>
+        </p:nvCxnSpPr>
+        <p:spPr>
+          <a:xfrm flipV="1">
+            <a:off x="6187863" y="1669492"/>
+            <a:ext cx="521856" cy="1494292"/>
+          </a:xfrm>
+          <a:prstGeom prst="line">
+            <a:avLst/>
+          </a:prstGeom>
+          <a:ln w="28575">
+            <a:solidFill>
+              <a:schemeClr val="tx1"/>
+            </a:solidFill>
+          </a:ln>
+        </p:spPr>
+        <p:style>
+          <a:lnRef idx="1">
+            <a:schemeClr val="accent1"/>
+          </a:lnRef>
+          <a:fillRef idx="0">
+            <a:schemeClr val="accent1"/>
+          </a:fillRef>
+          <a:effectRef idx="0">
+            <a:schemeClr val="accent1"/>
+          </a:effectRef>
+          <a:fontRef idx="minor">
+            <a:schemeClr val="tx1"/>
+          </a:fontRef>
+        </p:style>
+      </p:cxnSp>
+      <p:sp>
+        <p:nvSpPr>
+          <p:cNvPr id="24" name="Oval 23"/>
+          <p:cNvSpPr/>
+          <p:nvPr/>
+        </p:nvSpPr>
+        <p:spPr>
+          <a:xfrm>
+            <a:off x="6626672" y="1563365"/>
+            <a:ext cx="166093" cy="166093"/>
+          </a:xfrm>
+          <a:prstGeom prst="ellipse">
+            <a:avLst/>
+          </a:prstGeom>
+          <a:solidFill>
+            <a:schemeClr val="tx1"/>
+          </a:solidFill>
+          <a:ln>
+            <a:solidFill>
+              <a:schemeClr val="tx1"/>
+            </a:solidFill>
+          </a:ln>
+        </p:spPr>
+        <p:style>
+          <a:lnRef idx="2">
+            <a:schemeClr val="accent1">
+              <a:shade val="50000"/>
+            </a:schemeClr>
+          </a:lnRef>
+          <a:fillRef idx="1">
+            <a:schemeClr val="accent1"/>
+          </a:fillRef>
+          <a:effectRef idx="0">
+            <a:schemeClr val="accent1"/>
+          </a:effectRef>
+          <a:fontRef idx="minor">
+            <a:schemeClr val="lt1"/>
+          </a:fontRef>
+        </p:style>
+        <p:txBody>
+          <a:bodyPr rot="0" spcFirstLastPara="0" vertOverflow="overflow" horzOverflow="overflow" vert="horz" wrap="square" lIns="91440" tIns="45720" rIns="91440" bIns="45720" numCol="1" spcCol="0" rtlCol="0" fromWordArt="0" anchor="ctr" anchorCtr="0" forceAA="0" compatLnSpc="1">
+            <a:prstTxWarp prst="textNoShape">
+              <a:avLst/>
+            </a:prstTxWarp>
+            <a:noAutofit/>
+          </a:bodyPr>
+          <a:lstStyle/>
+          <a:p>
+            <a:pPr algn="ctr"/>
+            <a:endParaRPr lang="en-US" dirty="0"/>
+          </a:p>
+        </p:txBody>
+      </p:sp>
+      <p:sp>
+        <p:nvSpPr>
+          <p:cNvPr id="25" name="TextBox 24"/>
+          <p:cNvSpPr txBox="1"/>
+          <p:nvPr/>
+        </p:nvSpPr>
+        <p:spPr>
+          <a:xfrm>
+            <a:off x="6709718" y="1561188"/>
+            <a:ext cx="296876" cy="369332"/>
+          </a:xfrm>
+          <a:prstGeom prst="rect">
+            <a:avLst/>
+          </a:prstGeom>
+          <a:noFill/>
+        </p:spPr>
+        <p:txBody>
+          <a:bodyPr wrap="none" rtlCol="0">
+            <a:spAutoFit/>
+          </a:bodyPr>
+          <a:lstStyle/>
+          <a:p>
+            <a:r>
+              <a:rPr lang="en-US" dirty="0" smtClean="0"/>
+              <a:t>E</a:t>
+            </a:r>
+            <a:endParaRPr lang="en-US" dirty="0"/>
+          </a:p>
+        </p:txBody>
+      </p:sp>
+      <p:sp>
+        <p:nvSpPr>
+          <p:cNvPr id="18" name="Oval 17"/>
           <p:cNvSpPr/>
           <p:nvPr/>
         </p:nvSpPr>
@@ -6640,66 +7816,56 @@
           </a:p>
         </p:txBody>
       </p:sp>
-      <p:cxnSp>
-        <p:nvCxnSpPr>
-          <p:cNvPr id="15" name="Straight Connector 14"/>
-          <p:cNvCxnSpPr>
-            <a:endCxn id="16" idx="2"/>
-          </p:cNvCxnSpPr>
-          <p:nvPr/>
-        </p:nvCxnSpPr>
-        <p:spPr>
-          <a:xfrm>
-            <a:off x="4508158" y="2866041"/>
-            <a:ext cx="1537936" cy="356466"/>
-          </a:xfrm>
-          <a:prstGeom prst="line">
-            <a:avLst/>
-          </a:prstGeom>
-          <a:ln w="28575">
-            <a:solidFill>
-              <a:schemeClr val="tx1"/>
-            </a:solidFill>
-          </a:ln>
-        </p:spPr>
-        <p:style>
-          <a:lnRef idx="1">
-            <a:schemeClr val="accent1"/>
-          </a:lnRef>
-          <a:fillRef idx="0">
-            <a:schemeClr val="accent1"/>
-          </a:fillRef>
-          <a:effectRef idx="0">
-            <a:schemeClr val="accent1"/>
-          </a:effectRef>
-          <a:fontRef idx="minor">
-            <a:schemeClr val="tx1"/>
-          </a:fontRef>
-        </p:style>
-      </p:cxnSp>
-      <p:sp>
-        <p:nvSpPr>
-          <p:cNvPr id="16" name="Oval 15"/>
-          <p:cNvSpPr/>
-          <p:nvPr/>
-        </p:nvSpPr>
-        <p:spPr>
-          <a:xfrm>
-            <a:off x="6046094" y="3139460"/>
-            <a:ext cx="166093" cy="166093"/>
-          </a:xfrm>
-          <a:prstGeom prst="ellipse">
-            <a:avLst/>
-          </a:prstGeom>
-          <a:solidFill>
-            <a:schemeClr val="tx1"/>
-          </a:solidFill>
+      <p:pic>
+        <p:nvPicPr>
+          <p:cNvPr id="2" name="Picture 1"/>
+          <p:cNvPicPr>
+            <a:picLocks noChangeAspect="1"/>
+          </p:cNvPicPr>
+          <p:nvPr/>
+        </p:nvPicPr>
+        <p:blipFill>
+          <a:blip r:embed="rId2"/>
+          <a:stretch>
+            <a:fillRect/>
+          </a:stretch>
+        </p:blipFill>
+        <p:spPr>
+          <a:xfrm>
+            <a:off x="1293170" y="1859969"/>
+            <a:ext cx="2460932" cy="2185138"/>
+          </a:xfrm>
+          <a:prstGeom prst="rect">
+            <a:avLst/>
+          </a:prstGeom>
           <a:ln>
             <a:solidFill>
               <a:schemeClr val="tx1"/>
             </a:solidFill>
           </a:ln>
         </p:spPr>
+      </p:pic>
+      <p:sp>
+        <p:nvSpPr>
+          <p:cNvPr id="12" name="Rectangle 11"/>
+          <p:cNvSpPr/>
+          <p:nvPr/>
+        </p:nvSpPr>
+        <p:spPr>
+          <a:xfrm rot="2186999">
+            <a:off x="2456391" y="2993956"/>
+            <a:ext cx="88106" cy="88106"/>
+          </a:xfrm>
+          <a:prstGeom prst="rect">
+            <a:avLst/>
+          </a:prstGeom>
+          <a:noFill/>
+          <a:ln>
+            <a:solidFill>
+              <a:srgbClr val="FF0000"/>
+            </a:solidFill>
+          </a:ln>
+        </p:spPr>
         <p:style>
           <a:lnRef idx="2">
             <a:schemeClr val="accent1">
@@ -6717,12 +7883,7 @@
           </a:fontRef>
         </p:style>
         <p:txBody>
-          <a:bodyPr rot="0" spcFirstLastPara="0" vertOverflow="overflow" horzOverflow="overflow" vert="horz" wrap="square" lIns="91440" tIns="45720" rIns="91440" bIns="45720" numCol="1" spcCol="0" rtlCol="0" fromWordArt="0" anchor="ctr" anchorCtr="0" forceAA="0" compatLnSpc="1">
-            <a:prstTxWarp prst="textNoShape">
-              <a:avLst/>
-            </a:prstTxWarp>
-            <a:noAutofit/>
-          </a:bodyPr>
+          <a:bodyPr rtlCol="0" anchor="ctr"/>
           <a:lstStyle/>
           <a:p>
             <a:pPr algn="ctr"/>
@@ -6732,23 +7893,21 @@
       </p:sp>
       <p:cxnSp>
         <p:nvCxnSpPr>
-          <p:cNvPr id="17" name="Straight Connector 16"/>
-          <p:cNvCxnSpPr>
-            <a:stCxn id="16" idx="7"/>
-          </p:cNvCxnSpPr>
+          <p:cNvPr id="8" name="Straight Connector 7"/>
+          <p:cNvCxnSpPr/>
           <p:nvPr/>
         </p:nvCxnSpPr>
         <p:spPr>
-          <a:xfrm flipV="1">
-            <a:off x="6187863" y="1669492"/>
-            <a:ext cx="521856" cy="1494292"/>
+          <a:xfrm flipH="1">
+            <a:off x="2441702" y="2866040"/>
+            <a:ext cx="152549" cy="171969"/>
           </a:xfrm>
           <a:prstGeom prst="line">
             <a:avLst/>
           </a:prstGeom>
-          <a:ln w="28575">
+          <a:ln w="38100">
             <a:solidFill>
-              <a:schemeClr val="tx1"/>
+              <a:srgbClr val="FF0000"/>
             </a:solidFill>
           </a:ln>
         </p:spPr>
@@ -6767,266 +7926,10 @@
           </a:fontRef>
         </p:style>
       </p:cxnSp>
-      <p:sp>
-        <p:nvSpPr>
-          <p:cNvPr id="28" name="TextBox 27"/>
-          <p:cNvSpPr txBox="1"/>
-          <p:nvPr/>
-        </p:nvSpPr>
-        <p:spPr>
-          <a:xfrm>
-            <a:off x="2115047" y="2496709"/>
-            <a:ext cx="317716" cy="369332"/>
-          </a:xfrm>
-          <a:prstGeom prst="rect">
-            <a:avLst/>
-          </a:prstGeom>
-          <a:noFill/>
-        </p:spPr>
-        <p:txBody>
-          <a:bodyPr wrap="none" rtlCol="0">
-            <a:spAutoFit/>
-          </a:bodyPr>
-          <a:lstStyle/>
-          <a:p>
-            <a:r>
-              <a:rPr lang="en-US" dirty="0" smtClean="0"/>
-              <a:t>A</a:t>
-            </a:r>
-            <a:endParaRPr lang="en-US" dirty="0"/>
-          </a:p>
-        </p:txBody>
-      </p:sp>
-      <p:sp>
-        <p:nvSpPr>
-          <p:cNvPr id="29" name="TextBox 28"/>
-          <p:cNvSpPr txBox="1"/>
-          <p:nvPr/>
-        </p:nvSpPr>
-        <p:spPr>
-          <a:xfrm>
-            <a:off x="3315693" y="3745065"/>
-            <a:ext cx="309700" cy="369332"/>
-          </a:xfrm>
-          <a:prstGeom prst="rect">
-            <a:avLst/>
-          </a:prstGeom>
-          <a:noFill/>
-        </p:spPr>
-        <p:txBody>
-          <a:bodyPr wrap="none" rtlCol="0">
-            <a:spAutoFit/>
-          </a:bodyPr>
-          <a:lstStyle/>
-          <a:p>
-            <a:r>
-              <a:rPr lang="en-US" dirty="0" smtClean="0"/>
-              <a:t>B</a:t>
-            </a:r>
-            <a:endParaRPr lang="en-US" dirty="0"/>
-          </a:p>
-        </p:txBody>
-      </p:sp>
-      <p:sp>
-        <p:nvSpPr>
-          <p:cNvPr id="31" name="TextBox 30"/>
-          <p:cNvSpPr txBox="1"/>
-          <p:nvPr/>
-        </p:nvSpPr>
-        <p:spPr>
-          <a:xfrm>
-            <a:off x="4357315" y="2496709"/>
-            <a:ext cx="308098" cy="369332"/>
-          </a:xfrm>
-          <a:prstGeom prst="rect">
-            <a:avLst/>
-          </a:prstGeom>
-          <a:noFill/>
-        </p:spPr>
-        <p:txBody>
-          <a:bodyPr wrap="none" rtlCol="0">
-            <a:spAutoFit/>
-          </a:bodyPr>
-          <a:lstStyle/>
-          <a:p>
-            <a:r>
-              <a:rPr lang="en-US" dirty="0" smtClean="0"/>
-              <a:t>C</a:t>
-            </a:r>
-            <a:endParaRPr lang="en-US" dirty="0"/>
-          </a:p>
-        </p:txBody>
-      </p:sp>
-      <p:sp>
-        <p:nvSpPr>
-          <p:cNvPr id="32" name="TextBox 31"/>
-          <p:cNvSpPr txBox="1"/>
-          <p:nvPr/>
-        </p:nvSpPr>
-        <p:spPr>
-          <a:xfrm>
-            <a:off x="5978298" y="3269353"/>
-            <a:ext cx="327334" cy="369332"/>
-          </a:xfrm>
-          <a:prstGeom prst="rect">
-            <a:avLst/>
-          </a:prstGeom>
-          <a:noFill/>
-        </p:spPr>
-        <p:txBody>
-          <a:bodyPr wrap="none" rtlCol="0">
-            <a:spAutoFit/>
-          </a:bodyPr>
-          <a:lstStyle/>
-          <a:p>
-            <a:r>
-              <a:rPr lang="en-US" dirty="0" smtClean="0"/>
-              <a:t>D</a:t>
-            </a:r>
-            <a:endParaRPr lang="en-US" dirty="0"/>
-          </a:p>
-        </p:txBody>
-      </p:sp>
-      <p:sp>
-        <p:nvSpPr>
-          <p:cNvPr id="33" name="Oval 32"/>
-          <p:cNvSpPr/>
-          <p:nvPr/>
-        </p:nvSpPr>
-        <p:spPr>
-          <a:xfrm>
-            <a:off x="2157676" y="2774142"/>
-            <a:ext cx="166093" cy="166093"/>
-          </a:xfrm>
-          <a:prstGeom prst="ellipse">
-            <a:avLst/>
-          </a:prstGeom>
-          <a:solidFill>
-            <a:schemeClr val="accent1"/>
-          </a:solidFill>
-          <a:ln w="76200">
-            <a:solidFill>
-              <a:schemeClr val="accent1"/>
-            </a:solidFill>
-          </a:ln>
-        </p:spPr>
-        <p:style>
-          <a:lnRef idx="2">
-            <a:schemeClr val="accent1">
-              <a:shade val="50000"/>
-            </a:schemeClr>
-          </a:lnRef>
-          <a:fillRef idx="1">
-            <a:schemeClr val="accent1"/>
-          </a:fillRef>
-          <a:effectRef idx="0">
-            <a:schemeClr val="accent1"/>
-          </a:effectRef>
-          <a:fontRef idx="minor">
-            <a:schemeClr val="lt1"/>
-          </a:fontRef>
-        </p:style>
-        <p:txBody>
-          <a:bodyPr rot="0" spcFirstLastPara="0" vertOverflow="overflow" horzOverflow="overflow" vert="horz" wrap="square" lIns="91440" tIns="45720" rIns="91440" bIns="45720" numCol="1" spcCol="0" rtlCol="0" fromWordArt="0" anchor="ctr" anchorCtr="0" forceAA="0" compatLnSpc="1">
-            <a:prstTxWarp prst="textNoShape">
-              <a:avLst/>
-            </a:prstTxWarp>
-            <a:noAutofit/>
-          </a:bodyPr>
-          <a:lstStyle/>
-          <a:p>
-            <a:pPr algn="ctr"/>
-            <a:endParaRPr lang="en-US"/>
-          </a:p>
-        </p:txBody>
-      </p:sp>
-      <p:sp>
-        <p:nvSpPr>
-          <p:cNvPr id="34" name="Oval 33"/>
-          <p:cNvSpPr/>
-          <p:nvPr/>
-        </p:nvSpPr>
-        <p:spPr>
-          <a:xfrm>
-            <a:off x="6626672" y="1563365"/>
-            <a:ext cx="166093" cy="166093"/>
-          </a:xfrm>
-          <a:prstGeom prst="ellipse">
-            <a:avLst/>
-          </a:prstGeom>
-          <a:solidFill>
-            <a:schemeClr val="tx1"/>
-          </a:solidFill>
-          <a:ln>
-            <a:solidFill>
-              <a:schemeClr val="tx1"/>
-            </a:solidFill>
-          </a:ln>
-        </p:spPr>
-        <p:style>
-          <a:lnRef idx="2">
-            <a:schemeClr val="accent1">
-              <a:shade val="50000"/>
-            </a:schemeClr>
-          </a:lnRef>
-          <a:fillRef idx="1">
-            <a:schemeClr val="accent1"/>
-          </a:fillRef>
-          <a:effectRef idx="0">
-            <a:schemeClr val="accent1"/>
-          </a:effectRef>
-          <a:fontRef idx="minor">
-            <a:schemeClr val="lt1"/>
-          </a:fontRef>
-        </p:style>
-        <p:txBody>
-          <a:bodyPr rot="0" spcFirstLastPara="0" vertOverflow="overflow" horzOverflow="overflow" vert="horz" wrap="square" lIns="91440" tIns="45720" rIns="91440" bIns="45720" numCol="1" spcCol="0" rtlCol="0" fromWordArt="0" anchor="ctr" anchorCtr="0" forceAA="0" compatLnSpc="1">
-            <a:prstTxWarp prst="textNoShape">
-              <a:avLst/>
-            </a:prstTxWarp>
-            <a:noAutofit/>
-          </a:bodyPr>
-          <a:lstStyle/>
-          <a:p>
-            <a:pPr algn="ctr"/>
-            <a:endParaRPr lang="en-US" dirty="0"/>
-          </a:p>
-        </p:txBody>
-      </p:sp>
-      <p:sp>
-        <p:nvSpPr>
-          <p:cNvPr id="35" name="TextBox 34"/>
-          <p:cNvSpPr txBox="1"/>
-          <p:nvPr/>
-        </p:nvSpPr>
-        <p:spPr>
-          <a:xfrm>
-            <a:off x="6709718" y="1561188"/>
-            <a:ext cx="296876" cy="369332"/>
-          </a:xfrm>
-          <a:prstGeom prst="rect">
-            <a:avLst/>
-          </a:prstGeom>
-          <a:noFill/>
-        </p:spPr>
-        <p:txBody>
-          <a:bodyPr wrap="none" rtlCol="0">
-            <a:spAutoFit/>
-          </a:bodyPr>
-          <a:lstStyle/>
-          <a:p>
-            <a:r>
-              <a:rPr lang="en-US" dirty="0" smtClean="0"/>
-              <a:t>E</a:t>
-            </a:r>
-            <a:endParaRPr lang="en-US" dirty="0"/>
-          </a:p>
-        </p:txBody>
-      </p:sp>
     </p:spTree>
     <p:extLst>
       <p:ext uri="{BB962C8B-B14F-4D97-AF65-F5344CB8AC3E}">
-        <p14:creationId xmlns:p14="http://schemas.microsoft.com/office/powerpoint/2010/main" val="1335259809"/>
+        <p14:creationId xmlns:p14="http://schemas.microsoft.com/office/powerpoint/2010/main" val="1346661302"/>
       </p:ext>
     </p:extLst>
   </p:cSld>
@@ -7660,48 +8563,10 @@
           </a:p>
         </p:txBody>
       </p:sp>
-      <p:cxnSp>
-        <p:nvCxnSpPr>
-          <p:cNvPr id="4" name="Straight Connector 3"/>
-          <p:cNvCxnSpPr>
-            <a:stCxn id="2" idx="5"/>
-            <a:endCxn id="26" idx="1"/>
-          </p:cNvCxnSpPr>
-          <p:nvPr/>
-        </p:nvCxnSpPr>
-        <p:spPr>
-          <a:xfrm>
-            <a:off x="2617405" y="2927203"/>
-            <a:ext cx="800700" cy="743278"/>
-          </a:xfrm>
-          <a:prstGeom prst="line">
-            <a:avLst/>
-          </a:prstGeom>
-          <a:ln w="28575">
-            <a:solidFill>
-              <a:srgbClr val="FF0000"/>
-            </a:solidFill>
-          </a:ln>
-        </p:spPr>
-        <p:style>
-          <a:lnRef idx="1">
-            <a:schemeClr val="accent1"/>
-          </a:lnRef>
-          <a:fillRef idx="0">
-            <a:schemeClr val="accent1"/>
-          </a:fillRef>
-          <a:effectRef idx="0">
-            <a:schemeClr val="accent1"/>
-          </a:effectRef>
-          <a:fontRef idx="minor">
-            <a:schemeClr val="tx1"/>
-          </a:fontRef>
-        </p:style>
-      </p:cxnSp>
     </p:spTree>
     <p:extLst>
       <p:ext uri="{BB962C8B-B14F-4D97-AF65-F5344CB8AC3E}">
-        <p14:creationId xmlns:p14="http://schemas.microsoft.com/office/powerpoint/2010/main" val="2538803532"/>
+        <p14:creationId xmlns:p14="http://schemas.microsoft.com/office/powerpoint/2010/main" val="1335259809"/>
       </p:ext>
     </p:extLst>
   </p:cSld>
@@ -7730,7 +8595,7 @@
       </p:grpSpPr>
       <p:cxnSp>
         <p:nvCxnSpPr>
-          <p:cNvPr id="4" name="Straight Connector 3"/>
+          <p:cNvPr id="22" name="Straight Connector 21"/>
           <p:cNvCxnSpPr/>
           <p:nvPr/>
         </p:nvCxnSpPr>
@@ -7765,7 +8630,7 @@
       </p:cxnSp>
       <p:cxnSp>
         <p:nvCxnSpPr>
-          <p:cNvPr id="5" name="Straight Connector 4"/>
+          <p:cNvPr id="23" name="Straight Connector 22"/>
           <p:cNvCxnSpPr/>
           <p:nvPr/>
         </p:nvCxnSpPr>
@@ -7800,7 +8665,7 @@
       </p:cxnSp>
       <p:sp>
         <p:nvSpPr>
-          <p:cNvPr id="6" name="Oval 5"/>
+          <p:cNvPr id="26" name="Oval 25"/>
           <p:cNvSpPr/>
           <p:nvPr/>
         </p:nvSpPr>
@@ -7853,7 +8718,7 @@
       </p:sp>
       <p:sp>
         <p:nvSpPr>
-          <p:cNvPr id="7" name="Oval 6"/>
+          <p:cNvPr id="27" name="Oval 26"/>
           <p:cNvSpPr/>
           <p:nvPr/>
         </p:nvSpPr>
@@ -7906,13 +8771,13 @@
       </p:sp>
       <p:sp>
         <p:nvSpPr>
-          <p:cNvPr id="9" name="Oval 8"/>
+          <p:cNvPr id="2" name="Oval 1"/>
           <p:cNvSpPr/>
           <p:nvPr/>
         </p:nvSpPr>
         <p:spPr>
           <a:xfrm>
-            <a:off x="3002094" y="3692160"/>
+            <a:off x="2469745" y="2779543"/>
             <a:ext cx="172995" cy="172995"/>
           </a:xfrm>
           <a:prstGeom prst="ellipse">
@@ -7948,15 +8813,15 @@
           <a:lstStyle/>
           <a:p>
             <a:pPr algn="ctr"/>
-            <a:endParaRPr lang="en-US" dirty="0"/>
+            <a:endParaRPr lang="en-US"/>
           </a:p>
         </p:txBody>
       </p:sp>
       <p:cxnSp>
         <p:nvCxnSpPr>
-          <p:cNvPr id="10" name="Straight Connector 9"/>
+          <p:cNvPr id="15" name="Straight Connector 14"/>
           <p:cNvCxnSpPr>
-            <a:endCxn id="11" idx="2"/>
+            <a:endCxn id="16" idx="2"/>
           </p:cNvCxnSpPr>
           <p:nvPr/>
         </p:nvCxnSpPr>
@@ -7991,7 +8856,7 @@
       </p:cxnSp>
       <p:sp>
         <p:nvSpPr>
-          <p:cNvPr id="11" name="Oval 10"/>
+          <p:cNvPr id="16" name="Oval 15"/>
           <p:cNvSpPr/>
           <p:nvPr/>
         </p:nvSpPr>
@@ -8044,9 +8909,9 @@
       </p:sp>
       <p:cxnSp>
         <p:nvCxnSpPr>
-          <p:cNvPr id="12" name="Straight Connector 11"/>
+          <p:cNvPr id="17" name="Straight Connector 16"/>
           <p:cNvCxnSpPr>
-            <a:stCxn id="11" idx="7"/>
+            <a:stCxn id="16" idx="7"/>
           </p:cNvCxnSpPr>
           <p:nvPr/>
         </p:nvCxnSpPr>
@@ -8081,7 +8946,127 @@
       </p:cxnSp>
       <p:sp>
         <p:nvSpPr>
-          <p:cNvPr id="13" name="Oval 12"/>
+          <p:cNvPr id="28" name="TextBox 27"/>
+          <p:cNvSpPr txBox="1"/>
+          <p:nvPr/>
+        </p:nvSpPr>
+        <p:spPr>
+          <a:xfrm>
+            <a:off x="2115047" y="2496709"/>
+            <a:ext cx="317716" cy="369332"/>
+          </a:xfrm>
+          <a:prstGeom prst="rect">
+            <a:avLst/>
+          </a:prstGeom>
+          <a:noFill/>
+        </p:spPr>
+        <p:txBody>
+          <a:bodyPr wrap="none" rtlCol="0">
+            <a:spAutoFit/>
+          </a:bodyPr>
+          <a:lstStyle/>
+          <a:p>
+            <a:r>
+              <a:rPr lang="en-US" dirty="0" smtClean="0"/>
+              <a:t>A</a:t>
+            </a:r>
+            <a:endParaRPr lang="en-US" dirty="0"/>
+          </a:p>
+        </p:txBody>
+      </p:sp>
+      <p:sp>
+        <p:nvSpPr>
+          <p:cNvPr id="29" name="TextBox 28"/>
+          <p:cNvSpPr txBox="1"/>
+          <p:nvPr/>
+        </p:nvSpPr>
+        <p:spPr>
+          <a:xfrm>
+            <a:off x="3315693" y="3745065"/>
+            <a:ext cx="309700" cy="369332"/>
+          </a:xfrm>
+          <a:prstGeom prst="rect">
+            <a:avLst/>
+          </a:prstGeom>
+          <a:noFill/>
+        </p:spPr>
+        <p:txBody>
+          <a:bodyPr wrap="none" rtlCol="0">
+            <a:spAutoFit/>
+          </a:bodyPr>
+          <a:lstStyle/>
+          <a:p>
+            <a:r>
+              <a:rPr lang="en-US" dirty="0" smtClean="0"/>
+              <a:t>B</a:t>
+            </a:r>
+            <a:endParaRPr lang="en-US" dirty="0"/>
+          </a:p>
+        </p:txBody>
+      </p:sp>
+      <p:sp>
+        <p:nvSpPr>
+          <p:cNvPr id="31" name="TextBox 30"/>
+          <p:cNvSpPr txBox="1"/>
+          <p:nvPr/>
+        </p:nvSpPr>
+        <p:spPr>
+          <a:xfrm>
+            <a:off x="4357315" y="2496709"/>
+            <a:ext cx="308098" cy="369332"/>
+          </a:xfrm>
+          <a:prstGeom prst="rect">
+            <a:avLst/>
+          </a:prstGeom>
+          <a:noFill/>
+        </p:spPr>
+        <p:txBody>
+          <a:bodyPr wrap="none" rtlCol="0">
+            <a:spAutoFit/>
+          </a:bodyPr>
+          <a:lstStyle/>
+          <a:p>
+            <a:r>
+              <a:rPr lang="en-US" dirty="0" smtClean="0"/>
+              <a:t>C</a:t>
+            </a:r>
+            <a:endParaRPr lang="en-US" dirty="0"/>
+          </a:p>
+        </p:txBody>
+      </p:sp>
+      <p:sp>
+        <p:nvSpPr>
+          <p:cNvPr id="32" name="TextBox 31"/>
+          <p:cNvSpPr txBox="1"/>
+          <p:nvPr/>
+        </p:nvSpPr>
+        <p:spPr>
+          <a:xfrm>
+            <a:off x="5978298" y="3269353"/>
+            <a:ext cx="327334" cy="369332"/>
+          </a:xfrm>
+          <a:prstGeom prst="rect">
+            <a:avLst/>
+          </a:prstGeom>
+          <a:noFill/>
+        </p:spPr>
+        <p:txBody>
+          <a:bodyPr wrap="none" rtlCol="0">
+            <a:spAutoFit/>
+          </a:bodyPr>
+          <a:lstStyle/>
+          <a:p>
+            <a:r>
+              <a:rPr lang="en-US" dirty="0" smtClean="0"/>
+              <a:t>D</a:t>
+            </a:r>
+            <a:endParaRPr lang="en-US" dirty="0"/>
+          </a:p>
+        </p:txBody>
+      </p:sp>
+      <p:sp>
+        <p:nvSpPr>
+          <p:cNvPr id="33" name="Oval 32"/>
           <p:cNvSpPr/>
           <p:nvPr/>
         </p:nvSpPr>
@@ -8134,127 +9119,7 @@
       </p:sp>
       <p:sp>
         <p:nvSpPr>
-          <p:cNvPr id="14" name="TextBox 13"/>
-          <p:cNvSpPr txBox="1"/>
-          <p:nvPr/>
-        </p:nvSpPr>
-        <p:spPr>
-          <a:xfrm>
-            <a:off x="2115047" y="2496709"/>
-            <a:ext cx="317716" cy="369332"/>
-          </a:xfrm>
-          <a:prstGeom prst="rect">
-            <a:avLst/>
-          </a:prstGeom>
-          <a:noFill/>
-        </p:spPr>
-        <p:txBody>
-          <a:bodyPr wrap="none" rtlCol="0">
-            <a:spAutoFit/>
-          </a:bodyPr>
-          <a:lstStyle/>
-          <a:p>
-            <a:r>
-              <a:rPr lang="en-US" dirty="0" smtClean="0"/>
-              <a:t>A</a:t>
-            </a:r>
-            <a:endParaRPr lang="en-US" dirty="0"/>
-          </a:p>
-        </p:txBody>
-      </p:sp>
-      <p:sp>
-        <p:nvSpPr>
-          <p:cNvPr id="15" name="TextBox 14"/>
-          <p:cNvSpPr txBox="1"/>
-          <p:nvPr/>
-        </p:nvSpPr>
-        <p:spPr>
-          <a:xfrm>
-            <a:off x="3315693" y="3745065"/>
-            <a:ext cx="309700" cy="369332"/>
-          </a:xfrm>
-          <a:prstGeom prst="rect">
-            <a:avLst/>
-          </a:prstGeom>
-          <a:noFill/>
-        </p:spPr>
-        <p:txBody>
-          <a:bodyPr wrap="none" rtlCol="0">
-            <a:spAutoFit/>
-          </a:bodyPr>
-          <a:lstStyle/>
-          <a:p>
-            <a:r>
-              <a:rPr lang="en-US" dirty="0" smtClean="0"/>
-              <a:t>B</a:t>
-            </a:r>
-            <a:endParaRPr lang="en-US" dirty="0"/>
-          </a:p>
-        </p:txBody>
-      </p:sp>
-      <p:sp>
-        <p:nvSpPr>
-          <p:cNvPr id="16" name="TextBox 15"/>
-          <p:cNvSpPr txBox="1"/>
-          <p:nvPr/>
-        </p:nvSpPr>
-        <p:spPr>
-          <a:xfrm>
-            <a:off x="4357315" y="2496709"/>
-            <a:ext cx="308098" cy="369332"/>
-          </a:xfrm>
-          <a:prstGeom prst="rect">
-            <a:avLst/>
-          </a:prstGeom>
-          <a:noFill/>
-        </p:spPr>
-        <p:txBody>
-          <a:bodyPr wrap="none" rtlCol="0">
-            <a:spAutoFit/>
-          </a:bodyPr>
-          <a:lstStyle/>
-          <a:p>
-            <a:r>
-              <a:rPr lang="en-US" dirty="0" smtClean="0"/>
-              <a:t>C</a:t>
-            </a:r>
-            <a:endParaRPr lang="en-US" dirty="0"/>
-          </a:p>
-        </p:txBody>
-      </p:sp>
-      <p:sp>
-        <p:nvSpPr>
-          <p:cNvPr id="17" name="TextBox 16"/>
-          <p:cNvSpPr txBox="1"/>
-          <p:nvPr/>
-        </p:nvSpPr>
-        <p:spPr>
-          <a:xfrm>
-            <a:off x="5978298" y="3269353"/>
-            <a:ext cx="327334" cy="369332"/>
-          </a:xfrm>
-          <a:prstGeom prst="rect">
-            <a:avLst/>
-          </a:prstGeom>
-          <a:noFill/>
-        </p:spPr>
-        <p:txBody>
-          <a:bodyPr wrap="none" rtlCol="0">
-            <a:spAutoFit/>
-          </a:bodyPr>
-          <a:lstStyle/>
-          <a:p>
-            <a:r>
-              <a:rPr lang="en-US" dirty="0" smtClean="0"/>
-              <a:t>D</a:t>
-            </a:r>
-            <a:endParaRPr lang="en-US" dirty="0"/>
-          </a:p>
-        </p:txBody>
-      </p:sp>
-      <p:sp>
-        <p:nvSpPr>
-          <p:cNvPr id="18" name="Oval 17"/>
+          <p:cNvPr id="34" name="Oval 33"/>
           <p:cNvSpPr/>
           <p:nvPr/>
         </p:nvSpPr>
@@ -8307,7 +9172,7 @@
       </p:sp>
       <p:sp>
         <p:nvSpPr>
-          <p:cNvPr id="19" name="TextBox 18"/>
+          <p:cNvPr id="35" name="TextBox 34"/>
           <p:cNvSpPr txBox="1"/>
           <p:nvPr/>
         </p:nvSpPr>
@@ -8335,10 +9200,48 @@
           </a:p>
         </p:txBody>
       </p:sp>
+      <p:cxnSp>
+        <p:nvCxnSpPr>
+          <p:cNvPr id="4" name="Straight Connector 3"/>
+          <p:cNvCxnSpPr>
+            <a:stCxn id="2" idx="5"/>
+            <a:endCxn id="26" idx="1"/>
+          </p:cNvCxnSpPr>
+          <p:nvPr/>
+        </p:nvCxnSpPr>
+        <p:spPr>
+          <a:xfrm>
+            <a:off x="2617405" y="2927203"/>
+            <a:ext cx="800700" cy="743278"/>
+          </a:xfrm>
+          <a:prstGeom prst="line">
+            <a:avLst/>
+          </a:prstGeom>
+          <a:ln w="28575">
+            <a:solidFill>
+              <a:srgbClr val="FF0000"/>
+            </a:solidFill>
+          </a:ln>
+        </p:spPr>
+        <p:style>
+          <a:lnRef idx="1">
+            <a:schemeClr val="accent1"/>
+          </a:lnRef>
+          <a:fillRef idx="0">
+            <a:schemeClr val="accent1"/>
+          </a:fillRef>
+          <a:effectRef idx="0">
+            <a:schemeClr val="accent1"/>
+          </a:effectRef>
+          <a:fontRef idx="minor">
+            <a:schemeClr val="tx1"/>
+          </a:fontRef>
+        </p:style>
+      </p:cxnSp>
     </p:spTree>
     <p:extLst>
       <p:ext uri="{BB962C8B-B14F-4D97-AF65-F5344CB8AC3E}">
-        <p14:creationId xmlns:p14="http://schemas.microsoft.com/office/powerpoint/2010/main" val="2787457633"/>
+        <p14:creationId xmlns:p14="http://schemas.microsoft.com/office/powerpoint/2010/main" val="2538803532"/>
       </p:ext>
     </p:extLst>
   </p:cSld>
@@ -8377,86 +9280,121 @@
         </p:nvSpPr>
         <p:spPr/>
         <p:txBody>
+          <a:bodyPr>
+            <a:noAutofit/>
+          </a:bodyPr>
+          <a:lstStyle/>
+          <a:p>
+            <a:r>
+              <a:rPr lang="vi-VN" sz="6000" dirty="0" smtClean="0">
+                <a:solidFill>
+                  <a:schemeClr val="bg1"/>
+                </a:solidFill>
+                <a:latin typeface="Cambria" pitchFamily="18" charset="0"/>
+              </a:rPr>
+              <a:t>Problem</a:t>
+            </a:r>
+            <a:endParaRPr lang="en-US" sz="6000" dirty="0">
+              <a:solidFill>
+                <a:schemeClr val="bg1"/>
+              </a:solidFill>
+              <a:latin typeface="Cambria" pitchFamily="18" charset="0"/>
+            </a:endParaRPr>
+          </a:p>
+        </p:txBody>
+      </p:sp>
+      <p:sp>
+        <p:nvSpPr>
+          <p:cNvPr id="4" name="Slide Number Placeholder 3"/>
+          <p:cNvSpPr>
+            <a:spLocks noGrp="1"/>
+          </p:cNvSpPr>
+          <p:nvPr>
+            <p:ph type="sldNum" idx="12"/>
+          </p:nvPr>
+        </p:nvSpPr>
+        <p:spPr/>
+        <p:txBody>
           <a:bodyPr/>
           <a:lstStyle/>
           <a:p>
-            <a:r>
-              <a:rPr lang="en-US" dirty="0" smtClean="0"/>
-              <a:t>Problem</a:t>
-            </a:r>
-            <a:endParaRPr lang="en-US" dirty="0"/>
-          </a:p>
-        </p:txBody>
-      </p:sp>
-      <p:sp>
-        <p:nvSpPr>
-          <p:cNvPr id="4" name="TextBox 3"/>
-          <p:cNvSpPr txBox="1"/>
-          <p:nvPr/>
-        </p:nvSpPr>
-        <p:spPr>
-          <a:xfrm>
-            <a:off x="1008257" y="1562973"/>
-            <a:ext cx="6776500" cy="1200329"/>
+            <a:fld id="{00000000-1234-1234-1234-123412341234}" type="slidenum">
+              <a:rPr lang="en" smtClean="0"/>
+              <a:pPr/>
+              <a:t>2</a:t>
+            </a:fld>
+            <a:endParaRPr lang="en"/>
+          </a:p>
+        </p:txBody>
+      </p:sp>
+      <p:sp>
+        <p:nvSpPr>
+          <p:cNvPr id="5" name="Rectangle 4"/>
+          <p:cNvSpPr/>
+          <p:nvPr/>
+        </p:nvSpPr>
+        <p:spPr>
+          <a:xfrm>
+            <a:off x="457200" y="1877023"/>
+            <a:ext cx="8229600" cy="1569660"/>
           </a:xfrm>
           <a:prstGeom prst="rect">
             <a:avLst/>
           </a:prstGeom>
-          <a:noFill/>
-        </p:spPr>
-        <p:txBody>
-          <a:bodyPr wrap="square" rtlCol="0">
+        </p:spPr>
+        <p:txBody>
+          <a:bodyPr wrap="square">
             <a:spAutoFit/>
           </a:bodyPr>
           <a:lstStyle/>
           <a:p>
             <a:r>
-              <a:rPr lang="en-US" dirty="0" smtClean="0"/>
+              <a:rPr lang="en-US" sz="2400" dirty="0"/>
               <a:t>Mr. </a:t>
             </a:r>
             <a:r>
-              <a:rPr lang="en-US" dirty="0" err="1" smtClean="0"/>
+              <a:rPr lang="en-US" sz="2400" dirty="0" err="1"/>
               <a:t>Khuong</a:t>
             </a:r>
             <a:r>
-              <a:rPr lang="en-US" dirty="0" smtClean="0"/>
+              <a:rPr lang="en-US" sz="2400" dirty="0"/>
               <a:t> doesn’t know what he should do, when he is driving.</a:t>
             </a:r>
             <a:br>
-              <a:rPr lang="en-US" dirty="0" smtClean="0"/>
+              <a:rPr lang="en-US" sz="2400" dirty="0"/>
             </a:br>
             <a:r>
-              <a:rPr lang="en-US" dirty="0" smtClean="0"/>
+              <a:rPr lang="en-US" sz="2400" dirty="0"/>
               <a:t>Mr. </a:t>
             </a:r>
             <a:r>
-              <a:rPr lang="en-US" dirty="0" err="1" smtClean="0"/>
+              <a:rPr lang="en-US" sz="2400" dirty="0" err="1"/>
               <a:t>Khuong</a:t>
             </a:r>
             <a:r>
-              <a:rPr lang="en-US" dirty="0" smtClean="0"/>
+              <a:rPr lang="en-US" sz="2400" dirty="0"/>
               <a:t> doesn’t know where he should turn, when he meets corner.</a:t>
             </a:r>
           </a:p>
           <a:p>
             <a:r>
-              <a:rPr lang="en-US" dirty="0" smtClean="0"/>
+              <a:rPr lang="en-US" sz="2400" dirty="0"/>
               <a:t>And he doesn’t has 3G to view map.</a:t>
             </a:r>
-            <a:endParaRPr lang="en-US" dirty="0"/>
+            <a:endParaRPr lang="en-US" sz="2400" dirty="0"/>
           </a:p>
         </p:txBody>
       </p:sp>
       <p:pic>
         <p:nvPicPr>
-          <p:cNvPr id="1026" name="Picture 2" descr="http://i20.servimg.com/u/f20/13/50/70/90/lacduo10.jpg"/>
+          <p:cNvPr id="6" name="Picture 2" descr="http://i20.servimg.com/u/f20/13/50/70/90/lacduo10.jpg"/>
           <p:cNvPicPr>
             <a:picLocks noChangeAspect="1" noChangeArrowheads="1"/>
           </p:cNvPicPr>
           <p:nvPr/>
         </p:nvPicPr>
         <p:blipFill>
-          <a:blip r:embed="rId2">
+          <a:blip r:embed="rId3">
             <a:extLst>
               <a:ext uri="{28A0092B-C50C-407E-A947-70E740481C1C}">
                 <a14:useLocalDpi xmlns:a14="http://schemas.microsoft.com/office/drawing/2010/main" val="0"/>
@@ -8490,14 +9428,14 @@
       </p:pic>
       <p:pic>
         <p:nvPicPr>
-          <p:cNvPr id="1028" name="Picture 4" descr="http://static.panoramio.com/photos/large/55741626.jpg"/>
+          <p:cNvPr id="7" name="Picture 4" descr="http://static.panoramio.com/photos/large/55741626.jpg"/>
           <p:cNvPicPr>
             <a:picLocks noChangeAspect="1" noChangeArrowheads="1"/>
           </p:cNvPicPr>
           <p:nvPr/>
         </p:nvPicPr>
         <p:blipFill>
-          <a:blip r:embed="rId3" cstate="print">
+          <a:blip r:embed="rId4" cstate="print">
             <a:extLst>
               <a:ext uri="{28A0092B-C50C-407E-A947-70E740481C1C}">
                 <a14:useLocalDpi xmlns:a14="http://schemas.microsoft.com/office/drawing/2010/main" val="0"/>
@@ -8532,13 +9470,20 @@
     </p:spTree>
     <p:extLst>
       <p:ext uri="{BB962C8B-B14F-4D97-AF65-F5344CB8AC3E}">
-        <p14:creationId xmlns:p14="http://schemas.microsoft.com/office/powerpoint/2010/main" val="1261079487"/>
+        <p14:creationId xmlns:p14="http://schemas.microsoft.com/office/powerpoint/2010/main" val="384401323"/>
       </p:ext>
     </p:extLst>
   </p:cSld>
   <p:clrMapOvr>
     <a:masterClrMapping/>
   </p:clrMapOvr>
+  <p:timing>
+    <p:tnLst>
+      <p:par>
+        <p:cTn id="1" dur="indefinite" restart="never" nodeType="tmRoot"/>
+      </p:par>
+    </p:tnLst>
+  </p:timing>
 </p:sld>
 </file>
 
@@ -8561,7 +9506,7 @@
       </p:grpSpPr>
       <p:cxnSp>
         <p:nvCxnSpPr>
-          <p:cNvPr id="5" name="Straight Connector 4"/>
+          <p:cNvPr id="4" name="Straight Connector 3"/>
           <p:cNvCxnSpPr/>
           <p:nvPr/>
         </p:nvCxnSpPr>
@@ -8596,7 +9541,7 @@
       </p:cxnSp>
       <p:cxnSp>
         <p:nvCxnSpPr>
-          <p:cNvPr id="6" name="Straight Connector 5"/>
+          <p:cNvPr id="5" name="Straight Connector 4"/>
           <p:cNvCxnSpPr/>
           <p:nvPr/>
         </p:nvCxnSpPr>
@@ -8631,7 +9576,7 @@
       </p:cxnSp>
       <p:sp>
         <p:nvSpPr>
-          <p:cNvPr id="7" name="Oval 6"/>
+          <p:cNvPr id="6" name="Oval 5"/>
           <p:cNvSpPr/>
           <p:nvPr/>
         </p:nvSpPr>
@@ -8684,7 +9629,7 @@
       </p:sp>
       <p:sp>
         <p:nvSpPr>
-          <p:cNvPr id="8" name="Oval 7"/>
+          <p:cNvPr id="7" name="Oval 6"/>
           <p:cNvSpPr/>
           <p:nvPr/>
         </p:nvSpPr>
@@ -8735,6 +9680,54 @@
           </a:p>
         </p:txBody>
       </p:sp>
+      <p:sp>
+        <p:nvSpPr>
+          <p:cNvPr id="9" name="Oval 8"/>
+          <p:cNvSpPr/>
+          <p:nvPr/>
+        </p:nvSpPr>
+        <p:spPr>
+          <a:xfrm>
+            <a:off x="3002094" y="3692160"/>
+            <a:ext cx="172995" cy="172995"/>
+          </a:xfrm>
+          <a:prstGeom prst="ellipse">
+            <a:avLst/>
+          </a:prstGeom>
+          <a:solidFill>
+            <a:srgbClr val="FF0000"/>
+          </a:solidFill>
+          <a:ln>
+            <a:solidFill>
+              <a:srgbClr val="FF0000"/>
+            </a:solidFill>
+          </a:ln>
+        </p:spPr>
+        <p:style>
+          <a:lnRef idx="2">
+            <a:schemeClr val="accent1">
+              <a:shade val="50000"/>
+            </a:schemeClr>
+          </a:lnRef>
+          <a:fillRef idx="1">
+            <a:schemeClr val="accent1"/>
+          </a:fillRef>
+          <a:effectRef idx="0">
+            <a:schemeClr val="accent1"/>
+          </a:effectRef>
+          <a:fontRef idx="minor">
+            <a:schemeClr val="lt1"/>
+          </a:fontRef>
+        </p:style>
+        <p:txBody>
+          <a:bodyPr rtlCol="0" anchor="ctr"/>
+          <a:lstStyle/>
+          <a:p>
+            <a:pPr algn="ctr"/>
+            <a:endParaRPr lang="en-US" dirty="0"/>
+          </a:p>
+        </p:txBody>
+      </p:sp>
       <p:cxnSp>
         <p:nvCxnSpPr>
           <p:cNvPr id="10" name="Straight Connector 9"/>
@@ -8947,6 +9940,36 @@
       </p:sp>
       <p:sp>
         <p:nvSpPr>
+          <p:cNvPr id="15" name="TextBox 14"/>
+          <p:cNvSpPr txBox="1"/>
+          <p:nvPr/>
+        </p:nvSpPr>
+        <p:spPr>
+          <a:xfrm>
+            <a:off x="3315693" y="3745065"/>
+            <a:ext cx="309700" cy="369332"/>
+          </a:xfrm>
+          <a:prstGeom prst="rect">
+            <a:avLst/>
+          </a:prstGeom>
+          <a:noFill/>
+        </p:spPr>
+        <p:txBody>
+          <a:bodyPr wrap="none" rtlCol="0">
+            <a:spAutoFit/>
+          </a:bodyPr>
+          <a:lstStyle/>
+          <a:p>
+            <a:r>
+              <a:rPr lang="en-US" dirty="0" smtClean="0"/>
+              <a:t>B</a:t>
+            </a:r>
+            <a:endParaRPr lang="en-US" dirty="0"/>
+          </a:p>
+        </p:txBody>
+      </p:sp>
+      <p:sp>
+        <p:nvSpPr>
           <p:cNvPr id="16" name="TextBox 15"/>
           <p:cNvSpPr txBox="1"/>
           <p:nvPr/>
@@ -9088,198 +10111,10 @@
           </a:p>
         </p:txBody>
       </p:sp>
-      <p:sp>
-        <p:nvSpPr>
-          <p:cNvPr id="15" name="TextBox 14"/>
-          <p:cNvSpPr txBox="1"/>
-          <p:nvPr/>
-        </p:nvSpPr>
-        <p:spPr>
-          <a:xfrm>
-            <a:off x="3315693" y="3745065"/>
-            <a:ext cx="309700" cy="369332"/>
-          </a:xfrm>
-          <a:prstGeom prst="rect">
-            <a:avLst/>
-          </a:prstGeom>
-          <a:noFill/>
-        </p:spPr>
-        <p:txBody>
-          <a:bodyPr wrap="none" rtlCol="0">
-            <a:spAutoFit/>
-          </a:bodyPr>
-          <a:lstStyle/>
-          <a:p>
-            <a:r>
-              <a:rPr lang="en-US" dirty="0" smtClean="0"/>
-              <a:t>B</a:t>
-            </a:r>
-            <a:endParaRPr lang="en-US" dirty="0"/>
-          </a:p>
-        </p:txBody>
-      </p:sp>
-      <p:sp>
-        <p:nvSpPr>
-          <p:cNvPr id="22" name="Oval 21"/>
-          <p:cNvSpPr/>
-          <p:nvPr/>
-        </p:nvSpPr>
-        <p:spPr>
-          <a:xfrm>
-            <a:off x="3002094" y="3692160"/>
-            <a:ext cx="172995" cy="172995"/>
-          </a:xfrm>
-          <a:prstGeom prst="ellipse">
-            <a:avLst/>
-          </a:prstGeom>
-          <a:solidFill>
-            <a:srgbClr val="FF0000"/>
-          </a:solidFill>
-          <a:ln>
-            <a:solidFill>
-              <a:srgbClr val="FF0000"/>
-            </a:solidFill>
-          </a:ln>
-        </p:spPr>
-        <p:style>
-          <a:lnRef idx="2">
-            <a:schemeClr val="accent1">
-              <a:shade val="50000"/>
-            </a:schemeClr>
-          </a:lnRef>
-          <a:fillRef idx="1">
-            <a:schemeClr val="accent1"/>
-          </a:fillRef>
-          <a:effectRef idx="0">
-            <a:schemeClr val="accent1"/>
-          </a:effectRef>
-          <a:fontRef idx="minor">
-            <a:schemeClr val="lt1"/>
-          </a:fontRef>
-        </p:style>
-        <p:txBody>
-          <a:bodyPr rtlCol="0" anchor="ctr"/>
-          <a:lstStyle/>
-          <a:p>
-            <a:pPr algn="ctr"/>
-            <a:endParaRPr lang="en-US" dirty="0"/>
-          </a:p>
-        </p:txBody>
-      </p:sp>
-      <p:pic>
-        <p:nvPicPr>
-          <p:cNvPr id="3" name="Picture 2"/>
-          <p:cNvPicPr>
-            <a:picLocks noChangeAspect="1"/>
-          </p:cNvPicPr>
-          <p:nvPr/>
-        </p:nvPicPr>
-        <p:blipFill>
-          <a:blip r:embed="rId2"/>
-          <a:stretch>
-            <a:fillRect/>
-          </a:stretch>
-        </p:blipFill>
-        <p:spPr>
-          <a:xfrm>
-            <a:off x="1921921" y="2410494"/>
-            <a:ext cx="2364509" cy="2051085"/>
-          </a:xfrm>
-          <a:prstGeom prst="rect">
-            <a:avLst/>
-          </a:prstGeom>
-          <a:ln>
-            <a:solidFill>
-              <a:schemeClr val="tx1"/>
-            </a:solidFill>
-          </a:ln>
-        </p:spPr>
-      </p:pic>
-      <p:cxnSp>
-        <p:nvCxnSpPr>
-          <p:cNvPr id="24" name="Straight Connector 23"/>
-          <p:cNvCxnSpPr/>
-          <p:nvPr/>
-        </p:nvCxnSpPr>
-        <p:spPr>
-          <a:xfrm flipV="1">
-            <a:off x="2963952" y="3121136"/>
-            <a:ext cx="238592" cy="345753"/>
-          </a:xfrm>
-          <a:prstGeom prst="line">
-            <a:avLst/>
-          </a:prstGeom>
-          <a:ln w="28575">
-            <a:solidFill>
-              <a:srgbClr val="FF0000"/>
-            </a:solidFill>
-          </a:ln>
-        </p:spPr>
-        <p:style>
-          <a:lnRef idx="1">
-            <a:schemeClr val="accent1"/>
-          </a:lnRef>
-          <a:fillRef idx="0">
-            <a:schemeClr val="accent1"/>
-          </a:fillRef>
-          <a:effectRef idx="0">
-            <a:schemeClr val="accent1"/>
-          </a:effectRef>
-          <a:fontRef idx="minor">
-            <a:schemeClr val="tx1"/>
-          </a:fontRef>
-        </p:style>
-      </p:cxnSp>
-      <p:sp>
-        <p:nvSpPr>
-          <p:cNvPr id="26" name="Rectangle 25"/>
-          <p:cNvSpPr/>
-          <p:nvPr/>
-        </p:nvSpPr>
-        <p:spPr>
-          <a:xfrm rot="2237156">
-            <a:off x="3170388" y="3143115"/>
-            <a:ext cx="78581" cy="78581"/>
-          </a:xfrm>
-          <a:prstGeom prst="rect">
-            <a:avLst/>
-          </a:prstGeom>
-          <a:noFill/>
-          <a:ln>
-            <a:solidFill>
-              <a:srgbClr val="FF0000"/>
-            </a:solidFill>
-          </a:ln>
-        </p:spPr>
-        <p:style>
-          <a:lnRef idx="2">
-            <a:schemeClr val="accent1">
-              <a:shade val="50000"/>
-            </a:schemeClr>
-          </a:lnRef>
-          <a:fillRef idx="1">
-            <a:schemeClr val="accent1"/>
-          </a:fillRef>
-          <a:effectRef idx="0">
-            <a:schemeClr val="accent1"/>
-          </a:effectRef>
-          <a:fontRef idx="minor">
-            <a:schemeClr val="lt1"/>
-          </a:fontRef>
-        </p:style>
-        <p:txBody>
-          <a:bodyPr rtlCol="0" anchor="ctr"/>
-          <a:lstStyle/>
-          <a:p>
-            <a:pPr algn="ctr"/>
-            <a:endParaRPr lang="en-US"/>
-          </a:p>
-        </p:txBody>
-      </p:sp>
     </p:spTree>
     <p:extLst>
       <p:ext uri="{BB962C8B-B14F-4D97-AF65-F5344CB8AC3E}">
-        <p14:creationId xmlns:p14="http://schemas.microsoft.com/office/powerpoint/2010/main" val="1241418465"/>
+        <p14:creationId xmlns:p14="http://schemas.microsoft.com/office/powerpoint/2010/main" val="2787457633"/>
       </p:ext>
     </p:extLst>
   </p:cSld>
@@ -9378,13 +10213,13 @@
       </p:cxnSp>
       <p:sp>
         <p:nvSpPr>
-          <p:cNvPr id="8" name="Oval 7"/>
+          <p:cNvPr id="7" name="Oval 6"/>
           <p:cNvSpPr/>
           <p:nvPr/>
         </p:nvSpPr>
         <p:spPr>
           <a:xfrm>
-            <a:off x="4433393" y="2792057"/>
+            <a:off x="3393781" y="3646157"/>
             <a:ext cx="166093" cy="166093"/>
           </a:xfrm>
           <a:prstGeom prst="ellipse">
@@ -9429,52 +10264,15 @@
           </a:p>
         </p:txBody>
       </p:sp>
-      <p:cxnSp>
-        <p:nvCxnSpPr>
-          <p:cNvPr id="10" name="Straight Connector 9"/>
-          <p:cNvCxnSpPr>
-            <a:endCxn id="11" idx="2"/>
-          </p:cNvCxnSpPr>
-          <p:nvPr/>
-        </p:nvCxnSpPr>
-        <p:spPr>
-          <a:xfrm>
-            <a:off x="4508158" y="2866041"/>
-            <a:ext cx="1537936" cy="356466"/>
-          </a:xfrm>
-          <a:prstGeom prst="line">
-            <a:avLst/>
-          </a:prstGeom>
-          <a:ln w="28575">
-            <a:solidFill>
-              <a:schemeClr val="tx1"/>
-            </a:solidFill>
-          </a:ln>
-        </p:spPr>
-        <p:style>
-          <a:lnRef idx="1">
-            <a:schemeClr val="accent1"/>
-          </a:lnRef>
-          <a:fillRef idx="0">
-            <a:schemeClr val="accent1"/>
-          </a:fillRef>
-          <a:effectRef idx="0">
-            <a:schemeClr val="accent1"/>
-          </a:effectRef>
-          <a:fontRef idx="minor">
-            <a:schemeClr val="tx1"/>
-          </a:fontRef>
-        </p:style>
-      </p:cxnSp>
-      <p:sp>
-        <p:nvSpPr>
-          <p:cNvPr id="11" name="Oval 10"/>
+      <p:sp>
+        <p:nvSpPr>
+          <p:cNvPr id="8" name="Oval 7"/>
           <p:cNvSpPr/>
           <p:nvPr/>
         </p:nvSpPr>
         <p:spPr>
           <a:xfrm>
-            <a:off x="6046094" y="3139460"/>
+            <a:off x="4433393" y="2792057"/>
             <a:ext cx="166093" cy="166093"/>
           </a:xfrm>
           <a:prstGeom prst="ellipse">
@@ -9521,16 +10319,16 @@
       </p:sp>
       <p:cxnSp>
         <p:nvCxnSpPr>
-          <p:cNvPr id="12" name="Straight Connector 11"/>
+          <p:cNvPr id="10" name="Straight Connector 9"/>
           <p:cNvCxnSpPr>
-            <a:stCxn id="11" idx="7"/>
+            <a:endCxn id="11" idx="2"/>
           </p:cNvCxnSpPr>
           <p:nvPr/>
         </p:nvCxnSpPr>
         <p:spPr>
-          <a:xfrm flipV="1">
-            <a:off x="6187863" y="1669492"/>
-            <a:ext cx="521856" cy="1494292"/>
+          <a:xfrm>
+            <a:off x="4508158" y="2866041"/>
+            <a:ext cx="1537936" cy="356466"/>
           </a:xfrm>
           <a:prstGeom prst="line">
             <a:avLst/>
@@ -9558,156 +10356,13 @@
       </p:cxnSp>
       <p:sp>
         <p:nvSpPr>
-          <p:cNvPr id="13" name="Oval 12"/>
+          <p:cNvPr id="11" name="Oval 10"/>
           <p:cNvSpPr/>
           <p:nvPr/>
         </p:nvSpPr>
         <p:spPr>
           <a:xfrm>
-            <a:off x="2157676" y="2774142"/>
-            <a:ext cx="166093" cy="166093"/>
-          </a:xfrm>
-          <a:prstGeom prst="ellipse">
-            <a:avLst/>
-          </a:prstGeom>
-          <a:solidFill>
-            <a:schemeClr val="accent1"/>
-          </a:solidFill>
-          <a:ln w="76200">
-            <a:solidFill>
-              <a:schemeClr val="accent1"/>
-            </a:solidFill>
-          </a:ln>
-        </p:spPr>
-        <p:style>
-          <a:lnRef idx="2">
-            <a:schemeClr val="accent1">
-              <a:shade val="50000"/>
-            </a:schemeClr>
-          </a:lnRef>
-          <a:fillRef idx="1">
-            <a:schemeClr val="accent1"/>
-          </a:fillRef>
-          <a:effectRef idx="0">
-            <a:schemeClr val="accent1"/>
-          </a:effectRef>
-          <a:fontRef idx="minor">
-            <a:schemeClr val="lt1"/>
-          </a:fontRef>
-        </p:style>
-        <p:txBody>
-          <a:bodyPr rot="0" spcFirstLastPara="0" vertOverflow="overflow" horzOverflow="overflow" vert="horz" wrap="square" lIns="91440" tIns="45720" rIns="91440" bIns="45720" numCol="1" spcCol="0" rtlCol="0" fromWordArt="0" anchor="ctr" anchorCtr="0" forceAA="0" compatLnSpc="1">
-            <a:prstTxWarp prst="textNoShape">
-              <a:avLst/>
-            </a:prstTxWarp>
-            <a:noAutofit/>
-          </a:bodyPr>
-          <a:lstStyle/>
-          <a:p>
-            <a:pPr algn="ctr"/>
-            <a:endParaRPr lang="en-US"/>
-          </a:p>
-        </p:txBody>
-      </p:sp>
-      <p:sp>
-        <p:nvSpPr>
-          <p:cNvPr id="14" name="TextBox 13"/>
-          <p:cNvSpPr txBox="1"/>
-          <p:nvPr/>
-        </p:nvSpPr>
-        <p:spPr>
-          <a:xfrm>
-            <a:off x="2115047" y="2496709"/>
-            <a:ext cx="317716" cy="369332"/>
-          </a:xfrm>
-          <a:prstGeom prst="rect">
-            <a:avLst/>
-          </a:prstGeom>
-          <a:noFill/>
-        </p:spPr>
-        <p:txBody>
-          <a:bodyPr wrap="none" rtlCol="0">
-            <a:spAutoFit/>
-          </a:bodyPr>
-          <a:lstStyle/>
-          <a:p>
-            <a:r>
-              <a:rPr lang="en-US" dirty="0" smtClean="0"/>
-              <a:t>A</a:t>
-            </a:r>
-            <a:endParaRPr lang="en-US" dirty="0"/>
-          </a:p>
-        </p:txBody>
-      </p:sp>
-      <p:sp>
-        <p:nvSpPr>
-          <p:cNvPr id="16" name="TextBox 15"/>
-          <p:cNvSpPr txBox="1"/>
-          <p:nvPr/>
-        </p:nvSpPr>
-        <p:spPr>
-          <a:xfrm>
-            <a:off x="4357315" y="2496709"/>
-            <a:ext cx="308098" cy="369332"/>
-          </a:xfrm>
-          <a:prstGeom prst="rect">
-            <a:avLst/>
-          </a:prstGeom>
-          <a:noFill/>
-        </p:spPr>
-        <p:txBody>
-          <a:bodyPr wrap="none" rtlCol="0">
-            <a:spAutoFit/>
-          </a:bodyPr>
-          <a:lstStyle/>
-          <a:p>
-            <a:r>
-              <a:rPr lang="en-US" dirty="0" smtClean="0"/>
-              <a:t>C</a:t>
-            </a:r>
-            <a:endParaRPr lang="en-US" dirty="0"/>
-          </a:p>
-        </p:txBody>
-      </p:sp>
-      <p:sp>
-        <p:nvSpPr>
-          <p:cNvPr id="17" name="TextBox 16"/>
-          <p:cNvSpPr txBox="1"/>
-          <p:nvPr/>
-        </p:nvSpPr>
-        <p:spPr>
-          <a:xfrm>
-            <a:off x="5978298" y="3269353"/>
-            <a:ext cx="327334" cy="369332"/>
-          </a:xfrm>
-          <a:prstGeom prst="rect">
-            <a:avLst/>
-          </a:prstGeom>
-          <a:noFill/>
-        </p:spPr>
-        <p:txBody>
-          <a:bodyPr wrap="none" rtlCol="0">
-            <a:spAutoFit/>
-          </a:bodyPr>
-          <a:lstStyle/>
-          <a:p>
-            <a:r>
-              <a:rPr lang="en-US" dirty="0" smtClean="0"/>
-              <a:t>D</a:t>
-            </a:r>
-            <a:endParaRPr lang="en-US" dirty="0"/>
-          </a:p>
-        </p:txBody>
-      </p:sp>
-      <p:sp>
-        <p:nvSpPr>
-          <p:cNvPr id="18" name="Oval 17"/>
-          <p:cNvSpPr/>
-          <p:nvPr/>
-        </p:nvSpPr>
-        <p:spPr>
-          <a:xfrm>
-            <a:off x="6626672" y="1563365"/>
+            <a:off x="6046094" y="3139460"/>
             <a:ext cx="166093" cy="166093"/>
           </a:xfrm>
           <a:prstGeom prst="ellipse">
@@ -9748,6 +10403,239 @@
           <a:lstStyle/>
           <a:p>
             <a:pPr algn="ctr"/>
+            <a:endParaRPr lang="en-US"/>
+          </a:p>
+        </p:txBody>
+      </p:sp>
+      <p:cxnSp>
+        <p:nvCxnSpPr>
+          <p:cNvPr id="12" name="Straight Connector 11"/>
+          <p:cNvCxnSpPr>
+            <a:stCxn id="11" idx="7"/>
+          </p:cNvCxnSpPr>
+          <p:nvPr/>
+        </p:nvCxnSpPr>
+        <p:spPr>
+          <a:xfrm flipV="1">
+            <a:off x="6187863" y="1669492"/>
+            <a:ext cx="521856" cy="1494292"/>
+          </a:xfrm>
+          <a:prstGeom prst="line">
+            <a:avLst/>
+          </a:prstGeom>
+          <a:ln w="28575">
+            <a:solidFill>
+              <a:schemeClr val="tx1"/>
+            </a:solidFill>
+          </a:ln>
+        </p:spPr>
+        <p:style>
+          <a:lnRef idx="1">
+            <a:schemeClr val="accent1"/>
+          </a:lnRef>
+          <a:fillRef idx="0">
+            <a:schemeClr val="accent1"/>
+          </a:fillRef>
+          <a:effectRef idx="0">
+            <a:schemeClr val="accent1"/>
+          </a:effectRef>
+          <a:fontRef idx="minor">
+            <a:schemeClr val="tx1"/>
+          </a:fontRef>
+        </p:style>
+      </p:cxnSp>
+      <p:sp>
+        <p:nvSpPr>
+          <p:cNvPr id="13" name="Oval 12"/>
+          <p:cNvSpPr/>
+          <p:nvPr/>
+        </p:nvSpPr>
+        <p:spPr>
+          <a:xfrm>
+            <a:off x="2157676" y="2774142"/>
+            <a:ext cx="166093" cy="166093"/>
+          </a:xfrm>
+          <a:prstGeom prst="ellipse">
+            <a:avLst/>
+          </a:prstGeom>
+          <a:solidFill>
+            <a:schemeClr val="accent1"/>
+          </a:solidFill>
+          <a:ln w="76200">
+            <a:solidFill>
+              <a:schemeClr val="accent1"/>
+            </a:solidFill>
+          </a:ln>
+        </p:spPr>
+        <p:style>
+          <a:lnRef idx="2">
+            <a:schemeClr val="accent1">
+              <a:shade val="50000"/>
+            </a:schemeClr>
+          </a:lnRef>
+          <a:fillRef idx="1">
+            <a:schemeClr val="accent1"/>
+          </a:fillRef>
+          <a:effectRef idx="0">
+            <a:schemeClr val="accent1"/>
+          </a:effectRef>
+          <a:fontRef idx="minor">
+            <a:schemeClr val="lt1"/>
+          </a:fontRef>
+        </p:style>
+        <p:txBody>
+          <a:bodyPr rot="0" spcFirstLastPara="0" vertOverflow="overflow" horzOverflow="overflow" vert="horz" wrap="square" lIns="91440" tIns="45720" rIns="91440" bIns="45720" numCol="1" spcCol="0" rtlCol="0" fromWordArt="0" anchor="ctr" anchorCtr="0" forceAA="0" compatLnSpc="1">
+            <a:prstTxWarp prst="textNoShape">
+              <a:avLst/>
+            </a:prstTxWarp>
+            <a:noAutofit/>
+          </a:bodyPr>
+          <a:lstStyle/>
+          <a:p>
+            <a:pPr algn="ctr"/>
+            <a:endParaRPr lang="en-US"/>
+          </a:p>
+        </p:txBody>
+      </p:sp>
+      <p:sp>
+        <p:nvSpPr>
+          <p:cNvPr id="14" name="TextBox 13"/>
+          <p:cNvSpPr txBox="1"/>
+          <p:nvPr/>
+        </p:nvSpPr>
+        <p:spPr>
+          <a:xfrm>
+            <a:off x="2115047" y="2496709"/>
+            <a:ext cx="317716" cy="369332"/>
+          </a:xfrm>
+          <a:prstGeom prst="rect">
+            <a:avLst/>
+          </a:prstGeom>
+          <a:noFill/>
+        </p:spPr>
+        <p:txBody>
+          <a:bodyPr wrap="none" rtlCol="0">
+            <a:spAutoFit/>
+          </a:bodyPr>
+          <a:lstStyle/>
+          <a:p>
+            <a:r>
+              <a:rPr lang="en-US" dirty="0" smtClean="0"/>
+              <a:t>A</a:t>
+            </a:r>
+            <a:endParaRPr lang="en-US" dirty="0"/>
+          </a:p>
+        </p:txBody>
+      </p:sp>
+      <p:sp>
+        <p:nvSpPr>
+          <p:cNvPr id="16" name="TextBox 15"/>
+          <p:cNvSpPr txBox="1"/>
+          <p:nvPr/>
+        </p:nvSpPr>
+        <p:spPr>
+          <a:xfrm>
+            <a:off x="4357315" y="2496709"/>
+            <a:ext cx="308098" cy="369332"/>
+          </a:xfrm>
+          <a:prstGeom prst="rect">
+            <a:avLst/>
+          </a:prstGeom>
+          <a:noFill/>
+        </p:spPr>
+        <p:txBody>
+          <a:bodyPr wrap="none" rtlCol="0">
+            <a:spAutoFit/>
+          </a:bodyPr>
+          <a:lstStyle/>
+          <a:p>
+            <a:r>
+              <a:rPr lang="en-US" dirty="0" smtClean="0"/>
+              <a:t>C</a:t>
+            </a:r>
+            <a:endParaRPr lang="en-US" dirty="0"/>
+          </a:p>
+        </p:txBody>
+      </p:sp>
+      <p:sp>
+        <p:nvSpPr>
+          <p:cNvPr id="17" name="TextBox 16"/>
+          <p:cNvSpPr txBox="1"/>
+          <p:nvPr/>
+        </p:nvSpPr>
+        <p:spPr>
+          <a:xfrm>
+            <a:off x="5978298" y="3269353"/>
+            <a:ext cx="327334" cy="369332"/>
+          </a:xfrm>
+          <a:prstGeom prst="rect">
+            <a:avLst/>
+          </a:prstGeom>
+          <a:noFill/>
+        </p:spPr>
+        <p:txBody>
+          <a:bodyPr wrap="none" rtlCol="0">
+            <a:spAutoFit/>
+          </a:bodyPr>
+          <a:lstStyle/>
+          <a:p>
+            <a:r>
+              <a:rPr lang="en-US" dirty="0" smtClean="0"/>
+              <a:t>D</a:t>
+            </a:r>
+            <a:endParaRPr lang="en-US" dirty="0"/>
+          </a:p>
+        </p:txBody>
+      </p:sp>
+      <p:sp>
+        <p:nvSpPr>
+          <p:cNvPr id="18" name="Oval 17"/>
+          <p:cNvSpPr/>
+          <p:nvPr/>
+        </p:nvSpPr>
+        <p:spPr>
+          <a:xfrm>
+            <a:off x="6626672" y="1563365"/>
+            <a:ext cx="166093" cy="166093"/>
+          </a:xfrm>
+          <a:prstGeom prst="ellipse">
+            <a:avLst/>
+          </a:prstGeom>
+          <a:solidFill>
+            <a:schemeClr val="tx1"/>
+          </a:solidFill>
+          <a:ln>
+            <a:solidFill>
+              <a:schemeClr val="tx1"/>
+            </a:solidFill>
+          </a:ln>
+        </p:spPr>
+        <p:style>
+          <a:lnRef idx="2">
+            <a:schemeClr val="accent1">
+              <a:shade val="50000"/>
+            </a:schemeClr>
+          </a:lnRef>
+          <a:fillRef idx="1">
+            <a:schemeClr val="accent1"/>
+          </a:fillRef>
+          <a:effectRef idx="0">
+            <a:schemeClr val="accent1"/>
+          </a:effectRef>
+          <a:fontRef idx="minor">
+            <a:schemeClr val="lt1"/>
+          </a:fontRef>
+        </p:style>
+        <p:txBody>
+          <a:bodyPr rot="0" spcFirstLastPara="0" vertOverflow="overflow" horzOverflow="overflow" vert="horz" wrap="square" lIns="91440" tIns="45720" rIns="91440" bIns="45720" numCol="1" spcCol="0" rtlCol="0" fromWordArt="0" anchor="ctr" anchorCtr="0" forceAA="0" compatLnSpc="1">
+            <a:prstTxWarp prst="textNoShape">
+              <a:avLst/>
+            </a:prstTxWarp>
+            <a:noAutofit/>
+          </a:bodyPr>
+          <a:lstStyle/>
+          <a:p>
+            <a:pPr algn="ctr"/>
             <a:endParaRPr lang="en-US" dirty="0"/>
           </a:p>
         </p:txBody>
@@ -9860,29 +10748,91 @@
           </a:p>
         </p:txBody>
       </p:sp>
-      <p:sp>
-        <p:nvSpPr>
-          <p:cNvPr id="7" name="Oval 6"/>
-          <p:cNvSpPr/>
-          <p:nvPr/>
-        </p:nvSpPr>
-        <p:spPr>
-          <a:xfrm>
-            <a:off x="3393781" y="3646157"/>
-            <a:ext cx="166093" cy="166093"/>
-          </a:xfrm>
-          <a:prstGeom prst="ellipse">
-            <a:avLst/>
-          </a:prstGeom>
-          <a:solidFill>
-            <a:schemeClr val="tx1"/>
-          </a:solidFill>
+      <p:pic>
+        <p:nvPicPr>
+          <p:cNvPr id="3" name="Picture 2"/>
+          <p:cNvPicPr>
+            <a:picLocks noChangeAspect="1"/>
+          </p:cNvPicPr>
+          <p:nvPr/>
+        </p:nvPicPr>
+        <p:blipFill>
+          <a:blip r:embed="rId2"/>
+          <a:stretch>
+            <a:fillRect/>
+          </a:stretch>
+        </p:blipFill>
+        <p:spPr>
+          <a:xfrm>
+            <a:off x="1921921" y="2410494"/>
+            <a:ext cx="2364509" cy="2051085"/>
+          </a:xfrm>
+          <a:prstGeom prst="rect">
+            <a:avLst/>
+          </a:prstGeom>
           <a:ln>
             <a:solidFill>
               <a:schemeClr val="tx1"/>
             </a:solidFill>
           </a:ln>
         </p:spPr>
+      </p:pic>
+      <p:cxnSp>
+        <p:nvCxnSpPr>
+          <p:cNvPr id="24" name="Straight Connector 23"/>
+          <p:cNvCxnSpPr/>
+          <p:nvPr/>
+        </p:nvCxnSpPr>
+        <p:spPr>
+          <a:xfrm flipV="1">
+            <a:off x="2963952" y="3121136"/>
+            <a:ext cx="238592" cy="345753"/>
+          </a:xfrm>
+          <a:prstGeom prst="line">
+            <a:avLst/>
+          </a:prstGeom>
+          <a:ln w="28575">
+            <a:solidFill>
+              <a:srgbClr val="FF0000"/>
+            </a:solidFill>
+          </a:ln>
+        </p:spPr>
+        <p:style>
+          <a:lnRef idx="1">
+            <a:schemeClr val="accent1"/>
+          </a:lnRef>
+          <a:fillRef idx="0">
+            <a:schemeClr val="accent1"/>
+          </a:fillRef>
+          <a:effectRef idx="0">
+            <a:schemeClr val="accent1"/>
+          </a:effectRef>
+          <a:fontRef idx="minor">
+            <a:schemeClr val="tx1"/>
+          </a:fontRef>
+        </p:style>
+      </p:cxnSp>
+      <p:sp>
+        <p:nvSpPr>
+          <p:cNvPr id="26" name="Rectangle 25"/>
+          <p:cNvSpPr/>
+          <p:nvPr/>
+        </p:nvSpPr>
+        <p:spPr>
+          <a:xfrm rot="2237156">
+            <a:off x="3170388" y="3143115"/>
+            <a:ext cx="78581" cy="78581"/>
+          </a:xfrm>
+          <a:prstGeom prst="rect">
+            <a:avLst/>
+          </a:prstGeom>
+          <a:noFill/>
+          <a:ln>
+            <a:solidFill>
+              <a:srgbClr val="FF0000"/>
+            </a:solidFill>
+          </a:ln>
+        </p:spPr>
         <p:style>
           <a:lnRef idx="2">
             <a:schemeClr val="accent1">
@@ -9900,12 +10850,7 @@
           </a:fontRef>
         </p:style>
         <p:txBody>
-          <a:bodyPr rot="0" spcFirstLastPara="0" vertOverflow="overflow" horzOverflow="overflow" vert="horz" wrap="square" lIns="91440" tIns="45720" rIns="91440" bIns="45720" numCol="1" spcCol="0" rtlCol="0" fromWordArt="0" anchor="ctr" anchorCtr="0" forceAA="0" compatLnSpc="1">
-            <a:prstTxWarp prst="textNoShape">
-              <a:avLst/>
-            </a:prstTxWarp>
-            <a:noAutofit/>
-          </a:bodyPr>
+          <a:bodyPr rtlCol="0" anchor="ctr"/>
           <a:lstStyle/>
           <a:p>
             <a:pPr algn="ctr"/>
@@ -9916,7 +10861,7 @@
     </p:spTree>
     <p:extLst>
       <p:ext uri="{BB962C8B-B14F-4D97-AF65-F5344CB8AC3E}">
-        <p14:creationId xmlns:p14="http://schemas.microsoft.com/office/powerpoint/2010/main" val="1523944408"/>
+        <p14:creationId xmlns:p14="http://schemas.microsoft.com/office/powerpoint/2010/main" val="1241418465"/>
       </p:ext>
     </p:extLst>
   </p:cSld>
@@ -10497,44 +11442,6 @@
           </a:p>
         </p:txBody>
       </p:sp>
-      <p:cxnSp>
-        <p:nvCxnSpPr>
-          <p:cNvPr id="29" name="Straight Connector 28"/>
-          <p:cNvCxnSpPr>
-            <a:stCxn id="22" idx="6"/>
-            <a:endCxn id="15" idx="0"/>
-          </p:cNvCxnSpPr>
-          <p:nvPr/>
-        </p:nvCxnSpPr>
-        <p:spPr>
-          <a:xfrm flipV="1">
-            <a:off x="3175089" y="3745065"/>
-            <a:ext cx="295454" cy="33593"/>
-          </a:xfrm>
-          <a:prstGeom prst="line">
-            <a:avLst/>
-          </a:prstGeom>
-          <a:ln w="28575">
-            <a:solidFill>
-              <a:srgbClr val="FF0000"/>
-            </a:solidFill>
-          </a:ln>
-        </p:spPr>
-        <p:style>
-          <a:lnRef idx="1">
-            <a:schemeClr val="accent1"/>
-          </a:lnRef>
-          <a:fillRef idx="0">
-            <a:schemeClr val="accent1"/>
-          </a:fillRef>
-          <a:effectRef idx="0">
-            <a:schemeClr val="accent1"/>
-          </a:effectRef>
-          <a:fontRef idx="minor">
-            <a:schemeClr val="tx1"/>
-          </a:fontRef>
-        </p:style>
-      </p:cxnSp>
       <p:sp>
         <p:nvSpPr>
           <p:cNvPr id="7" name="Oval 6"/>
@@ -10591,7 +11498,7 @@
     </p:spTree>
     <p:extLst>
       <p:ext uri="{BB962C8B-B14F-4D97-AF65-F5344CB8AC3E}">
-        <p14:creationId xmlns:p14="http://schemas.microsoft.com/office/powerpoint/2010/main" val="418802410"/>
+        <p14:creationId xmlns:p14="http://schemas.microsoft.com/office/powerpoint/2010/main" val="1523944408"/>
       </p:ext>
     </p:extLst>
   </p:cSld>
@@ -10620,7 +11527,7 @@
       </p:grpSpPr>
       <p:cxnSp>
         <p:nvCxnSpPr>
-          <p:cNvPr id="8" name="Straight Connector 7"/>
+          <p:cNvPr id="5" name="Straight Connector 4"/>
           <p:cNvCxnSpPr/>
           <p:nvPr/>
         </p:nvCxnSpPr>
@@ -10655,7 +11562,7 @@
       </p:cxnSp>
       <p:cxnSp>
         <p:nvCxnSpPr>
-          <p:cNvPr id="9" name="Straight Connector 8"/>
+          <p:cNvPr id="6" name="Straight Connector 5"/>
           <p:cNvCxnSpPr/>
           <p:nvPr/>
         </p:nvCxnSpPr>
@@ -10690,13 +11597,13 @@
       </p:cxnSp>
       <p:sp>
         <p:nvSpPr>
-          <p:cNvPr id="12" name="Oval 11"/>
+          <p:cNvPr id="8" name="Oval 7"/>
           <p:cNvSpPr/>
           <p:nvPr/>
         </p:nvSpPr>
         <p:spPr>
           <a:xfrm>
-            <a:off x="3393781" y="3646157"/>
+            <a:off x="4433393" y="2792057"/>
             <a:ext cx="166093" cy="166093"/>
           </a:xfrm>
           <a:prstGeom prst="ellipse">
@@ -10741,15 +11648,52 @@
           </a:p>
         </p:txBody>
       </p:sp>
-      <p:sp>
-        <p:nvSpPr>
-          <p:cNvPr id="13" name="Oval 12"/>
+      <p:cxnSp>
+        <p:nvCxnSpPr>
+          <p:cNvPr id="10" name="Straight Connector 9"/>
+          <p:cNvCxnSpPr>
+            <a:endCxn id="11" idx="2"/>
+          </p:cNvCxnSpPr>
+          <p:nvPr/>
+        </p:nvCxnSpPr>
+        <p:spPr>
+          <a:xfrm>
+            <a:off x="4508158" y="2866041"/>
+            <a:ext cx="1537936" cy="356466"/>
+          </a:xfrm>
+          <a:prstGeom prst="line">
+            <a:avLst/>
+          </a:prstGeom>
+          <a:ln w="28575">
+            <a:solidFill>
+              <a:schemeClr val="tx1"/>
+            </a:solidFill>
+          </a:ln>
+        </p:spPr>
+        <p:style>
+          <a:lnRef idx="1">
+            <a:schemeClr val="accent1"/>
+          </a:lnRef>
+          <a:fillRef idx="0">
+            <a:schemeClr val="accent1"/>
+          </a:fillRef>
+          <a:effectRef idx="0">
+            <a:schemeClr val="accent1"/>
+          </a:effectRef>
+          <a:fontRef idx="minor">
+            <a:schemeClr val="tx1"/>
+          </a:fontRef>
+        </p:style>
+      </p:cxnSp>
+      <p:sp>
+        <p:nvSpPr>
+          <p:cNvPr id="11" name="Oval 10"/>
           <p:cNvSpPr/>
           <p:nvPr/>
         </p:nvSpPr>
         <p:spPr>
           <a:xfrm>
-            <a:off x="4433393" y="2792057"/>
+            <a:off x="6046094" y="3139460"/>
             <a:ext cx="166093" cy="166093"/>
           </a:xfrm>
           <a:prstGeom prst="ellipse">
@@ -10794,23 +11738,65 @@
           </a:p>
         </p:txBody>
       </p:sp>
-      <p:sp>
-        <p:nvSpPr>
-          <p:cNvPr id="15" name="Oval Callout 14"/>
+      <p:cxnSp>
+        <p:nvCxnSpPr>
+          <p:cNvPr id="12" name="Straight Connector 11"/>
+          <p:cNvCxnSpPr>
+            <a:stCxn id="11" idx="7"/>
+          </p:cNvCxnSpPr>
+          <p:nvPr/>
+        </p:nvCxnSpPr>
+        <p:spPr>
+          <a:xfrm flipV="1">
+            <a:off x="6187863" y="1669492"/>
+            <a:ext cx="521856" cy="1494292"/>
+          </a:xfrm>
+          <a:prstGeom prst="line">
+            <a:avLst/>
+          </a:prstGeom>
+          <a:ln w="28575">
+            <a:solidFill>
+              <a:schemeClr val="tx1"/>
+            </a:solidFill>
+          </a:ln>
+        </p:spPr>
+        <p:style>
+          <a:lnRef idx="1">
+            <a:schemeClr val="accent1"/>
+          </a:lnRef>
+          <a:fillRef idx="0">
+            <a:schemeClr val="accent1"/>
+          </a:fillRef>
+          <a:effectRef idx="0">
+            <a:schemeClr val="accent1"/>
+          </a:effectRef>
+          <a:fontRef idx="minor">
+            <a:schemeClr val="tx1"/>
+          </a:fontRef>
+        </p:style>
+      </p:cxnSp>
+      <p:sp>
+        <p:nvSpPr>
+          <p:cNvPr id="13" name="Oval 12"/>
           <p:cNvSpPr/>
           <p:nvPr/>
         </p:nvSpPr>
         <p:spPr>
           <a:xfrm>
-            <a:off x="3153191" y="1409700"/>
-            <a:ext cx="1925436" cy="902344"/>
-          </a:xfrm>
-          <a:prstGeom prst="wedgeEllipseCallout">
-            <a:avLst>
-              <a:gd name="adj1" fmla="val -30569"/>
-              <a:gd name="adj2" fmla="val 199426"/>
-            </a:avLst>
-          </a:prstGeom>
+            <a:off x="2157676" y="2774142"/>
+            <a:ext cx="166093" cy="166093"/>
+          </a:xfrm>
+          <a:prstGeom prst="ellipse">
+            <a:avLst/>
+          </a:prstGeom>
+          <a:solidFill>
+            <a:schemeClr val="accent1"/>
+          </a:solidFill>
+          <a:ln w="76200">
+            <a:solidFill>
+              <a:schemeClr val="accent1"/>
+            </a:solidFill>
+          </a:ln>
         </p:spPr>
         <p:style>
           <a:lnRef idx="2">
@@ -10838,60 +11824,109 @@
           <a:lstStyle/>
           <a:p>
             <a:pPr algn="ctr"/>
+            <a:endParaRPr lang="en-US"/>
+          </a:p>
+        </p:txBody>
+      </p:sp>
+      <p:sp>
+        <p:nvSpPr>
+          <p:cNvPr id="14" name="TextBox 13"/>
+          <p:cNvSpPr txBox="1"/>
+          <p:nvPr/>
+        </p:nvSpPr>
+        <p:spPr>
+          <a:xfrm>
+            <a:off x="2115047" y="2496709"/>
+            <a:ext cx="317716" cy="369332"/>
+          </a:xfrm>
+          <a:prstGeom prst="rect">
+            <a:avLst/>
+          </a:prstGeom>
+          <a:noFill/>
+        </p:spPr>
+        <p:txBody>
+          <a:bodyPr wrap="none" rtlCol="0">
+            <a:spAutoFit/>
+          </a:bodyPr>
+          <a:lstStyle/>
+          <a:p>
             <a:r>
               <a:rPr lang="en-US" dirty="0" smtClean="0"/>
-              <a:t>Notify: prepare to turn left</a:t>
+              <a:t>A</a:t>
             </a:r>
             <a:endParaRPr lang="en-US" dirty="0"/>
           </a:p>
         </p:txBody>
       </p:sp>
-      <p:cxnSp>
-        <p:nvCxnSpPr>
-          <p:cNvPr id="18" name="Straight Connector 17"/>
-          <p:cNvCxnSpPr>
-            <a:endCxn id="19" idx="2"/>
-          </p:cNvCxnSpPr>
-          <p:nvPr/>
-        </p:nvCxnSpPr>
-        <p:spPr>
-          <a:xfrm>
-            <a:off x="4508158" y="2866041"/>
-            <a:ext cx="1537936" cy="356466"/>
-          </a:xfrm>
-          <a:prstGeom prst="line">
-            <a:avLst/>
-          </a:prstGeom>
-          <a:ln w="28575">
-            <a:solidFill>
-              <a:schemeClr val="tx1"/>
-            </a:solidFill>
-          </a:ln>
-        </p:spPr>
-        <p:style>
-          <a:lnRef idx="1">
-            <a:schemeClr val="accent1"/>
-          </a:lnRef>
-          <a:fillRef idx="0">
-            <a:schemeClr val="accent1"/>
-          </a:fillRef>
-          <a:effectRef idx="0">
-            <a:schemeClr val="accent1"/>
-          </a:effectRef>
-          <a:fontRef idx="minor">
-            <a:schemeClr val="tx1"/>
-          </a:fontRef>
-        </p:style>
-      </p:cxnSp>
-      <p:sp>
-        <p:nvSpPr>
-          <p:cNvPr id="19" name="Oval 18"/>
+      <p:sp>
+        <p:nvSpPr>
+          <p:cNvPr id="16" name="TextBox 15"/>
+          <p:cNvSpPr txBox="1"/>
+          <p:nvPr/>
+        </p:nvSpPr>
+        <p:spPr>
+          <a:xfrm>
+            <a:off x="4357315" y="2496709"/>
+            <a:ext cx="308098" cy="369332"/>
+          </a:xfrm>
+          <a:prstGeom prst="rect">
+            <a:avLst/>
+          </a:prstGeom>
+          <a:noFill/>
+        </p:spPr>
+        <p:txBody>
+          <a:bodyPr wrap="none" rtlCol="0">
+            <a:spAutoFit/>
+          </a:bodyPr>
+          <a:lstStyle/>
+          <a:p>
+            <a:r>
+              <a:rPr lang="en-US" dirty="0" smtClean="0"/>
+              <a:t>C</a:t>
+            </a:r>
+            <a:endParaRPr lang="en-US" dirty="0"/>
+          </a:p>
+        </p:txBody>
+      </p:sp>
+      <p:sp>
+        <p:nvSpPr>
+          <p:cNvPr id="17" name="TextBox 16"/>
+          <p:cNvSpPr txBox="1"/>
+          <p:nvPr/>
+        </p:nvSpPr>
+        <p:spPr>
+          <a:xfrm>
+            <a:off x="5978298" y="3269353"/>
+            <a:ext cx="327334" cy="369332"/>
+          </a:xfrm>
+          <a:prstGeom prst="rect">
+            <a:avLst/>
+          </a:prstGeom>
+          <a:noFill/>
+        </p:spPr>
+        <p:txBody>
+          <a:bodyPr wrap="none" rtlCol="0">
+            <a:spAutoFit/>
+          </a:bodyPr>
+          <a:lstStyle/>
+          <a:p>
+            <a:r>
+              <a:rPr lang="en-US" dirty="0" smtClean="0"/>
+              <a:t>D</a:t>
+            </a:r>
+            <a:endParaRPr lang="en-US" dirty="0"/>
+          </a:p>
+        </p:txBody>
+      </p:sp>
+      <p:sp>
+        <p:nvSpPr>
+          <p:cNvPr id="18" name="Oval 17"/>
           <p:cNvSpPr/>
           <p:nvPr/>
         </p:nvSpPr>
         <p:spPr>
           <a:xfrm>
-            <a:off x="6046094" y="3139460"/>
+            <a:off x="6626672" y="1563365"/>
             <a:ext cx="166093" cy="166093"/>
           </a:xfrm>
           <a:prstGeom prst="ellipse">
@@ -10932,67 +11967,90 @@
           <a:lstStyle/>
           <a:p>
             <a:pPr algn="ctr"/>
-            <a:endParaRPr lang="en-US"/>
-          </a:p>
-        </p:txBody>
-      </p:sp>
-      <p:cxnSp>
-        <p:nvCxnSpPr>
-          <p:cNvPr id="20" name="Straight Connector 19"/>
-          <p:cNvCxnSpPr>
-            <a:stCxn id="19" idx="7"/>
-          </p:cNvCxnSpPr>
-          <p:nvPr/>
-        </p:nvCxnSpPr>
-        <p:spPr>
-          <a:xfrm flipV="1">
-            <a:off x="6187863" y="1669492"/>
-            <a:ext cx="521856" cy="1494292"/>
-          </a:xfrm>
-          <a:prstGeom prst="line">
-            <a:avLst/>
-          </a:prstGeom>
-          <a:ln w="28575">
+            <a:endParaRPr lang="en-US" dirty="0"/>
+          </a:p>
+        </p:txBody>
+      </p:sp>
+      <p:sp>
+        <p:nvSpPr>
+          <p:cNvPr id="19" name="TextBox 18"/>
+          <p:cNvSpPr txBox="1"/>
+          <p:nvPr/>
+        </p:nvSpPr>
+        <p:spPr>
+          <a:xfrm>
+            <a:off x="6709718" y="1561188"/>
+            <a:ext cx="296876" cy="369332"/>
+          </a:xfrm>
+          <a:prstGeom prst="rect">
+            <a:avLst/>
+          </a:prstGeom>
+          <a:noFill/>
+        </p:spPr>
+        <p:txBody>
+          <a:bodyPr wrap="none" rtlCol="0">
+            <a:spAutoFit/>
+          </a:bodyPr>
+          <a:lstStyle/>
+          <a:p>
+            <a:r>
+              <a:rPr lang="en-US" dirty="0" smtClean="0"/>
+              <a:t>E</a:t>
+            </a:r>
+            <a:endParaRPr lang="en-US" dirty="0"/>
+          </a:p>
+        </p:txBody>
+      </p:sp>
+      <p:sp>
+        <p:nvSpPr>
+          <p:cNvPr id="15" name="TextBox 14"/>
+          <p:cNvSpPr txBox="1"/>
+          <p:nvPr/>
+        </p:nvSpPr>
+        <p:spPr>
+          <a:xfrm>
+            <a:off x="3315693" y="3745065"/>
+            <a:ext cx="309700" cy="369332"/>
+          </a:xfrm>
+          <a:prstGeom prst="rect">
+            <a:avLst/>
+          </a:prstGeom>
+          <a:noFill/>
+        </p:spPr>
+        <p:txBody>
+          <a:bodyPr wrap="none" rtlCol="0">
+            <a:spAutoFit/>
+          </a:bodyPr>
+          <a:lstStyle/>
+          <a:p>
+            <a:r>
+              <a:rPr lang="en-US" dirty="0" smtClean="0"/>
+              <a:t>B</a:t>
+            </a:r>
+            <a:endParaRPr lang="en-US" dirty="0"/>
+          </a:p>
+        </p:txBody>
+      </p:sp>
+      <p:sp>
+        <p:nvSpPr>
+          <p:cNvPr id="22" name="Oval 21"/>
+          <p:cNvSpPr/>
+          <p:nvPr/>
+        </p:nvSpPr>
+        <p:spPr>
+          <a:xfrm>
+            <a:off x="3002094" y="3692160"/>
+            <a:ext cx="172995" cy="172995"/>
+          </a:xfrm>
+          <a:prstGeom prst="ellipse">
+            <a:avLst/>
+          </a:prstGeom>
+          <a:solidFill>
+            <a:srgbClr val="FF0000"/>
+          </a:solidFill>
+          <a:ln>
             <a:solidFill>
-              <a:schemeClr val="tx1"/>
-            </a:solidFill>
-          </a:ln>
-        </p:spPr>
-        <p:style>
-          <a:lnRef idx="1">
-            <a:schemeClr val="accent1"/>
-          </a:lnRef>
-          <a:fillRef idx="0">
-            <a:schemeClr val="accent1"/>
-          </a:fillRef>
-          <a:effectRef idx="0">
-            <a:schemeClr val="accent1"/>
-          </a:effectRef>
-          <a:fontRef idx="minor">
-            <a:schemeClr val="tx1"/>
-          </a:fontRef>
-        </p:style>
-      </p:cxnSp>
-      <p:sp>
-        <p:nvSpPr>
-          <p:cNvPr id="21" name="Oval 20"/>
-          <p:cNvSpPr/>
-          <p:nvPr/>
-        </p:nvSpPr>
-        <p:spPr>
-          <a:xfrm>
-            <a:off x="2157676" y="2774142"/>
-            <a:ext cx="166093" cy="166093"/>
-          </a:xfrm>
-          <a:prstGeom prst="ellipse">
-            <a:avLst/>
-          </a:prstGeom>
-          <a:solidFill>
-            <a:schemeClr val="accent1"/>
-          </a:solidFill>
-          <a:ln w="76200">
-            <a:solidFill>
-              <a:schemeClr val="accent1"/>
+              <a:srgbClr val="FF0000"/>
             </a:solidFill>
           </a:ln>
         </p:spPr>
@@ -11013,148 +12071,61 @@
           </a:fontRef>
         </p:style>
         <p:txBody>
-          <a:bodyPr rot="0" spcFirstLastPara="0" vertOverflow="overflow" horzOverflow="overflow" vert="horz" wrap="square" lIns="91440" tIns="45720" rIns="91440" bIns="45720" numCol="1" spcCol="0" rtlCol="0" fromWordArt="0" anchor="ctr" anchorCtr="0" forceAA="0" compatLnSpc="1">
-            <a:prstTxWarp prst="textNoShape">
-              <a:avLst/>
-            </a:prstTxWarp>
-            <a:noAutofit/>
-          </a:bodyPr>
+          <a:bodyPr rtlCol="0" anchor="ctr"/>
           <a:lstStyle/>
           <a:p>
             <a:pPr algn="ctr"/>
-            <a:endParaRPr lang="en-US"/>
-          </a:p>
-        </p:txBody>
-      </p:sp>
-      <p:sp>
-        <p:nvSpPr>
-          <p:cNvPr id="22" name="TextBox 21"/>
-          <p:cNvSpPr txBox="1"/>
-          <p:nvPr/>
-        </p:nvSpPr>
-        <p:spPr>
-          <a:xfrm>
-            <a:off x="2115047" y="2496709"/>
-            <a:ext cx="317716" cy="369332"/>
-          </a:xfrm>
-          <a:prstGeom prst="rect">
-            <a:avLst/>
-          </a:prstGeom>
-          <a:noFill/>
-        </p:spPr>
-        <p:txBody>
-          <a:bodyPr wrap="none" rtlCol="0">
-            <a:spAutoFit/>
-          </a:bodyPr>
-          <a:lstStyle/>
-          <a:p>
-            <a:r>
-              <a:rPr lang="en-US" dirty="0" smtClean="0"/>
-              <a:t>A</a:t>
-            </a:r>
             <a:endParaRPr lang="en-US" dirty="0"/>
           </a:p>
         </p:txBody>
       </p:sp>
-      <p:sp>
-        <p:nvSpPr>
-          <p:cNvPr id="23" name="TextBox 22"/>
-          <p:cNvSpPr txBox="1"/>
-          <p:nvPr/>
-        </p:nvSpPr>
-        <p:spPr>
-          <a:xfrm>
-            <a:off x="3315693" y="3745065"/>
-            <a:ext cx="309700" cy="369332"/>
-          </a:xfrm>
-          <a:prstGeom prst="rect">
-            <a:avLst/>
-          </a:prstGeom>
-          <a:noFill/>
-        </p:spPr>
-        <p:txBody>
-          <a:bodyPr wrap="none" rtlCol="0">
-            <a:spAutoFit/>
-          </a:bodyPr>
-          <a:lstStyle/>
-          <a:p>
-            <a:r>
-              <a:rPr lang="en-US" dirty="0" smtClean="0"/>
-              <a:t>B</a:t>
-            </a:r>
-            <a:endParaRPr lang="en-US" dirty="0"/>
-          </a:p>
-        </p:txBody>
-      </p:sp>
-      <p:sp>
-        <p:nvSpPr>
-          <p:cNvPr id="24" name="TextBox 23"/>
-          <p:cNvSpPr txBox="1"/>
-          <p:nvPr/>
-        </p:nvSpPr>
-        <p:spPr>
-          <a:xfrm>
-            <a:off x="4357315" y="2496709"/>
-            <a:ext cx="308098" cy="369332"/>
-          </a:xfrm>
-          <a:prstGeom prst="rect">
-            <a:avLst/>
-          </a:prstGeom>
-          <a:noFill/>
-        </p:spPr>
-        <p:txBody>
-          <a:bodyPr wrap="none" rtlCol="0">
-            <a:spAutoFit/>
-          </a:bodyPr>
-          <a:lstStyle/>
-          <a:p>
-            <a:r>
-              <a:rPr lang="en-US" dirty="0" smtClean="0"/>
-              <a:t>C</a:t>
-            </a:r>
-            <a:endParaRPr lang="en-US" dirty="0"/>
-          </a:p>
-        </p:txBody>
-      </p:sp>
-      <p:sp>
-        <p:nvSpPr>
-          <p:cNvPr id="25" name="TextBox 24"/>
-          <p:cNvSpPr txBox="1"/>
-          <p:nvPr/>
-        </p:nvSpPr>
-        <p:spPr>
-          <a:xfrm>
-            <a:off x="5978298" y="3269353"/>
-            <a:ext cx="327334" cy="369332"/>
-          </a:xfrm>
-          <a:prstGeom prst="rect">
-            <a:avLst/>
-          </a:prstGeom>
-          <a:noFill/>
-        </p:spPr>
-        <p:txBody>
-          <a:bodyPr wrap="none" rtlCol="0">
-            <a:spAutoFit/>
-          </a:bodyPr>
-          <a:lstStyle/>
-          <a:p>
-            <a:r>
-              <a:rPr lang="en-US" dirty="0" smtClean="0"/>
-              <a:t>D</a:t>
-            </a:r>
-            <a:endParaRPr lang="en-US" dirty="0"/>
-          </a:p>
-        </p:txBody>
-      </p:sp>
-      <p:sp>
-        <p:nvSpPr>
-          <p:cNvPr id="26" name="Oval 25"/>
+      <p:cxnSp>
+        <p:nvCxnSpPr>
+          <p:cNvPr id="29" name="Straight Connector 28"/>
+          <p:cNvCxnSpPr>
+            <a:stCxn id="22" idx="6"/>
+            <a:endCxn id="15" idx="0"/>
+          </p:cNvCxnSpPr>
+          <p:nvPr/>
+        </p:nvCxnSpPr>
+        <p:spPr>
+          <a:xfrm flipV="1">
+            <a:off x="3175089" y="3745065"/>
+            <a:ext cx="295454" cy="33593"/>
+          </a:xfrm>
+          <a:prstGeom prst="line">
+            <a:avLst/>
+          </a:prstGeom>
+          <a:ln w="28575">
+            <a:solidFill>
+              <a:srgbClr val="FF0000"/>
+            </a:solidFill>
+          </a:ln>
+        </p:spPr>
+        <p:style>
+          <a:lnRef idx="1">
+            <a:schemeClr val="accent1"/>
+          </a:lnRef>
+          <a:fillRef idx="0">
+            <a:schemeClr val="accent1"/>
+          </a:fillRef>
+          <a:effectRef idx="0">
+            <a:schemeClr val="accent1"/>
+          </a:effectRef>
+          <a:fontRef idx="minor">
+            <a:schemeClr val="tx1"/>
+          </a:fontRef>
+        </p:style>
+      </p:cxnSp>
+      <p:sp>
+        <p:nvSpPr>
+          <p:cNvPr id="7" name="Oval 6"/>
           <p:cNvSpPr/>
           <p:nvPr/>
         </p:nvSpPr>
         <p:spPr>
           <a:xfrm>
-            <a:off x="6626672" y="1563365"/>
+            <a:off x="3393781" y="3646157"/>
             <a:ext cx="166093" cy="166093"/>
           </a:xfrm>
           <a:prstGeom prst="ellipse">
@@ -11195,92 +12166,14 @@
           <a:lstStyle/>
           <a:p>
             <a:pPr algn="ctr"/>
-            <a:endParaRPr lang="en-US" dirty="0"/>
-          </a:p>
-        </p:txBody>
-      </p:sp>
-      <p:sp>
-        <p:nvSpPr>
-          <p:cNvPr id="27" name="TextBox 26"/>
-          <p:cNvSpPr txBox="1"/>
-          <p:nvPr/>
-        </p:nvSpPr>
-        <p:spPr>
-          <a:xfrm>
-            <a:off x="6709718" y="1561188"/>
-            <a:ext cx="296876" cy="369332"/>
-          </a:xfrm>
-          <a:prstGeom prst="rect">
-            <a:avLst/>
-          </a:prstGeom>
-          <a:noFill/>
-        </p:spPr>
-        <p:txBody>
-          <a:bodyPr wrap="none" rtlCol="0">
-            <a:spAutoFit/>
-          </a:bodyPr>
-          <a:lstStyle/>
-          <a:p>
-            <a:r>
-              <a:rPr lang="en-US" dirty="0" smtClean="0"/>
-              <a:t>E</a:t>
-            </a:r>
-            <a:endParaRPr lang="en-US" dirty="0"/>
-          </a:p>
-        </p:txBody>
-      </p:sp>
-      <p:sp>
-        <p:nvSpPr>
-          <p:cNvPr id="29" name="Oval 28"/>
-          <p:cNvSpPr/>
-          <p:nvPr/>
-        </p:nvSpPr>
-        <p:spPr>
-          <a:xfrm>
-            <a:off x="3002094" y="3692160"/>
-            <a:ext cx="172995" cy="172995"/>
-          </a:xfrm>
-          <a:prstGeom prst="ellipse">
-            <a:avLst/>
-          </a:prstGeom>
-          <a:solidFill>
-            <a:srgbClr val="FF0000"/>
-          </a:solidFill>
-          <a:ln>
-            <a:solidFill>
-              <a:srgbClr val="FF0000"/>
-            </a:solidFill>
-          </a:ln>
-        </p:spPr>
-        <p:style>
-          <a:lnRef idx="2">
-            <a:schemeClr val="accent1">
-              <a:shade val="50000"/>
-            </a:schemeClr>
-          </a:lnRef>
-          <a:fillRef idx="1">
-            <a:schemeClr val="accent1"/>
-          </a:fillRef>
-          <a:effectRef idx="0">
-            <a:schemeClr val="accent1"/>
-          </a:effectRef>
-          <a:fontRef idx="minor">
-            <a:schemeClr val="lt1"/>
-          </a:fontRef>
-        </p:style>
-        <p:txBody>
-          <a:bodyPr rtlCol="0" anchor="ctr"/>
-          <a:lstStyle/>
-          <a:p>
-            <a:pPr algn="ctr"/>
-            <a:endParaRPr lang="en-US" dirty="0"/>
+            <a:endParaRPr lang="en-US"/>
           </a:p>
         </p:txBody>
       </p:sp>
     </p:spTree>
     <p:extLst>
       <p:ext uri="{BB962C8B-B14F-4D97-AF65-F5344CB8AC3E}">
-        <p14:creationId xmlns:p14="http://schemas.microsoft.com/office/powerpoint/2010/main" val="2706296718"/>
+        <p14:creationId xmlns:p14="http://schemas.microsoft.com/office/powerpoint/2010/main" val="418802410"/>
       </p:ext>
     </p:extLst>
   </p:cSld>
@@ -11309,6 +12202,695 @@
       </p:grpSpPr>
       <p:cxnSp>
         <p:nvCxnSpPr>
+          <p:cNvPr id="8" name="Straight Connector 7"/>
+          <p:cNvCxnSpPr/>
+          <p:nvPr/>
+        </p:nvCxnSpPr>
+        <p:spPr>
+          <a:xfrm>
+            <a:off x="2265890" y="2866041"/>
+            <a:ext cx="1200646" cy="879024"/>
+          </a:xfrm>
+          <a:prstGeom prst="line">
+            <a:avLst/>
+          </a:prstGeom>
+          <a:ln w="57150">
+            <a:solidFill>
+              <a:schemeClr val="accent1"/>
+            </a:solidFill>
+          </a:ln>
+        </p:spPr>
+        <p:style>
+          <a:lnRef idx="1">
+            <a:schemeClr val="accent1"/>
+          </a:lnRef>
+          <a:fillRef idx="0">
+            <a:schemeClr val="accent1"/>
+          </a:fillRef>
+          <a:effectRef idx="0">
+            <a:schemeClr val="accent1"/>
+          </a:effectRef>
+          <a:fontRef idx="minor">
+            <a:schemeClr val="tx1"/>
+          </a:fontRef>
+        </p:style>
+      </p:cxnSp>
+      <p:cxnSp>
+        <p:nvCxnSpPr>
+          <p:cNvPr id="9" name="Straight Connector 8"/>
+          <p:cNvCxnSpPr/>
+          <p:nvPr/>
+        </p:nvCxnSpPr>
+        <p:spPr>
+          <a:xfrm flipV="1">
+            <a:off x="3466536" y="2866041"/>
+            <a:ext cx="1041622" cy="879024"/>
+          </a:xfrm>
+          <a:prstGeom prst="line">
+            <a:avLst/>
+          </a:prstGeom>
+          <a:ln w="28575">
+            <a:solidFill>
+              <a:schemeClr val="tx1"/>
+            </a:solidFill>
+          </a:ln>
+        </p:spPr>
+        <p:style>
+          <a:lnRef idx="1">
+            <a:schemeClr val="accent1"/>
+          </a:lnRef>
+          <a:fillRef idx="0">
+            <a:schemeClr val="accent1"/>
+          </a:fillRef>
+          <a:effectRef idx="0">
+            <a:schemeClr val="accent1"/>
+          </a:effectRef>
+          <a:fontRef idx="minor">
+            <a:schemeClr val="tx1"/>
+          </a:fontRef>
+        </p:style>
+      </p:cxnSp>
+      <p:sp>
+        <p:nvSpPr>
+          <p:cNvPr id="12" name="Oval 11"/>
+          <p:cNvSpPr/>
+          <p:nvPr/>
+        </p:nvSpPr>
+        <p:spPr>
+          <a:xfrm>
+            <a:off x="3393781" y="3646157"/>
+            <a:ext cx="166093" cy="166093"/>
+          </a:xfrm>
+          <a:prstGeom prst="ellipse">
+            <a:avLst/>
+          </a:prstGeom>
+          <a:solidFill>
+            <a:schemeClr val="tx1"/>
+          </a:solidFill>
+          <a:ln>
+            <a:solidFill>
+              <a:schemeClr val="tx1"/>
+            </a:solidFill>
+          </a:ln>
+        </p:spPr>
+        <p:style>
+          <a:lnRef idx="2">
+            <a:schemeClr val="accent1">
+              <a:shade val="50000"/>
+            </a:schemeClr>
+          </a:lnRef>
+          <a:fillRef idx="1">
+            <a:schemeClr val="accent1"/>
+          </a:fillRef>
+          <a:effectRef idx="0">
+            <a:schemeClr val="accent1"/>
+          </a:effectRef>
+          <a:fontRef idx="minor">
+            <a:schemeClr val="lt1"/>
+          </a:fontRef>
+        </p:style>
+        <p:txBody>
+          <a:bodyPr rot="0" spcFirstLastPara="0" vertOverflow="overflow" horzOverflow="overflow" vert="horz" wrap="square" lIns="91440" tIns="45720" rIns="91440" bIns="45720" numCol="1" spcCol="0" rtlCol="0" fromWordArt="0" anchor="ctr" anchorCtr="0" forceAA="0" compatLnSpc="1">
+            <a:prstTxWarp prst="textNoShape">
+              <a:avLst/>
+            </a:prstTxWarp>
+            <a:noAutofit/>
+          </a:bodyPr>
+          <a:lstStyle/>
+          <a:p>
+            <a:pPr algn="ctr"/>
+            <a:endParaRPr lang="en-US"/>
+          </a:p>
+        </p:txBody>
+      </p:sp>
+      <p:sp>
+        <p:nvSpPr>
+          <p:cNvPr id="13" name="Oval 12"/>
+          <p:cNvSpPr/>
+          <p:nvPr/>
+        </p:nvSpPr>
+        <p:spPr>
+          <a:xfrm>
+            <a:off x="4433393" y="2792057"/>
+            <a:ext cx="166093" cy="166093"/>
+          </a:xfrm>
+          <a:prstGeom prst="ellipse">
+            <a:avLst/>
+          </a:prstGeom>
+          <a:solidFill>
+            <a:schemeClr val="tx1"/>
+          </a:solidFill>
+          <a:ln>
+            <a:solidFill>
+              <a:schemeClr val="tx1"/>
+            </a:solidFill>
+          </a:ln>
+        </p:spPr>
+        <p:style>
+          <a:lnRef idx="2">
+            <a:schemeClr val="accent1">
+              <a:shade val="50000"/>
+            </a:schemeClr>
+          </a:lnRef>
+          <a:fillRef idx="1">
+            <a:schemeClr val="accent1"/>
+          </a:fillRef>
+          <a:effectRef idx="0">
+            <a:schemeClr val="accent1"/>
+          </a:effectRef>
+          <a:fontRef idx="minor">
+            <a:schemeClr val="lt1"/>
+          </a:fontRef>
+        </p:style>
+        <p:txBody>
+          <a:bodyPr rot="0" spcFirstLastPara="0" vertOverflow="overflow" horzOverflow="overflow" vert="horz" wrap="square" lIns="91440" tIns="45720" rIns="91440" bIns="45720" numCol="1" spcCol="0" rtlCol="0" fromWordArt="0" anchor="ctr" anchorCtr="0" forceAA="0" compatLnSpc="1">
+            <a:prstTxWarp prst="textNoShape">
+              <a:avLst/>
+            </a:prstTxWarp>
+            <a:noAutofit/>
+          </a:bodyPr>
+          <a:lstStyle/>
+          <a:p>
+            <a:pPr algn="ctr"/>
+            <a:endParaRPr lang="en-US"/>
+          </a:p>
+        </p:txBody>
+      </p:sp>
+      <p:sp>
+        <p:nvSpPr>
+          <p:cNvPr id="15" name="Oval Callout 14"/>
+          <p:cNvSpPr/>
+          <p:nvPr/>
+        </p:nvSpPr>
+        <p:spPr>
+          <a:xfrm>
+            <a:off x="3153191" y="1409700"/>
+            <a:ext cx="1925436" cy="902344"/>
+          </a:xfrm>
+          <a:prstGeom prst="wedgeEllipseCallout">
+            <a:avLst>
+              <a:gd name="adj1" fmla="val -30569"/>
+              <a:gd name="adj2" fmla="val 199426"/>
+            </a:avLst>
+          </a:prstGeom>
+        </p:spPr>
+        <p:style>
+          <a:lnRef idx="2">
+            <a:schemeClr val="accent1">
+              <a:shade val="50000"/>
+            </a:schemeClr>
+          </a:lnRef>
+          <a:fillRef idx="1">
+            <a:schemeClr val="accent1"/>
+          </a:fillRef>
+          <a:effectRef idx="0">
+            <a:schemeClr val="accent1"/>
+          </a:effectRef>
+          <a:fontRef idx="minor">
+            <a:schemeClr val="lt1"/>
+          </a:fontRef>
+        </p:style>
+        <p:txBody>
+          <a:bodyPr rot="0" spcFirstLastPara="0" vertOverflow="overflow" horzOverflow="overflow" vert="horz" wrap="square" lIns="91440" tIns="45720" rIns="91440" bIns="45720" numCol="1" spcCol="0" rtlCol="0" fromWordArt="0" anchor="ctr" anchorCtr="0" forceAA="0" compatLnSpc="1">
+            <a:prstTxWarp prst="textNoShape">
+              <a:avLst/>
+            </a:prstTxWarp>
+            <a:noAutofit/>
+          </a:bodyPr>
+          <a:lstStyle/>
+          <a:p>
+            <a:pPr algn="ctr"/>
+            <a:r>
+              <a:rPr lang="en-US" dirty="0" smtClean="0"/>
+              <a:t>Notify: prepare to turn left</a:t>
+            </a:r>
+            <a:endParaRPr lang="en-US" dirty="0"/>
+          </a:p>
+        </p:txBody>
+      </p:sp>
+      <p:cxnSp>
+        <p:nvCxnSpPr>
+          <p:cNvPr id="18" name="Straight Connector 17"/>
+          <p:cNvCxnSpPr>
+            <a:endCxn id="19" idx="2"/>
+          </p:cNvCxnSpPr>
+          <p:nvPr/>
+        </p:nvCxnSpPr>
+        <p:spPr>
+          <a:xfrm>
+            <a:off x="4508158" y="2866041"/>
+            <a:ext cx="1537936" cy="356466"/>
+          </a:xfrm>
+          <a:prstGeom prst="line">
+            <a:avLst/>
+          </a:prstGeom>
+          <a:ln w="28575">
+            <a:solidFill>
+              <a:schemeClr val="tx1"/>
+            </a:solidFill>
+          </a:ln>
+        </p:spPr>
+        <p:style>
+          <a:lnRef idx="1">
+            <a:schemeClr val="accent1"/>
+          </a:lnRef>
+          <a:fillRef idx="0">
+            <a:schemeClr val="accent1"/>
+          </a:fillRef>
+          <a:effectRef idx="0">
+            <a:schemeClr val="accent1"/>
+          </a:effectRef>
+          <a:fontRef idx="minor">
+            <a:schemeClr val="tx1"/>
+          </a:fontRef>
+        </p:style>
+      </p:cxnSp>
+      <p:sp>
+        <p:nvSpPr>
+          <p:cNvPr id="19" name="Oval 18"/>
+          <p:cNvSpPr/>
+          <p:nvPr/>
+        </p:nvSpPr>
+        <p:spPr>
+          <a:xfrm>
+            <a:off x="6046094" y="3139460"/>
+            <a:ext cx="166093" cy="166093"/>
+          </a:xfrm>
+          <a:prstGeom prst="ellipse">
+            <a:avLst/>
+          </a:prstGeom>
+          <a:solidFill>
+            <a:schemeClr val="tx1"/>
+          </a:solidFill>
+          <a:ln>
+            <a:solidFill>
+              <a:schemeClr val="tx1"/>
+            </a:solidFill>
+          </a:ln>
+        </p:spPr>
+        <p:style>
+          <a:lnRef idx="2">
+            <a:schemeClr val="accent1">
+              <a:shade val="50000"/>
+            </a:schemeClr>
+          </a:lnRef>
+          <a:fillRef idx="1">
+            <a:schemeClr val="accent1"/>
+          </a:fillRef>
+          <a:effectRef idx="0">
+            <a:schemeClr val="accent1"/>
+          </a:effectRef>
+          <a:fontRef idx="minor">
+            <a:schemeClr val="lt1"/>
+          </a:fontRef>
+        </p:style>
+        <p:txBody>
+          <a:bodyPr rot="0" spcFirstLastPara="0" vertOverflow="overflow" horzOverflow="overflow" vert="horz" wrap="square" lIns="91440" tIns="45720" rIns="91440" bIns="45720" numCol="1" spcCol="0" rtlCol="0" fromWordArt="0" anchor="ctr" anchorCtr="0" forceAA="0" compatLnSpc="1">
+            <a:prstTxWarp prst="textNoShape">
+              <a:avLst/>
+            </a:prstTxWarp>
+            <a:noAutofit/>
+          </a:bodyPr>
+          <a:lstStyle/>
+          <a:p>
+            <a:pPr algn="ctr"/>
+            <a:endParaRPr lang="en-US"/>
+          </a:p>
+        </p:txBody>
+      </p:sp>
+      <p:cxnSp>
+        <p:nvCxnSpPr>
+          <p:cNvPr id="20" name="Straight Connector 19"/>
+          <p:cNvCxnSpPr>
+            <a:stCxn id="19" idx="7"/>
+          </p:cNvCxnSpPr>
+          <p:nvPr/>
+        </p:nvCxnSpPr>
+        <p:spPr>
+          <a:xfrm flipV="1">
+            <a:off x="6187863" y="1669492"/>
+            <a:ext cx="521856" cy="1494292"/>
+          </a:xfrm>
+          <a:prstGeom prst="line">
+            <a:avLst/>
+          </a:prstGeom>
+          <a:ln w="28575">
+            <a:solidFill>
+              <a:schemeClr val="tx1"/>
+            </a:solidFill>
+          </a:ln>
+        </p:spPr>
+        <p:style>
+          <a:lnRef idx="1">
+            <a:schemeClr val="accent1"/>
+          </a:lnRef>
+          <a:fillRef idx="0">
+            <a:schemeClr val="accent1"/>
+          </a:fillRef>
+          <a:effectRef idx="0">
+            <a:schemeClr val="accent1"/>
+          </a:effectRef>
+          <a:fontRef idx="minor">
+            <a:schemeClr val="tx1"/>
+          </a:fontRef>
+        </p:style>
+      </p:cxnSp>
+      <p:sp>
+        <p:nvSpPr>
+          <p:cNvPr id="21" name="Oval 20"/>
+          <p:cNvSpPr/>
+          <p:nvPr/>
+        </p:nvSpPr>
+        <p:spPr>
+          <a:xfrm>
+            <a:off x="2157676" y="2774142"/>
+            <a:ext cx="166093" cy="166093"/>
+          </a:xfrm>
+          <a:prstGeom prst="ellipse">
+            <a:avLst/>
+          </a:prstGeom>
+          <a:solidFill>
+            <a:schemeClr val="accent1"/>
+          </a:solidFill>
+          <a:ln w="76200">
+            <a:solidFill>
+              <a:schemeClr val="accent1"/>
+            </a:solidFill>
+          </a:ln>
+        </p:spPr>
+        <p:style>
+          <a:lnRef idx="2">
+            <a:schemeClr val="accent1">
+              <a:shade val="50000"/>
+            </a:schemeClr>
+          </a:lnRef>
+          <a:fillRef idx="1">
+            <a:schemeClr val="accent1"/>
+          </a:fillRef>
+          <a:effectRef idx="0">
+            <a:schemeClr val="accent1"/>
+          </a:effectRef>
+          <a:fontRef idx="minor">
+            <a:schemeClr val="lt1"/>
+          </a:fontRef>
+        </p:style>
+        <p:txBody>
+          <a:bodyPr rot="0" spcFirstLastPara="0" vertOverflow="overflow" horzOverflow="overflow" vert="horz" wrap="square" lIns="91440" tIns="45720" rIns="91440" bIns="45720" numCol="1" spcCol="0" rtlCol="0" fromWordArt="0" anchor="ctr" anchorCtr="0" forceAA="0" compatLnSpc="1">
+            <a:prstTxWarp prst="textNoShape">
+              <a:avLst/>
+            </a:prstTxWarp>
+            <a:noAutofit/>
+          </a:bodyPr>
+          <a:lstStyle/>
+          <a:p>
+            <a:pPr algn="ctr"/>
+            <a:endParaRPr lang="en-US"/>
+          </a:p>
+        </p:txBody>
+      </p:sp>
+      <p:sp>
+        <p:nvSpPr>
+          <p:cNvPr id="22" name="TextBox 21"/>
+          <p:cNvSpPr txBox="1"/>
+          <p:nvPr/>
+        </p:nvSpPr>
+        <p:spPr>
+          <a:xfrm>
+            <a:off x="2115047" y="2496709"/>
+            <a:ext cx="317716" cy="369332"/>
+          </a:xfrm>
+          <a:prstGeom prst="rect">
+            <a:avLst/>
+          </a:prstGeom>
+          <a:noFill/>
+        </p:spPr>
+        <p:txBody>
+          <a:bodyPr wrap="none" rtlCol="0">
+            <a:spAutoFit/>
+          </a:bodyPr>
+          <a:lstStyle/>
+          <a:p>
+            <a:r>
+              <a:rPr lang="en-US" dirty="0" smtClean="0"/>
+              <a:t>A</a:t>
+            </a:r>
+            <a:endParaRPr lang="en-US" dirty="0"/>
+          </a:p>
+        </p:txBody>
+      </p:sp>
+      <p:sp>
+        <p:nvSpPr>
+          <p:cNvPr id="23" name="TextBox 22"/>
+          <p:cNvSpPr txBox="1"/>
+          <p:nvPr/>
+        </p:nvSpPr>
+        <p:spPr>
+          <a:xfrm>
+            <a:off x="3315693" y="3745065"/>
+            <a:ext cx="309700" cy="369332"/>
+          </a:xfrm>
+          <a:prstGeom prst="rect">
+            <a:avLst/>
+          </a:prstGeom>
+          <a:noFill/>
+        </p:spPr>
+        <p:txBody>
+          <a:bodyPr wrap="none" rtlCol="0">
+            <a:spAutoFit/>
+          </a:bodyPr>
+          <a:lstStyle/>
+          <a:p>
+            <a:r>
+              <a:rPr lang="en-US" dirty="0" smtClean="0"/>
+              <a:t>B</a:t>
+            </a:r>
+            <a:endParaRPr lang="en-US" dirty="0"/>
+          </a:p>
+        </p:txBody>
+      </p:sp>
+      <p:sp>
+        <p:nvSpPr>
+          <p:cNvPr id="24" name="TextBox 23"/>
+          <p:cNvSpPr txBox="1"/>
+          <p:nvPr/>
+        </p:nvSpPr>
+        <p:spPr>
+          <a:xfrm>
+            <a:off x="4357315" y="2496709"/>
+            <a:ext cx="308098" cy="369332"/>
+          </a:xfrm>
+          <a:prstGeom prst="rect">
+            <a:avLst/>
+          </a:prstGeom>
+          <a:noFill/>
+        </p:spPr>
+        <p:txBody>
+          <a:bodyPr wrap="none" rtlCol="0">
+            <a:spAutoFit/>
+          </a:bodyPr>
+          <a:lstStyle/>
+          <a:p>
+            <a:r>
+              <a:rPr lang="en-US" dirty="0" smtClean="0"/>
+              <a:t>C</a:t>
+            </a:r>
+            <a:endParaRPr lang="en-US" dirty="0"/>
+          </a:p>
+        </p:txBody>
+      </p:sp>
+      <p:sp>
+        <p:nvSpPr>
+          <p:cNvPr id="25" name="TextBox 24"/>
+          <p:cNvSpPr txBox="1"/>
+          <p:nvPr/>
+        </p:nvSpPr>
+        <p:spPr>
+          <a:xfrm>
+            <a:off x="5978298" y="3269353"/>
+            <a:ext cx="327334" cy="369332"/>
+          </a:xfrm>
+          <a:prstGeom prst="rect">
+            <a:avLst/>
+          </a:prstGeom>
+          <a:noFill/>
+        </p:spPr>
+        <p:txBody>
+          <a:bodyPr wrap="none" rtlCol="0">
+            <a:spAutoFit/>
+          </a:bodyPr>
+          <a:lstStyle/>
+          <a:p>
+            <a:r>
+              <a:rPr lang="en-US" dirty="0" smtClean="0"/>
+              <a:t>D</a:t>
+            </a:r>
+            <a:endParaRPr lang="en-US" dirty="0"/>
+          </a:p>
+        </p:txBody>
+      </p:sp>
+      <p:sp>
+        <p:nvSpPr>
+          <p:cNvPr id="26" name="Oval 25"/>
+          <p:cNvSpPr/>
+          <p:nvPr/>
+        </p:nvSpPr>
+        <p:spPr>
+          <a:xfrm>
+            <a:off x="6626672" y="1563365"/>
+            <a:ext cx="166093" cy="166093"/>
+          </a:xfrm>
+          <a:prstGeom prst="ellipse">
+            <a:avLst/>
+          </a:prstGeom>
+          <a:solidFill>
+            <a:schemeClr val="tx1"/>
+          </a:solidFill>
+          <a:ln>
+            <a:solidFill>
+              <a:schemeClr val="tx1"/>
+            </a:solidFill>
+          </a:ln>
+        </p:spPr>
+        <p:style>
+          <a:lnRef idx="2">
+            <a:schemeClr val="accent1">
+              <a:shade val="50000"/>
+            </a:schemeClr>
+          </a:lnRef>
+          <a:fillRef idx="1">
+            <a:schemeClr val="accent1"/>
+          </a:fillRef>
+          <a:effectRef idx="0">
+            <a:schemeClr val="accent1"/>
+          </a:effectRef>
+          <a:fontRef idx="minor">
+            <a:schemeClr val="lt1"/>
+          </a:fontRef>
+        </p:style>
+        <p:txBody>
+          <a:bodyPr rot="0" spcFirstLastPara="0" vertOverflow="overflow" horzOverflow="overflow" vert="horz" wrap="square" lIns="91440" tIns="45720" rIns="91440" bIns="45720" numCol="1" spcCol="0" rtlCol="0" fromWordArt="0" anchor="ctr" anchorCtr="0" forceAA="0" compatLnSpc="1">
+            <a:prstTxWarp prst="textNoShape">
+              <a:avLst/>
+            </a:prstTxWarp>
+            <a:noAutofit/>
+          </a:bodyPr>
+          <a:lstStyle/>
+          <a:p>
+            <a:pPr algn="ctr"/>
+            <a:endParaRPr lang="en-US" dirty="0"/>
+          </a:p>
+        </p:txBody>
+      </p:sp>
+      <p:sp>
+        <p:nvSpPr>
+          <p:cNvPr id="27" name="TextBox 26"/>
+          <p:cNvSpPr txBox="1"/>
+          <p:nvPr/>
+        </p:nvSpPr>
+        <p:spPr>
+          <a:xfrm>
+            <a:off x="6709718" y="1561188"/>
+            <a:ext cx="296876" cy="369332"/>
+          </a:xfrm>
+          <a:prstGeom prst="rect">
+            <a:avLst/>
+          </a:prstGeom>
+          <a:noFill/>
+        </p:spPr>
+        <p:txBody>
+          <a:bodyPr wrap="none" rtlCol="0">
+            <a:spAutoFit/>
+          </a:bodyPr>
+          <a:lstStyle/>
+          <a:p>
+            <a:r>
+              <a:rPr lang="en-US" dirty="0" smtClean="0"/>
+              <a:t>E</a:t>
+            </a:r>
+            <a:endParaRPr lang="en-US" dirty="0"/>
+          </a:p>
+        </p:txBody>
+      </p:sp>
+      <p:sp>
+        <p:nvSpPr>
+          <p:cNvPr id="29" name="Oval 28"/>
+          <p:cNvSpPr/>
+          <p:nvPr/>
+        </p:nvSpPr>
+        <p:spPr>
+          <a:xfrm>
+            <a:off x="3002094" y="3692160"/>
+            <a:ext cx="172995" cy="172995"/>
+          </a:xfrm>
+          <a:prstGeom prst="ellipse">
+            <a:avLst/>
+          </a:prstGeom>
+          <a:solidFill>
+            <a:srgbClr val="FF0000"/>
+          </a:solidFill>
+          <a:ln>
+            <a:solidFill>
+              <a:srgbClr val="FF0000"/>
+            </a:solidFill>
+          </a:ln>
+        </p:spPr>
+        <p:style>
+          <a:lnRef idx="2">
+            <a:schemeClr val="accent1">
+              <a:shade val="50000"/>
+            </a:schemeClr>
+          </a:lnRef>
+          <a:fillRef idx="1">
+            <a:schemeClr val="accent1"/>
+          </a:fillRef>
+          <a:effectRef idx="0">
+            <a:schemeClr val="accent1"/>
+          </a:effectRef>
+          <a:fontRef idx="minor">
+            <a:schemeClr val="lt1"/>
+          </a:fontRef>
+        </p:style>
+        <p:txBody>
+          <a:bodyPr rtlCol="0" anchor="ctr"/>
+          <a:lstStyle/>
+          <a:p>
+            <a:pPr algn="ctr"/>
+            <a:endParaRPr lang="en-US" dirty="0"/>
+          </a:p>
+        </p:txBody>
+      </p:sp>
+    </p:spTree>
+    <p:extLst>
+      <p:ext uri="{BB962C8B-B14F-4D97-AF65-F5344CB8AC3E}">
+        <p14:creationId xmlns:p14="http://schemas.microsoft.com/office/powerpoint/2010/main" val="2706296718"/>
+      </p:ext>
+    </p:extLst>
+  </p:cSld>
+  <p:clrMapOvr>
+    <a:masterClrMapping/>
+  </p:clrMapOvr>
+</p:sld>
+</file>
+
+<file path=ppt/slides/slide25.xml><?xml version="1.0" encoding="utf-8"?>
+<p:sld xmlns:a="http://schemas.openxmlformats.org/drawingml/2006/main" xmlns:r="http://schemas.openxmlformats.org/officeDocument/2006/relationships" xmlns:p="http://schemas.openxmlformats.org/presentationml/2006/main">
+  <p:cSld>
+    <p:spTree>
+      <p:nvGrpSpPr>
+        <p:cNvPr id="1" name=""/>
+        <p:cNvGrpSpPr/>
+        <p:nvPr/>
+      </p:nvGrpSpPr>
+      <p:grpSpPr>
+        <a:xfrm>
+          <a:off x="0" y="0"/>
+          <a:ext cx="0" cy="0"/>
+          <a:chOff x="0" y="0"/>
+          <a:chExt cx="0" cy="0"/>
+        </a:xfrm>
+      </p:grpSpPr>
+      <p:cxnSp>
+        <p:nvCxnSpPr>
           <p:cNvPr id="9" name="Straight Connector 8"/>
           <p:cNvCxnSpPr/>
           <p:nvPr/>
@@ -11927,7 +13509,7 @@
 </p:sld>
 </file>
 
-<file path=ppt/slides/slide25.xml><?xml version="1.0" encoding="utf-8"?>
+<file path=ppt/slides/slide26.xml><?xml version="1.0" encoding="utf-8"?>
 <p:sld xmlns:a="http://schemas.openxmlformats.org/drawingml/2006/main" xmlns:r="http://schemas.openxmlformats.org/officeDocument/2006/relationships" xmlns:p="http://schemas.openxmlformats.org/presentationml/2006/main">
   <p:cSld>
     <p:spTree>
@@ -12645,25 +14227,37 @@
         </p:nvSpPr>
         <p:spPr/>
         <p:txBody>
-          <a:bodyPr/>
-          <a:lstStyle/>
-          <a:p>
-            <a:r>
-              <a:rPr lang="en-US" dirty="0" smtClean="0"/>
+          <a:bodyPr>
+            <a:noAutofit/>
+          </a:bodyPr>
+          <a:lstStyle/>
+          <a:p>
+            <a:r>
+              <a:rPr lang="vi-VN" sz="6000" dirty="0" smtClean="0">
+                <a:solidFill>
+                  <a:schemeClr val="bg1"/>
+                </a:solidFill>
+                <a:latin typeface="Cambria" pitchFamily="18" charset="0"/>
+              </a:rPr>
               <a:t>Solution</a:t>
             </a:r>
-            <a:endParaRPr lang="en-US" dirty="0"/>
-          </a:p>
-        </p:txBody>
-      </p:sp>
-      <p:sp>
-        <p:nvSpPr>
-          <p:cNvPr id="3" name="Content Placeholder 2"/>
+            <a:endParaRPr lang="en-US" sz="6000" dirty="0">
+              <a:solidFill>
+                <a:schemeClr val="bg1"/>
+              </a:solidFill>
+              <a:latin typeface="Cambria" pitchFamily="18" charset="0"/>
+            </a:endParaRPr>
+          </a:p>
+        </p:txBody>
+      </p:sp>
+      <p:sp>
+        <p:nvSpPr>
+          <p:cNvPr id="4" name="Slide Number Placeholder 3"/>
           <p:cNvSpPr>
             <a:spLocks noGrp="1"/>
           </p:cNvSpPr>
           <p:nvPr>
-            <p:ph idx="1"/>
+            <p:ph type="sldNum" idx="12"/>
           </p:nvPr>
         </p:nvSpPr>
         <p:spPr/>
@@ -12671,49 +14265,73 @@
           <a:bodyPr/>
           <a:lstStyle/>
           <a:p>
-            <a:pPr marL="0" indent="0">
-              <a:buNone/>
-            </a:pPr>
-            <a:r>
-              <a:rPr lang="en-US" dirty="0" smtClean="0"/>
+            <a:fld id="{00000000-1234-1234-1234-123412341234}" type="slidenum">
+              <a:rPr lang="en" smtClean="0"/>
+              <a:pPr/>
+              <a:t>3</a:t>
+            </a:fld>
+            <a:endParaRPr lang="en"/>
+          </a:p>
+        </p:txBody>
+      </p:sp>
+      <p:sp>
+        <p:nvSpPr>
+          <p:cNvPr id="5" name="Rectangle 4"/>
+          <p:cNvSpPr/>
+          <p:nvPr/>
+        </p:nvSpPr>
+        <p:spPr>
+          <a:xfrm>
+            <a:off x="457200" y="1877023"/>
+            <a:ext cx="8229600" cy="1384995"/>
+          </a:xfrm>
+          <a:prstGeom prst="rect">
+            <a:avLst/>
+          </a:prstGeom>
+        </p:spPr>
+        <p:txBody>
+          <a:bodyPr wrap="square">
+            <a:spAutoFit/>
+          </a:bodyPr>
+          <a:lstStyle/>
+          <a:p>
+            <a:r>
+              <a:rPr lang="en-US" sz="2800" dirty="0"/>
               <a:t>Provide application has:</a:t>
             </a:r>
           </a:p>
           <a:p>
-            <a:pPr marL="0" indent="0">
-              <a:buNone/>
-            </a:pPr>
-            <a:r>
-              <a:rPr lang="en-US" dirty="0" smtClean="0"/>
+            <a:r>
+              <a:rPr lang="en-US" sz="2800" dirty="0"/>
               <a:t>- Offline map, don’t need 3G to view map.</a:t>
             </a:r>
           </a:p>
           <a:p>
-            <a:pPr marL="0" indent="0">
-              <a:buNone/>
-            </a:pPr>
-            <a:r>
-              <a:rPr lang="en-US" dirty="0" smtClean="0"/>
-              <a:t>- Auto detect and </a:t>
-            </a:r>
-            <a:r>
-              <a:rPr lang="en-US" dirty="0" smtClean="0"/>
-              <a:t>notify at each motorbike turn.</a:t>
-            </a:r>
-            <a:endParaRPr lang="en-US" dirty="0"/>
+            <a:r>
+              <a:rPr lang="en-US" sz="2800" dirty="0"/>
+              <a:t>- Auto detect and notify at each motorbike turn.</a:t>
+            </a:r>
+            <a:endParaRPr lang="en-US" sz="2800" dirty="0"/>
           </a:p>
         </p:txBody>
       </p:sp>
     </p:spTree>
     <p:extLst>
       <p:ext uri="{BB962C8B-B14F-4D97-AF65-F5344CB8AC3E}">
-        <p14:creationId xmlns:p14="http://schemas.microsoft.com/office/powerpoint/2010/main" val="3957927594"/>
+        <p14:creationId xmlns:p14="http://schemas.microsoft.com/office/powerpoint/2010/main" val="1568229207"/>
       </p:ext>
     </p:extLst>
   </p:cSld>
   <p:clrMapOvr>
     <a:masterClrMapping/>
   </p:clrMapOvr>
+  <p:timing>
+    <p:tnLst>
+      <p:par>
+        <p:cTn id="1" dur="indefinite" restart="never" nodeType="tmRoot"/>
+      </p:par>
+    </p:tnLst>
+  </p:timing>
 </p:sld>
 </file>
 
@@ -12736,14 +14354,54 @@
       </p:grpSpPr>
       <p:sp>
         <p:nvSpPr>
+          <p:cNvPr id="2" name="Rectangle 1"/>
+          <p:cNvSpPr/>
+          <p:nvPr/>
+        </p:nvSpPr>
+        <p:spPr>
+          <a:xfrm>
+            <a:off x="0" y="0"/>
+            <a:ext cx="9144000" cy="6858000"/>
+          </a:xfrm>
+          <a:prstGeom prst="rect">
+            <a:avLst/>
+          </a:prstGeom>
+        </p:spPr>
+        <p:style>
+          <a:lnRef idx="2">
+            <a:schemeClr val="accent1">
+              <a:shade val="50000"/>
+            </a:schemeClr>
+          </a:lnRef>
+          <a:fillRef idx="1">
+            <a:schemeClr val="accent1"/>
+          </a:fillRef>
+          <a:effectRef idx="0">
+            <a:schemeClr val="accent1"/>
+          </a:effectRef>
+          <a:fontRef idx="minor">
+            <a:schemeClr val="lt1"/>
+          </a:fontRef>
+        </p:style>
+        <p:txBody>
+          <a:bodyPr rtlCol="0" anchor="ctr"/>
+          <a:lstStyle/>
+          <a:p>
+            <a:pPr algn="ctr"/>
+            <a:endParaRPr lang="en-US"/>
+          </a:p>
+        </p:txBody>
+      </p:sp>
+      <p:sp>
+        <p:nvSpPr>
           <p:cNvPr id="4" name="TextBox 3"/>
           <p:cNvSpPr txBox="1"/>
           <p:nvPr/>
         </p:nvSpPr>
         <p:spPr>
           <a:xfrm>
-            <a:off x="2360141" y="2310713"/>
-            <a:ext cx="4114075" cy="369332"/>
+            <a:off x="1327265" y="2204387"/>
+            <a:ext cx="6802631" cy="923330"/>
           </a:xfrm>
           <a:prstGeom prst="rect">
             <a:avLst/>
@@ -12756,11 +14414,20 @@
           </a:bodyPr>
           <a:lstStyle/>
           <a:p>
-            <a:r>
-              <a:rPr lang="en-US" dirty="0" smtClean="0"/>
-              <a:t>Distance from point to segment algorithm</a:t>
-            </a:r>
-            <a:endParaRPr lang="en-US" dirty="0"/>
+            <a:pPr algn="ctr"/>
+            <a:r>
+              <a:rPr lang="vi-VN" sz="5400" dirty="0" smtClean="0">
+                <a:solidFill>
+                  <a:schemeClr val="bg1"/>
+                </a:solidFill>
+              </a:rPr>
+              <a:t>Notify Turn Algorithm</a:t>
+            </a:r>
+            <a:endParaRPr lang="en-US" sz="5400" dirty="0">
+              <a:solidFill>
+                <a:schemeClr val="bg1"/>
+              </a:solidFill>
+            </a:endParaRPr>
           </a:p>
         </p:txBody>
       </p:sp>
@@ -12794,51 +14461,56 @@
           <a:chExt cx="0" cy="0"/>
         </a:xfrm>
       </p:grpSpPr>
-      <p:cxnSp>
-        <p:nvCxnSpPr>
-          <p:cNvPr id="12" name="Straight Connector 11"/>
-          <p:cNvCxnSpPr/>
-          <p:nvPr/>
-        </p:nvCxnSpPr>
-        <p:spPr>
-          <a:xfrm>
-            <a:off x="2162175" y="3143251"/>
-            <a:ext cx="3657600" cy="0"/>
-          </a:xfrm>
-          <a:prstGeom prst="line">
-            <a:avLst/>
-          </a:prstGeom>
-          <a:ln w="38100">
-            <a:solidFill>
-              <a:schemeClr val="tx1"/>
-            </a:solidFill>
-          </a:ln>
-        </p:spPr>
-        <p:style>
-          <a:lnRef idx="1">
-            <a:schemeClr val="accent1"/>
-          </a:lnRef>
-          <a:fillRef idx="0">
-            <a:schemeClr val="accent1"/>
-          </a:fillRef>
-          <a:effectRef idx="0">
-            <a:schemeClr val="accent1"/>
-          </a:effectRef>
-          <a:fontRef idx="minor">
-            <a:schemeClr val="tx1"/>
-          </a:fontRef>
-        </p:style>
-      </p:cxnSp>
-      <p:sp>
-        <p:nvSpPr>
-          <p:cNvPr id="13" name="TextBox 12"/>
+      <p:sp>
+        <p:nvSpPr>
+          <p:cNvPr id="2" name="Rectangle 1"/>
+          <p:cNvSpPr/>
+          <p:nvPr/>
+        </p:nvSpPr>
+        <p:spPr>
+          <a:xfrm>
+            <a:off x="0" y="0"/>
+            <a:ext cx="9144000" cy="6858000"/>
+          </a:xfrm>
+          <a:prstGeom prst="rect">
+            <a:avLst/>
+          </a:prstGeom>
+        </p:spPr>
+        <p:style>
+          <a:lnRef idx="2">
+            <a:schemeClr val="accent1">
+              <a:shade val="50000"/>
+            </a:schemeClr>
+          </a:lnRef>
+          <a:fillRef idx="1">
+            <a:schemeClr val="accent1"/>
+          </a:fillRef>
+          <a:effectRef idx="0">
+            <a:schemeClr val="accent1"/>
+          </a:effectRef>
+          <a:fontRef idx="minor">
+            <a:schemeClr val="lt1"/>
+          </a:fontRef>
+        </p:style>
+        <p:txBody>
+          <a:bodyPr rtlCol="0" anchor="ctr"/>
+          <a:lstStyle/>
+          <a:p>
+            <a:pPr algn="ctr"/>
+            <a:endParaRPr lang="en-US"/>
+          </a:p>
+        </p:txBody>
+      </p:sp>
+      <p:sp>
+        <p:nvSpPr>
+          <p:cNvPr id="4" name="TextBox 3"/>
           <p:cNvSpPr txBox="1"/>
           <p:nvPr/>
         </p:nvSpPr>
         <p:spPr>
           <a:xfrm>
-            <a:off x="1844459" y="2773917"/>
-            <a:ext cx="317716" cy="369332"/>
+            <a:off x="1403497" y="2204387"/>
+            <a:ext cx="6650154" cy="1754326"/>
           </a:xfrm>
           <a:prstGeom prst="rect">
             <a:avLst/>
@@ -12851,126 +14523,51 @@
           </a:bodyPr>
           <a:lstStyle/>
           <a:p>
-            <a:r>
-              <a:rPr lang="en-US" dirty="0"/>
-              <a:t>A</a:t>
-            </a:r>
-          </a:p>
-        </p:txBody>
-      </p:sp>
-      <p:sp>
-        <p:nvSpPr>
-          <p:cNvPr id="14" name="TextBox 13"/>
-          <p:cNvSpPr txBox="1"/>
-          <p:nvPr/>
-        </p:nvSpPr>
-        <p:spPr>
-          <a:xfrm>
-            <a:off x="5915026" y="2773917"/>
-            <a:ext cx="309700" cy="369332"/>
-          </a:xfrm>
-          <a:prstGeom prst="rect">
-            <a:avLst/>
-          </a:prstGeom>
-          <a:noFill/>
-        </p:spPr>
-        <p:txBody>
-          <a:bodyPr wrap="none" rtlCol="0">
-            <a:spAutoFit/>
-          </a:bodyPr>
-          <a:lstStyle/>
-          <a:p>
-            <a:r>
-              <a:rPr lang="en-US" dirty="0"/>
-              <a:t>B</a:t>
-            </a:r>
-          </a:p>
-        </p:txBody>
-      </p:sp>
-      <p:sp>
-        <p:nvSpPr>
-          <p:cNvPr id="18" name="Oval 17"/>
-          <p:cNvSpPr/>
-          <p:nvPr/>
-        </p:nvSpPr>
-        <p:spPr>
-          <a:xfrm>
-            <a:off x="2079615" y="3050574"/>
-            <a:ext cx="185352" cy="185352"/>
-          </a:xfrm>
-          <a:prstGeom prst="ellipse">
-            <a:avLst/>
-          </a:prstGeom>
-        </p:spPr>
-        <p:style>
-          <a:lnRef idx="2">
-            <a:schemeClr val="dk1">
-              <a:shade val="50000"/>
-            </a:schemeClr>
-          </a:lnRef>
-          <a:fillRef idx="1">
-            <a:schemeClr val="dk1"/>
-          </a:fillRef>
-          <a:effectRef idx="0">
-            <a:schemeClr val="dk1"/>
-          </a:effectRef>
-          <a:fontRef idx="minor">
-            <a:schemeClr val="lt1"/>
-          </a:fontRef>
-        </p:style>
-        <p:txBody>
-          <a:bodyPr rtlCol="0" anchor="ctr"/>
-          <a:lstStyle/>
-          <a:p>
             <a:pPr algn="ctr"/>
-            <a:endParaRPr lang="en-US"/>
-          </a:p>
-        </p:txBody>
-      </p:sp>
-      <p:sp>
-        <p:nvSpPr>
-          <p:cNvPr id="19" name="Oval 18"/>
-          <p:cNvSpPr/>
-          <p:nvPr/>
-        </p:nvSpPr>
-        <p:spPr>
-          <a:xfrm>
-            <a:off x="5729674" y="3055207"/>
-            <a:ext cx="185352" cy="185352"/>
-          </a:xfrm>
-          <a:prstGeom prst="ellipse">
-            <a:avLst/>
-          </a:prstGeom>
-        </p:spPr>
-        <p:style>
-          <a:lnRef idx="2">
-            <a:schemeClr val="dk1">
-              <a:shade val="50000"/>
-            </a:schemeClr>
-          </a:lnRef>
-          <a:fillRef idx="1">
-            <a:schemeClr val="dk1"/>
-          </a:fillRef>
-          <a:effectRef idx="0">
-            <a:schemeClr val="dk1"/>
-          </a:effectRef>
-          <a:fontRef idx="minor">
-            <a:schemeClr val="lt1"/>
-          </a:fontRef>
-        </p:style>
-        <p:txBody>
-          <a:bodyPr rtlCol="0" anchor="ctr"/>
-          <a:lstStyle/>
+            <a:r>
+              <a:rPr lang="en-US" sz="5400" dirty="0" smtClean="0">
+                <a:solidFill>
+                  <a:schemeClr val="bg1"/>
+                </a:solidFill>
+              </a:rPr>
+              <a:t>Distance from point to </a:t>
+            </a:r>
+            <a:endParaRPr lang="en-US" sz="5400" dirty="0" smtClean="0">
+              <a:solidFill>
+                <a:schemeClr val="bg1"/>
+              </a:solidFill>
+            </a:endParaRPr>
+          </a:p>
           <a:p>
             <a:pPr algn="ctr"/>
-            <a:endParaRPr lang="en-US"/>
+            <a:r>
+              <a:rPr lang="en-US" sz="5400" dirty="0" smtClean="0">
+                <a:solidFill>
+                  <a:schemeClr val="bg1"/>
+                </a:solidFill>
+              </a:rPr>
+              <a:t>segment </a:t>
+            </a:r>
+            <a:r>
+              <a:rPr lang="en-US" sz="5400" dirty="0" smtClean="0">
+                <a:solidFill>
+                  <a:schemeClr val="bg1"/>
+                </a:solidFill>
+              </a:rPr>
+              <a:t>algorithm</a:t>
+            </a:r>
+            <a:endParaRPr lang="en-US" sz="5400" dirty="0">
+              <a:solidFill>
+                <a:schemeClr val="bg1"/>
+              </a:solidFill>
+            </a:endParaRPr>
           </a:p>
         </p:txBody>
       </p:sp>
     </p:spTree>
     <p:extLst>
       <p:ext uri="{BB962C8B-B14F-4D97-AF65-F5344CB8AC3E}">
-        <p14:creationId xmlns:p14="http://schemas.microsoft.com/office/powerpoint/2010/main" val="3291162103"/>
+        <p14:creationId xmlns:p14="http://schemas.microsoft.com/office/powerpoint/2010/main" val="361986929"/>
       </p:ext>
     </p:extLst>
   </p:cSld>
@@ -13170,87 +14767,10 @@
           </a:p>
         </p:txBody>
       </p:sp>
-      <p:sp>
-        <p:nvSpPr>
-          <p:cNvPr id="7" name="TextBox 6"/>
-          <p:cNvSpPr txBox="1"/>
-          <p:nvPr/>
-        </p:nvSpPr>
-        <p:spPr>
-          <a:xfrm>
-            <a:off x="3836927" y="1743075"/>
-            <a:ext cx="308098" cy="369332"/>
-          </a:xfrm>
-          <a:prstGeom prst="rect">
-            <a:avLst/>
-          </a:prstGeom>
-          <a:noFill/>
-        </p:spPr>
-        <p:txBody>
-          <a:bodyPr wrap="none" rtlCol="0">
-            <a:spAutoFit/>
-          </a:bodyPr>
-          <a:lstStyle/>
-          <a:p>
-            <a:r>
-              <a:rPr lang="en-US" dirty="0"/>
-              <a:t>C</a:t>
-            </a:r>
-          </a:p>
-        </p:txBody>
-      </p:sp>
-      <p:sp>
-        <p:nvSpPr>
-          <p:cNvPr id="8" name="Oval 7"/>
-          <p:cNvSpPr/>
-          <p:nvPr/>
-        </p:nvSpPr>
-        <p:spPr>
-          <a:xfrm>
-            <a:off x="3719489" y="1927741"/>
-            <a:ext cx="185352" cy="185352"/>
-          </a:xfrm>
-          <a:prstGeom prst="ellipse">
-            <a:avLst/>
-          </a:prstGeom>
-          <a:solidFill>
-            <a:srgbClr val="FF0000"/>
-          </a:solidFill>
-          <a:ln>
-            <a:solidFill>
-              <a:srgbClr val="FF0000"/>
-            </a:solidFill>
-          </a:ln>
-        </p:spPr>
-        <p:style>
-          <a:lnRef idx="2">
-            <a:schemeClr val="dk1">
-              <a:shade val="50000"/>
-            </a:schemeClr>
-          </a:lnRef>
-          <a:fillRef idx="1">
-            <a:schemeClr val="dk1"/>
-          </a:fillRef>
-          <a:effectRef idx="0">
-            <a:schemeClr val="dk1"/>
-          </a:effectRef>
-          <a:fontRef idx="minor">
-            <a:schemeClr val="lt1"/>
-          </a:fontRef>
-        </p:style>
-        <p:txBody>
-          <a:bodyPr rtlCol="0" anchor="ctr"/>
-          <a:lstStyle/>
-          <a:p>
-            <a:pPr algn="ctr"/>
-            <a:endParaRPr lang="en-US"/>
-          </a:p>
-        </p:txBody>
-      </p:sp>
     </p:spTree>
     <p:extLst>
       <p:ext uri="{BB962C8B-B14F-4D97-AF65-F5344CB8AC3E}">
-        <p14:creationId xmlns:p14="http://schemas.microsoft.com/office/powerpoint/2010/main" val="3707853154"/>
+        <p14:creationId xmlns:p14="http://schemas.microsoft.com/office/powerpoint/2010/main" val="3291162103"/>
       </p:ext>
     </p:extLst>
   </p:cSld>
@@ -13279,7 +14799,7 @@
       </p:grpSpPr>
       <p:cxnSp>
         <p:nvCxnSpPr>
-          <p:cNvPr id="14" name="Straight Connector 13"/>
+          <p:cNvPr id="12" name="Straight Connector 11"/>
           <p:cNvCxnSpPr/>
           <p:nvPr/>
         </p:nvCxnSpPr>
@@ -13314,7 +14834,7 @@
       </p:cxnSp>
       <p:sp>
         <p:nvSpPr>
-          <p:cNvPr id="15" name="TextBox 14"/>
+          <p:cNvPr id="13" name="TextBox 12"/>
           <p:cNvSpPr txBox="1"/>
           <p:nvPr/>
         </p:nvSpPr>
@@ -13343,7 +14863,7 @@
       </p:sp>
       <p:sp>
         <p:nvSpPr>
-          <p:cNvPr id="16" name="TextBox 15"/>
+          <p:cNvPr id="14" name="TextBox 13"/>
           <p:cNvSpPr txBox="1"/>
           <p:nvPr/>
         </p:nvSpPr>
@@ -13372,36 +14892,7 @@
       </p:sp>
       <p:sp>
         <p:nvSpPr>
-          <p:cNvPr id="18" name="TextBox 17"/>
-          <p:cNvSpPr txBox="1"/>
-          <p:nvPr/>
-        </p:nvSpPr>
-        <p:spPr>
-          <a:xfrm>
-            <a:off x="3836927" y="1743075"/>
-            <a:ext cx="308098" cy="369332"/>
-          </a:xfrm>
-          <a:prstGeom prst="rect">
-            <a:avLst/>
-          </a:prstGeom>
-          <a:noFill/>
-        </p:spPr>
-        <p:txBody>
-          <a:bodyPr wrap="none" rtlCol="0">
-            <a:spAutoFit/>
-          </a:bodyPr>
-          <a:lstStyle/>
-          <a:p>
-            <a:r>
-              <a:rPr lang="en-US" dirty="0"/>
-              <a:t>C</a:t>
-            </a:r>
-          </a:p>
-        </p:txBody>
-      </p:sp>
-      <p:sp>
-        <p:nvSpPr>
-          <p:cNvPr id="20" name="Oval 19"/>
+          <p:cNvPr id="18" name="Oval 17"/>
           <p:cNvSpPr/>
           <p:nvPr/>
         </p:nvSpPr>
@@ -13441,7 +14932,7 @@
       </p:sp>
       <p:sp>
         <p:nvSpPr>
-          <p:cNvPr id="21" name="Oval 20"/>
+          <p:cNvPr id="19" name="Oval 18"/>
           <p:cNvSpPr/>
           <p:nvPr/>
         </p:nvSpPr>
@@ -13481,7 +14972,36 @@
       </p:sp>
       <p:sp>
         <p:nvSpPr>
-          <p:cNvPr id="22" name="Oval 21"/>
+          <p:cNvPr id="7" name="TextBox 6"/>
+          <p:cNvSpPr txBox="1"/>
+          <p:nvPr/>
+        </p:nvSpPr>
+        <p:spPr>
+          <a:xfrm>
+            <a:off x="3836927" y="1743075"/>
+            <a:ext cx="308098" cy="369332"/>
+          </a:xfrm>
+          <a:prstGeom prst="rect">
+            <a:avLst/>
+          </a:prstGeom>
+          <a:noFill/>
+        </p:spPr>
+        <p:txBody>
+          <a:bodyPr wrap="none" rtlCol="0">
+            <a:spAutoFit/>
+          </a:bodyPr>
+          <a:lstStyle/>
+          <a:p>
+            <a:r>
+              <a:rPr lang="en-US" dirty="0"/>
+              <a:t>C</a:t>
+            </a:r>
+          </a:p>
+        </p:txBody>
+      </p:sp>
+      <p:sp>
+        <p:nvSpPr>
+          <p:cNvPr id="8" name="Oval 7"/>
           <p:cNvSpPr/>
           <p:nvPr/>
         </p:nvSpPr>
@@ -13527,79 +15047,10 @@
           </a:p>
         </p:txBody>
       </p:sp>
-      <p:cxnSp>
-        <p:nvCxnSpPr>
-          <p:cNvPr id="23" name="Straight Connector 22"/>
-          <p:cNvCxnSpPr/>
-          <p:nvPr/>
-        </p:nvCxnSpPr>
-        <p:spPr>
-          <a:xfrm>
-            <a:off x="2162175" y="2075935"/>
-            <a:ext cx="0" cy="2063579"/>
-          </a:xfrm>
-          <a:prstGeom prst="line">
-            <a:avLst/>
-          </a:prstGeom>
-          <a:ln w="38100">
-            <a:solidFill>
-              <a:schemeClr val="tx1"/>
-            </a:solidFill>
-            <a:prstDash val="dash"/>
-          </a:ln>
-        </p:spPr>
-        <p:style>
-          <a:lnRef idx="1">
-            <a:schemeClr val="accent1"/>
-          </a:lnRef>
-          <a:fillRef idx="0">
-            <a:schemeClr val="accent1"/>
-          </a:fillRef>
-          <a:effectRef idx="0">
-            <a:schemeClr val="accent1"/>
-          </a:effectRef>
-          <a:fontRef idx="minor">
-            <a:schemeClr val="tx1"/>
-          </a:fontRef>
-        </p:style>
-      </p:cxnSp>
-      <p:cxnSp>
-        <p:nvCxnSpPr>
-          <p:cNvPr id="24" name="Straight Connector 23"/>
-          <p:cNvCxnSpPr/>
-          <p:nvPr/>
-        </p:nvCxnSpPr>
-        <p:spPr>
-          <a:xfrm>
-            <a:off x="5819775" y="2111459"/>
-            <a:ext cx="0" cy="2063579"/>
-          </a:xfrm>
-          <a:prstGeom prst="line">
-            <a:avLst/>
-          </a:prstGeom>
-          <a:ln w="38100">
-            <a:prstDash val="dash"/>
-          </a:ln>
-        </p:spPr>
-        <p:style>
-          <a:lnRef idx="1">
-            <a:schemeClr val="dk1"/>
-          </a:lnRef>
-          <a:fillRef idx="0">
-            <a:schemeClr val="dk1"/>
-          </a:fillRef>
-          <a:effectRef idx="0">
-            <a:schemeClr val="dk1"/>
-          </a:effectRef>
-          <a:fontRef idx="minor">
-            <a:schemeClr val="tx1"/>
-          </a:fontRef>
-        </p:style>
-      </p:cxnSp>
     </p:spTree>
     <p:extLst>
       <p:ext uri="{BB962C8B-B14F-4D97-AF65-F5344CB8AC3E}">
-        <p14:creationId xmlns:p14="http://schemas.microsoft.com/office/powerpoint/2010/main" val="2856078748"/>
+        <p14:creationId xmlns:p14="http://schemas.microsoft.com/office/powerpoint/2010/main" val="3707853154"/>
       </p:ext>
     </p:extLst>
   </p:cSld>
@@ -13626,60 +15077,9 @@
           <a:chExt cx="0" cy="0"/>
         </a:xfrm>
       </p:grpSpPr>
-      <p:sp>
-        <p:nvSpPr>
-          <p:cNvPr id="4" name="Rectangle 3"/>
-          <p:cNvSpPr/>
-          <p:nvPr/>
-        </p:nvSpPr>
-        <p:spPr>
-          <a:xfrm>
-            <a:off x="3817877" y="2939535"/>
-            <a:ext cx="190500" cy="190500"/>
-          </a:xfrm>
-          <a:prstGeom prst="rect">
-            <a:avLst/>
-          </a:prstGeom>
-          <a:noFill/>
-          <a:ln w="28575">
-            <a:solidFill>
-              <a:srgbClr val="FF0000"/>
-            </a:solidFill>
-          </a:ln>
-        </p:spPr>
-        <p:style>
-          <a:lnRef idx="2">
-            <a:schemeClr val="accent1">
-              <a:shade val="50000"/>
-            </a:schemeClr>
-          </a:lnRef>
-          <a:fillRef idx="1">
-            <a:schemeClr val="accent1"/>
-          </a:fillRef>
-          <a:effectRef idx="0">
-            <a:schemeClr val="accent1"/>
-          </a:effectRef>
-          <a:fontRef idx="minor">
-            <a:schemeClr val="lt1"/>
-          </a:fontRef>
-        </p:style>
-        <p:txBody>
-          <a:bodyPr rot="0" spcFirstLastPara="0" vertOverflow="overflow" horzOverflow="overflow" vert="horz" wrap="square" lIns="91440" tIns="45720" rIns="91440" bIns="45720" numCol="1" spcCol="0" rtlCol="0" fromWordArt="0" anchor="ctr" anchorCtr="0" forceAA="0" compatLnSpc="1">
-            <a:prstTxWarp prst="textNoShape">
-              <a:avLst/>
-            </a:prstTxWarp>
-            <a:noAutofit/>
-          </a:bodyPr>
-          <a:lstStyle/>
-          <a:p>
-            <a:pPr algn="ctr"/>
-            <a:endParaRPr lang="en-US"/>
-          </a:p>
-        </p:txBody>
-      </p:sp>
       <p:cxnSp>
         <p:nvCxnSpPr>
-          <p:cNvPr id="5" name="Straight Connector 4"/>
+          <p:cNvPr id="14" name="Straight Connector 13"/>
           <p:cNvCxnSpPr/>
           <p:nvPr/>
         </p:nvCxnSpPr>
@@ -13714,7 +15114,7 @@
       </p:cxnSp>
       <p:sp>
         <p:nvSpPr>
-          <p:cNvPr id="6" name="TextBox 5"/>
+          <p:cNvPr id="15" name="TextBox 14"/>
           <p:cNvSpPr txBox="1"/>
           <p:nvPr/>
         </p:nvSpPr>
@@ -13743,7 +15143,7 @@
       </p:sp>
       <p:sp>
         <p:nvSpPr>
-          <p:cNvPr id="7" name="TextBox 6"/>
+          <p:cNvPr id="16" name="TextBox 15"/>
           <p:cNvSpPr txBox="1"/>
           <p:nvPr/>
         </p:nvSpPr>
@@ -13770,44 +15170,9 @@
           </a:p>
         </p:txBody>
       </p:sp>
-      <p:cxnSp>
-        <p:nvCxnSpPr>
-          <p:cNvPr id="8" name="Straight Connector 7"/>
-          <p:cNvCxnSpPr/>
-          <p:nvPr/>
-        </p:nvCxnSpPr>
-        <p:spPr>
-          <a:xfrm>
-            <a:off x="3816694" y="2038350"/>
-            <a:ext cx="0" cy="1085851"/>
-          </a:xfrm>
-          <a:prstGeom prst="line">
-            <a:avLst/>
-          </a:prstGeom>
-          <a:ln w="38100">
-            <a:solidFill>
-              <a:srgbClr val="FF0000"/>
-            </a:solidFill>
-          </a:ln>
-        </p:spPr>
-        <p:style>
-          <a:lnRef idx="1">
-            <a:schemeClr val="accent1"/>
-          </a:lnRef>
-          <a:fillRef idx="0">
-            <a:schemeClr val="accent1"/>
-          </a:fillRef>
-          <a:effectRef idx="0">
-            <a:schemeClr val="accent1"/>
-          </a:effectRef>
-          <a:fontRef idx="minor">
-            <a:schemeClr val="tx1"/>
-          </a:fontRef>
-        </p:style>
-      </p:cxnSp>
-      <p:sp>
-        <p:nvSpPr>
-          <p:cNvPr id="9" name="TextBox 8"/>
+      <p:sp>
+        <p:nvSpPr>
+          <p:cNvPr id="18" name="TextBox 17"/>
           <p:cNvSpPr txBox="1"/>
           <p:nvPr/>
         </p:nvSpPr>
@@ -13836,36 +15201,7 @@
       </p:sp>
       <p:sp>
         <p:nvSpPr>
-          <p:cNvPr id="10" name="TextBox 9"/>
-          <p:cNvSpPr txBox="1"/>
-          <p:nvPr/>
-        </p:nvSpPr>
-        <p:spPr>
-          <a:xfrm>
-            <a:off x="3572111" y="2396999"/>
-            <a:ext cx="264816" cy="276999"/>
-          </a:xfrm>
-          <a:prstGeom prst="rect">
-            <a:avLst/>
-          </a:prstGeom>
-          <a:noFill/>
-        </p:spPr>
-        <p:txBody>
-          <a:bodyPr wrap="none" rtlCol="0">
-            <a:spAutoFit/>
-          </a:bodyPr>
-          <a:lstStyle/>
-          <a:p>
-            <a:r>
-              <a:rPr lang="en-US" sz="1200" dirty="0"/>
-              <a:t>d</a:t>
-            </a:r>
-          </a:p>
-        </p:txBody>
-      </p:sp>
-      <p:sp>
-        <p:nvSpPr>
-          <p:cNvPr id="11" name="Oval 10"/>
+          <p:cNvPr id="20" name="Oval 19"/>
           <p:cNvSpPr/>
           <p:nvPr/>
         </p:nvSpPr>
@@ -13905,7 +15241,7 @@
       </p:sp>
       <p:sp>
         <p:nvSpPr>
-          <p:cNvPr id="12" name="Oval 11"/>
+          <p:cNvPr id="21" name="Oval 20"/>
           <p:cNvSpPr/>
           <p:nvPr/>
         </p:nvSpPr>
@@ -13945,7 +15281,7 @@
       </p:sp>
       <p:sp>
         <p:nvSpPr>
-          <p:cNvPr id="13" name="Oval 12"/>
+          <p:cNvPr id="22" name="Oval 21"/>
           <p:cNvSpPr/>
           <p:nvPr/>
         </p:nvSpPr>
@@ -13993,7 +15329,7 @@
       </p:sp>
       <p:cxnSp>
         <p:nvCxnSpPr>
-          <p:cNvPr id="14" name="Straight Connector 13"/>
+          <p:cNvPr id="23" name="Straight Connector 22"/>
           <p:cNvCxnSpPr/>
           <p:nvPr/>
         </p:nvCxnSpPr>
@@ -14029,7 +15365,7 @@
       </p:cxnSp>
       <p:cxnSp>
         <p:nvCxnSpPr>
-          <p:cNvPr id="15" name="Straight Connector 14"/>
+          <p:cNvPr id="24" name="Straight Connector 23"/>
           <p:cNvCxnSpPr/>
           <p:nvPr/>
         </p:nvCxnSpPr>
@@ -14063,7 +15399,7 @@
     </p:spTree>
     <p:extLst>
       <p:ext uri="{BB962C8B-B14F-4D97-AF65-F5344CB8AC3E}">
-        <p14:creationId xmlns:p14="http://schemas.microsoft.com/office/powerpoint/2010/main" val="1515451101"/>
+        <p14:creationId xmlns:p14="http://schemas.microsoft.com/office/powerpoint/2010/main" val="2856078748"/>
       </p:ext>
     </p:extLst>
   </p:cSld>
@@ -14090,49 +15426,67 @@
           <a:chExt cx="0" cy="0"/>
         </a:xfrm>
       </p:grpSpPr>
+      <p:sp>
+        <p:nvSpPr>
+          <p:cNvPr id="4" name="Rectangle 3"/>
+          <p:cNvSpPr/>
+          <p:nvPr/>
+        </p:nvSpPr>
+        <p:spPr>
+          <a:xfrm>
+            <a:off x="3817877" y="2939535"/>
+            <a:ext cx="190500" cy="190500"/>
+          </a:xfrm>
+          <a:prstGeom prst="rect">
+            <a:avLst/>
+          </a:prstGeom>
+          <a:noFill/>
+          <a:ln w="28575">
+            <a:solidFill>
+              <a:srgbClr val="FF0000"/>
+            </a:solidFill>
+          </a:ln>
+        </p:spPr>
+        <p:style>
+          <a:lnRef idx="2">
+            <a:schemeClr val="accent1">
+              <a:shade val="50000"/>
+            </a:schemeClr>
+          </a:lnRef>
+          <a:fillRef idx="1">
+            <a:schemeClr val="accent1"/>
+          </a:fillRef>
+          <a:effectRef idx="0">
+            <a:schemeClr val="accent1"/>
+          </a:effectRef>
+          <a:fontRef idx="minor">
+            <a:schemeClr val="lt1"/>
+          </a:fontRef>
+        </p:style>
+        <p:txBody>
+          <a:bodyPr rot="0" spcFirstLastPara="0" vertOverflow="overflow" horzOverflow="overflow" vert="horz" wrap="square" lIns="91440" tIns="45720" rIns="91440" bIns="45720" numCol="1" spcCol="0" rtlCol="0" fromWordArt="0" anchor="ctr" anchorCtr="0" forceAA="0" compatLnSpc="1">
+            <a:prstTxWarp prst="textNoShape">
+              <a:avLst/>
+            </a:prstTxWarp>
+            <a:noAutofit/>
+          </a:bodyPr>
+          <a:lstStyle/>
+          <a:p>
+            <a:pPr algn="ctr"/>
+            <a:endParaRPr lang="en-US"/>
+          </a:p>
+        </p:txBody>
+      </p:sp>
       <p:cxnSp>
         <p:nvCxnSpPr>
-          <p:cNvPr id="35" name="Straight Connector 34"/>
+          <p:cNvPr id="5" name="Straight Connector 4"/>
           <p:cNvCxnSpPr/>
           <p:nvPr/>
         </p:nvCxnSpPr>
         <p:spPr>
           <a:xfrm>
-            <a:off x="5819775" y="2111459"/>
-            <a:ext cx="0" cy="2063579"/>
-          </a:xfrm>
-          <a:prstGeom prst="line">
-            <a:avLst/>
-          </a:prstGeom>
-          <a:ln w="38100">
-            <a:prstDash val="dash"/>
-          </a:ln>
-        </p:spPr>
-        <p:style>
-          <a:lnRef idx="1">
-            <a:schemeClr val="dk1"/>
-          </a:lnRef>
-          <a:fillRef idx="0">
-            <a:schemeClr val="dk1"/>
-          </a:fillRef>
-          <a:effectRef idx="0">
-            <a:schemeClr val="dk1"/>
-          </a:effectRef>
-          <a:fontRef idx="minor">
-            <a:schemeClr val="tx1"/>
-          </a:fontRef>
-        </p:style>
-      </p:cxnSp>
-      <p:cxnSp>
-        <p:nvCxnSpPr>
-          <p:cNvPr id="34" name="Straight Connector 33"/>
-          <p:cNvCxnSpPr/>
-          <p:nvPr/>
-        </p:nvCxnSpPr>
-        <p:spPr>
-          <a:xfrm>
-            <a:off x="2162175" y="2075935"/>
-            <a:ext cx="0" cy="2063579"/>
+            <a:off x="2162175" y="3143251"/>
+            <a:ext cx="3657600" cy="0"/>
           </a:xfrm>
           <a:prstGeom prst="line">
             <a:avLst/>
@@ -14141,7 +15495,6 @@
             <a:solidFill>
               <a:schemeClr val="tx1"/>
             </a:solidFill>
-            <a:prstDash val="dash"/>
           </a:ln>
         </p:spPr>
         <p:style>
@@ -14161,14 +15514,14 @@
       </p:cxnSp>
       <p:sp>
         <p:nvSpPr>
-          <p:cNvPr id="25" name="TextBox 24"/>
+          <p:cNvPr id="6" name="TextBox 5"/>
           <p:cNvSpPr txBox="1"/>
           <p:nvPr/>
         </p:nvSpPr>
         <p:spPr>
           <a:xfrm>
-            <a:off x="6230633" y="3805020"/>
-            <a:ext cx="308098" cy="369332"/>
+            <a:off x="1844459" y="2773917"/>
+            <a:ext cx="317716" cy="369332"/>
           </a:xfrm>
           <a:prstGeom prst="rect">
             <a:avLst/>
@@ -14183,6 +15536,99 @@
           <a:p>
             <a:r>
               <a:rPr lang="en-US" dirty="0"/>
+              <a:t>A</a:t>
+            </a:r>
+          </a:p>
+        </p:txBody>
+      </p:sp>
+      <p:sp>
+        <p:nvSpPr>
+          <p:cNvPr id="7" name="TextBox 6"/>
+          <p:cNvSpPr txBox="1"/>
+          <p:nvPr/>
+        </p:nvSpPr>
+        <p:spPr>
+          <a:xfrm>
+            <a:off x="5915026" y="2773917"/>
+            <a:ext cx="309700" cy="369332"/>
+          </a:xfrm>
+          <a:prstGeom prst="rect">
+            <a:avLst/>
+          </a:prstGeom>
+          <a:noFill/>
+        </p:spPr>
+        <p:txBody>
+          <a:bodyPr wrap="none" rtlCol="0">
+            <a:spAutoFit/>
+          </a:bodyPr>
+          <a:lstStyle/>
+          <a:p>
+            <a:r>
+              <a:rPr lang="en-US" dirty="0"/>
+              <a:t>B</a:t>
+            </a:r>
+          </a:p>
+        </p:txBody>
+      </p:sp>
+      <p:cxnSp>
+        <p:nvCxnSpPr>
+          <p:cNvPr id="8" name="Straight Connector 7"/>
+          <p:cNvCxnSpPr/>
+          <p:nvPr/>
+        </p:nvCxnSpPr>
+        <p:spPr>
+          <a:xfrm>
+            <a:off x="3816694" y="2038350"/>
+            <a:ext cx="0" cy="1085851"/>
+          </a:xfrm>
+          <a:prstGeom prst="line">
+            <a:avLst/>
+          </a:prstGeom>
+          <a:ln w="38100">
+            <a:solidFill>
+              <a:srgbClr val="FF0000"/>
+            </a:solidFill>
+          </a:ln>
+        </p:spPr>
+        <p:style>
+          <a:lnRef idx="1">
+            <a:schemeClr val="accent1"/>
+          </a:lnRef>
+          <a:fillRef idx="0">
+            <a:schemeClr val="accent1"/>
+          </a:fillRef>
+          <a:effectRef idx="0">
+            <a:schemeClr val="accent1"/>
+          </a:effectRef>
+          <a:fontRef idx="minor">
+            <a:schemeClr val="tx1"/>
+          </a:fontRef>
+        </p:style>
+      </p:cxnSp>
+      <p:sp>
+        <p:nvSpPr>
+          <p:cNvPr id="9" name="TextBox 8"/>
+          <p:cNvSpPr txBox="1"/>
+          <p:nvPr/>
+        </p:nvSpPr>
+        <p:spPr>
+          <a:xfrm>
+            <a:off x="3836927" y="1743075"/>
+            <a:ext cx="308098" cy="369332"/>
+          </a:xfrm>
+          <a:prstGeom prst="rect">
+            <a:avLst/>
+          </a:prstGeom>
+          <a:noFill/>
+        </p:spPr>
+        <p:txBody>
+          <a:bodyPr wrap="none" rtlCol="0">
+            <a:spAutoFit/>
+          </a:bodyPr>
+          <a:lstStyle/>
+          <a:p>
+            <a:r>
+              <a:rPr lang="en-US" dirty="0"/>
               <a:t>C</a:t>
             </a:r>
           </a:p>
@@ -14190,13 +15636,122 @@
       </p:sp>
       <p:sp>
         <p:nvSpPr>
-          <p:cNvPr id="26" name="Oval 25"/>
+          <p:cNvPr id="10" name="TextBox 9"/>
+          <p:cNvSpPr txBox="1"/>
+          <p:nvPr/>
+        </p:nvSpPr>
+        <p:spPr>
+          <a:xfrm>
+            <a:off x="3572111" y="2396999"/>
+            <a:ext cx="264816" cy="276999"/>
+          </a:xfrm>
+          <a:prstGeom prst="rect">
+            <a:avLst/>
+          </a:prstGeom>
+          <a:noFill/>
+        </p:spPr>
+        <p:txBody>
+          <a:bodyPr wrap="none" rtlCol="0">
+            <a:spAutoFit/>
+          </a:bodyPr>
+          <a:lstStyle/>
+          <a:p>
+            <a:r>
+              <a:rPr lang="en-US" sz="1200" dirty="0"/>
+              <a:t>d</a:t>
+            </a:r>
+          </a:p>
+        </p:txBody>
+      </p:sp>
+      <p:sp>
+        <p:nvSpPr>
+          <p:cNvPr id="11" name="Oval 10"/>
           <p:cNvSpPr/>
           <p:nvPr/>
         </p:nvSpPr>
         <p:spPr>
           <a:xfrm>
-            <a:off x="6113195" y="3989686"/>
+            <a:off x="2079615" y="3050574"/>
+            <a:ext cx="185352" cy="185352"/>
+          </a:xfrm>
+          <a:prstGeom prst="ellipse">
+            <a:avLst/>
+          </a:prstGeom>
+        </p:spPr>
+        <p:style>
+          <a:lnRef idx="2">
+            <a:schemeClr val="dk1">
+              <a:shade val="50000"/>
+            </a:schemeClr>
+          </a:lnRef>
+          <a:fillRef idx="1">
+            <a:schemeClr val="dk1"/>
+          </a:fillRef>
+          <a:effectRef idx="0">
+            <a:schemeClr val="dk1"/>
+          </a:effectRef>
+          <a:fontRef idx="minor">
+            <a:schemeClr val="lt1"/>
+          </a:fontRef>
+        </p:style>
+        <p:txBody>
+          <a:bodyPr rtlCol="0" anchor="ctr"/>
+          <a:lstStyle/>
+          <a:p>
+            <a:pPr algn="ctr"/>
+            <a:endParaRPr lang="en-US"/>
+          </a:p>
+        </p:txBody>
+      </p:sp>
+      <p:sp>
+        <p:nvSpPr>
+          <p:cNvPr id="12" name="Oval 11"/>
+          <p:cNvSpPr/>
+          <p:nvPr/>
+        </p:nvSpPr>
+        <p:spPr>
+          <a:xfrm>
+            <a:off x="5729674" y="3055207"/>
+            <a:ext cx="185352" cy="185352"/>
+          </a:xfrm>
+          <a:prstGeom prst="ellipse">
+            <a:avLst/>
+          </a:prstGeom>
+        </p:spPr>
+        <p:style>
+          <a:lnRef idx="2">
+            <a:schemeClr val="dk1">
+              <a:shade val="50000"/>
+            </a:schemeClr>
+          </a:lnRef>
+          <a:fillRef idx="1">
+            <a:schemeClr val="dk1"/>
+          </a:fillRef>
+          <a:effectRef idx="0">
+            <a:schemeClr val="dk1"/>
+          </a:effectRef>
+          <a:fontRef idx="minor">
+            <a:schemeClr val="lt1"/>
+          </a:fontRef>
+        </p:style>
+        <p:txBody>
+          <a:bodyPr rtlCol="0" anchor="ctr"/>
+          <a:lstStyle/>
+          <a:p>
+            <a:pPr algn="ctr"/>
+            <a:endParaRPr lang="en-US"/>
+          </a:p>
+        </p:txBody>
+      </p:sp>
+      <p:sp>
+        <p:nvSpPr>
+          <p:cNvPr id="13" name="Oval 12"/>
+          <p:cNvSpPr/>
+          <p:nvPr/>
+        </p:nvSpPr>
+        <p:spPr>
+          <a:xfrm>
+            <a:off x="3719489" y="1927741"/>
             <a:ext cx="185352" cy="185352"/>
           </a:xfrm>
           <a:prstGeom prst="ellipse">
@@ -14238,14 +15793,14 @@
       </p:sp>
       <p:cxnSp>
         <p:nvCxnSpPr>
-          <p:cNvPr id="27" name="Straight Connector 26"/>
+          <p:cNvPr id="14" name="Straight Connector 13"/>
           <p:cNvCxnSpPr/>
           <p:nvPr/>
         </p:nvCxnSpPr>
         <p:spPr>
           <a:xfrm>
-            <a:off x="2162175" y="3143251"/>
-            <a:ext cx="3657600" cy="0"/>
+            <a:off x="2162175" y="2075935"/>
+            <a:ext cx="0" cy="2063579"/>
           </a:xfrm>
           <a:prstGeom prst="line">
             <a:avLst/>
@@ -14254,6 +15809,7 @@
             <a:solidFill>
               <a:schemeClr val="tx1"/>
             </a:solidFill>
+            <a:prstDash val="dash"/>
           </a:ln>
         </p:spPr>
         <p:style>
@@ -14271,148 +15827,43 @@
           </a:fontRef>
         </p:style>
       </p:cxnSp>
-      <p:sp>
-        <p:nvSpPr>
-          <p:cNvPr id="28" name="TextBox 27"/>
-          <p:cNvSpPr txBox="1"/>
-          <p:nvPr/>
-        </p:nvSpPr>
-        <p:spPr>
-          <a:xfrm>
-            <a:off x="1844459" y="2773917"/>
-            <a:ext cx="317716" cy="369332"/>
-          </a:xfrm>
-          <a:prstGeom prst="rect">
-            <a:avLst/>
-          </a:prstGeom>
-          <a:noFill/>
-        </p:spPr>
-        <p:txBody>
-          <a:bodyPr wrap="none" rtlCol="0">
-            <a:spAutoFit/>
-          </a:bodyPr>
-          <a:lstStyle/>
-          <a:p>
-            <a:r>
-              <a:rPr lang="en-US" dirty="0"/>
-              <a:t>A</a:t>
-            </a:r>
-          </a:p>
-        </p:txBody>
-      </p:sp>
-      <p:sp>
-        <p:nvSpPr>
-          <p:cNvPr id="29" name="TextBox 28"/>
-          <p:cNvSpPr txBox="1"/>
-          <p:nvPr/>
-        </p:nvSpPr>
-        <p:spPr>
-          <a:xfrm>
-            <a:off x="5915026" y="2773917"/>
-            <a:ext cx="309700" cy="369332"/>
-          </a:xfrm>
-          <a:prstGeom prst="rect">
-            <a:avLst/>
-          </a:prstGeom>
-          <a:noFill/>
-        </p:spPr>
-        <p:txBody>
-          <a:bodyPr wrap="none" rtlCol="0">
-            <a:spAutoFit/>
-          </a:bodyPr>
-          <a:lstStyle/>
-          <a:p>
-            <a:r>
-              <a:rPr lang="en-US" dirty="0"/>
-              <a:t>B</a:t>
-            </a:r>
-          </a:p>
-        </p:txBody>
-      </p:sp>
-      <p:sp>
-        <p:nvSpPr>
-          <p:cNvPr id="31" name="Oval 30"/>
-          <p:cNvSpPr/>
-          <p:nvPr/>
-        </p:nvSpPr>
-        <p:spPr>
-          <a:xfrm>
-            <a:off x="2079615" y="3050574"/>
-            <a:ext cx="185352" cy="185352"/>
-          </a:xfrm>
-          <a:prstGeom prst="ellipse">
-            <a:avLst/>
-          </a:prstGeom>
-        </p:spPr>
-        <p:style>
-          <a:lnRef idx="2">
-            <a:schemeClr val="dk1">
-              <a:shade val="50000"/>
-            </a:schemeClr>
-          </a:lnRef>
-          <a:fillRef idx="1">
+      <p:cxnSp>
+        <p:nvCxnSpPr>
+          <p:cNvPr id="15" name="Straight Connector 14"/>
+          <p:cNvCxnSpPr/>
+          <p:nvPr/>
+        </p:nvCxnSpPr>
+        <p:spPr>
+          <a:xfrm>
+            <a:off x="5819775" y="2111459"/>
+            <a:ext cx="0" cy="2063579"/>
+          </a:xfrm>
+          <a:prstGeom prst="line">
+            <a:avLst/>
+          </a:prstGeom>
+          <a:ln w="38100">
+            <a:prstDash val="dash"/>
+          </a:ln>
+        </p:spPr>
+        <p:style>
+          <a:lnRef idx="1">
             <a:schemeClr val="dk1"/>
-          </a:fillRef>
-          <a:effectRef idx="0">
+          </a:lnRef>
+          <a:fillRef idx="0">
             <a:schemeClr val="dk1"/>
-          </a:effectRef>
-          <a:fontRef idx="minor">
-            <a:schemeClr val="lt1"/>
-          </a:fontRef>
-        </p:style>
-        <p:txBody>
-          <a:bodyPr rtlCol="0" anchor="ctr"/>
-          <a:lstStyle/>
-          <a:p>
-            <a:pPr algn="ctr"/>
-            <a:endParaRPr lang="en-US"/>
-          </a:p>
-        </p:txBody>
-      </p:sp>
-      <p:sp>
-        <p:nvSpPr>
-          <p:cNvPr id="32" name="Oval 31"/>
-          <p:cNvSpPr/>
-          <p:nvPr/>
-        </p:nvSpPr>
-        <p:spPr>
-          <a:xfrm>
-            <a:off x="5729674" y="3055207"/>
-            <a:ext cx="185352" cy="185352"/>
-          </a:xfrm>
-          <a:prstGeom prst="ellipse">
-            <a:avLst/>
-          </a:prstGeom>
-        </p:spPr>
-        <p:style>
-          <a:lnRef idx="2">
-            <a:schemeClr val="dk1">
-              <a:shade val="50000"/>
-            </a:schemeClr>
-          </a:lnRef>
-          <a:fillRef idx="1">
+          </a:fillRef>
+          <a:effectRef idx="0">
             <a:schemeClr val="dk1"/>
-          </a:fillRef>
-          <a:effectRef idx="0">
-            <a:schemeClr val="dk1"/>
-          </a:effectRef>
-          <a:fontRef idx="minor">
-            <a:schemeClr val="lt1"/>
-          </a:fontRef>
-        </p:style>
-        <p:txBody>
-          <a:bodyPr rtlCol="0" anchor="ctr"/>
-          <a:lstStyle/>
-          <a:p>
-            <a:pPr algn="ctr"/>
-            <a:endParaRPr lang="en-US"/>
-          </a:p>
-        </p:txBody>
-      </p:sp>
+          </a:effectRef>
+          <a:fontRef idx="minor">
+            <a:schemeClr val="tx1"/>
+          </a:fontRef>
+        </p:style>
+      </p:cxnSp>
     </p:spTree>
     <p:extLst>
       <p:ext uri="{BB962C8B-B14F-4D97-AF65-F5344CB8AC3E}">
-        <p14:creationId xmlns:p14="http://schemas.microsoft.com/office/powerpoint/2010/main" val="366122734"/>
+        <p14:creationId xmlns:p14="http://schemas.microsoft.com/office/powerpoint/2010/main" val="1515451101"/>
       </p:ext>
     </p:extLst>
   </p:cSld>
@@ -14681,4 +16132,265 @@
     </a:ext>
   </a:extLst>
 </a:theme>
+</file>
+
+<file path=ppt/theme/theme2.xml><?xml version="1.0" encoding="utf-8"?>
+<a:theme xmlns:a="http://schemas.openxmlformats.org/drawingml/2006/main" name="Office Theme">
+  <a:themeElements>
+    <a:clrScheme name="Office">
+      <a:dk1>
+        <a:sysClr val="windowText" lastClr="000000"/>
+      </a:dk1>
+      <a:lt1>
+        <a:sysClr val="window" lastClr="FFFFFF"/>
+      </a:lt1>
+      <a:dk2>
+        <a:srgbClr val="44546A"/>
+      </a:dk2>
+      <a:lt2>
+        <a:srgbClr val="E7E6E6"/>
+      </a:lt2>
+      <a:accent1>
+        <a:srgbClr val="5B9BD5"/>
+      </a:accent1>
+      <a:accent2>
+        <a:srgbClr val="ED7D31"/>
+      </a:accent2>
+      <a:accent3>
+        <a:srgbClr val="A5A5A5"/>
+      </a:accent3>
+      <a:accent4>
+        <a:srgbClr val="FFC000"/>
+      </a:accent4>
+      <a:accent5>
+        <a:srgbClr val="4472C4"/>
+      </a:accent5>
+      <a:accent6>
+        <a:srgbClr val="70AD47"/>
+      </a:accent6>
+      <a:hlink>
+        <a:srgbClr val="0563C1"/>
+      </a:hlink>
+      <a:folHlink>
+        <a:srgbClr val="954F72"/>
+      </a:folHlink>
+    </a:clrScheme>
+    <a:fontScheme name="Office">
+      <a:majorFont>
+        <a:latin typeface="Calibri Light" panose="020F0302020204030204"/>
+        <a:ea typeface=""/>
+        <a:cs typeface=""/>
+        <a:font script="Jpan" typeface="ＭＳ Ｐゴシック"/>
+        <a:font script="Hang" typeface="맑은 고딕"/>
+        <a:font script="Hans" typeface="宋体"/>
+        <a:font script="Hant" typeface="新細明體"/>
+        <a:font script="Arab" typeface="Times New Roman"/>
+        <a:font script="Hebr" typeface="Times New Roman"/>
+        <a:font script="Thai" typeface="Angsana New"/>
+        <a:font script="Ethi" typeface="Nyala"/>
+        <a:font script="Beng" typeface="Vrinda"/>
+        <a:font script="Gujr" typeface="Shruti"/>
+        <a:font script="Khmr" typeface="MoolBoran"/>
+        <a:font script="Knda" typeface="Tunga"/>
+        <a:font script="Guru" typeface="Raavi"/>
+        <a:font script="Cans" typeface="Euphemia"/>
+        <a:font script="Cher" typeface="Plantagenet Cherokee"/>
+        <a:font script="Yiii" typeface="Microsoft Yi Baiti"/>
+        <a:font script="Tibt" typeface="Microsoft Himalaya"/>
+        <a:font script="Thaa" typeface="MV Boli"/>
+        <a:font script="Deva" typeface="Mangal"/>
+        <a:font script="Telu" typeface="Gautami"/>
+        <a:font script="Taml" typeface="Latha"/>
+        <a:font script="Syrc" typeface="Estrangelo Edessa"/>
+        <a:font script="Orya" typeface="Kalinga"/>
+        <a:font script="Mlym" typeface="Kartika"/>
+        <a:font script="Laoo" typeface="DokChampa"/>
+        <a:font script="Sinh" typeface="Iskoola Pota"/>
+        <a:font script="Mong" typeface="Mongolian Baiti"/>
+        <a:font script="Viet" typeface="Times New Roman"/>
+        <a:font script="Uigh" typeface="Microsoft Uighur"/>
+        <a:font script="Geor" typeface="Sylfaen"/>
+      </a:majorFont>
+      <a:minorFont>
+        <a:latin typeface="Calibri" panose="020F0502020204030204"/>
+        <a:ea typeface=""/>
+        <a:cs typeface=""/>
+        <a:font script="Jpan" typeface="ＭＳ Ｐゴシック"/>
+        <a:font script="Hang" typeface="맑은 고딕"/>
+        <a:font script="Hans" typeface="宋体"/>
+        <a:font script="Hant" typeface="新細明體"/>
+        <a:font script="Arab" typeface="Arial"/>
+        <a:font script="Hebr" typeface="Arial"/>
+        <a:font script="Thai" typeface="Cordia New"/>
+        <a:font script="Ethi" typeface="Nyala"/>
+        <a:font script="Beng" typeface="Vrinda"/>
+        <a:font script="Gujr" typeface="Shruti"/>
+        <a:font script="Khmr" typeface="DaunPenh"/>
+        <a:font script="Knda" typeface="Tunga"/>
+        <a:font script="Guru" typeface="Raavi"/>
+        <a:font script="Cans" typeface="Euphemia"/>
+        <a:font script="Cher" typeface="Plantagenet Cherokee"/>
+        <a:font script="Yiii" typeface="Microsoft Yi Baiti"/>
+        <a:font script="Tibt" typeface="Microsoft Himalaya"/>
+        <a:font script="Thaa" typeface="MV Boli"/>
+        <a:font script="Deva" typeface="Mangal"/>
+        <a:font script="Telu" typeface="Gautami"/>
+        <a:font script="Taml" typeface="Latha"/>
+        <a:font script="Syrc" typeface="Estrangelo Edessa"/>
+        <a:font script="Orya" typeface="Kalinga"/>
+        <a:font script="Mlym" typeface="Kartika"/>
+        <a:font script="Laoo" typeface="DokChampa"/>
+        <a:font script="Sinh" typeface="Iskoola Pota"/>
+        <a:font script="Mong" typeface="Mongolian Baiti"/>
+        <a:font script="Viet" typeface="Arial"/>
+        <a:font script="Uigh" typeface="Microsoft Uighur"/>
+        <a:font script="Geor" typeface="Sylfaen"/>
+      </a:minorFont>
+    </a:fontScheme>
+    <a:fmtScheme name="Office">
+      <a:fillStyleLst>
+        <a:solidFill>
+          <a:schemeClr val="phClr"/>
+        </a:solidFill>
+        <a:gradFill rotWithShape="1">
+          <a:gsLst>
+            <a:gs pos="0">
+              <a:schemeClr val="phClr">
+                <a:lumMod val="110000"/>
+                <a:satMod val="105000"/>
+                <a:tint val="67000"/>
+              </a:schemeClr>
+            </a:gs>
+            <a:gs pos="50000">
+              <a:schemeClr val="phClr">
+                <a:lumMod val="105000"/>
+                <a:satMod val="103000"/>
+                <a:tint val="73000"/>
+              </a:schemeClr>
+            </a:gs>
+            <a:gs pos="100000">
+              <a:schemeClr val="phClr">
+                <a:lumMod val="105000"/>
+                <a:satMod val="109000"/>
+                <a:tint val="81000"/>
+              </a:schemeClr>
+            </a:gs>
+          </a:gsLst>
+          <a:lin ang="5400000" scaled="0"/>
+        </a:gradFill>
+        <a:gradFill rotWithShape="1">
+          <a:gsLst>
+            <a:gs pos="0">
+              <a:schemeClr val="phClr">
+                <a:satMod val="103000"/>
+                <a:lumMod val="102000"/>
+                <a:tint val="94000"/>
+              </a:schemeClr>
+            </a:gs>
+            <a:gs pos="50000">
+              <a:schemeClr val="phClr">
+                <a:satMod val="110000"/>
+                <a:lumMod val="100000"/>
+                <a:shade val="100000"/>
+              </a:schemeClr>
+            </a:gs>
+            <a:gs pos="100000">
+              <a:schemeClr val="phClr">
+                <a:lumMod val="99000"/>
+                <a:satMod val="120000"/>
+                <a:shade val="78000"/>
+              </a:schemeClr>
+            </a:gs>
+          </a:gsLst>
+          <a:lin ang="5400000" scaled="0"/>
+        </a:gradFill>
+      </a:fillStyleLst>
+      <a:lnStyleLst>
+        <a:ln w="6350" cap="flat" cmpd="sng" algn="ctr">
+          <a:solidFill>
+            <a:schemeClr val="phClr"/>
+          </a:solidFill>
+          <a:prstDash val="solid"/>
+          <a:miter lim="800000"/>
+        </a:ln>
+        <a:ln w="12700" cap="flat" cmpd="sng" algn="ctr">
+          <a:solidFill>
+            <a:schemeClr val="phClr"/>
+          </a:solidFill>
+          <a:prstDash val="solid"/>
+          <a:miter lim="800000"/>
+        </a:ln>
+        <a:ln w="19050" cap="flat" cmpd="sng" algn="ctr">
+          <a:solidFill>
+            <a:schemeClr val="phClr"/>
+          </a:solidFill>
+          <a:prstDash val="solid"/>
+          <a:miter lim="800000"/>
+        </a:ln>
+      </a:lnStyleLst>
+      <a:effectStyleLst>
+        <a:effectStyle>
+          <a:effectLst/>
+        </a:effectStyle>
+        <a:effectStyle>
+          <a:effectLst/>
+        </a:effectStyle>
+        <a:effectStyle>
+          <a:effectLst>
+            <a:outerShdw blurRad="57150" dist="19050" dir="5400000" algn="ctr" rotWithShape="0">
+              <a:srgbClr val="000000">
+                <a:alpha val="63000"/>
+              </a:srgbClr>
+            </a:outerShdw>
+          </a:effectLst>
+        </a:effectStyle>
+      </a:effectStyleLst>
+      <a:bgFillStyleLst>
+        <a:solidFill>
+          <a:schemeClr val="phClr"/>
+        </a:solidFill>
+        <a:solidFill>
+          <a:schemeClr val="phClr">
+            <a:tint val="95000"/>
+            <a:satMod val="170000"/>
+          </a:schemeClr>
+        </a:solidFill>
+        <a:gradFill rotWithShape="1">
+          <a:gsLst>
+            <a:gs pos="0">
+              <a:schemeClr val="phClr">
+                <a:tint val="93000"/>
+                <a:satMod val="150000"/>
+                <a:shade val="98000"/>
+                <a:lumMod val="102000"/>
+              </a:schemeClr>
+            </a:gs>
+            <a:gs pos="50000">
+              <a:schemeClr val="phClr">
+                <a:tint val="98000"/>
+                <a:satMod val="130000"/>
+                <a:shade val="90000"/>
+                <a:lumMod val="103000"/>
+              </a:schemeClr>
+            </a:gs>
+            <a:gs pos="100000">
+              <a:schemeClr val="phClr">
+                <a:shade val="63000"/>
+                <a:satMod val="120000"/>
+              </a:schemeClr>
+            </a:gs>
+          </a:gsLst>
+          <a:lin ang="5400000" scaled="0"/>
+        </a:gradFill>
+      </a:bgFillStyleLst>
+    </a:fmtScheme>
+  </a:themeElements>
+  <a:objectDefaults/>
+  <a:extraClrSchemeLst/>
+  <a:extLst>
+    <a:ext uri="{05A4C25C-085E-4340-85A3-A5531E510DB2}">
+      <thm15:themeFamily xmlns:thm15="http://schemas.microsoft.com/office/thememl/2012/main" name="Office Theme" id="{62F939B6-93AF-4DB8-9C6B-D6C7DFDC589F}" vid="{4A3C46E8-61CC-4603-A589-7422A47A8E4A}"/>
+    </a:ext>
+  </a:extLst>
+</a:theme>
 </file>
--- a/Document/presentation/nam/notify right route.pptx
+++ b/Document/presentation/nam/notify right route.pptx
@@ -5,7 +5,7 @@
     <p:sldMasterId id="2147483660" r:id="rId1"/>
   </p:sldMasterIdLst>
   <p:notesMasterIdLst>
-    <p:notesMasterId r:id="rId28"/>
+    <p:notesMasterId r:id="rId27"/>
   </p:notesMasterIdLst>
   <p:sldIdLst>
     <p:sldId id="304" r:id="rId2"/>
@@ -29,11 +29,10 @@
     <p:sldId id="296" r:id="rId20"/>
     <p:sldId id="290" r:id="rId21"/>
     <p:sldId id="291" r:id="rId22"/>
-    <p:sldId id="293" r:id="rId23"/>
-    <p:sldId id="303" r:id="rId24"/>
-    <p:sldId id="261" r:id="rId25"/>
-    <p:sldId id="258" r:id="rId26"/>
-    <p:sldId id="269" r:id="rId27"/>
+    <p:sldId id="303" r:id="rId23"/>
+    <p:sldId id="261" r:id="rId24"/>
+    <p:sldId id="258" r:id="rId25"/>
+    <p:sldId id="269" r:id="rId26"/>
   </p:sldIdLst>
   <p:sldSz cx="9144000" cy="6858000" type="screen4x3"/>
   <p:notesSz cx="6858000" cy="9144000"/>
@@ -222,7 +221,7 @@
           <a:p>
             <a:fld id="{DA9549E1-0AAC-2C4B-93C1-37A6039FCBA8}" type="datetimeFigureOut">
               <a:rPr lang="en-US" smtClean="0"/>
-              <a:t>12/11/15</a:t>
+              <a:t>12/11/2015</a:t>
             </a:fld>
             <a:endParaRPr lang="en-US"/>
           </a:p>
@@ -534,6 +533,150 @@
           <a:bodyPr/>
           <a:lstStyle/>
           <a:p>
+            <a:r>
+              <a:rPr lang="en-US" dirty="0" smtClean="0"/>
+              <a:t>Sau </a:t>
+            </a:r>
+            <a:r>
+              <a:rPr lang="en-US" dirty="0" err="1" smtClean="0"/>
+              <a:t>khi</a:t>
+            </a:r>
+            <a:r>
+              <a:rPr lang="en-US" dirty="0" smtClean="0"/>
+              <a:t> </a:t>
+            </a:r>
+            <a:r>
+              <a:rPr lang="en-US" dirty="0" err="1" smtClean="0"/>
+              <a:t>đã</a:t>
+            </a:r>
+            <a:r>
+              <a:rPr lang="en-US" baseline="0" dirty="0" smtClean="0"/>
+              <a:t> search </a:t>
+            </a:r>
+            <a:r>
+              <a:rPr lang="en-US" baseline="0" dirty="0" err="1" smtClean="0"/>
+              <a:t>ra</a:t>
+            </a:r>
+            <a:r>
+              <a:rPr lang="en-US" baseline="0" dirty="0" smtClean="0"/>
+              <a:t> </a:t>
+            </a:r>
+            <a:r>
+              <a:rPr lang="en-US" baseline="0" dirty="0" err="1" smtClean="0"/>
+              <a:t>được</a:t>
+            </a:r>
+            <a:r>
+              <a:rPr lang="en-US" baseline="0" dirty="0" smtClean="0"/>
+              <a:t> </a:t>
+            </a:r>
+            <a:r>
+              <a:rPr lang="en-US" baseline="0" dirty="0" err="1" smtClean="0"/>
+              <a:t>đường</a:t>
+            </a:r>
+            <a:r>
+              <a:rPr lang="en-US" baseline="0" dirty="0" smtClean="0"/>
+              <a:t> </a:t>
+            </a:r>
+            <a:r>
+              <a:rPr lang="en-US" baseline="0" dirty="0" err="1" smtClean="0"/>
+              <a:t>đi</a:t>
+            </a:r>
+            <a:r>
+              <a:rPr lang="en-US" baseline="0" dirty="0" smtClean="0"/>
+              <a:t> </a:t>
+            </a:r>
+            <a:r>
+              <a:rPr lang="en-US" baseline="0" dirty="0" err="1" smtClean="0"/>
+              <a:t>bằng</a:t>
+            </a:r>
+            <a:r>
+              <a:rPr lang="en-US" baseline="0" dirty="0" smtClean="0"/>
+              <a:t> </a:t>
+            </a:r>
+            <a:r>
+              <a:rPr lang="en-US" baseline="0" dirty="0" err="1" smtClean="0"/>
+              <a:t>wifi</a:t>
+            </a:r>
+            <a:r>
+              <a:rPr lang="en-US" baseline="0" dirty="0" smtClean="0"/>
+              <a:t> </a:t>
+            </a:r>
+            <a:r>
+              <a:rPr lang="en-US" baseline="0" dirty="0" err="1" smtClean="0"/>
+              <a:t>tại</a:t>
+            </a:r>
+            <a:r>
+              <a:rPr lang="en-US" baseline="0" dirty="0" smtClean="0"/>
+              <a:t> </a:t>
+            </a:r>
+            <a:r>
+              <a:rPr lang="en-US" baseline="0" dirty="0" err="1" smtClean="0"/>
+              <a:t>nhà</a:t>
+            </a:r>
+            <a:r>
+              <a:rPr lang="en-US" baseline="0" dirty="0" smtClean="0"/>
+              <a:t>. Anh </a:t>
+            </a:r>
+            <a:r>
+              <a:rPr lang="en-US" baseline="0" dirty="0" err="1" smtClean="0"/>
+              <a:t>khương</a:t>
+            </a:r>
+            <a:r>
+              <a:rPr lang="en-US" baseline="0" dirty="0" smtClean="0"/>
+              <a:t> </a:t>
+            </a:r>
+            <a:r>
+              <a:rPr lang="en-US" baseline="0" dirty="0" err="1" smtClean="0"/>
+              <a:t>bắt</a:t>
+            </a:r>
+            <a:r>
+              <a:rPr lang="en-US" baseline="0" dirty="0" smtClean="0"/>
+              <a:t> </a:t>
+            </a:r>
+            <a:r>
+              <a:rPr lang="en-US" baseline="0" dirty="0" err="1" smtClean="0"/>
+              <a:t>đầu</a:t>
+            </a:r>
+            <a:r>
+              <a:rPr lang="en-US" baseline="0" dirty="0" smtClean="0"/>
+              <a:t> </a:t>
+            </a:r>
+            <a:r>
+              <a:rPr lang="en-US" baseline="0" dirty="0" err="1" smtClean="0"/>
+              <a:t>chuyến</a:t>
+            </a:r>
+            <a:r>
+              <a:rPr lang="en-US" baseline="0" dirty="0" smtClean="0"/>
+              <a:t> </a:t>
+            </a:r>
+            <a:r>
+              <a:rPr lang="en-US" baseline="0" dirty="0" err="1" smtClean="0"/>
+              <a:t>đi</a:t>
+            </a:r>
+            <a:r>
+              <a:rPr lang="en-US" baseline="0" dirty="0" smtClean="0"/>
+              <a:t> </a:t>
+            </a:r>
+            <a:r>
+              <a:rPr lang="en-US" baseline="0" dirty="0" err="1" smtClean="0"/>
+              <a:t>của</a:t>
+            </a:r>
+            <a:r>
+              <a:rPr lang="en-US" baseline="0" dirty="0" smtClean="0"/>
+              <a:t> </a:t>
+            </a:r>
+            <a:r>
+              <a:rPr lang="en-US" baseline="0" dirty="0" err="1" smtClean="0"/>
+              <a:t>anh</a:t>
+            </a:r>
+            <a:r>
+              <a:rPr lang="en-US" baseline="0" dirty="0" smtClean="0"/>
+              <a:t> </a:t>
+            </a:r>
+            <a:r>
+              <a:rPr lang="en-US" baseline="0" dirty="0" err="1" smtClean="0"/>
+              <a:t>ấy</a:t>
+            </a:r>
             <a:endParaRPr lang="en-US" dirty="0"/>
           </a:p>
         </p:txBody>
@@ -565,6 +708,1913 @@
     <p:extLst>
       <p:ext uri="{BB962C8B-B14F-4D97-AF65-F5344CB8AC3E}">
         <p14:creationId xmlns:p14="http://schemas.microsoft.com/office/powerpoint/2010/main" val="154745863"/>
+      </p:ext>
+    </p:extLst>
+  </p:cSld>
+  <p:clrMapOvr>
+    <a:masterClrMapping/>
+  </p:clrMapOvr>
+</p:notes>
+</file>
+
+<file path=ppt/notesSlides/notesSlide10.xml><?xml version="1.0" encoding="utf-8"?>
+<p:notes xmlns:a="http://schemas.openxmlformats.org/drawingml/2006/main" xmlns:r="http://schemas.openxmlformats.org/officeDocument/2006/relationships" xmlns:p="http://schemas.openxmlformats.org/presentationml/2006/main">
+  <p:cSld>
+    <p:spTree>
+      <p:nvGrpSpPr>
+        <p:cNvPr id="1" name=""/>
+        <p:cNvGrpSpPr/>
+        <p:nvPr/>
+      </p:nvGrpSpPr>
+      <p:grpSpPr>
+        <a:xfrm>
+          <a:off x="0" y="0"/>
+          <a:ext cx="0" cy="0"/>
+          <a:chOff x="0" y="0"/>
+          <a:chExt cx="0" cy="0"/>
+        </a:xfrm>
+      </p:grpSpPr>
+      <p:sp>
+        <p:nvSpPr>
+          <p:cNvPr id="2" name="Slide Image Placeholder 1"/>
+          <p:cNvSpPr>
+            <a:spLocks noGrp="1" noRot="1" noChangeAspect="1"/>
+          </p:cNvSpPr>
+          <p:nvPr>
+            <p:ph type="sldImg"/>
+          </p:nvPr>
+        </p:nvSpPr>
+        <p:spPr/>
+      </p:sp>
+      <p:sp>
+        <p:nvSpPr>
+          <p:cNvPr id="3" name="Notes Placeholder 2"/>
+          <p:cNvSpPr>
+            <a:spLocks noGrp="1"/>
+          </p:cNvSpPr>
+          <p:nvPr>
+            <p:ph type="body" idx="1"/>
+          </p:nvPr>
+        </p:nvSpPr>
+        <p:spPr/>
+        <p:txBody>
+          <a:bodyPr/>
+          <a:lstStyle/>
+          <a:p>
+            <a:r>
+              <a:rPr lang="en-US" dirty="0" err="1" smtClean="0"/>
+              <a:t>Nếu</a:t>
+            </a:r>
+            <a:r>
+              <a:rPr lang="en-US" dirty="0" smtClean="0"/>
+              <a:t> C</a:t>
+            </a:r>
+            <a:r>
+              <a:rPr lang="en-US" baseline="0" dirty="0" smtClean="0"/>
+              <a:t> </a:t>
+            </a:r>
+            <a:r>
+              <a:rPr lang="en-US" baseline="0" dirty="0" err="1" smtClean="0"/>
+              <a:t>nằm</a:t>
+            </a:r>
+            <a:r>
+              <a:rPr lang="en-US" baseline="0" dirty="0" smtClean="0"/>
+              <a:t> </a:t>
+            </a:r>
+            <a:r>
+              <a:rPr lang="en-US" baseline="0" dirty="0" err="1" smtClean="0"/>
+              <a:t>ngoài</a:t>
+            </a:r>
+            <a:r>
+              <a:rPr lang="en-US" baseline="0" dirty="0" smtClean="0"/>
+              <a:t> </a:t>
+            </a:r>
+            <a:r>
+              <a:rPr lang="en-US" baseline="0" dirty="0" err="1" smtClean="0"/>
+              <a:t>đoạn</a:t>
+            </a:r>
+            <a:r>
+              <a:rPr lang="en-US" baseline="0" dirty="0" smtClean="0"/>
+              <a:t> </a:t>
+            </a:r>
+            <a:r>
+              <a:rPr lang="en-US" baseline="0" dirty="0" err="1" smtClean="0"/>
+              <a:t>thẳng</a:t>
+            </a:r>
+            <a:r>
+              <a:rPr lang="en-US" baseline="0" dirty="0" smtClean="0"/>
+              <a:t> AB. </a:t>
+            </a:r>
+            <a:r>
+              <a:rPr lang="en-US" baseline="0" dirty="0" err="1" smtClean="0"/>
+              <a:t>Tôi</a:t>
+            </a:r>
+            <a:r>
+              <a:rPr lang="en-US" baseline="0" dirty="0" smtClean="0"/>
+              <a:t> </a:t>
+            </a:r>
+            <a:r>
+              <a:rPr lang="en-US" baseline="0" dirty="0" err="1" smtClean="0"/>
+              <a:t>sẽ</a:t>
+            </a:r>
+            <a:r>
+              <a:rPr lang="en-US" baseline="0" dirty="0" smtClean="0"/>
+              <a:t> </a:t>
+            </a:r>
+            <a:r>
+              <a:rPr lang="en-US" baseline="0" dirty="0" err="1" smtClean="0"/>
+              <a:t>tìm</a:t>
+            </a:r>
+            <a:r>
+              <a:rPr lang="en-US" baseline="0" dirty="0" smtClean="0"/>
+              <a:t> </a:t>
+            </a:r>
+            <a:r>
+              <a:rPr lang="en-US" baseline="0" dirty="0" err="1" smtClean="0"/>
+              <a:t>khoảng</a:t>
+            </a:r>
+            <a:r>
+              <a:rPr lang="en-US" baseline="0" dirty="0" smtClean="0"/>
+              <a:t> </a:t>
+            </a:r>
+            <a:r>
+              <a:rPr lang="en-US" baseline="0" dirty="0" err="1" smtClean="0"/>
+              <a:t>cách</a:t>
+            </a:r>
+            <a:r>
+              <a:rPr lang="en-US" baseline="0" dirty="0" smtClean="0"/>
+              <a:t> </a:t>
+            </a:r>
+            <a:r>
+              <a:rPr lang="en-US" baseline="0" dirty="0" err="1" smtClean="0"/>
+              <a:t>từ</a:t>
+            </a:r>
+            <a:r>
+              <a:rPr lang="en-US" baseline="0" dirty="0" smtClean="0"/>
+              <a:t> C </a:t>
+            </a:r>
+            <a:r>
+              <a:rPr lang="en-US" baseline="0" dirty="0" err="1" smtClean="0"/>
+              <a:t>tới</a:t>
+            </a:r>
+            <a:r>
+              <a:rPr lang="en-US" baseline="0" dirty="0" smtClean="0"/>
+              <a:t> 2 </a:t>
+            </a:r>
+            <a:r>
+              <a:rPr lang="en-US" baseline="0" dirty="0" err="1" smtClean="0"/>
+              <a:t>điểm</a:t>
+            </a:r>
+            <a:r>
+              <a:rPr lang="en-US" baseline="0" dirty="0" smtClean="0"/>
+              <a:t> </a:t>
+            </a:r>
+            <a:r>
+              <a:rPr lang="en-US" baseline="0" dirty="0" err="1" smtClean="0"/>
+              <a:t>đầu</a:t>
+            </a:r>
+            <a:r>
+              <a:rPr lang="en-US" baseline="0" dirty="0" smtClean="0"/>
+              <a:t> </a:t>
+            </a:r>
+            <a:r>
+              <a:rPr lang="en-US" baseline="0" dirty="0" err="1" smtClean="0"/>
+              <a:t>cuối</a:t>
+            </a:r>
+            <a:r>
+              <a:rPr lang="en-US" baseline="0" dirty="0" smtClean="0"/>
+              <a:t> </a:t>
+            </a:r>
+            <a:r>
+              <a:rPr lang="en-US" baseline="0" dirty="0" err="1" smtClean="0"/>
+              <a:t>của</a:t>
+            </a:r>
+            <a:r>
+              <a:rPr lang="en-US" baseline="0" dirty="0" smtClean="0"/>
+              <a:t> </a:t>
+            </a:r>
+            <a:r>
+              <a:rPr lang="en-US" baseline="0" dirty="0" err="1" smtClean="0"/>
+              <a:t>đoạn</a:t>
+            </a:r>
+            <a:r>
+              <a:rPr lang="en-US" baseline="0" dirty="0" smtClean="0"/>
+              <a:t> </a:t>
+            </a:r>
+            <a:r>
+              <a:rPr lang="en-US" baseline="0" dirty="0" err="1" smtClean="0"/>
+              <a:t>thẳng</a:t>
+            </a:r>
+            <a:r>
+              <a:rPr lang="en-US" baseline="0" dirty="0" smtClean="0"/>
+              <a:t> AB </a:t>
+            </a:r>
+            <a:endParaRPr lang="en-US" dirty="0"/>
+          </a:p>
+        </p:txBody>
+      </p:sp>
+      <p:sp>
+        <p:nvSpPr>
+          <p:cNvPr id="4" name="Slide Number Placeholder 3"/>
+          <p:cNvSpPr>
+            <a:spLocks noGrp="1"/>
+          </p:cNvSpPr>
+          <p:nvPr>
+            <p:ph type="sldNum" sz="quarter" idx="10"/>
+          </p:nvPr>
+        </p:nvSpPr>
+        <p:spPr/>
+        <p:txBody>
+          <a:bodyPr/>
+          <a:lstStyle/>
+          <a:p>
+            <a:fld id="{6EAC9104-BF7A-AB40-8603-EF459625F286}" type="slidenum">
+              <a:rPr lang="en-US" smtClean="0"/>
+              <a:t>10</a:t>
+            </a:fld>
+            <a:endParaRPr lang="en-US"/>
+          </a:p>
+        </p:txBody>
+      </p:sp>
+    </p:spTree>
+    <p:extLst>
+      <p:ext uri="{BB962C8B-B14F-4D97-AF65-F5344CB8AC3E}">
+        <p14:creationId xmlns:p14="http://schemas.microsoft.com/office/powerpoint/2010/main" val="694426448"/>
+      </p:ext>
+    </p:extLst>
+  </p:cSld>
+  <p:clrMapOvr>
+    <a:masterClrMapping/>
+  </p:clrMapOvr>
+</p:notes>
+</file>
+
+<file path=ppt/notesSlides/notesSlide11.xml><?xml version="1.0" encoding="utf-8"?>
+<p:notes xmlns:a="http://schemas.openxmlformats.org/drawingml/2006/main" xmlns:r="http://schemas.openxmlformats.org/officeDocument/2006/relationships" xmlns:p="http://schemas.openxmlformats.org/presentationml/2006/main">
+  <p:cSld>
+    <p:spTree>
+      <p:nvGrpSpPr>
+        <p:cNvPr id="1" name=""/>
+        <p:cNvGrpSpPr/>
+        <p:nvPr/>
+      </p:nvGrpSpPr>
+      <p:grpSpPr>
+        <a:xfrm>
+          <a:off x="0" y="0"/>
+          <a:ext cx="0" cy="0"/>
+          <a:chOff x="0" y="0"/>
+          <a:chExt cx="0" cy="0"/>
+        </a:xfrm>
+      </p:grpSpPr>
+      <p:sp>
+        <p:nvSpPr>
+          <p:cNvPr id="2" name="Slide Image Placeholder 1"/>
+          <p:cNvSpPr>
+            <a:spLocks noGrp="1" noRot="1" noChangeAspect="1"/>
+          </p:cNvSpPr>
+          <p:nvPr>
+            <p:ph type="sldImg"/>
+          </p:nvPr>
+        </p:nvSpPr>
+        <p:spPr/>
+      </p:sp>
+      <p:sp>
+        <p:nvSpPr>
+          <p:cNvPr id="3" name="Notes Placeholder 2"/>
+          <p:cNvSpPr>
+            <a:spLocks noGrp="1"/>
+          </p:cNvSpPr>
+          <p:nvPr>
+            <p:ph type="body" idx="1"/>
+          </p:nvPr>
+        </p:nvSpPr>
+        <p:spPr/>
+        <p:txBody>
+          <a:bodyPr/>
+          <a:lstStyle/>
+          <a:p>
+            <a:r>
+              <a:rPr lang="en-US" dirty="0" smtClean="0"/>
+              <a:t>CA</a:t>
+            </a:r>
+            <a:endParaRPr lang="en-US" dirty="0"/>
+          </a:p>
+        </p:txBody>
+      </p:sp>
+      <p:sp>
+        <p:nvSpPr>
+          <p:cNvPr id="4" name="Slide Number Placeholder 3"/>
+          <p:cNvSpPr>
+            <a:spLocks noGrp="1"/>
+          </p:cNvSpPr>
+          <p:nvPr>
+            <p:ph type="sldNum" sz="quarter" idx="10"/>
+          </p:nvPr>
+        </p:nvSpPr>
+        <p:spPr/>
+        <p:txBody>
+          <a:bodyPr/>
+          <a:lstStyle/>
+          <a:p>
+            <a:fld id="{6EAC9104-BF7A-AB40-8603-EF459625F286}" type="slidenum">
+              <a:rPr lang="en-US" smtClean="0"/>
+              <a:t>11</a:t>
+            </a:fld>
+            <a:endParaRPr lang="en-US"/>
+          </a:p>
+        </p:txBody>
+      </p:sp>
+    </p:spTree>
+    <p:extLst>
+      <p:ext uri="{BB962C8B-B14F-4D97-AF65-F5344CB8AC3E}">
+        <p14:creationId xmlns:p14="http://schemas.microsoft.com/office/powerpoint/2010/main" val="4226081113"/>
+      </p:ext>
+    </p:extLst>
+  </p:cSld>
+  <p:clrMapOvr>
+    <a:masterClrMapping/>
+  </p:clrMapOvr>
+</p:notes>
+</file>
+
+<file path=ppt/notesSlides/notesSlide12.xml><?xml version="1.0" encoding="utf-8"?>
+<p:notes xmlns:a="http://schemas.openxmlformats.org/drawingml/2006/main" xmlns:r="http://schemas.openxmlformats.org/officeDocument/2006/relationships" xmlns:p="http://schemas.openxmlformats.org/presentationml/2006/main">
+  <p:cSld>
+    <p:spTree>
+      <p:nvGrpSpPr>
+        <p:cNvPr id="1" name=""/>
+        <p:cNvGrpSpPr/>
+        <p:nvPr/>
+      </p:nvGrpSpPr>
+      <p:grpSpPr>
+        <a:xfrm>
+          <a:off x="0" y="0"/>
+          <a:ext cx="0" cy="0"/>
+          <a:chOff x="0" y="0"/>
+          <a:chExt cx="0" cy="0"/>
+        </a:xfrm>
+      </p:grpSpPr>
+      <p:sp>
+        <p:nvSpPr>
+          <p:cNvPr id="2" name="Slide Image Placeholder 1"/>
+          <p:cNvSpPr>
+            <a:spLocks noGrp="1" noRot="1" noChangeAspect="1"/>
+          </p:cNvSpPr>
+          <p:nvPr>
+            <p:ph type="sldImg"/>
+          </p:nvPr>
+        </p:nvSpPr>
+        <p:spPr/>
+      </p:sp>
+      <p:sp>
+        <p:nvSpPr>
+          <p:cNvPr id="3" name="Notes Placeholder 2"/>
+          <p:cNvSpPr>
+            <a:spLocks noGrp="1"/>
+          </p:cNvSpPr>
+          <p:nvPr>
+            <p:ph type="body" idx="1"/>
+          </p:nvPr>
+        </p:nvSpPr>
+        <p:spPr/>
+        <p:txBody>
+          <a:bodyPr/>
+          <a:lstStyle/>
+          <a:p>
+            <a:r>
+              <a:rPr lang="en-US" dirty="0" smtClean="0"/>
+              <a:t>CB</a:t>
+            </a:r>
+            <a:endParaRPr lang="en-US" dirty="0"/>
+          </a:p>
+        </p:txBody>
+      </p:sp>
+      <p:sp>
+        <p:nvSpPr>
+          <p:cNvPr id="4" name="Slide Number Placeholder 3"/>
+          <p:cNvSpPr>
+            <a:spLocks noGrp="1"/>
+          </p:cNvSpPr>
+          <p:nvPr>
+            <p:ph type="sldNum" sz="quarter" idx="10"/>
+          </p:nvPr>
+        </p:nvSpPr>
+        <p:spPr/>
+        <p:txBody>
+          <a:bodyPr/>
+          <a:lstStyle/>
+          <a:p>
+            <a:fld id="{6EAC9104-BF7A-AB40-8603-EF459625F286}" type="slidenum">
+              <a:rPr lang="en-US" smtClean="0"/>
+              <a:t>12</a:t>
+            </a:fld>
+            <a:endParaRPr lang="en-US"/>
+          </a:p>
+        </p:txBody>
+      </p:sp>
+    </p:spTree>
+    <p:extLst>
+      <p:ext uri="{BB962C8B-B14F-4D97-AF65-F5344CB8AC3E}">
+        <p14:creationId xmlns:p14="http://schemas.microsoft.com/office/powerpoint/2010/main" val="2425047128"/>
+      </p:ext>
+    </p:extLst>
+  </p:cSld>
+  <p:clrMapOvr>
+    <a:masterClrMapping/>
+  </p:clrMapOvr>
+</p:notes>
+</file>
+
+<file path=ppt/notesSlides/notesSlide13.xml><?xml version="1.0" encoding="utf-8"?>
+<p:notes xmlns:a="http://schemas.openxmlformats.org/drawingml/2006/main" xmlns:r="http://schemas.openxmlformats.org/officeDocument/2006/relationships" xmlns:p="http://schemas.openxmlformats.org/presentationml/2006/main">
+  <p:cSld>
+    <p:spTree>
+      <p:nvGrpSpPr>
+        <p:cNvPr id="1" name=""/>
+        <p:cNvGrpSpPr/>
+        <p:nvPr/>
+      </p:nvGrpSpPr>
+      <p:grpSpPr>
+        <a:xfrm>
+          <a:off x="0" y="0"/>
+          <a:ext cx="0" cy="0"/>
+          <a:chOff x="0" y="0"/>
+          <a:chExt cx="0" cy="0"/>
+        </a:xfrm>
+      </p:grpSpPr>
+      <p:sp>
+        <p:nvSpPr>
+          <p:cNvPr id="2" name="Slide Image Placeholder 1"/>
+          <p:cNvSpPr>
+            <a:spLocks noGrp="1" noRot="1" noChangeAspect="1"/>
+          </p:cNvSpPr>
+          <p:nvPr>
+            <p:ph type="sldImg"/>
+          </p:nvPr>
+        </p:nvSpPr>
+        <p:spPr/>
+      </p:sp>
+      <p:sp>
+        <p:nvSpPr>
+          <p:cNvPr id="3" name="Notes Placeholder 2"/>
+          <p:cNvSpPr>
+            <a:spLocks noGrp="1"/>
+          </p:cNvSpPr>
+          <p:nvPr>
+            <p:ph type="body" idx="1"/>
+          </p:nvPr>
+        </p:nvSpPr>
+        <p:spPr/>
+        <p:txBody>
+          <a:bodyPr/>
+          <a:lstStyle/>
+          <a:p>
+            <a:r>
+              <a:rPr lang="en-US" dirty="0" err="1" smtClean="0"/>
+              <a:t>Và</a:t>
+            </a:r>
+            <a:r>
+              <a:rPr lang="en-US" baseline="0" dirty="0" smtClean="0"/>
+              <a:t> </a:t>
+            </a:r>
+            <a:r>
+              <a:rPr lang="en-US" baseline="0" dirty="0" err="1" smtClean="0"/>
+              <a:t>giữa</a:t>
+            </a:r>
+            <a:r>
+              <a:rPr lang="en-US" baseline="0" dirty="0" smtClean="0"/>
+              <a:t> 2 </a:t>
+            </a:r>
+            <a:r>
+              <a:rPr lang="en-US" baseline="0" dirty="0" err="1" smtClean="0"/>
+              <a:t>đoạn</a:t>
+            </a:r>
+            <a:r>
+              <a:rPr lang="en-US" baseline="0" dirty="0" smtClean="0"/>
+              <a:t> CA CB, </a:t>
+            </a:r>
+            <a:r>
+              <a:rPr lang="en-US" baseline="0" dirty="0" err="1" smtClean="0"/>
+              <a:t>đoạn</a:t>
+            </a:r>
+            <a:r>
+              <a:rPr lang="en-US" baseline="0" dirty="0" smtClean="0"/>
+              <a:t> </a:t>
+            </a:r>
+            <a:r>
+              <a:rPr lang="en-US" baseline="0" dirty="0" err="1" smtClean="0"/>
+              <a:t>nào</a:t>
+            </a:r>
+            <a:r>
+              <a:rPr lang="en-US" baseline="0" dirty="0" smtClean="0"/>
+              <a:t> </a:t>
+            </a:r>
+            <a:r>
+              <a:rPr lang="en-US" baseline="0" dirty="0" err="1" smtClean="0"/>
+              <a:t>có</a:t>
+            </a:r>
+            <a:r>
+              <a:rPr lang="en-US" baseline="0" dirty="0" smtClean="0"/>
+              <a:t> </a:t>
+            </a:r>
+            <a:r>
+              <a:rPr lang="en-US" baseline="0" dirty="0" err="1" smtClean="0"/>
+              <a:t>độ</a:t>
+            </a:r>
+            <a:r>
+              <a:rPr lang="en-US" baseline="0" dirty="0" smtClean="0"/>
+              <a:t> </a:t>
+            </a:r>
+            <a:r>
+              <a:rPr lang="en-US" baseline="0" dirty="0" err="1" smtClean="0"/>
+              <a:t>dài</a:t>
+            </a:r>
+            <a:r>
+              <a:rPr lang="en-US" baseline="0" dirty="0" smtClean="0"/>
+              <a:t> </a:t>
+            </a:r>
+            <a:r>
+              <a:rPr lang="en-US" baseline="0" dirty="0" err="1" smtClean="0"/>
+              <a:t>ngắn</a:t>
+            </a:r>
+            <a:r>
+              <a:rPr lang="en-US" baseline="0" dirty="0" smtClean="0"/>
+              <a:t> </a:t>
+            </a:r>
+            <a:r>
+              <a:rPr lang="en-US" baseline="0" dirty="0" err="1" smtClean="0"/>
+              <a:t>hơn</a:t>
+            </a:r>
+            <a:r>
+              <a:rPr lang="en-US" baseline="0" dirty="0" smtClean="0"/>
+              <a:t> </a:t>
+            </a:r>
+            <a:r>
+              <a:rPr lang="en-US" baseline="0" dirty="0" err="1" smtClean="0"/>
+              <a:t>chính</a:t>
+            </a:r>
+            <a:r>
+              <a:rPr lang="en-US" baseline="0" dirty="0" smtClean="0"/>
+              <a:t> </a:t>
+            </a:r>
+            <a:r>
+              <a:rPr lang="en-US" baseline="0" dirty="0" err="1" smtClean="0"/>
+              <a:t>là</a:t>
+            </a:r>
+            <a:r>
+              <a:rPr lang="en-US" baseline="0" dirty="0" smtClean="0"/>
+              <a:t> </a:t>
+            </a:r>
+            <a:r>
+              <a:rPr lang="en-US" baseline="0" dirty="0" err="1" smtClean="0"/>
+              <a:t>khoảng</a:t>
+            </a:r>
+            <a:r>
+              <a:rPr lang="en-US" baseline="0" dirty="0" smtClean="0"/>
+              <a:t> </a:t>
+            </a:r>
+            <a:r>
+              <a:rPr lang="en-US" baseline="0" dirty="0" err="1" smtClean="0"/>
+              <a:t>cách</a:t>
+            </a:r>
+            <a:r>
+              <a:rPr lang="en-US" baseline="0" dirty="0" smtClean="0"/>
+              <a:t> </a:t>
+            </a:r>
+            <a:r>
+              <a:rPr lang="en-US" baseline="0" dirty="0" err="1" smtClean="0"/>
+              <a:t>từ</a:t>
+            </a:r>
+            <a:r>
+              <a:rPr lang="en-US" baseline="0" dirty="0" smtClean="0"/>
+              <a:t> C </a:t>
+            </a:r>
+            <a:r>
+              <a:rPr lang="en-US" baseline="0" dirty="0" err="1" smtClean="0"/>
+              <a:t>tới</a:t>
+            </a:r>
+            <a:r>
+              <a:rPr lang="en-US" baseline="0" dirty="0" smtClean="0"/>
+              <a:t> AB</a:t>
+            </a:r>
+            <a:endParaRPr lang="en-US" dirty="0"/>
+          </a:p>
+        </p:txBody>
+      </p:sp>
+      <p:sp>
+        <p:nvSpPr>
+          <p:cNvPr id="4" name="Slide Number Placeholder 3"/>
+          <p:cNvSpPr>
+            <a:spLocks noGrp="1"/>
+          </p:cNvSpPr>
+          <p:nvPr>
+            <p:ph type="sldNum" sz="quarter" idx="10"/>
+          </p:nvPr>
+        </p:nvSpPr>
+        <p:spPr/>
+        <p:txBody>
+          <a:bodyPr/>
+          <a:lstStyle/>
+          <a:p>
+            <a:fld id="{6EAC9104-BF7A-AB40-8603-EF459625F286}" type="slidenum">
+              <a:rPr lang="en-US" smtClean="0"/>
+              <a:t>13</a:t>
+            </a:fld>
+            <a:endParaRPr lang="en-US"/>
+          </a:p>
+        </p:txBody>
+      </p:sp>
+    </p:spTree>
+    <p:extLst>
+      <p:ext uri="{BB962C8B-B14F-4D97-AF65-F5344CB8AC3E}">
+        <p14:creationId xmlns:p14="http://schemas.microsoft.com/office/powerpoint/2010/main" val="4286795147"/>
+      </p:ext>
+    </p:extLst>
+  </p:cSld>
+  <p:clrMapOvr>
+    <a:masterClrMapping/>
+  </p:clrMapOvr>
+</p:notes>
+</file>
+
+<file path=ppt/notesSlides/notesSlide14.xml><?xml version="1.0" encoding="utf-8"?>
+<p:notes xmlns:a="http://schemas.openxmlformats.org/drawingml/2006/main" xmlns:r="http://schemas.openxmlformats.org/officeDocument/2006/relationships" xmlns:p="http://schemas.openxmlformats.org/presentationml/2006/main">
+  <p:cSld>
+    <p:spTree>
+      <p:nvGrpSpPr>
+        <p:cNvPr id="1" name=""/>
+        <p:cNvGrpSpPr/>
+        <p:nvPr/>
+      </p:nvGrpSpPr>
+      <p:grpSpPr>
+        <a:xfrm>
+          <a:off x="0" y="0"/>
+          <a:ext cx="0" cy="0"/>
+          <a:chOff x="0" y="0"/>
+          <a:chExt cx="0" cy="0"/>
+        </a:xfrm>
+      </p:grpSpPr>
+      <p:sp>
+        <p:nvSpPr>
+          <p:cNvPr id="2" name="Slide Image Placeholder 1"/>
+          <p:cNvSpPr>
+            <a:spLocks noGrp="1" noRot="1" noChangeAspect="1"/>
+          </p:cNvSpPr>
+          <p:nvPr>
+            <p:ph type="sldImg"/>
+          </p:nvPr>
+        </p:nvSpPr>
+        <p:spPr/>
+      </p:sp>
+      <p:sp>
+        <p:nvSpPr>
+          <p:cNvPr id="3" name="Notes Placeholder 2"/>
+          <p:cNvSpPr>
+            <a:spLocks noGrp="1"/>
+          </p:cNvSpPr>
+          <p:nvPr>
+            <p:ph type="body" idx="1"/>
+          </p:nvPr>
+        </p:nvSpPr>
+        <p:spPr/>
+        <p:txBody>
+          <a:bodyPr/>
+          <a:lstStyle/>
+          <a:p>
+            <a:r>
+              <a:rPr lang="en-US" dirty="0" err="1" smtClean="0"/>
+              <a:t>Tiếp</a:t>
+            </a:r>
+            <a:r>
+              <a:rPr lang="en-US" baseline="0" dirty="0" smtClean="0"/>
+              <a:t> </a:t>
+            </a:r>
+            <a:r>
+              <a:rPr lang="en-US" baseline="0" dirty="0" err="1" smtClean="0"/>
+              <a:t>theo</a:t>
+            </a:r>
+            <a:r>
+              <a:rPr lang="en-US" baseline="0" dirty="0" smtClean="0"/>
+              <a:t> </a:t>
+            </a:r>
+            <a:r>
+              <a:rPr lang="en-US" baseline="0" dirty="0" err="1" smtClean="0"/>
+              <a:t>tôi</a:t>
+            </a:r>
+            <a:r>
+              <a:rPr lang="en-US" baseline="0" dirty="0" smtClean="0"/>
+              <a:t> </a:t>
+            </a:r>
+            <a:r>
+              <a:rPr lang="en-US" baseline="0" dirty="0" err="1" smtClean="0"/>
+              <a:t>xin</a:t>
+            </a:r>
+            <a:r>
+              <a:rPr lang="en-US" baseline="0" dirty="0" smtClean="0"/>
+              <a:t> </a:t>
+            </a:r>
+            <a:r>
+              <a:rPr lang="en-US" baseline="0" dirty="0" err="1" smtClean="0"/>
+              <a:t>trình</a:t>
+            </a:r>
+            <a:r>
+              <a:rPr lang="en-US" baseline="0" dirty="0" smtClean="0"/>
+              <a:t> </a:t>
+            </a:r>
+            <a:r>
+              <a:rPr lang="en-US" baseline="0" dirty="0" err="1" smtClean="0"/>
+              <a:t>bày</a:t>
+            </a:r>
+            <a:r>
+              <a:rPr lang="en-US" baseline="0" dirty="0" smtClean="0"/>
+              <a:t> </a:t>
+            </a:r>
+            <a:r>
+              <a:rPr lang="en-US" baseline="0" dirty="0" err="1" smtClean="0"/>
+              <a:t>tiếp</a:t>
+            </a:r>
+            <a:r>
+              <a:rPr lang="en-US" baseline="0" dirty="0" smtClean="0"/>
+              <a:t> </a:t>
+            </a:r>
+            <a:r>
+              <a:rPr lang="en-US" baseline="0" dirty="0" err="1" smtClean="0"/>
+              <a:t>về</a:t>
+            </a:r>
+            <a:r>
+              <a:rPr lang="en-US" baseline="0" dirty="0" smtClean="0"/>
+              <a:t> </a:t>
+            </a:r>
+            <a:r>
+              <a:rPr lang="en-US" baseline="0" dirty="0" err="1" smtClean="0"/>
+              <a:t>thuật</a:t>
+            </a:r>
+            <a:r>
+              <a:rPr lang="en-US" baseline="0" dirty="0" smtClean="0"/>
+              <a:t> </a:t>
+            </a:r>
+            <a:r>
+              <a:rPr lang="en-US" baseline="0" dirty="0" err="1" smtClean="0"/>
+              <a:t>toán</a:t>
+            </a:r>
+            <a:r>
+              <a:rPr lang="en-US" baseline="0" dirty="0" smtClean="0"/>
+              <a:t> Notify turn</a:t>
+            </a:r>
+            <a:endParaRPr lang="en-US" dirty="0"/>
+          </a:p>
+        </p:txBody>
+      </p:sp>
+      <p:sp>
+        <p:nvSpPr>
+          <p:cNvPr id="4" name="Slide Number Placeholder 3"/>
+          <p:cNvSpPr>
+            <a:spLocks noGrp="1"/>
+          </p:cNvSpPr>
+          <p:nvPr>
+            <p:ph type="sldNum" sz="quarter" idx="10"/>
+          </p:nvPr>
+        </p:nvSpPr>
+        <p:spPr/>
+        <p:txBody>
+          <a:bodyPr/>
+          <a:lstStyle/>
+          <a:p>
+            <a:fld id="{6EAC9104-BF7A-AB40-8603-EF459625F286}" type="slidenum">
+              <a:rPr lang="en-US" smtClean="0"/>
+              <a:t>14</a:t>
+            </a:fld>
+            <a:endParaRPr lang="en-US"/>
+          </a:p>
+        </p:txBody>
+      </p:sp>
+    </p:spTree>
+    <p:extLst>
+      <p:ext uri="{BB962C8B-B14F-4D97-AF65-F5344CB8AC3E}">
+        <p14:creationId xmlns:p14="http://schemas.microsoft.com/office/powerpoint/2010/main" val="3667313825"/>
+      </p:ext>
+    </p:extLst>
+  </p:cSld>
+  <p:clrMapOvr>
+    <a:masterClrMapping/>
+  </p:clrMapOvr>
+</p:notes>
+</file>
+
+<file path=ppt/notesSlides/notesSlide15.xml><?xml version="1.0" encoding="utf-8"?>
+<p:notes xmlns:a="http://schemas.openxmlformats.org/drawingml/2006/main" xmlns:r="http://schemas.openxmlformats.org/officeDocument/2006/relationships" xmlns:p="http://schemas.openxmlformats.org/presentationml/2006/main">
+  <p:cSld>
+    <p:spTree>
+      <p:nvGrpSpPr>
+        <p:cNvPr id="1" name=""/>
+        <p:cNvGrpSpPr/>
+        <p:nvPr/>
+      </p:nvGrpSpPr>
+      <p:grpSpPr>
+        <a:xfrm>
+          <a:off x="0" y="0"/>
+          <a:ext cx="0" cy="0"/>
+          <a:chOff x="0" y="0"/>
+          <a:chExt cx="0" cy="0"/>
+        </a:xfrm>
+      </p:grpSpPr>
+      <p:sp>
+        <p:nvSpPr>
+          <p:cNvPr id="2" name="Slide Image Placeholder 1"/>
+          <p:cNvSpPr>
+            <a:spLocks noGrp="1" noRot="1" noChangeAspect="1"/>
+          </p:cNvSpPr>
+          <p:nvPr>
+            <p:ph type="sldImg"/>
+          </p:nvPr>
+        </p:nvSpPr>
+        <p:spPr/>
+      </p:sp>
+      <p:sp>
+        <p:nvSpPr>
+          <p:cNvPr id="3" name="Notes Placeholder 2"/>
+          <p:cNvSpPr>
+            <a:spLocks noGrp="1"/>
+          </p:cNvSpPr>
+          <p:nvPr>
+            <p:ph type="body" idx="1"/>
+          </p:nvPr>
+        </p:nvSpPr>
+        <p:spPr/>
+        <p:txBody>
+          <a:bodyPr/>
+          <a:lstStyle/>
+          <a:p>
+            <a:pPr marL="0" marR="0" indent="0" algn="l" defTabSz="914400" rtl="0" eaLnBrk="1" fontAlgn="auto" latinLnBrk="0" hangingPunct="1">
+              <a:lnSpc>
+                <a:spcPct val="100000"/>
+              </a:lnSpc>
+              <a:spcBef>
+                <a:spcPts val="0"/>
+              </a:spcBef>
+              <a:spcAft>
+                <a:spcPts val="0"/>
+              </a:spcAft>
+              <a:buClrTx/>
+              <a:buSzTx/>
+              <a:buFontTx/>
+              <a:buNone/>
+              <a:tabLst/>
+              <a:defRPr/>
+            </a:pPr>
+            <a:r>
+              <a:rPr lang="en-US" dirty="0" err="1" smtClean="0"/>
+              <a:t>Đầu</a:t>
+            </a:r>
+            <a:r>
+              <a:rPr lang="en-US" dirty="0" smtClean="0"/>
+              <a:t> </a:t>
+            </a:r>
+            <a:r>
+              <a:rPr lang="en-US" dirty="0" err="1" smtClean="0"/>
+              <a:t>tiên</a:t>
+            </a:r>
+            <a:r>
+              <a:rPr lang="en-US" baseline="0" dirty="0" smtClean="0"/>
+              <a:t> </a:t>
+            </a:r>
+            <a:r>
+              <a:rPr lang="vi-VN" dirty="0" smtClean="0"/>
+              <a:t>Tôi </a:t>
+            </a:r>
+            <a:r>
+              <a:rPr lang="vi-VN" dirty="0" smtClean="0"/>
+              <a:t>có một chuyến đi gồm 4 đoạn từ A -&gt; E</a:t>
+            </a:r>
+            <a:endParaRPr lang="en-US" dirty="0" smtClean="0"/>
+          </a:p>
+          <a:p>
+            <a:endParaRPr lang="en-US" dirty="0"/>
+          </a:p>
+        </p:txBody>
+      </p:sp>
+      <p:sp>
+        <p:nvSpPr>
+          <p:cNvPr id="4" name="Slide Number Placeholder 3"/>
+          <p:cNvSpPr>
+            <a:spLocks noGrp="1"/>
+          </p:cNvSpPr>
+          <p:nvPr>
+            <p:ph type="sldNum" sz="quarter" idx="10"/>
+          </p:nvPr>
+        </p:nvSpPr>
+        <p:spPr/>
+        <p:txBody>
+          <a:bodyPr/>
+          <a:lstStyle/>
+          <a:p>
+            <a:fld id="{6EAC9104-BF7A-AB40-8603-EF459625F286}" type="slidenum">
+              <a:rPr lang="en-US" smtClean="0"/>
+              <a:t>15</a:t>
+            </a:fld>
+            <a:endParaRPr lang="en-US"/>
+          </a:p>
+        </p:txBody>
+      </p:sp>
+    </p:spTree>
+    <p:extLst>
+      <p:ext uri="{BB962C8B-B14F-4D97-AF65-F5344CB8AC3E}">
+        <p14:creationId xmlns:p14="http://schemas.microsoft.com/office/powerpoint/2010/main" val="443439637"/>
+      </p:ext>
+    </p:extLst>
+  </p:cSld>
+  <p:clrMapOvr>
+    <a:masterClrMapping/>
+  </p:clrMapOvr>
+</p:notes>
+</file>
+
+<file path=ppt/notesSlides/notesSlide16.xml><?xml version="1.0" encoding="utf-8"?>
+<p:notes xmlns:a="http://schemas.openxmlformats.org/drawingml/2006/main" xmlns:r="http://schemas.openxmlformats.org/officeDocument/2006/relationships" xmlns:p="http://schemas.openxmlformats.org/presentationml/2006/main">
+  <p:cSld>
+    <p:spTree>
+      <p:nvGrpSpPr>
+        <p:cNvPr id="1" name=""/>
+        <p:cNvGrpSpPr/>
+        <p:nvPr/>
+      </p:nvGrpSpPr>
+      <p:grpSpPr>
+        <a:xfrm>
+          <a:off x="0" y="0"/>
+          <a:ext cx="0" cy="0"/>
+          <a:chOff x="0" y="0"/>
+          <a:chExt cx="0" cy="0"/>
+        </a:xfrm>
+      </p:grpSpPr>
+      <p:sp>
+        <p:nvSpPr>
+          <p:cNvPr id="2" name="Slide Image Placeholder 1"/>
+          <p:cNvSpPr>
+            <a:spLocks noGrp="1" noRot="1" noChangeAspect="1"/>
+          </p:cNvSpPr>
+          <p:nvPr>
+            <p:ph type="sldImg"/>
+          </p:nvPr>
+        </p:nvSpPr>
+        <p:spPr/>
+      </p:sp>
+      <p:sp>
+        <p:nvSpPr>
+          <p:cNvPr id="3" name="Notes Placeholder 2"/>
+          <p:cNvSpPr>
+            <a:spLocks noGrp="1"/>
+          </p:cNvSpPr>
+          <p:nvPr>
+            <p:ph type="body" idx="1"/>
+          </p:nvPr>
+        </p:nvSpPr>
+        <p:spPr/>
+        <p:txBody>
+          <a:bodyPr/>
+          <a:lstStyle/>
+          <a:p>
+            <a:r>
+              <a:rPr lang="en-US" dirty="0" err="1" smtClean="0"/>
+              <a:t>Khi</a:t>
+            </a:r>
+            <a:r>
+              <a:rPr lang="en-US" dirty="0" smtClean="0"/>
+              <a:t> </a:t>
+            </a:r>
+            <a:r>
+              <a:rPr lang="en-US" dirty="0" err="1" smtClean="0"/>
+              <a:t>người</a:t>
+            </a:r>
+            <a:r>
+              <a:rPr lang="en-US" baseline="0" dirty="0" smtClean="0"/>
+              <a:t> dung </a:t>
+            </a:r>
+            <a:r>
+              <a:rPr lang="en-US" baseline="0" dirty="0" err="1" smtClean="0"/>
+              <a:t>bắt</a:t>
+            </a:r>
+            <a:r>
+              <a:rPr lang="en-US" baseline="0" dirty="0" smtClean="0"/>
+              <a:t> </a:t>
+            </a:r>
+            <a:r>
+              <a:rPr lang="en-US" baseline="0" dirty="0" err="1" smtClean="0"/>
+              <a:t>đầu</a:t>
+            </a:r>
+            <a:r>
+              <a:rPr lang="en-US" baseline="0" dirty="0" smtClean="0"/>
+              <a:t> di </a:t>
+            </a:r>
+            <a:r>
+              <a:rPr lang="en-US" baseline="0" dirty="0" err="1" smtClean="0"/>
+              <a:t>chuyển</a:t>
+            </a:r>
+            <a:endParaRPr lang="en-US" dirty="0"/>
+          </a:p>
+        </p:txBody>
+      </p:sp>
+      <p:sp>
+        <p:nvSpPr>
+          <p:cNvPr id="4" name="Slide Number Placeholder 3"/>
+          <p:cNvSpPr>
+            <a:spLocks noGrp="1"/>
+          </p:cNvSpPr>
+          <p:nvPr>
+            <p:ph type="sldNum" sz="quarter" idx="10"/>
+          </p:nvPr>
+        </p:nvSpPr>
+        <p:spPr/>
+        <p:txBody>
+          <a:bodyPr/>
+          <a:lstStyle/>
+          <a:p>
+            <a:fld id="{6EAC9104-BF7A-AB40-8603-EF459625F286}" type="slidenum">
+              <a:rPr lang="en-US" smtClean="0"/>
+              <a:t>16</a:t>
+            </a:fld>
+            <a:endParaRPr lang="en-US"/>
+          </a:p>
+        </p:txBody>
+      </p:sp>
+    </p:spTree>
+    <p:extLst>
+      <p:ext uri="{BB962C8B-B14F-4D97-AF65-F5344CB8AC3E}">
+        <p14:creationId xmlns:p14="http://schemas.microsoft.com/office/powerpoint/2010/main" val="2333089012"/>
+      </p:ext>
+    </p:extLst>
+  </p:cSld>
+  <p:clrMapOvr>
+    <a:masterClrMapping/>
+  </p:clrMapOvr>
+</p:notes>
+</file>
+
+<file path=ppt/notesSlides/notesSlide17.xml><?xml version="1.0" encoding="utf-8"?>
+<p:notes xmlns:a="http://schemas.openxmlformats.org/drawingml/2006/main" xmlns:r="http://schemas.openxmlformats.org/officeDocument/2006/relationships" xmlns:p="http://schemas.openxmlformats.org/presentationml/2006/main">
+  <p:cSld>
+    <p:spTree>
+      <p:nvGrpSpPr>
+        <p:cNvPr id="1" name=""/>
+        <p:cNvGrpSpPr/>
+        <p:nvPr/>
+      </p:nvGrpSpPr>
+      <p:grpSpPr>
+        <a:xfrm>
+          <a:off x="0" y="0"/>
+          <a:ext cx="0" cy="0"/>
+          <a:chOff x="0" y="0"/>
+          <a:chExt cx="0" cy="0"/>
+        </a:xfrm>
+      </p:grpSpPr>
+      <p:sp>
+        <p:nvSpPr>
+          <p:cNvPr id="2" name="Slide Image Placeholder 1"/>
+          <p:cNvSpPr>
+            <a:spLocks noGrp="1" noRot="1" noChangeAspect="1"/>
+          </p:cNvSpPr>
+          <p:nvPr>
+            <p:ph type="sldImg"/>
+          </p:nvPr>
+        </p:nvSpPr>
+        <p:spPr/>
+      </p:sp>
+      <p:sp>
+        <p:nvSpPr>
+          <p:cNvPr id="3" name="Notes Placeholder 2"/>
+          <p:cNvSpPr>
+            <a:spLocks noGrp="1"/>
+          </p:cNvSpPr>
+          <p:nvPr>
+            <p:ph type="body" idx="1"/>
+          </p:nvPr>
+        </p:nvSpPr>
+        <p:spPr/>
+        <p:txBody>
+          <a:bodyPr/>
+          <a:lstStyle/>
+          <a:p>
+            <a:r>
+              <a:rPr lang="en-US" dirty="0" err="1" smtClean="0"/>
+              <a:t>Hệ</a:t>
+            </a:r>
+            <a:r>
+              <a:rPr lang="en-US" baseline="0" dirty="0" smtClean="0"/>
+              <a:t> </a:t>
+            </a:r>
+            <a:r>
+              <a:rPr lang="en-US" baseline="0" dirty="0" err="1" smtClean="0"/>
+              <a:t>thống</a:t>
+            </a:r>
+            <a:r>
+              <a:rPr lang="en-US" baseline="0" dirty="0" smtClean="0"/>
+              <a:t> </a:t>
+            </a:r>
+            <a:r>
+              <a:rPr lang="en-US" baseline="0" dirty="0" err="1" smtClean="0"/>
+              <a:t>sẽ</a:t>
+            </a:r>
+            <a:r>
+              <a:rPr lang="en-US" baseline="0" dirty="0" smtClean="0"/>
+              <a:t> </a:t>
+            </a:r>
+            <a:r>
+              <a:rPr lang="en-US" baseline="0" dirty="0" err="1" smtClean="0"/>
+              <a:t>đo</a:t>
+            </a:r>
+            <a:r>
+              <a:rPr lang="en-US" baseline="0" dirty="0" smtClean="0"/>
+              <a:t> </a:t>
+            </a:r>
+            <a:r>
+              <a:rPr lang="en-US" baseline="0" dirty="0" err="1" smtClean="0"/>
+              <a:t>khoảng</a:t>
+            </a:r>
+            <a:r>
+              <a:rPr lang="en-US" baseline="0" dirty="0" smtClean="0"/>
+              <a:t> </a:t>
+            </a:r>
+            <a:r>
+              <a:rPr lang="en-US" baseline="0" dirty="0" err="1" smtClean="0"/>
+              <a:t>cách</a:t>
+            </a:r>
+            <a:r>
+              <a:rPr lang="en-US" baseline="0" dirty="0" smtClean="0"/>
+              <a:t> </a:t>
+            </a:r>
+            <a:r>
+              <a:rPr lang="en-US" baseline="0" dirty="0" err="1" smtClean="0"/>
+              <a:t>từ</a:t>
+            </a:r>
+            <a:r>
+              <a:rPr lang="en-US" baseline="0" dirty="0" smtClean="0"/>
+              <a:t> </a:t>
+            </a:r>
+            <a:r>
+              <a:rPr lang="en-US" baseline="0" dirty="0" err="1" smtClean="0"/>
+              <a:t>vị</a:t>
+            </a:r>
+            <a:r>
+              <a:rPr lang="en-US" baseline="0" dirty="0" smtClean="0"/>
+              <a:t> </a:t>
+            </a:r>
+            <a:r>
+              <a:rPr lang="en-US" baseline="0" dirty="0" err="1" smtClean="0"/>
+              <a:t>trí</a:t>
+            </a:r>
+            <a:r>
+              <a:rPr lang="en-US" baseline="0" dirty="0" smtClean="0"/>
+              <a:t> </a:t>
+            </a:r>
+            <a:r>
+              <a:rPr lang="en-US" baseline="0" dirty="0" err="1" smtClean="0"/>
+              <a:t>người</a:t>
+            </a:r>
+            <a:r>
+              <a:rPr lang="en-US" baseline="0" dirty="0" smtClean="0"/>
+              <a:t> </a:t>
+            </a:r>
+            <a:r>
+              <a:rPr lang="en-US" baseline="0" dirty="0" err="1" smtClean="0"/>
+              <a:t>dùng</a:t>
+            </a:r>
+            <a:r>
+              <a:rPr lang="en-US" baseline="0" dirty="0" smtClean="0"/>
+              <a:t> </a:t>
+            </a:r>
+            <a:r>
+              <a:rPr lang="en-US" baseline="0" dirty="0" err="1" smtClean="0"/>
+              <a:t>tới</a:t>
+            </a:r>
+            <a:r>
+              <a:rPr lang="en-US" baseline="0" dirty="0" smtClean="0"/>
+              <a:t> </a:t>
+            </a:r>
+            <a:r>
+              <a:rPr lang="en-US" baseline="0" dirty="0" err="1" smtClean="0"/>
+              <a:t>đoạn</a:t>
+            </a:r>
+            <a:r>
+              <a:rPr lang="en-US" baseline="0" dirty="0" smtClean="0"/>
+              <a:t> </a:t>
+            </a:r>
+            <a:r>
+              <a:rPr lang="en-US" baseline="0" dirty="0" err="1" smtClean="0"/>
+              <a:t>thẳng</a:t>
+            </a:r>
+            <a:r>
+              <a:rPr lang="en-US" baseline="0" dirty="0" smtClean="0"/>
+              <a:t> AB </a:t>
+            </a:r>
+            <a:r>
+              <a:rPr lang="en-US" baseline="0" dirty="0" err="1" smtClean="0"/>
+              <a:t>là</a:t>
+            </a:r>
+            <a:r>
+              <a:rPr lang="en-US" baseline="0" dirty="0" smtClean="0"/>
+              <a:t> </a:t>
+            </a:r>
+            <a:r>
+              <a:rPr lang="en-US" baseline="0" dirty="0" err="1" smtClean="0"/>
+              <a:t>đoạn</a:t>
+            </a:r>
+            <a:r>
+              <a:rPr lang="en-US" baseline="0" dirty="0" smtClean="0"/>
+              <a:t> </a:t>
+            </a:r>
+            <a:r>
+              <a:rPr lang="en-US" baseline="0" dirty="0" err="1" smtClean="0"/>
+              <a:t>đầu</a:t>
+            </a:r>
+            <a:r>
+              <a:rPr lang="en-US" baseline="0" dirty="0" smtClean="0"/>
+              <a:t> </a:t>
+            </a:r>
+            <a:r>
+              <a:rPr lang="en-US" baseline="0" dirty="0" err="1" smtClean="0"/>
+              <a:t>tiên</a:t>
+            </a:r>
+            <a:endParaRPr lang="en-US" dirty="0"/>
+          </a:p>
+        </p:txBody>
+      </p:sp>
+      <p:sp>
+        <p:nvSpPr>
+          <p:cNvPr id="4" name="Slide Number Placeholder 3"/>
+          <p:cNvSpPr>
+            <a:spLocks noGrp="1"/>
+          </p:cNvSpPr>
+          <p:nvPr>
+            <p:ph type="sldNum" sz="quarter" idx="10"/>
+          </p:nvPr>
+        </p:nvSpPr>
+        <p:spPr/>
+        <p:txBody>
+          <a:bodyPr/>
+          <a:lstStyle/>
+          <a:p>
+            <a:fld id="{6EAC9104-BF7A-AB40-8603-EF459625F286}" type="slidenum">
+              <a:rPr lang="en-US" smtClean="0"/>
+              <a:t>17</a:t>
+            </a:fld>
+            <a:endParaRPr lang="en-US"/>
+          </a:p>
+        </p:txBody>
+      </p:sp>
+    </p:spTree>
+    <p:extLst>
+      <p:ext uri="{BB962C8B-B14F-4D97-AF65-F5344CB8AC3E}">
+        <p14:creationId xmlns:p14="http://schemas.microsoft.com/office/powerpoint/2010/main" val="645469338"/>
+      </p:ext>
+    </p:extLst>
+  </p:cSld>
+  <p:clrMapOvr>
+    <a:masterClrMapping/>
+  </p:clrMapOvr>
+</p:notes>
+</file>
+
+<file path=ppt/notesSlides/notesSlide18.xml><?xml version="1.0" encoding="utf-8"?>
+<p:notes xmlns:a="http://schemas.openxmlformats.org/drawingml/2006/main" xmlns:r="http://schemas.openxmlformats.org/officeDocument/2006/relationships" xmlns:p="http://schemas.openxmlformats.org/presentationml/2006/main">
+  <p:cSld>
+    <p:spTree>
+      <p:nvGrpSpPr>
+        <p:cNvPr id="1" name=""/>
+        <p:cNvGrpSpPr/>
+        <p:nvPr/>
+      </p:nvGrpSpPr>
+      <p:grpSpPr>
+        <a:xfrm>
+          <a:off x="0" y="0"/>
+          <a:ext cx="0" cy="0"/>
+          <a:chOff x="0" y="0"/>
+          <a:chExt cx="0" cy="0"/>
+        </a:xfrm>
+      </p:grpSpPr>
+      <p:sp>
+        <p:nvSpPr>
+          <p:cNvPr id="2" name="Slide Image Placeholder 1"/>
+          <p:cNvSpPr>
+            <a:spLocks noGrp="1" noRot="1" noChangeAspect="1"/>
+          </p:cNvSpPr>
+          <p:nvPr>
+            <p:ph type="sldImg"/>
+          </p:nvPr>
+        </p:nvSpPr>
+        <p:spPr/>
+      </p:sp>
+      <p:sp>
+        <p:nvSpPr>
+          <p:cNvPr id="3" name="Notes Placeholder 2"/>
+          <p:cNvSpPr>
+            <a:spLocks noGrp="1"/>
+          </p:cNvSpPr>
+          <p:nvPr>
+            <p:ph type="body" idx="1"/>
+          </p:nvPr>
+        </p:nvSpPr>
+        <p:spPr/>
+        <p:txBody>
+          <a:bodyPr/>
+          <a:lstStyle/>
+          <a:p>
+            <a:r>
+              <a:rPr lang="en-US" dirty="0" err="1" smtClean="0"/>
+              <a:t>Nếu</a:t>
+            </a:r>
+            <a:r>
+              <a:rPr lang="en-US" dirty="0" smtClean="0"/>
+              <a:t> </a:t>
+            </a:r>
+            <a:r>
+              <a:rPr lang="en-US" dirty="0" err="1" smtClean="0"/>
+              <a:t>khoảng</a:t>
+            </a:r>
+            <a:r>
+              <a:rPr lang="en-US" baseline="0" dirty="0" smtClean="0"/>
+              <a:t> </a:t>
+            </a:r>
+            <a:r>
+              <a:rPr lang="en-US" baseline="0" dirty="0" err="1" smtClean="0"/>
+              <a:t>cách</a:t>
+            </a:r>
+            <a:r>
+              <a:rPr lang="en-US" baseline="0" dirty="0" smtClean="0"/>
+              <a:t> </a:t>
+            </a:r>
+            <a:r>
+              <a:rPr lang="en-US" baseline="0" dirty="0" err="1" smtClean="0"/>
+              <a:t>đó</a:t>
+            </a:r>
+            <a:r>
+              <a:rPr lang="en-US" baseline="0" dirty="0" smtClean="0"/>
+              <a:t> </a:t>
+            </a:r>
+            <a:r>
+              <a:rPr lang="en-US" baseline="0" dirty="0" err="1" smtClean="0"/>
+              <a:t>nằm</a:t>
+            </a:r>
+            <a:r>
+              <a:rPr lang="en-US" baseline="0" dirty="0" smtClean="0"/>
+              <a:t> </a:t>
+            </a:r>
+            <a:r>
+              <a:rPr lang="en-US" baseline="0" dirty="0" err="1" smtClean="0"/>
+              <a:t>trong</a:t>
+            </a:r>
+            <a:r>
+              <a:rPr lang="en-US" baseline="0" dirty="0" smtClean="0"/>
+              <a:t> </a:t>
+            </a:r>
+            <a:r>
+              <a:rPr lang="en-US" baseline="0" dirty="0" err="1" smtClean="0"/>
+              <a:t>độ</a:t>
+            </a:r>
+            <a:r>
+              <a:rPr lang="en-US" baseline="0" dirty="0" smtClean="0"/>
+              <a:t> </a:t>
+            </a:r>
+            <a:r>
+              <a:rPr lang="en-US" baseline="0" dirty="0" err="1" smtClean="0"/>
+              <a:t>dài</a:t>
+            </a:r>
+            <a:r>
+              <a:rPr lang="en-US" baseline="0" dirty="0" smtClean="0"/>
+              <a:t> </a:t>
+            </a:r>
+            <a:r>
+              <a:rPr lang="en-US" baseline="0" dirty="0" err="1" smtClean="0"/>
+              <a:t>cho</a:t>
+            </a:r>
+            <a:r>
+              <a:rPr lang="en-US" baseline="0" dirty="0" smtClean="0"/>
+              <a:t> </a:t>
+            </a:r>
+            <a:r>
+              <a:rPr lang="en-US" baseline="0" dirty="0" err="1" smtClean="0"/>
+              <a:t>phép</a:t>
+            </a:r>
+            <a:r>
+              <a:rPr lang="en-US" baseline="0" dirty="0" smtClean="0"/>
+              <a:t>, </a:t>
+            </a:r>
+            <a:r>
+              <a:rPr lang="en-US" baseline="0" dirty="0" err="1" smtClean="0"/>
+              <a:t>thì</a:t>
+            </a:r>
+            <a:r>
+              <a:rPr lang="en-US" baseline="0" dirty="0" smtClean="0"/>
+              <a:t> </a:t>
+            </a:r>
+            <a:r>
+              <a:rPr lang="en-US" baseline="0" dirty="0" err="1" smtClean="0"/>
+              <a:t>hệ</a:t>
+            </a:r>
+            <a:r>
+              <a:rPr lang="en-US" baseline="0" dirty="0" smtClean="0"/>
+              <a:t> </a:t>
+            </a:r>
+            <a:r>
+              <a:rPr lang="en-US" baseline="0" dirty="0" err="1" smtClean="0"/>
+              <a:t>thống</a:t>
+            </a:r>
+            <a:r>
+              <a:rPr lang="en-US" baseline="0" dirty="0" smtClean="0"/>
+              <a:t> </a:t>
+            </a:r>
+            <a:r>
+              <a:rPr lang="en-US" baseline="0" dirty="0" err="1" smtClean="0"/>
+              <a:t>xác</a:t>
+            </a:r>
+            <a:r>
+              <a:rPr lang="en-US" baseline="0" dirty="0" smtClean="0"/>
+              <a:t> </a:t>
+            </a:r>
+            <a:r>
+              <a:rPr lang="en-US" baseline="0" dirty="0" err="1" smtClean="0"/>
+              <a:t>định</a:t>
+            </a:r>
+            <a:r>
+              <a:rPr lang="en-US" baseline="0" dirty="0" smtClean="0"/>
+              <a:t> </a:t>
+            </a:r>
+            <a:r>
+              <a:rPr lang="en-US" baseline="0" dirty="0" err="1" smtClean="0"/>
+              <a:t>rằng</a:t>
+            </a:r>
+            <a:r>
+              <a:rPr lang="en-US" baseline="0" dirty="0" smtClean="0"/>
+              <a:t> </a:t>
+            </a:r>
+            <a:r>
+              <a:rPr lang="en-US" baseline="0" dirty="0" err="1" smtClean="0"/>
+              <a:t>người</a:t>
+            </a:r>
+            <a:r>
+              <a:rPr lang="en-US" baseline="0" dirty="0" smtClean="0"/>
+              <a:t> </a:t>
+            </a:r>
+            <a:r>
+              <a:rPr lang="en-US" baseline="0" dirty="0" err="1" smtClean="0"/>
+              <a:t>dùng</a:t>
+            </a:r>
+            <a:r>
+              <a:rPr lang="en-US" baseline="0" dirty="0" smtClean="0"/>
+              <a:t> </a:t>
+            </a:r>
+            <a:r>
+              <a:rPr lang="en-US" baseline="0" dirty="0" err="1" smtClean="0"/>
+              <a:t>đang</a:t>
+            </a:r>
+            <a:r>
+              <a:rPr lang="en-US" baseline="0" dirty="0" smtClean="0"/>
+              <a:t> </a:t>
+            </a:r>
+            <a:r>
+              <a:rPr lang="en-US" baseline="0" dirty="0" err="1" smtClean="0"/>
+              <a:t>đi</a:t>
+            </a:r>
+            <a:r>
+              <a:rPr lang="en-US" baseline="0" dirty="0" smtClean="0"/>
+              <a:t> </a:t>
+            </a:r>
+            <a:r>
+              <a:rPr lang="en-US" baseline="0" dirty="0" err="1" smtClean="0"/>
+              <a:t>đúng</a:t>
+            </a:r>
+            <a:r>
+              <a:rPr lang="en-US" baseline="0" dirty="0" smtClean="0"/>
+              <a:t> </a:t>
+            </a:r>
+            <a:r>
+              <a:rPr lang="en-US" baseline="0" dirty="0" err="1" smtClean="0"/>
+              <a:t>đường</a:t>
+            </a:r>
+            <a:endParaRPr lang="en-US" dirty="0"/>
+          </a:p>
+        </p:txBody>
+      </p:sp>
+      <p:sp>
+        <p:nvSpPr>
+          <p:cNvPr id="4" name="Slide Number Placeholder 3"/>
+          <p:cNvSpPr>
+            <a:spLocks noGrp="1"/>
+          </p:cNvSpPr>
+          <p:nvPr>
+            <p:ph type="sldNum" sz="quarter" idx="10"/>
+          </p:nvPr>
+        </p:nvSpPr>
+        <p:spPr/>
+        <p:txBody>
+          <a:bodyPr/>
+          <a:lstStyle/>
+          <a:p>
+            <a:fld id="{6EAC9104-BF7A-AB40-8603-EF459625F286}" type="slidenum">
+              <a:rPr lang="en-US" smtClean="0"/>
+              <a:t>18</a:t>
+            </a:fld>
+            <a:endParaRPr lang="en-US"/>
+          </a:p>
+        </p:txBody>
+      </p:sp>
+    </p:spTree>
+    <p:extLst>
+      <p:ext uri="{BB962C8B-B14F-4D97-AF65-F5344CB8AC3E}">
+        <p14:creationId xmlns:p14="http://schemas.microsoft.com/office/powerpoint/2010/main" val="3230434535"/>
+      </p:ext>
+    </p:extLst>
+  </p:cSld>
+  <p:clrMapOvr>
+    <a:masterClrMapping/>
+  </p:clrMapOvr>
+</p:notes>
+</file>
+
+<file path=ppt/notesSlides/notesSlide19.xml><?xml version="1.0" encoding="utf-8"?>
+<p:notes xmlns:a="http://schemas.openxmlformats.org/drawingml/2006/main" xmlns:r="http://schemas.openxmlformats.org/officeDocument/2006/relationships" xmlns:p="http://schemas.openxmlformats.org/presentationml/2006/main">
+  <p:cSld>
+    <p:spTree>
+      <p:nvGrpSpPr>
+        <p:cNvPr id="1" name=""/>
+        <p:cNvGrpSpPr/>
+        <p:nvPr/>
+      </p:nvGrpSpPr>
+      <p:grpSpPr>
+        <a:xfrm>
+          <a:off x="0" y="0"/>
+          <a:ext cx="0" cy="0"/>
+          <a:chOff x="0" y="0"/>
+          <a:chExt cx="0" cy="0"/>
+        </a:xfrm>
+      </p:grpSpPr>
+      <p:sp>
+        <p:nvSpPr>
+          <p:cNvPr id="2" name="Slide Image Placeholder 1"/>
+          <p:cNvSpPr>
+            <a:spLocks noGrp="1" noRot="1" noChangeAspect="1"/>
+          </p:cNvSpPr>
+          <p:nvPr>
+            <p:ph type="sldImg"/>
+          </p:nvPr>
+        </p:nvSpPr>
+        <p:spPr/>
+      </p:sp>
+      <p:sp>
+        <p:nvSpPr>
+          <p:cNvPr id="3" name="Notes Placeholder 2"/>
+          <p:cNvSpPr>
+            <a:spLocks noGrp="1"/>
+          </p:cNvSpPr>
+          <p:nvPr>
+            <p:ph type="body" idx="1"/>
+          </p:nvPr>
+        </p:nvSpPr>
+        <p:spPr/>
+        <p:txBody>
+          <a:bodyPr/>
+          <a:lstStyle/>
+          <a:p>
+            <a:r>
+              <a:rPr lang="en-US" dirty="0" smtClean="0"/>
+              <a:t>Sau </a:t>
+            </a:r>
+            <a:r>
+              <a:rPr lang="en-US" dirty="0" err="1" smtClean="0"/>
+              <a:t>đó</a:t>
+            </a:r>
+            <a:r>
+              <a:rPr lang="en-US" baseline="0" dirty="0" smtClean="0"/>
+              <a:t> </a:t>
+            </a:r>
+            <a:r>
+              <a:rPr lang="en-US" baseline="0" dirty="0" err="1" smtClean="0"/>
+              <a:t>hệ</a:t>
+            </a:r>
+            <a:r>
+              <a:rPr lang="en-US" baseline="0" dirty="0" smtClean="0"/>
+              <a:t> </a:t>
+            </a:r>
+            <a:r>
+              <a:rPr lang="en-US" baseline="0" dirty="0" err="1" smtClean="0"/>
+              <a:t>thống</a:t>
+            </a:r>
+            <a:r>
+              <a:rPr lang="en-US" baseline="0" dirty="0" smtClean="0"/>
+              <a:t> </a:t>
+            </a:r>
+            <a:r>
+              <a:rPr lang="en-US" baseline="0" dirty="0" err="1" smtClean="0"/>
+              <a:t>sẽ</a:t>
+            </a:r>
+            <a:r>
+              <a:rPr lang="en-US" baseline="0" dirty="0" smtClean="0"/>
+              <a:t> </a:t>
+            </a:r>
+            <a:r>
+              <a:rPr lang="en-US" baseline="0" dirty="0" err="1" smtClean="0"/>
+              <a:t>tiếp</a:t>
+            </a:r>
+            <a:r>
+              <a:rPr lang="en-US" baseline="0" dirty="0" smtClean="0"/>
+              <a:t> </a:t>
+            </a:r>
+            <a:r>
+              <a:rPr lang="en-US" baseline="0" dirty="0" err="1" smtClean="0"/>
+              <a:t>tục</a:t>
+            </a:r>
+            <a:r>
+              <a:rPr lang="en-US" baseline="0" dirty="0" smtClean="0"/>
+              <a:t> </a:t>
+            </a:r>
+            <a:r>
+              <a:rPr lang="en-US" baseline="0" dirty="0" err="1" smtClean="0"/>
+              <a:t>đo</a:t>
+            </a:r>
+            <a:r>
+              <a:rPr lang="en-US" baseline="0" dirty="0" smtClean="0"/>
+              <a:t> </a:t>
+            </a:r>
+            <a:r>
+              <a:rPr lang="en-US" baseline="0" dirty="0" err="1" smtClean="0"/>
+              <a:t>khoảng</a:t>
+            </a:r>
+            <a:r>
+              <a:rPr lang="en-US" baseline="0" dirty="0" smtClean="0"/>
+              <a:t> </a:t>
+            </a:r>
+            <a:r>
+              <a:rPr lang="en-US" baseline="0" dirty="0" err="1" smtClean="0"/>
+              <a:t>cách</a:t>
+            </a:r>
+            <a:r>
+              <a:rPr lang="en-US" baseline="0" dirty="0" smtClean="0"/>
+              <a:t> </a:t>
+            </a:r>
+            <a:r>
+              <a:rPr lang="en-US" baseline="0" dirty="0" err="1" smtClean="0"/>
+              <a:t>từ</a:t>
+            </a:r>
+            <a:r>
+              <a:rPr lang="en-US" baseline="0" dirty="0" smtClean="0"/>
+              <a:t> </a:t>
+            </a:r>
+            <a:r>
+              <a:rPr lang="en-US" baseline="0" dirty="0" err="1" smtClean="0"/>
+              <a:t>vị</a:t>
+            </a:r>
+            <a:r>
+              <a:rPr lang="en-US" baseline="0" dirty="0" smtClean="0"/>
+              <a:t> </a:t>
+            </a:r>
+            <a:r>
+              <a:rPr lang="en-US" baseline="0" dirty="0" err="1" smtClean="0"/>
+              <a:t>trí</a:t>
+            </a:r>
+            <a:r>
+              <a:rPr lang="en-US" baseline="0" dirty="0" smtClean="0"/>
+              <a:t> </a:t>
+            </a:r>
+            <a:r>
+              <a:rPr lang="en-US" baseline="0" dirty="0" err="1" smtClean="0"/>
+              <a:t>người</a:t>
+            </a:r>
+            <a:r>
+              <a:rPr lang="en-US" baseline="0" dirty="0" smtClean="0"/>
+              <a:t> dung </a:t>
+            </a:r>
+            <a:r>
+              <a:rPr lang="en-US" baseline="0" dirty="0" err="1" smtClean="0"/>
+              <a:t>tới</a:t>
+            </a:r>
+            <a:r>
+              <a:rPr lang="en-US" baseline="0" dirty="0" smtClean="0"/>
+              <a:t> </a:t>
+            </a:r>
+            <a:r>
+              <a:rPr lang="en-US" baseline="0" dirty="0" err="1" smtClean="0"/>
+              <a:t>điểm</a:t>
+            </a:r>
+            <a:r>
+              <a:rPr lang="en-US" baseline="0" dirty="0" smtClean="0"/>
+              <a:t> </a:t>
+            </a:r>
+            <a:r>
+              <a:rPr lang="en-US" baseline="0" dirty="0" err="1" smtClean="0"/>
+              <a:t>thông</a:t>
+            </a:r>
+            <a:r>
+              <a:rPr lang="en-US" baseline="0" dirty="0" smtClean="0"/>
+              <a:t> </a:t>
+            </a:r>
+            <a:r>
+              <a:rPr lang="en-US" baseline="0" dirty="0" err="1" smtClean="0"/>
+              <a:t>báo</a:t>
+            </a:r>
+            <a:r>
+              <a:rPr lang="en-US" baseline="0" dirty="0" smtClean="0"/>
+              <a:t> </a:t>
+            </a:r>
+            <a:r>
+              <a:rPr lang="en-US" baseline="0" dirty="0" err="1" smtClean="0"/>
+              <a:t>tiếp</a:t>
+            </a:r>
+            <a:r>
+              <a:rPr lang="en-US" baseline="0" dirty="0" smtClean="0"/>
+              <a:t> </a:t>
+            </a:r>
+            <a:r>
+              <a:rPr lang="en-US" baseline="0" dirty="0" err="1" smtClean="0"/>
+              <a:t>theo.</a:t>
+            </a:r>
+            <a:endParaRPr lang="en-US" baseline="0" dirty="0" smtClean="0"/>
+          </a:p>
+          <a:p>
+            <a:r>
+              <a:rPr lang="en-US" baseline="0" dirty="0" err="1" smtClean="0"/>
+              <a:t>Và</a:t>
+            </a:r>
+            <a:r>
+              <a:rPr lang="en-US" baseline="0" dirty="0" smtClean="0"/>
+              <a:t> </a:t>
+            </a:r>
+            <a:r>
+              <a:rPr lang="en-US" baseline="0" dirty="0" err="1" smtClean="0"/>
+              <a:t>hệ</a:t>
+            </a:r>
+            <a:r>
+              <a:rPr lang="en-US" baseline="0" dirty="0" smtClean="0"/>
+              <a:t> </a:t>
+            </a:r>
+            <a:r>
+              <a:rPr lang="en-US" baseline="0" dirty="0" err="1" smtClean="0"/>
+              <a:t>thống</a:t>
+            </a:r>
+            <a:r>
+              <a:rPr lang="en-US" baseline="0" dirty="0" smtClean="0"/>
+              <a:t> </a:t>
+            </a:r>
+            <a:r>
+              <a:rPr lang="en-US" baseline="0" dirty="0" err="1" smtClean="0"/>
+              <a:t>thấy</a:t>
+            </a:r>
+            <a:r>
+              <a:rPr lang="en-US" baseline="0" dirty="0" smtClean="0"/>
+              <a:t> </a:t>
+            </a:r>
+            <a:r>
+              <a:rPr lang="en-US" baseline="0" dirty="0" err="1" smtClean="0"/>
+              <a:t>khoảng</a:t>
+            </a:r>
+            <a:r>
+              <a:rPr lang="en-US" baseline="0" dirty="0" smtClean="0"/>
+              <a:t> </a:t>
+            </a:r>
+            <a:r>
+              <a:rPr lang="en-US" baseline="0" dirty="0" err="1" smtClean="0"/>
+              <a:t>cách</a:t>
+            </a:r>
+            <a:r>
+              <a:rPr lang="en-US" baseline="0" dirty="0" smtClean="0"/>
+              <a:t> </a:t>
+            </a:r>
+            <a:r>
+              <a:rPr lang="en-US" baseline="0" dirty="0" err="1" smtClean="0"/>
+              <a:t>đó</a:t>
+            </a:r>
+            <a:r>
+              <a:rPr lang="en-US" baseline="0" dirty="0" smtClean="0"/>
+              <a:t> </a:t>
+            </a:r>
+            <a:r>
+              <a:rPr lang="en-US" baseline="0" dirty="0" err="1" smtClean="0"/>
+              <a:t>ko</a:t>
+            </a:r>
+            <a:r>
+              <a:rPr lang="en-US" baseline="0" dirty="0" smtClean="0"/>
+              <a:t> </a:t>
+            </a:r>
+            <a:r>
+              <a:rPr lang="en-US" baseline="0" dirty="0" err="1" smtClean="0"/>
+              <a:t>nằm</a:t>
+            </a:r>
+            <a:r>
+              <a:rPr lang="en-US" baseline="0" dirty="0" smtClean="0"/>
+              <a:t> </a:t>
+            </a:r>
+            <a:r>
+              <a:rPr lang="en-US" baseline="0" dirty="0" err="1" smtClean="0"/>
+              <a:t>trong</a:t>
+            </a:r>
+            <a:r>
+              <a:rPr lang="en-US" baseline="0" dirty="0" smtClean="0"/>
+              <a:t> </a:t>
+            </a:r>
+            <a:r>
+              <a:rPr lang="en-US" baseline="0" dirty="0" err="1" smtClean="0"/>
+              <a:t>độ</a:t>
+            </a:r>
+            <a:r>
+              <a:rPr lang="en-US" baseline="0" dirty="0" smtClean="0"/>
+              <a:t> </a:t>
+            </a:r>
+            <a:r>
+              <a:rPr lang="en-US" baseline="0" dirty="0" err="1" smtClean="0"/>
+              <a:t>dài</a:t>
+            </a:r>
+            <a:r>
+              <a:rPr lang="en-US" baseline="0" dirty="0" smtClean="0"/>
+              <a:t> </a:t>
+            </a:r>
+            <a:r>
+              <a:rPr lang="en-US" baseline="0" dirty="0" err="1" smtClean="0"/>
+              <a:t>cho</a:t>
+            </a:r>
+            <a:r>
+              <a:rPr lang="en-US" baseline="0" dirty="0" smtClean="0"/>
+              <a:t> </a:t>
+            </a:r>
+            <a:r>
+              <a:rPr lang="en-US" baseline="0" dirty="0" err="1" smtClean="0"/>
+              <a:t>phép</a:t>
+            </a:r>
+            <a:r>
+              <a:rPr lang="en-US" baseline="0" dirty="0" smtClean="0"/>
+              <a:t> </a:t>
+            </a:r>
+            <a:r>
+              <a:rPr lang="en-US" baseline="0" dirty="0" err="1" smtClean="0"/>
+              <a:t>thông</a:t>
+            </a:r>
+            <a:r>
+              <a:rPr lang="en-US" baseline="0" dirty="0" smtClean="0"/>
+              <a:t> </a:t>
+            </a:r>
+            <a:r>
+              <a:rPr lang="en-US" baseline="0" dirty="0" err="1" smtClean="0"/>
+              <a:t>báo</a:t>
+            </a:r>
+            <a:r>
+              <a:rPr lang="en-US" baseline="0" dirty="0" smtClean="0"/>
+              <a:t> =&gt; </a:t>
+            </a:r>
+            <a:r>
+              <a:rPr lang="en-US" baseline="0" dirty="0" err="1" smtClean="0"/>
+              <a:t>kô</a:t>
+            </a:r>
+            <a:r>
+              <a:rPr lang="en-US" baseline="0" dirty="0" smtClean="0"/>
+              <a:t> </a:t>
+            </a:r>
+            <a:r>
+              <a:rPr lang="en-US" baseline="0" dirty="0" err="1" smtClean="0"/>
+              <a:t>làm</a:t>
+            </a:r>
+            <a:r>
+              <a:rPr lang="en-US" baseline="0" dirty="0" smtClean="0"/>
+              <a:t> </a:t>
+            </a:r>
+            <a:r>
+              <a:rPr lang="en-US" baseline="0" dirty="0" err="1" smtClean="0"/>
+              <a:t>gì</a:t>
+            </a:r>
+            <a:r>
+              <a:rPr lang="en-US" baseline="0" dirty="0" smtClean="0"/>
+              <a:t> </a:t>
+            </a:r>
+            <a:r>
+              <a:rPr lang="en-US" baseline="0" dirty="0" err="1" smtClean="0"/>
+              <a:t>cả</a:t>
+            </a:r>
+            <a:endParaRPr lang="en-US" dirty="0"/>
+          </a:p>
+        </p:txBody>
+      </p:sp>
+      <p:sp>
+        <p:nvSpPr>
+          <p:cNvPr id="4" name="Slide Number Placeholder 3"/>
+          <p:cNvSpPr>
+            <a:spLocks noGrp="1"/>
+          </p:cNvSpPr>
+          <p:nvPr>
+            <p:ph type="sldNum" sz="quarter" idx="10"/>
+          </p:nvPr>
+        </p:nvSpPr>
+        <p:spPr/>
+        <p:txBody>
+          <a:bodyPr/>
+          <a:lstStyle/>
+          <a:p>
+            <a:fld id="{6EAC9104-BF7A-AB40-8603-EF459625F286}" type="slidenum">
+              <a:rPr lang="en-US" smtClean="0"/>
+              <a:t>19</a:t>
+            </a:fld>
+            <a:endParaRPr lang="en-US"/>
+          </a:p>
+        </p:txBody>
+      </p:sp>
+    </p:spTree>
+    <p:extLst>
+      <p:ext uri="{BB962C8B-B14F-4D97-AF65-F5344CB8AC3E}">
+        <p14:creationId xmlns:p14="http://schemas.microsoft.com/office/powerpoint/2010/main" val="3576886019"/>
       </p:ext>
     </p:extLst>
   </p:cSld>
@@ -619,29 +2669,457 @@
           <a:lstStyle/>
           <a:p>
             <a:r>
-              <a:rPr lang="vi-VN" dirty="0" smtClean="0"/>
-              <a:t>Lâu rồi anh Khương chưa về nước, nên rất bối zối với giao thông việt nam</a:t>
-            </a:r>
-            <a:r>
-              <a:rPr lang="vi-VN" baseline="0" dirty="0" smtClean="0"/>
-              <a:t> và rất cần một phần mềm hướng dẫn để tham gia giao thông.</a:t>
-            </a:r>
-          </a:p>
-          <a:p>
-            <a:r>
-              <a:rPr lang="vi-VN" dirty="0" smtClean="0"/>
-              <a:t>Anh khương điện thoại cũng ko có 3G để coi map liên tục</a:t>
-            </a:r>
-            <a:r>
-              <a:rPr lang="vi-VN" baseline="0" dirty="0" smtClean="0"/>
-              <a:t> khi tham gia giao thông.</a:t>
-            </a:r>
-            <a:endParaRPr lang="en-US" dirty="0" smtClean="0"/>
-          </a:p>
-          <a:p>
-            <a:endParaRPr lang="en-US" dirty="0" smtClean="0"/>
-          </a:p>
-          <a:p>
+              <a:rPr lang="en-US" dirty="0" err="1" smtClean="0"/>
+              <a:t>Vấn</a:t>
+            </a:r>
+            <a:r>
+              <a:rPr lang="en-US" baseline="0" dirty="0" smtClean="0"/>
+              <a:t> </a:t>
+            </a:r>
+            <a:r>
+              <a:rPr lang="en-US" baseline="0" dirty="0" err="1" smtClean="0"/>
+              <a:t>đề</a:t>
+            </a:r>
+            <a:r>
+              <a:rPr lang="en-US" baseline="0" dirty="0" smtClean="0"/>
+              <a:t> </a:t>
+            </a:r>
+            <a:r>
+              <a:rPr lang="en-US" baseline="0" dirty="0" err="1" smtClean="0"/>
+              <a:t>được</a:t>
+            </a:r>
+            <a:r>
+              <a:rPr lang="en-US" baseline="0" dirty="0" smtClean="0"/>
+              <a:t> </a:t>
+            </a:r>
+            <a:r>
+              <a:rPr lang="en-US" baseline="0" dirty="0" err="1" smtClean="0"/>
+              <a:t>đặt</a:t>
+            </a:r>
+            <a:r>
+              <a:rPr lang="en-US" baseline="0" dirty="0" smtClean="0"/>
+              <a:t> </a:t>
+            </a:r>
+            <a:r>
+              <a:rPr lang="en-US" baseline="0" dirty="0" err="1" smtClean="0"/>
+              <a:t>ra</a:t>
+            </a:r>
+            <a:r>
+              <a:rPr lang="en-US" baseline="0" dirty="0" smtClean="0"/>
+              <a:t>:</a:t>
+            </a:r>
+          </a:p>
+          <a:p>
+            <a:r>
+              <a:rPr lang="en-US" baseline="0" dirty="0" err="1" smtClean="0"/>
+              <a:t>Vì</a:t>
+            </a:r>
+            <a:r>
+              <a:rPr lang="en-US" baseline="0" dirty="0" smtClean="0"/>
+              <a:t> </a:t>
+            </a:r>
+            <a:r>
+              <a:rPr lang="en-US" baseline="0" dirty="0" err="1" smtClean="0"/>
+              <a:t>anh</a:t>
+            </a:r>
+            <a:r>
+              <a:rPr lang="en-US" baseline="0" dirty="0" smtClean="0"/>
+              <a:t> </a:t>
+            </a:r>
+            <a:r>
+              <a:rPr lang="en-US" baseline="0" dirty="0" err="1" smtClean="0"/>
+              <a:t>khương</a:t>
+            </a:r>
+            <a:r>
+              <a:rPr lang="en-US" baseline="0" dirty="0" smtClean="0"/>
+              <a:t> </a:t>
+            </a:r>
+            <a:r>
+              <a:rPr lang="en-US" baseline="0" dirty="0" err="1" smtClean="0"/>
+              <a:t>đã</a:t>
+            </a:r>
+            <a:r>
+              <a:rPr lang="en-US" baseline="0" dirty="0" smtClean="0"/>
+              <a:t> </a:t>
+            </a:r>
+            <a:r>
+              <a:rPr lang="en-US" baseline="0" dirty="0" err="1" smtClean="0"/>
+              <a:t>ra</a:t>
+            </a:r>
+            <a:r>
+              <a:rPr lang="en-US" baseline="0" dirty="0" smtClean="0"/>
+              <a:t> </a:t>
+            </a:r>
+            <a:r>
+              <a:rPr lang="en-US" baseline="0" dirty="0" err="1" smtClean="0"/>
+              <a:t>nước</a:t>
+            </a:r>
+            <a:r>
+              <a:rPr lang="en-US" baseline="0" dirty="0" smtClean="0"/>
+              <a:t> </a:t>
+            </a:r>
+            <a:r>
+              <a:rPr lang="en-US" baseline="0" dirty="0" err="1" smtClean="0"/>
+              <a:t>ngoài</a:t>
+            </a:r>
+            <a:r>
+              <a:rPr lang="en-US" baseline="0" dirty="0" smtClean="0"/>
+              <a:t> </a:t>
+            </a:r>
+            <a:r>
+              <a:rPr lang="en-US" baseline="0" dirty="0" err="1" smtClean="0"/>
+              <a:t>khá</a:t>
+            </a:r>
+            <a:r>
+              <a:rPr lang="en-US" baseline="0" dirty="0" smtClean="0"/>
+              <a:t> </a:t>
+            </a:r>
+            <a:r>
+              <a:rPr lang="en-US" baseline="0" dirty="0" err="1" smtClean="0"/>
+              <a:t>lâu</a:t>
+            </a:r>
+            <a:r>
+              <a:rPr lang="en-US" baseline="0" dirty="0" smtClean="0"/>
+              <a:t> </a:t>
+            </a:r>
+            <a:r>
+              <a:rPr lang="en-US" baseline="0" dirty="0" err="1" smtClean="0"/>
+              <a:t>nên</a:t>
+            </a:r>
+            <a:r>
+              <a:rPr lang="en-US" baseline="0" dirty="0" smtClean="0"/>
+              <a:t> </a:t>
+            </a:r>
+            <a:r>
+              <a:rPr lang="en-US" baseline="0" dirty="0" err="1" smtClean="0"/>
+              <a:t>khi</a:t>
+            </a:r>
+            <a:r>
+              <a:rPr lang="en-US" baseline="0" dirty="0" smtClean="0"/>
+              <a:t> </a:t>
+            </a:r>
+            <a:r>
+              <a:rPr lang="en-US" baseline="0" dirty="0" err="1" smtClean="0"/>
+              <a:t>về</a:t>
+            </a:r>
+            <a:r>
+              <a:rPr lang="en-US" baseline="0" dirty="0" smtClean="0"/>
+              <a:t> </a:t>
+            </a:r>
+            <a:r>
+              <a:rPr lang="en-US" baseline="0" dirty="0" err="1" smtClean="0"/>
+              <a:t>nướic</a:t>
+            </a:r>
+            <a:r>
+              <a:rPr lang="en-US" baseline="0" dirty="0" smtClean="0"/>
+              <a:t>, </a:t>
+            </a:r>
+            <a:r>
+              <a:rPr lang="en-US" baseline="0" dirty="0" err="1" smtClean="0"/>
+              <a:t>anh</a:t>
+            </a:r>
+            <a:r>
+              <a:rPr lang="en-US" baseline="0" dirty="0" smtClean="0"/>
+              <a:t> </a:t>
+            </a:r>
+            <a:r>
+              <a:rPr lang="en-US" baseline="0" dirty="0" err="1" smtClean="0"/>
+              <a:t>bị</a:t>
+            </a:r>
+            <a:r>
+              <a:rPr lang="en-US" baseline="0" dirty="0" smtClean="0"/>
+              <a:t> </a:t>
+            </a:r>
+            <a:r>
+              <a:rPr lang="en-US" baseline="0" dirty="0" err="1" smtClean="0"/>
+              <a:t>bối</a:t>
+            </a:r>
+            <a:r>
+              <a:rPr lang="en-US" baseline="0" dirty="0" smtClean="0"/>
+              <a:t> </a:t>
+            </a:r>
+            <a:r>
+              <a:rPr lang="en-US" baseline="0" dirty="0" err="1" smtClean="0"/>
+              <a:t>zối</a:t>
+            </a:r>
+            <a:r>
+              <a:rPr lang="en-US" baseline="0" dirty="0" smtClean="0"/>
+              <a:t> </a:t>
+            </a:r>
+            <a:r>
+              <a:rPr lang="en-US" baseline="0" dirty="0" err="1" smtClean="0"/>
+              <a:t>với</a:t>
+            </a:r>
+            <a:r>
+              <a:rPr lang="en-US" baseline="0" dirty="0" smtClean="0"/>
+              <a:t> </a:t>
+            </a:r>
+            <a:r>
+              <a:rPr lang="en-US" baseline="0" dirty="0" err="1" smtClean="0"/>
+              <a:t>tình</a:t>
+            </a:r>
+            <a:r>
+              <a:rPr lang="en-US" baseline="0" dirty="0" smtClean="0"/>
+              <a:t> </a:t>
+            </a:r>
+            <a:r>
+              <a:rPr lang="en-US" baseline="0" dirty="0" err="1" smtClean="0"/>
+              <a:t>hình</a:t>
+            </a:r>
+            <a:r>
+              <a:rPr lang="en-US" baseline="0" dirty="0" smtClean="0"/>
+              <a:t> </a:t>
+            </a:r>
+            <a:r>
+              <a:rPr lang="en-US" baseline="0" dirty="0" err="1" smtClean="0"/>
+              <a:t>giao</a:t>
+            </a:r>
+            <a:r>
+              <a:rPr lang="en-US" baseline="0" dirty="0" smtClean="0"/>
+              <a:t> </a:t>
+            </a:r>
+            <a:r>
+              <a:rPr lang="en-US" baseline="0" dirty="0" err="1" smtClean="0"/>
+              <a:t>thông</a:t>
+            </a:r>
+            <a:r>
+              <a:rPr lang="en-US" baseline="0" dirty="0" smtClean="0"/>
+              <a:t> </a:t>
+            </a:r>
+            <a:r>
+              <a:rPr lang="en-US" baseline="0" dirty="0" err="1" smtClean="0"/>
+              <a:t>hiện</a:t>
+            </a:r>
+            <a:r>
+              <a:rPr lang="en-US" baseline="0" dirty="0" smtClean="0"/>
+              <a:t> tai </a:t>
+            </a:r>
+            <a:r>
+              <a:rPr lang="en-US" baseline="0" dirty="0" err="1" smtClean="0"/>
+              <a:t>của</a:t>
+            </a:r>
+            <a:r>
+              <a:rPr lang="en-US" baseline="0" dirty="0" smtClean="0"/>
+              <a:t> </a:t>
+            </a:r>
+            <a:r>
+              <a:rPr lang="en-US" baseline="0" dirty="0" err="1" smtClean="0"/>
+              <a:t>việt</a:t>
+            </a:r>
+            <a:r>
+              <a:rPr lang="en-US" baseline="0" dirty="0" smtClean="0"/>
+              <a:t> </a:t>
+            </a:r>
+            <a:r>
+              <a:rPr lang="en-US" baseline="0" dirty="0" err="1" smtClean="0"/>
+              <a:t>nam</a:t>
+            </a:r>
+            <a:r>
+              <a:rPr lang="en-US" baseline="0" dirty="0" smtClean="0"/>
+              <a:t> </a:t>
+            </a:r>
+            <a:r>
+              <a:rPr lang="en-US" baseline="0" dirty="0" err="1" smtClean="0"/>
+              <a:t>và</a:t>
+            </a:r>
+            <a:r>
+              <a:rPr lang="en-US" baseline="0" dirty="0" smtClean="0"/>
+              <a:t> </a:t>
+            </a:r>
+            <a:r>
+              <a:rPr lang="en-US" baseline="0" dirty="0" err="1" smtClean="0"/>
+              <a:t>rất</a:t>
+            </a:r>
+            <a:r>
+              <a:rPr lang="en-US" baseline="0" dirty="0" smtClean="0"/>
+              <a:t> </a:t>
+            </a:r>
+            <a:r>
+              <a:rPr lang="en-US" baseline="0" dirty="0" err="1" smtClean="0"/>
+              <a:t>cần</a:t>
+            </a:r>
+            <a:r>
+              <a:rPr lang="en-US" baseline="0" dirty="0" smtClean="0"/>
+              <a:t> 1 </a:t>
+            </a:r>
+            <a:r>
+              <a:rPr lang="en-US" baseline="0" dirty="0" err="1" smtClean="0"/>
+              <a:t>phần</a:t>
+            </a:r>
+            <a:r>
+              <a:rPr lang="en-US" baseline="0" dirty="0" smtClean="0"/>
+              <a:t> </a:t>
+            </a:r>
+            <a:r>
+              <a:rPr lang="en-US" baseline="0" dirty="0" err="1" smtClean="0"/>
+              <a:t>mềm</a:t>
+            </a:r>
+            <a:r>
+              <a:rPr lang="en-US" baseline="0" dirty="0" smtClean="0"/>
+              <a:t> </a:t>
+            </a:r>
+            <a:r>
+              <a:rPr lang="en-US" baseline="0" dirty="0" err="1" smtClean="0"/>
+              <a:t>hướng</a:t>
+            </a:r>
+            <a:r>
+              <a:rPr lang="en-US" baseline="0" dirty="0" smtClean="0"/>
+              <a:t> </a:t>
+            </a:r>
+            <a:r>
+              <a:rPr lang="en-US" baseline="0" dirty="0" err="1" smtClean="0"/>
+              <a:t>dẫn</a:t>
+            </a:r>
+            <a:r>
+              <a:rPr lang="en-US" baseline="0" dirty="0" smtClean="0"/>
+              <a:t> </a:t>
+            </a:r>
+            <a:r>
+              <a:rPr lang="en-US" baseline="0" dirty="0" err="1" smtClean="0"/>
+              <a:t>để</a:t>
+            </a:r>
+            <a:r>
+              <a:rPr lang="en-US" baseline="0" dirty="0" smtClean="0"/>
+              <a:t> </a:t>
+            </a:r>
+            <a:r>
+              <a:rPr lang="en-US" baseline="0" dirty="0" err="1" smtClean="0"/>
+              <a:t>tham</a:t>
+            </a:r>
+            <a:r>
+              <a:rPr lang="en-US" baseline="0" dirty="0" smtClean="0"/>
+              <a:t> </a:t>
+            </a:r>
+            <a:r>
+              <a:rPr lang="en-US" baseline="0" dirty="0" err="1" smtClean="0"/>
+              <a:t>gia</a:t>
+            </a:r>
+            <a:r>
+              <a:rPr lang="en-US" baseline="0" dirty="0" smtClean="0"/>
+              <a:t> </a:t>
+            </a:r>
+            <a:r>
+              <a:rPr lang="en-US" baseline="0" dirty="0" err="1" smtClean="0"/>
+              <a:t>giao</a:t>
+            </a:r>
+            <a:r>
+              <a:rPr lang="en-US" baseline="0" dirty="0" smtClean="0"/>
+              <a:t> </a:t>
+            </a:r>
+            <a:r>
+              <a:rPr lang="en-US" baseline="0" dirty="0" err="1" smtClean="0"/>
+              <a:t>thông</a:t>
+            </a:r>
+            <a:r>
+              <a:rPr lang="en-US" baseline="0" dirty="0" smtClean="0"/>
+              <a:t>.</a:t>
+            </a:r>
+          </a:p>
+          <a:p>
+            <a:r>
+              <a:rPr lang="en-US" baseline="0" dirty="0" err="1" smtClean="0"/>
+              <a:t>Và</a:t>
+            </a:r>
+            <a:r>
+              <a:rPr lang="en-US" baseline="0" dirty="0" smtClean="0"/>
+              <a:t> </a:t>
+            </a:r>
+            <a:r>
+              <a:rPr lang="en-US" baseline="0" dirty="0" err="1" smtClean="0"/>
+              <a:t>đt</a:t>
+            </a:r>
+            <a:r>
+              <a:rPr lang="en-US" baseline="0" dirty="0" smtClean="0"/>
+              <a:t> </a:t>
+            </a:r>
+            <a:r>
+              <a:rPr lang="en-US" baseline="0" dirty="0" err="1" smtClean="0"/>
+              <a:t>anh</a:t>
+            </a:r>
+            <a:r>
+              <a:rPr lang="en-US" baseline="0" dirty="0" smtClean="0"/>
+              <a:t> </a:t>
+            </a:r>
+            <a:r>
+              <a:rPr lang="en-US" baseline="0" dirty="0" err="1" smtClean="0"/>
+              <a:t>khương</a:t>
+            </a:r>
+            <a:r>
+              <a:rPr lang="en-US" baseline="0" dirty="0" smtClean="0"/>
+              <a:t> </a:t>
+            </a:r>
+            <a:r>
+              <a:rPr lang="en-US" baseline="0" dirty="0" err="1" smtClean="0"/>
+              <a:t>cũng</a:t>
+            </a:r>
+            <a:r>
+              <a:rPr lang="en-US" baseline="0" dirty="0" smtClean="0"/>
+              <a:t> </a:t>
+            </a:r>
+            <a:r>
+              <a:rPr lang="en-US" baseline="0" dirty="0" err="1" smtClean="0"/>
+              <a:t>không</a:t>
+            </a:r>
+            <a:r>
+              <a:rPr lang="en-US" baseline="0" dirty="0" smtClean="0"/>
+              <a:t> </a:t>
+            </a:r>
+            <a:r>
+              <a:rPr lang="en-US" baseline="0" dirty="0" err="1" smtClean="0"/>
+              <a:t>có</a:t>
+            </a:r>
+            <a:r>
+              <a:rPr lang="en-US" baseline="0" dirty="0" smtClean="0"/>
+              <a:t> 3G </a:t>
+            </a:r>
+            <a:r>
+              <a:rPr lang="en-US" baseline="0" dirty="0" err="1" smtClean="0"/>
+              <a:t>để</a:t>
+            </a:r>
+            <a:r>
+              <a:rPr lang="en-US" baseline="0" dirty="0" smtClean="0"/>
+              <a:t> </a:t>
+            </a:r>
+            <a:r>
+              <a:rPr lang="en-US" baseline="0" dirty="0" err="1" smtClean="0"/>
+              <a:t>có</a:t>
+            </a:r>
+            <a:r>
+              <a:rPr lang="en-US" baseline="0" dirty="0" smtClean="0"/>
+              <a:t> </a:t>
+            </a:r>
+            <a:r>
+              <a:rPr lang="en-US" baseline="0" dirty="0" err="1" smtClean="0"/>
+              <a:t>thể</a:t>
+            </a:r>
+            <a:r>
+              <a:rPr lang="en-US" baseline="0" dirty="0" smtClean="0"/>
+              <a:t> </a:t>
+            </a:r>
+            <a:r>
+              <a:rPr lang="en-US" baseline="0" dirty="0" err="1" smtClean="0"/>
+              <a:t>truy</a:t>
+            </a:r>
+            <a:r>
+              <a:rPr lang="en-US" baseline="0" dirty="0" smtClean="0"/>
+              <a:t> </a:t>
+            </a:r>
+            <a:r>
+              <a:rPr lang="en-US" baseline="0" dirty="0" err="1" smtClean="0"/>
+              <a:t>cập</a:t>
+            </a:r>
+            <a:r>
+              <a:rPr lang="en-US" baseline="0" dirty="0" smtClean="0"/>
+              <a:t> </a:t>
+            </a:r>
+            <a:r>
+              <a:rPr lang="en-US" baseline="0" dirty="0" err="1" smtClean="0"/>
+              <a:t>vào</a:t>
+            </a:r>
+            <a:r>
+              <a:rPr lang="en-US" baseline="0" dirty="0" smtClean="0"/>
+              <a:t> map.</a:t>
+            </a:r>
             <a:endParaRPr lang="en-US" dirty="0"/>
           </a:p>
         </p:txBody>
@@ -673,6 +3151,777 @@
     <p:extLst>
       <p:ext uri="{BB962C8B-B14F-4D97-AF65-F5344CB8AC3E}">
         <p14:creationId xmlns:p14="http://schemas.microsoft.com/office/powerpoint/2010/main" val="1002225485"/>
+      </p:ext>
+    </p:extLst>
+  </p:cSld>
+  <p:clrMapOvr>
+    <a:masterClrMapping/>
+  </p:clrMapOvr>
+</p:notes>
+</file>
+
+<file path=ppt/notesSlides/notesSlide20.xml><?xml version="1.0" encoding="utf-8"?>
+<p:notes xmlns:a="http://schemas.openxmlformats.org/drawingml/2006/main" xmlns:r="http://schemas.openxmlformats.org/officeDocument/2006/relationships" xmlns:p="http://schemas.openxmlformats.org/presentationml/2006/main">
+  <p:cSld>
+    <p:spTree>
+      <p:nvGrpSpPr>
+        <p:cNvPr id="1" name=""/>
+        <p:cNvGrpSpPr/>
+        <p:nvPr/>
+      </p:nvGrpSpPr>
+      <p:grpSpPr>
+        <a:xfrm>
+          <a:off x="0" y="0"/>
+          <a:ext cx="0" cy="0"/>
+          <a:chOff x="0" y="0"/>
+          <a:chExt cx="0" cy="0"/>
+        </a:xfrm>
+      </p:grpSpPr>
+      <p:sp>
+        <p:nvSpPr>
+          <p:cNvPr id="2" name="Slide Image Placeholder 1"/>
+          <p:cNvSpPr>
+            <a:spLocks noGrp="1" noRot="1" noChangeAspect="1"/>
+          </p:cNvSpPr>
+          <p:nvPr>
+            <p:ph type="sldImg"/>
+          </p:nvPr>
+        </p:nvSpPr>
+        <p:spPr/>
+      </p:sp>
+      <p:sp>
+        <p:nvSpPr>
+          <p:cNvPr id="3" name="Notes Placeholder 2"/>
+          <p:cNvSpPr>
+            <a:spLocks noGrp="1"/>
+          </p:cNvSpPr>
+          <p:nvPr>
+            <p:ph type="body" idx="1"/>
+          </p:nvPr>
+        </p:nvSpPr>
+        <p:spPr/>
+        <p:txBody>
+          <a:bodyPr/>
+          <a:lstStyle/>
+          <a:p>
+            <a:r>
+              <a:rPr lang="en-US" dirty="0" err="1" smtClean="0"/>
+              <a:t>Người</a:t>
+            </a:r>
+            <a:r>
+              <a:rPr lang="en-US" dirty="0" smtClean="0"/>
+              <a:t> dung</a:t>
+            </a:r>
+            <a:r>
+              <a:rPr lang="en-US" baseline="0" dirty="0" smtClean="0"/>
+              <a:t> </a:t>
+            </a:r>
+            <a:r>
+              <a:rPr lang="en-US" baseline="0" dirty="0" err="1" smtClean="0"/>
+              <a:t>tiếp</a:t>
+            </a:r>
+            <a:r>
+              <a:rPr lang="en-US" baseline="0" dirty="0" smtClean="0"/>
+              <a:t> </a:t>
+            </a:r>
+            <a:r>
+              <a:rPr lang="en-US" baseline="0" dirty="0" err="1" smtClean="0"/>
+              <a:t>tục</a:t>
+            </a:r>
+            <a:r>
+              <a:rPr lang="en-US" baseline="0" dirty="0" smtClean="0"/>
+              <a:t> di </a:t>
+            </a:r>
+            <a:r>
+              <a:rPr lang="en-US" baseline="0" dirty="0" err="1" smtClean="0"/>
+              <a:t>chuyển</a:t>
+            </a:r>
+            <a:endParaRPr lang="en-US" dirty="0"/>
+          </a:p>
+        </p:txBody>
+      </p:sp>
+      <p:sp>
+        <p:nvSpPr>
+          <p:cNvPr id="4" name="Slide Number Placeholder 3"/>
+          <p:cNvSpPr>
+            <a:spLocks noGrp="1"/>
+          </p:cNvSpPr>
+          <p:nvPr>
+            <p:ph type="sldNum" sz="quarter" idx="10"/>
+          </p:nvPr>
+        </p:nvSpPr>
+        <p:spPr/>
+        <p:txBody>
+          <a:bodyPr/>
+          <a:lstStyle/>
+          <a:p>
+            <a:fld id="{6EAC9104-BF7A-AB40-8603-EF459625F286}" type="slidenum">
+              <a:rPr lang="en-US" smtClean="0"/>
+              <a:t>20</a:t>
+            </a:fld>
+            <a:endParaRPr lang="en-US"/>
+          </a:p>
+        </p:txBody>
+      </p:sp>
+    </p:spTree>
+    <p:extLst>
+      <p:ext uri="{BB962C8B-B14F-4D97-AF65-F5344CB8AC3E}">
+        <p14:creationId xmlns:p14="http://schemas.microsoft.com/office/powerpoint/2010/main" val="4286935207"/>
+      </p:ext>
+    </p:extLst>
+  </p:cSld>
+  <p:clrMapOvr>
+    <a:masterClrMapping/>
+  </p:clrMapOvr>
+</p:notes>
+</file>
+
+<file path=ppt/notesSlides/notesSlide21.xml><?xml version="1.0" encoding="utf-8"?>
+<p:notes xmlns:a="http://schemas.openxmlformats.org/drawingml/2006/main" xmlns:r="http://schemas.openxmlformats.org/officeDocument/2006/relationships" xmlns:p="http://schemas.openxmlformats.org/presentationml/2006/main">
+  <p:cSld>
+    <p:spTree>
+      <p:nvGrpSpPr>
+        <p:cNvPr id="1" name=""/>
+        <p:cNvGrpSpPr/>
+        <p:nvPr/>
+      </p:nvGrpSpPr>
+      <p:grpSpPr>
+        <a:xfrm>
+          <a:off x="0" y="0"/>
+          <a:ext cx="0" cy="0"/>
+          <a:chOff x="0" y="0"/>
+          <a:chExt cx="0" cy="0"/>
+        </a:xfrm>
+      </p:grpSpPr>
+      <p:sp>
+        <p:nvSpPr>
+          <p:cNvPr id="2" name="Slide Image Placeholder 1"/>
+          <p:cNvSpPr>
+            <a:spLocks noGrp="1" noRot="1" noChangeAspect="1"/>
+          </p:cNvSpPr>
+          <p:nvPr>
+            <p:ph type="sldImg"/>
+          </p:nvPr>
+        </p:nvSpPr>
+        <p:spPr/>
+      </p:sp>
+      <p:sp>
+        <p:nvSpPr>
+          <p:cNvPr id="3" name="Notes Placeholder 2"/>
+          <p:cNvSpPr>
+            <a:spLocks noGrp="1"/>
+          </p:cNvSpPr>
+          <p:nvPr>
+            <p:ph type="body" idx="1"/>
+          </p:nvPr>
+        </p:nvSpPr>
+        <p:spPr/>
+        <p:txBody>
+          <a:bodyPr/>
+          <a:lstStyle/>
+          <a:p>
+            <a:r>
+              <a:rPr lang="en-US" dirty="0" err="1" smtClean="0"/>
+              <a:t>Hệ</a:t>
+            </a:r>
+            <a:r>
+              <a:rPr lang="en-US" dirty="0" smtClean="0"/>
+              <a:t> </a:t>
+            </a:r>
+            <a:r>
+              <a:rPr lang="en-US" dirty="0" err="1" smtClean="0"/>
+              <a:t>thống</a:t>
+            </a:r>
+            <a:r>
+              <a:rPr lang="en-US" baseline="0" dirty="0" smtClean="0"/>
+              <a:t> </a:t>
+            </a:r>
+            <a:r>
+              <a:rPr lang="en-US" baseline="0" dirty="0" err="1" smtClean="0"/>
+              <a:t>tiếp</a:t>
+            </a:r>
+            <a:r>
+              <a:rPr lang="en-US" baseline="0" dirty="0" smtClean="0"/>
+              <a:t> </a:t>
+            </a:r>
+            <a:r>
+              <a:rPr lang="en-US" baseline="0" dirty="0" err="1" smtClean="0"/>
+              <a:t>túc</a:t>
+            </a:r>
+            <a:r>
+              <a:rPr lang="en-US" baseline="0" dirty="0" smtClean="0"/>
+              <a:t> </a:t>
+            </a:r>
+            <a:r>
+              <a:rPr lang="en-US" baseline="0" dirty="0" err="1" smtClean="0"/>
+              <a:t>đo</a:t>
+            </a:r>
+            <a:r>
+              <a:rPr lang="en-US" baseline="0" dirty="0" smtClean="0"/>
+              <a:t> </a:t>
+            </a:r>
+            <a:r>
+              <a:rPr lang="en-US" baseline="0" dirty="0" err="1" smtClean="0"/>
+              <a:t>lường</a:t>
+            </a:r>
+            <a:r>
+              <a:rPr lang="en-US" baseline="0" dirty="0" smtClean="0"/>
+              <a:t> </a:t>
+            </a:r>
+            <a:r>
+              <a:rPr lang="en-US" baseline="0" dirty="0" err="1" smtClean="0"/>
+              <a:t>và</a:t>
+            </a:r>
+            <a:r>
+              <a:rPr lang="en-US" baseline="0" dirty="0" smtClean="0"/>
+              <a:t> </a:t>
+            </a:r>
+            <a:r>
+              <a:rPr lang="en-US" baseline="0" dirty="0" err="1" smtClean="0"/>
+              <a:t>nhận</a:t>
+            </a:r>
+            <a:r>
+              <a:rPr lang="en-US" baseline="0" dirty="0" smtClean="0"/>
+              <a:t> </a:t>
+            </a:r>
+            <a:r>
+              <a:rPr lang="en-US" baseline="0" dirty="0" err="1" smtClean="0"/>
+              <a:t>biết</a:t>
+            </a:r>
+            <a:r>
+              <a:rPr lang="en-US" baseline="0" dirty="0" smtClean="0"/>
+              <a:t> </a:t>
+            </a:r>
+            <a:r>
+              <a:rPr lang="en-US" baseline="0" dirty="0" err="1" smtClean="0"/>
+              <a:t>người</a:t>
+            </a:r>
+            <a:r>
+              <a:rPr lang="en-US" baseline="0" dirty="0" smtClean="0"/>
+              <a:t> dung </a:t>
+            </a:r>
+            <a:r>
+              <a:rPr lang="en-US" baseline="0" dirty="0" err="1" smtClean="0"/>
+              <a:t>vẫn</a:t>
+            </a:r>
+            <a:r>
+              <a:rPr lang="en-US" baseline="0" dirty="0" smtClean="0"/>
+              <a:t> </a:t>
+            </a:r>
+            <a:r>
+              <a:rPr lang="en-US" baseline="0" dirty="0" err="1" smtClean="0"/>
+              <a:t>đang</a:t>
+            </a:r>
+            <a:r>
+              <a:rPr lang="en-US" baseline="0" dirty="0" smtClean="0"/>
+              <a:t> </a:t>
+            </a:r>
+            <a:r>
+              <a:rPr lang="en-US" baseline="0" dirty="0" err="1" smtClean="0"/>
+              <a:t>đi</a:t>
+            </a:r>
+            <a:r>
+              <a:rPr lang="en-US" baseline="0" dirty="0" smtClean="0"/>
+              <a:t> </a:t>
+            </a:r>
+            <a:r>
+              <a:rPr lang="en-US" baseline="0" dirty="0" err="1" smtClean="0"/>
+              <a:t>đúng</a:t>
+            </a:r>
+            <a:r>
+              <a:rPr lang="en-US" baseline="0" dirty="0" smtClean="0"/>
+              <a:t> </a:t>
+            </a:r>
+            <a:r>
+              <a:rPr lang="en-US" baseline="0" dirty="0" err="1" smtClean="0"/>
+              <a:t>đường</a:t>
+            </a:r>
+            <a:endParaRPr lang="en-US" dirty="0"/>
+          </a:p>
+        </p:txBody>
+      </p:sp>
+      <p:sp>
+        <p:nvSpPr>
+          <p:cNvPr id="4" name="Slide Number Placeholder 3"/>
+          <p:cNvSpPr>
+            <a:spLocks noGrp="1"/>
+          </p:cNvSpPr>
+          <p:nvPr>
+            <p:ph type="sldNum" sz="quarter" idx="10"/>
+          </p:nvPr>
+        </p:nvSpPr>
+        <p:spPr/>
+        <p:txBody>
+          <a:bodyPr/>
+          <a:lstStyle/>
+          <a:p>
+            <a:fld id="{6EAC9104-BF7A-AB40-8603-EF459625F286}" type="slidenum">
+              <a:rPr lang="en-US" smtClean="0"/>
+              <a:t>21</a:t>
+            </a:fld>
+            <a:endParaRPr lang="en-US"/>
+          </a:p>
+        </p:txBody>
+      </p:sp>
+    </p:spTree>
+    <p:extLst>
+      <p:ext uri="{BB962C8B-B14F-4D97-AF65-F5344CB8AC3E}">
+        <p14:creationId xmlns:p14="http://schemas.microsoft.com/office/powerpoint/2010/main" val="2201267317"/>
+      </p:ext>
+    </p:extLst>
+  </p:cSld>
+  <p:clrMapOvr>
+    <a:masterClrMapping/>
+  </p:clrMapOvr>
+</p:notes>
+</file>
+
+<file path=ppt/notesSlides/notesSlide22.xml><?xml version="1.0" encoding="utf-8"?>
+<p:notes xmlns:a="http://schemas.openxmlformats.org/drawingml/2006/main" xmlns:r="http://schemas.openxmlformats.org/officeDocument/2006/relationships" xmlns:p="http://schemas.openxmlformats.org/presentationml/2006/main">
+  <p:cSld>
+    <p:spTree>
+      <p:nvGrpSpPr>
+        <p:cNvPr id="1" name=""/>
+        <p:cNvGrpSpPr/>
+        <p:nvPr/>
+      </p:nvGrpSpPr>
+      <p:grpSpPr>
+        <a:xfrm>
+          <a:off x="0" y="0"/>
+          <a:ext cx="0" cy="0"/>
+          <a:chOff x="0" y="0"/>
+          <a:chExt cx="0" cy="0"/>
+        </a:xfrm>
+      </p:grpSpPr>
+      <p:sp>
+        <p:nvSpPr>
+          <p:cNvPr id="2" name="Slide Image Placeholder 1"/>
+          <p:cNvSpPr>
+            <a:spLocks noGrp="1" noRot="1" noChangeAspect="1"/>
+          </p:cNvSpPr>
+          <p:nvPr>
+            <p:ph type="sldImg"/>
+          </p:nvPr>
+        </p:nvSpPr>
+        <p:spPr/>
+      </p:sp>
+      <p:sp>
+        <p:nvSpPr>
+          <p:cNvPr id="3" name="Notes Placeholder 2"/>
+          <p:cNvSpPr>
+            <a:spLocks noGrp="1"/>
+          </p:cNvSpPr>
+          <p:nvPr>
+            <p:ph type="body" idx="1"/>
+          </p:nvPr>
+        </p:nvSpPr>
+        <p:spPr/>
+        <p:txBody>
+          <a:bodyPr/>
+          <a:lstStyle/>
+          <a:p>
+            <a:r>
+              <a:rPr lang="en-US" dirty="0" err="1" smtClean="0"/>
+              <a:t>Tiếp</a:t>
+            </a:r>
+            <a:r>
+              <a:rPr lang="en-US" dirty="0" smtClean="0"/>
+              <a:t> </a:t>
+            </a:r>
+            <a:r>
+              <a:rPr lang="en-US" dirty="0" err="1" smtClean="0"/>
+              <a:t>theo</a:t>
+            </a:r>
+            <a:r>
+              <a:rPr lang="en-US" dirty="0" smtClean="0"/>
+              <a:t> </a:t>
+            </a:r>
+            <a:r>
+              <a:rPr lang="en-US" dirty="0" err="1" smtClean="0"/>
+              <a:t>hệ</a:t>
+            </a:r>
+            <a:r>
+              <a:rPr lang="en-US" baseline="0" dirty="0" smtClean="0"/>
+              <a:t> </a:t>
+            </a:r>
+            <a:r>
+              <a:rPr lang="en-US" baseline="0" dirty="0" err="1" smtClean="0"/>
+              <a:t>thống</a:t>
+            </a:r>
+            <a:r>
+              <a:rPr lang="en-US" baseline="0" dirty="0" smtClean="0"/>
+              <a:t> </a:t>
+            </a:r>
+            <a:r>
+              <a:rPr lang="en-US" baseline="0" dirty="0" err="1" smtClean="0"/>
+              <a:t>đo</a:t>
+            </a:r>
+            <a:r>
+              <a:rPr lang="en-US" baseline="0" dirty="0" smtClean="0"/>
+              <a:t> </a:t>
+            </a:r>
+            <a:r>
+              <a:rPr lang="en-US" baseline="0" dirty="0" err="1" smtClean="0"/>
+              <a:t>khoảng</a:t>
+            </a:r>
+            <a:r>
+              <a:rPr lang="en-US" baseline="0" dirty="0" smtClean="0"/>
+              <a:t> </a:t>
+            </a:r>
+            <a:r>
+              <a:rPr lang="en-US" baseline="0" dirty="0" err="1" smtClean="0"/>
+              <a:t>cách</a:t>
+            </a:r>
+            <a:r>
+              <a:rPr lang="en-US" baseline="0" dirty="0" smtClean="0"/>
+              <a:t> </a:t>
+            </a:r>
+            <a:r>
+              <a:rPr lang="en-US" baseline="0" dirty="0" err="1" smtClean="0"/>
+              <a:t>từ</a:t>
+            </a:r>
+            <a:r>
+              <a:rPr lang="en-US" baseline="0" dirty="0" smtClean="0"/>
+              <a:t> </a:t>
+            </a:r>
+            <a:r>
+              <a:rPr lang="en-US" baseline="0" dirty="0" err="1" smtClean="0"/>
+              <a:t>vị</a:t>
+            </a:r>
+            <a:r>
+              <a:rPr lang="en-US" baseline="0" dirty="0" smtClean="0"/>
+              <a:t> </a:t>
+            </a:r>
+            <a:r>
+              <a:rPr lang="en-US" baseline="0" dirty="0" err="1" smtClean="0"/>
+              <a:t>trí</a:t>
+            </a:r>
+            <a:r>
+              <a:rPr lang="en-US" baseline="0" dirty="0" smtClean="0"/>
+              <a:t> </a:t>
+            </a:r>
+            <a:r>
+              <a:rPr lang="en-US" baseline="0" dirty="0" err="1" smtClean="0"/>
+              <a:t>người</a:t>
+            </a:r>
+            <a:r>
+              <a:rPr lang="en-US" baseline="0" dirty="0" smtClean="0"/>
+              <a:t> dung </a:t>
+            </a:r>
+            <a:r>
+              <a:rPr lang="en-US" baseline="0" dirty="0" err="1" smtClean="0"/>
+              <a:t>tới</a:t>
+            </a:r>
+            <a:r>
+              <a:rPr lang="en-US" baseline="0" dirty="0" smtClean="0"/>
+              <a:t> </a:t>
+            </a:r>
+            <a:r>
+              <a:rPr lang="en-US" baseline="0" dirty="0" err="1" smtClean="0"/>
+              <a:t>điểm</a:t>
+            </a:r>
+            <a:r>
+              <a:rPr lang="en-US" baseline="0" dirty="0" smtClean="0"/>
+              <a:t> </a:t>
+            </a:r>
+            <a:r>
+              <a:rPr lang="en-US" baseline="0" dirty="0" err="1" smtClean="0"/>
+              <a:t>thông</a:t>
+            </a:r>
+            <a:r>
+              <a:rPr lang="en-US" baseline="0" dirty="0" smtClean="0"/>
+              <a:t> </a:t>
+            </a:r>
+            <a:r>
+              <a:rPr lang="en-US" baseline="0" dirty="0" err="1" smtClean="0"/>
+              <a:t>báo</a:t>
+            </a:r>
+            <a:r>
+              <a:rPr lang="en-US" baseline="0" dirty="0" smtClean="0"/>
+              <a:t> </a:t>
+            </a:r>
+            <a:r>
+              <a:rPr lang="en-US" baseline="0" dirty="0" err="1" smtClean="0"/>
+              <a:t>tiếp</a:t>
+            </a:r>
+            <a:r>
+              <a:rPr lang="en-US" baseline="0" dirty="0" smtClean="0"/>
+              <a:t> </a:t>
+            </a:r>
+            <a:r>
+              <a:rPr lang="en-US" baseline="0" dirty="0" err="1" smtClean="0"/>
+              <a:t>theo.</a:t>
+            </a:r>
+            <a:endParaRPr lang="en-US" baseline="0" dirty="0" smtClean="0"/>
+          </a:p>
+          <a:p>
+            <a:r>
+              <a:rPr lang="en-US" baseline="0" dirty="0" err="1" smtClean="0"/>
+              <a:t>Khoảng</a:t>
+            </a:r>
+            <a:r>
+              <a:rPr lang="en-US" baseline="0" dirty="0" smtClean="0"/>
+              <a:t> </a:t>
+            </a:r>
+            <a:r>
+              <a:rPr lang="en-US" baseline="0" dirty="0" err="1" smtClean="0"/>
+              <a:t>cách</a:t>
+            </a:r>
+            <a:r>
+              <a:rPr lang="en-US" baseline="0" dirty="0" smtClean="0"/>
+              <a:t> </a:t>
+            </a:r>
+            <a:r>
+              <a:rPr lang="en-US" baseline="0" dirty="0" err="1" smtClean="0"/>
+              <a:t>nằm</a:t>
+            </a:r>
+            <a:r>
+              <a:rPr lang="en-US" baseline="0" dirty="0" smtClean="0"/>
+              <a:t> </a:t>
+            </a:r>
+            <a:r>
+              <a:rPr lang="en-US" baseline="0" dirty="0" err="1" smtClean="0"/>
+              <a:t>trong</a:t>
+            </a:r>
+            <a:r>
+              <a:rPr lang="en-US" baseline="0" dirty="0" smtClean="0"/>
+              <a:t> </a:t>
+            </a:r>
+            <a:r>
+              <a:rPr lang="en-US" baseline="0" dirty="0" err="1" smtClean="0"/>
+              <a:t>độ</a:t>
+            </a:r>
+            <a:r>
+              <a:rPr lang="en-US" baseline="0" dirty="0" smtClean="0"/>
+              <a:t> </a:t>
+            </a:r>
+            <a:r>
+              <a:rPr lang="en-US" baseline="0" dirty="0" err="1" smtClean="0"/>
+              <a:t>dài</a:t>
+            </a:r>
+            <a:r>
+              <a:rPr lang="en-US" baseline="0" dirty="0" smtClean="0"/>
+              <a:t> </a:t>
+            </a:r>
+            <a:r>
+              <a:rPr lang="en-US" baseline="0" dirty="0" err="1" smtClean="0"/>
+              <a:t>cho</a:t>
+            </a:r>
+            <a:r>
+              <a:rPr lang="en-US" baseline="0" dirty="0" smtClean="0"/>
+              <a:t> </a:t>
+            </a:r>
+            <a:r>
+              <a:rPr lang="en-US" baseline="0" dirty="0" err="1" smtClean="0"/>
+              <a:t>phép</a:t>
+            </a:r>
+            <a:endParaRPr lang="en-US" baseline="0" dirty="0" smtClean="0"/>
+          </a:p>
+        </p:txBody>
+      </p:sp>
+      <p:sp>
+        <p:nvSpPr>
+          <p:cNvPr id="4" name="Slide Number Placeholder 3"/>
+          <p:cNvSpPr>
+            <a:spLocks noGrp="1"/>
+          </p:cNvSpPr>
+          <p:nvPr>
+            <p:ph type="sldNum" sz="quarter" idx="10"/>
+          </p:nvPr>
+        </p:nvSpPr>
+        <p:spPr/>
+        <p:txBody>
+          <a:bodyPr/>
+          <a:lstStyle/>
+          <a:p>
+            <a:fld id="{6EAC9104-BF7A-AB40-8603-EF459625F286}" type="slidenum">
+              <a:rPr lang="en-US" smtClean="0"/>
+              <a:t>22</a:t>
+            </a:fld>
+            <a:endParaRPr lang="en-US"/>
+          </a:p>
+        </p:txBody>
+      </p:sp>
+    </p:spTree>
+    <p:extLst>
+      <p:ext uri="{BB962C8B-B14F-4D97-AF65-F5344CB8AC3E}">
+        <p14:creationId xmlns:p14="http://schemas.microsoft.com/office/powerpoint/2010/main" val="5646940"/>
+      </p:ext>
+    </p:extLst>
+  </p:cSld>
+  <p:clrMapOvr>
+    <a:masterClrMapping/>
+  </p:clrMapOvr>
+</p:notes>
+</file>
+
+<file path=ppt/notesSlides/notesSlide23.xml><?xml version="1.0" encoding="utf-8"?>
+<p:notes xmlns:a="http://schemas.openxmlformats.org/drawingml/2006/main" xmlns:r="http://schemas.openxmlformats.org/officeDocument/2006/relationships" xmlns:p="http://schemas.openxmlformats.org/presentationml/2006/main">
+  <p:cSld>
+    <p:spTree>
+      <p:nvGrpSpPr>
+        <p:cNvPr id="1" name=""/>
+        <p:cNvGrpSpPr/>
+        <p:nvPr/>
+      </p:nvGrpSpPr>
+      <p:grpSpPr>
+        <a:xfrm>
+          <a:off x="0" y="0"/>
+          <a:ext cx="0" cy="0"/>
+          <a:chOff x="0" y="0"/>
+          <a:chExt cx="0" cy="0"/>
+        </a:xfrm>
+      </p:grpSpPr>
+      <p:sp>
+        <p:nvSpPr>
+          <p:cNvPr id="2" name="Slide Image Placeholder 1"/>
+          <p:cNvSpPr>
+            <a:spLocks noGrp="1" noRot="1" noChangeAspect="1"/>
+          </p:cNvSpPr>
+          <p:nvPr>
+            <p:ph type="sldImg"/>
+          </p:nvPr>
+        </p:nvSpPr>
+        <p:spPr/>
+      </p:sp>
+      <p:sp>
+        <p:nvSpPr>
+          <p:cNvPr id="3" name="Notes Placeholder 2"/>
+          <p:cNvSpPr>
+            <a:spLocks noGrp="1"/>
+          </p:cNvSpPr>
+          <p:nvPr>
+            <p:ph type="body" idx="1"/>
+          </p:nvPr>
+        </p:nvSpPr>
+        <p:spPr/>
+        <p:txBody>
+          <a:bodyPr/>
+          <a:lstStyle/>
+          <a:p>
+            <a:r>
+              <a:rPr lang="en-US" dirty="0" err="1" smtClean="0"/>
+              <a:t>Hệ</a:t>
+            </a:r>
+            <a:r>
+              <a:rPr lang="en-US" dirty="0" smtClean="0"/>
+              <a:t> </a:t>
+            </a:r>
+            <a:r>
+              <a:rPr lang="en-US" dirty="0" err="1" smtClean="0"/>
+              <a:t>thống</a:t>
+            </a:r>
+            <a:r>
+              <a:rPr lang="en-US" baseline="0" dirty="0" smtClean="0"/>
+              <a:t> </a:t>
+            </a:r>
+            <a:r>
+              <a:rPr lang="en-US" baseline="0" dirty="0" err="1" smtClean="0"/>
+              <a:t>thông</a:t>
+            </a:r>
+            <a:r>
+              <a:rPr lang="en-US" baseline="0" dirty="0" smtClean="0"/>
+              <a:t> </a:t>
+            </a:r>
+            <a:r>
+              <a:rPr lang="en-US" baseline="0" dirty="0" err="1" smtClean="0"/>
+              <a:t>báo</a:t>
+            </a:r>
+            <a:r>
+              <a:rPr lang="en-US" baseline="0" dirty="0" smtClean="0"/>
+              <a:t> </a:t>
+            </a:r>
+            <a:r>
+              <a:rPr lang="en-US" baseline="0" dirty="0" err="1" smtClean="0"/>
+              <a:t>cho</a:t>
+            </a:r>
+            <a:r>
+              <a:rPr lang="en-US" baseline="0" dirty="0" smtClean="0"/>
+              <a:t> </a:t>
+            </a:r>
+            <a:r>
+              <a:rPr lang="en-US" baseline="0" dirty="0" err="1" smtClean="0"/>
+              <a:t>người</a:t>
+            </a:r>
+            <a:r>
+              <a:rPr lang="en-US" baseline="0" dirty="0" smtClean="0"/>
+              <a:t> dung </a:t>
+            </a:r>
+            <a:r>
+              <a:rPr lang="en-US" baseline="0" dirty="0" err="1" smtClean="0"/>
+              <a:t>điều</a:t>
+            </a:r>
+            <a:r>
+              <a:rPr lang="en-US" baseline="0" dirty="0" smtClean="0"/>
+              <a:t> </a:t>
+            </a:r>
+            <a:r>
+              <a:rPr lang="en-US" baseline="0" dirty="0" err="1" smtClean="0"/>
+              <a:t>gì</a:t>
+            </a:r>
+            <a:r>
+              <a:rPr lang="en-US" baseline="0" dirty="0" smtClean="0"/>
+              <a:t> </a:t>
+            </a:r>
+            <a:r>
+              <a:rPr lang="en-US" baseline="0" dirty="0" err="1" smtClean="0"/>
+              <a:t>cần</a:t>
+            </a:r>
+            <a:r>
+              <a:rPr lang="en-US" baseline="0" dirty="0" smtClean="0"/>
+              <a:t> </a:t>
+            </a:r>
+            <a:r>
+              <a:rPr lang="en-US" baseline="0" dirty="0" err="1" smtClean="0"/>
+              <a:t>làm</a:t>
+            </a:r>
+            <a:r>
+              <a:rPr lang="en-US" baseline="0" dirty="0" smtClean="0"/>
+              <a:t> </a:t>
+            </a:r>
+            <a:r>
+              <a:rPr lang="en-US" baseline="0" dirty="0" err="1" smtClean="0"/>
+              <a:t>tiếp</a:t>
+            </a:r>
+            <a:r>
+              <a:rPr lang="en-US" baseline="0" dirty="0" smtClean="0"/>
+              <a:t> </a:t>
+            </a:r>
+            <a:r>
+              <a:rPr lang="en-US" baseline="0" dirty="0" err="1" smtClean="0"/>
+              <a:t>theo</a:t>
+            </a:r>
+            <a:endParaRPr lang="en-US" dirty="0"/>
+          </a:p>
+        </p:txBody>
+      </p:sp>
+      <p:sp>
+        <p:nvSpPr>
+          <p:cNvPr id="4" name="Slide Number Placeholder 3"/>
+          <p:cNvSpPr>
+            <a:spLocks noGrp="1"/>
+          </p:cNvSpPr>
+          <p:nvPr>
+            <p:ph type="sldNum" sz="quarter" idx="10"/>
+          </p:nvPr>
+        </p:nvSpPr>
+        <p:spPr/>
+        <p:txBody>
+          <a:bodyPr/>
+          <a:lstStyle/>
+          <a:p>
+            <a:fld id="{6EAC9104-BF7A-AB40-8603-EF459625F286}" type="slidenum">
+              <a:rPr lang="en-US" smtClean="0"/>
+              <a:t>23</a:t>
+            </a:fld>
+            <a:endParaRPr lang="en-US"/>
+          </a:p>
+        </p:txBody>
+      </p:sp>
+    </p:spTree>
+    <p:extLst>
+      <p:ext uri="{BB962C8B-B14F-4D97-AF65-F5344CB8AC3E}">
+        <p14:creationId xmlns:p14="http://schemas.microsoft.com/office/powerpoint/2010/main" val="2092706775"/>
       </p:ext>
     </p:extLst>
   </p:cSld>
@@ -728,8 +3977,29 @@
           <a:p>
             <a:r>
               <a:rPr lang="vi-VN" dirty="0" smtClean="0"/>
-              <a:t>Phát hiện và thông báo cho anh Khương ở mỗi ngả rẽ.</a:t>
-            </a:r>
+              <a:t>Phát hiện và thông báo cho anh Khương ở mỗi </a:t>
+            </a:r>
+            <a:r>
+              <a:rPr lang="vi-VN" dirty="0" smtClean="0"/>
+              <a:t>ng</a:t>
+            </a:r>
+            <a:r>
+              <a:rPr lang="en-US" dirty="0" smtClean="0"/>
+              <a:t>ã</a:t>
+            </a:r>
+            <a:r>
+              <a:rPr lang="en-US" baseline="0" dirty="0" smtClean="0"/>
+              <a:t> </a:t>
+            </a:r>
+            <a:r>
+              <a:rPr lang="en-US" baseline="0" dirty="0" err="1" smtClean="0"/>
+              <a:t>rẻ</a:t>
+            </a:r>
+            <a:r>
+              <a:rPr lang="en-US" baseline="0" dirty="0" smtClean="0"/>
+              <a:t>.</a:t>
+            </a:r>
+            <a:endParaRPr lang="vi-VN" dirty="0" smtClean="0"/>
           </a:p>
           <a:p>
             <a:r>
@@ -824,30 +4094,102 @@
           <a:bodyPr/>
           <a:lstStyle/>
           <a:p>
-            <a:pPr marL="0" marR="0" indent="0" algn="l" defTabSz="914400" rtl="0" eaLnBrk="1" fontAlgn="auto" latinLnBrk="0" hangingPunct="1">
-              <a:lnSpc>
-                <a:spcPct val="100000"/>
-              </a:lnSpc>
-              <a:spcBef>
-                <a:spcPts val="0"/>
-              </a:spcBef>
-              <a:spcAft>
-                <a:spcPts val="0"/>
-              </a:spcAft>
-              <a:buClrTx/>
-              <a:buSzTx/>
-              <a:buFontTx/>
-              <a:buNone/>
-              <a:tabLst/>
-              <a:defRPr/>
-            </a:pPr>
-            <a:r>
-              <a:rPr lang="vi-VN" dirty="0" smtClean="0"/>
-              <a:t>Để hỗ trợ thuật toán trên, Trước hết, tôi xin trình bày tìm khoảng cách ... </a:t>
-            </a:r>
-            <a:endParaRPr lang="en-US" dirty="0" smtClean="0"/>
-          </a:p>
-          <a:p>
+            <a:r>
+              <a:rPr lang="en-US" dirty="0" err="1" smtClean="0"/>
+              <a:t>Để</a:t>
+            </a:r>
+            <a:r>
+              <a:rPr lang="en-US" baseline="0" dirty="0" smtClean="0"/>
+              <a:t> </a:t>
+            </a:r>
+            <a:r>
+              <a:rPr lang="en-US" baseline="0" dirty="0" err="1" smtClean="0"/>
+              <a:t>thực</a:t>
+            </a:r>
+            <a:r>
+              <a:rPr lang="en-US" baseline="0" dirty="0" smtClean="0"/>
+              <a:t> </a:t>
+            </a:r>
+            <a:r>
+              <a:rPr lang="en-US" baseline="0" dirty="0" err="1" smtClean="0"/>
+              <a:t>hiện</a:t>
+            </a:r>
+            <a:r>
+              <a:rPr lang="en-US" baseline="0" dirty="0" smtClean="0"/>
+              <a:t> </a:t>
+            </a:r>
+            <a:r>
+              <a:rPr lang="en-US" baseline="0" dirty="0" err="1" smtClean="0"/>
+              <a:t>chức</a:t>
+            </a:r>
+            <a:r>
+              <a:rPr lang="en-US" baseline="0" dirty="0" smtClean="0"/>
+              <a:t> </a:t>
+            </a:r>
+            <a:r>
+              <a:rPr lang="en-US" baseline="0" dirty="0" err="1" smtClean="0"/>
+              <a:t>năng</a:t>
+            </a:r>
+            <a:r>
+              <a:rPr lang="en-US" baseline="0" dirty="0" smtClean="0"/>
+              <a:t> </a:t>
+            </a:r>
+            <a:r>
+              <a:rPr lang="en-US" baseline="0" dirty="0" err="1" smtClean="0"/>
+              <a:t>trên</a:t>
+            </a:r>
+            <a:r>
+              <a:rPr lang="en-US" baseline="0" dirty="0" smtClean="0"/>
+              <a:t> </a:t>
+            </a:r>
+            <a:r>
+              <a:rPr lang="en-US" baseline="0" dirty="0" err="1" smtClean="0"/>
+              <a:t>tôi</a:t>
+            </a:r>
+            <a:r>
+              <a:rPr lang="en-US" baseline="0" dirty="0" smtClean="0"/>
+              <a:t> </a:t>
+            </a:r>
+            <a:r>
+              <a:rPr lang="en-US" baseline="0" dirty="0" err="1" smtClean="0"/>
+              <a:t>xin</a:t>
+            </a:r>
+            <a:r>
+              <a:rPr lang="en-US" baseline="0" dirty="0" smtClean="0"/>
+              <a:t> </a:t>
+            </a:r>
+            <a:r>
+              <a:rPr lang="en-US" baseline="0" dirty="0" err="1" smtClean="0"/>
+              <a:t>trình</a:t>
+            </a:r>
+            <a:r>
+              <a:rPr lang="en-US" baseline="0" dirty="0" smtClean="0"/>
+              <a:t> </a:t>
+            </a:r>
+            <a:r>
+              <a:rPr lang="en-US" baseline="0" dirty="0" err="1" smtClean="0"/>
+              <a:t>bày</a:t>
+            </a:r>
+            <a:r>
+              <a:rPr lang="en-US" baseline="0" dirty="0" smtClean="0"/>
+              <a:t> </a:t>
+            </a:r>
+            <a:r>
+              <a:rPr lang="en-US" baseline="0" dirty="0" err="1" smtClean="0"/>
+              <a:t>thuật</a:t>
+            </a:r>
+            <a:r>
+              <a:rPr lang="en-US" baseline="0" dirty="0" smtClean="0"/>
+              <a:t> </a:t>
+            </a:r>
+            <a:r>
+              <a:rPr lang="en-US" baseline="0" dirty="0" err="1" smtClean="0"/>
+              <a:t>toán</a:t>
+            </a:r>
+            <a:r>
+              <a:rPr lang="en-US" baseline="0" dirty="0" smtClean="0"/>
+              <a:t> Notify Turn</a:t>
+            </a:r>
             <a:endParaRPr lang="en-US" dirty="0"/>
           </a:p>
         </p:txBody>
@@ -869,7 +4211,7 @@
           <a:p>
             <a:fld id="{6EAC9104-BF7A-AB40-8603-EF459625F286}" type="slidenum">
               <a:rPr lang="en-US" smtClean="0"/>
-              <a:t>5</a:t>
+              <a:t>4</a:t>
             </a:fld>
             <a:endParaRPr lang="en-US"/>
           </a:p>
@@ -878,7 +4220,7 @@
     </p:spTree>
     <p:extLst>
       <p:ext uri="{BB962C8B-B14F-4D97-AF65-F5344CB8AC3E}">
-        <p14:creationId xmlns:p14="http://schemas.microsoft.com/office/powerpoint/2010/main" val="1214627414"/>
+        <p14:creationId xmlns:p14="http://schemas.microsoft.com/office/powerpoint/2010/main" val="3782456928"/>
       </p:ext>
     </p:extLst>
   </p:cSld>
@@ -950,8 +4292,195 @@
               <a:defRPr/>
             </a:pPr>
             <a:r>
+              <a:rPr lang="en-US" dirty="0" err="1" smtClean="0"/>
+              <a:t>Nhưng</a:t>
+            </a:r>
+            <a:r>
+              <a:rPr lang="en-US" baseline="0" dirty="0" smtClean="0"/>
+              <a:t> </a:t>
+            </a:r>
+            <a:r>
+              <a:rPr lang="en-US" baseline="0" dirty="0" err="1" smtClean="0"/>
+              <a:t>trước</a:t>
+            </a:r>
+            <a:r>
               <a:rPr lang="vi-VN" dirty="0" smtClean="0"/>
-              <a:t>Tôi có một chuyến đi gồm 4 đoạn từ A -&gt; E</a:t>
+              <a:t> </a:t>
+            </a:r>
+            <a:r>
+              <a:rPr lang="vi-VN" dirty="0" smtClean="0"/>
+              <a:t>hết, tôi xin trình bày </a:t>
+            </a:r>
+            <a:r>
+              <a:rPr lang="en-US" dirty="0" err="1" smtClean="0"/>
+              <a:t>thuật</a:t>
+            </a:r>
+            <a:r>
+              <a:rPr lang="en-US" baseline="0" dirty="0" smtClean="0"/>
+              <a:t> </a:t>
+            </a:r>
+            <a:r>
+              <a:rPr lang="en-US" baseline="0" dirty="0" err="1" smtClean="0"/>
+              <a:t>toán</a:t>
+            </a:r>
+            <a:r>
+              <a:rPr lang="en-US" baseline="0" dirty="0" smtClean="0"/>
+              <a:t> </a:t>
+            </a:r>
+            <a:r>
+              <a:rPr lang="en-US" baseline="0" dirty="0" err="1" smtClean="0"/>
+              <a:t>tìm</a:t>
+            </a:r>
+            <a:r>
+              <a:rPr lang="en-US" baseline="0" dirty="0" smtClean="0"/>
+              <a:t> </a:t>
+            </a:r>
+            <a:r>
+              <a:rPr lang="vi-VN" dirty="0" smtClean="0"/>
+              <a:t>khoảng </a:t>
+            </a:r>
+            <a:r>
+              <a:rPr lang="vi-VN" dirty="0" smtClean="0"/>
+              <a:t>cách </a:t>
+            </a:r>
+            <a:r>
+              <a:rPr lang="en-US" dirty="0" err="1" smtClean="0"/>
+              <a:t>từ</a:t>
+            </a:r>
+            <a:r>
+              <a:rPr lang="en-US" baseline="0" dirty="0" smtClean="0"/>
+              <a:t> 1 </a:t>
+            </a:r>
+            <a:r>
+              <a:rPr lang="en-US" baseline="0" dirty="0" err="1" smtClean="0"/>
+              <a:t>điểm</a:t>
+            </a:r>
+            <a:r>
+              <a:rPr lang="en-US" baseline="0" dirty="0" smtClean="0"/>
+              <a:t> </a:t>
+            </a:r>
+            <a:r>
+              <a:rPr lang="en-US" baseline="0" dirty="0" err="1" smtClean="0"/>
+              <a:t>tới</a:t>
+            </a:r>
+            <a:r>
+              <a:rPr lang="en-US" baseline="0" dirty="0" smtClean="0"/>
+              <a:t> 1 </a:t>
+            </a:r>
+            <a:r>
+              <a:rPr lang="en-US" baseline="0" dirty="0" err="1" smtClean="0"/>
+              <a:t>đoạn</a:t>
+            </a:r>
+            <a:r>
+              <a:rPr lang="en-US" baseline="0" dirty="0" smtClean="0"/>
+              <a:t> </a:t>
+            </a:r>
+            <a:r>
+              <a:rPr lang="en-US" baseline="0" dirty="0" err="1" smtClean="0"/>
+              <a:t>thẳng</a:t>
+            </a:r>
+            <a:r>
+              <a:rPr lang="en-US" baseline="0" dirty="0" smtClean="0"/>
+              <a:t>.</a:t>
+            </a:r>
+          </a:p>
+          <a:p>
+            <a:pPr marL="0" marR="0" indent="0" algn="l" defTabSz="914400" rtl="0" eaLnBrk="1" fontAlgn="auto" latinLnBrk="0" hangingPunct="1">
+              <a:lnSpc>
+                <a:spcPct val="100000"/>
+              </a:lnSpc>
+              <a:spcBef>
+                <a:spcPts val="0"/>
+              </a:spcBef>
+              <a:spcAft>
+                <a:spcPts val="0"/>
+              </a:spcAft>
+              <a:buClrTx/>
+              <a:buSzTx/>
+              <a:buFontTx/>
+              <a:buNone/>
+              <a:tabLst/>
+              <a:defRPr/>
+            </a:pPr>
+            <a:r>
+              <a:rPr lang="en-US" baseline="0" dirty="0" err="1" smtClean="0"/>
+              <a:t>Và</a:t>
+            </a:r>
+            <a:r>
+              <a:rPr lang="en-US" baseline="0" dirty="0" smtClean="0"/>
+              <a:t> </a:t>
+            </a:r>
+            <a:r>
+              <a:rPr lang="en-US" baseline="0" dirty="0" err="1" smtClean="0"/>
+              <a:t>thuật</a:t>
+            </a:r>
+            <a:r>
+              <a:rPr lang="en-US" baseline="0" dirty="0" smtClean="0"/>
+              <a:t> </a:t>
+            </a:r>
+            <a:r>
+              <a:rPr lang="en-US" baseline="0" dirty="0" err="1" smtClean="0"/>
+              <a:t>toán</a:t>
+            </a:r>
+            <a:r>
+              <a:rPr lang="en-US" baseline="0" dirty="0" smtClean="0"/>
+              <a:t> </a:t>
+            </a:r>
+            <a:r>
+              <a:rPr lang="en-US" baseline="0" dirty="0" err="1" smtClean="0"/>
+              <a:t>này</a:t>
+            </a:r>
+            <a:r>
+              <a:rPr lang="en-US" baseline="0" dirty="0" smtClean="0"/>
+              <a:t> dung </a:t>
+            </a:r>
+            <a:r>
+              <a:rPr lang="en-US" baseline="0" dirty="0" err="1" smtClean="0"/>
+              <a:t>để</a:t>
+            </a:r>
+            <a:r>
+              <a:rPr lang="en-US" baseline="0" dirty="0" smtClean="0"/>
+              <a:t> </a:t>
+            </a:r>
+            <a:r>
+              <a:rPr lang="en-US" baseline="0" dirty="0" err="1" smtClean="0"/>
+              <a:t>hỗ</a:t>
+            </a:r>
+            <a:r>
+              <a:rPr lang="en-US" baseline="0" dirty="0" smtClean="0"/>
+              <a:t> </a:t>
+            </a:r>
+            <a:r>
+              <a:rPr lang="en-US" baseline="0" dirty="0" err="1" smtClean="0"/>
+              <a:t>trợ</a:t>
+            </a:r>
+            <a:r>
+              <a:rPr lang="en-US" baseline="0" dirty="0" smtClean="0"/>
+              <a:t> </a:t>
+            </a:r>
+            <a:r>
+              <a:rPr lang="en-US" baseline="0" dirty="0" err="1" smtClean="0"/>
+              <a:t>thuật</a:t>
+            </a:r>
+            <a:r>
+              <a:rPr lang="en-US" baseline="0" dirty="0" smtClean="0"/>
+              <a:t> </a:t>
+            </a:r>
+            <a:r>
+              <a:rPr lang="en-US" baseline="0" dirty="0" err="1" smtClean="0"/>
+              <a:t>toán</a:t>
+            </a:r>
+            <a:r>
+              <a:rPr lang="en-US" baseline="0" dirty="0" smtClean="0"/>
+              <a:t> </a:t>
+            </a:r>
+            <a:r>
+              <a:rPr lang="en-US" baseline="0" dirty="0" err="1" smtClean="0"/>
+              <a:t>trên</a:t>
+            </a:r>
+            <a:r>
+              <a:rPr lang="en-US" baseline="0" dirty="0" smtClean="0"/>
+              <a:t>.</a:t>
             </a:r>
             <a:endParaRPr lang="en-US" dirty="0" smtClean="0"/>
           </a:p>
@@ -977,7 +4506,7 @@
           <a:p>
             <a:fld id="{6EAC9104-BF7A-AB40-8603-EF459625F286}" type="slidenum">
               <a:rPr lang="en-US" smtClean="0"/>
-              <a:t>15</a:t>
+              <a:t>5</a:t>
             </a:fld>
             <a:endParaRPr lang="en-US"/>
           </a:p>
@@ -986,7 +4515,583 @@
     </p:spTree>
     <p:extLst>
       <p:ext uri="{BB962C8B-B14F-4D97-AF65-F5344CB8AC3E}">
-        <p14:creationId xmlns:p14="http://schemas.microsoft.com/office/powerpoint/2010/main" val="443439637"/>
+        <p14:creationId xmlns:p14="http://schemas.microsoft.com/office/powerpoint/2010/main" val="1214627414"/>
+      </p:ext>
+    </p:extLst>
+  </p:cSld>
+  <p:clrMapOvr>
+    <a:masterClrMapping/>
+  </p:clrMapOvr>
+</p:notes>
+</file>
+
+<file path=ppt/notesSlides/notesSlide6.xml><?xml version="1.0" encoding="utf-8"?>
+<p:notes xmlns:a="http://schemas.openxmlformats.org/drawingml/2006/main" xmlns:r="http://schemas.openxmlformats.org/officeDocument/2006/relationships" xmlns:p="http://schemas.openxmlformats.org/presentationml/2006/main">
+  <p:cSld>
+    <p:spTree>
+      <p:nvGrpSpPr>
+        <p:cNvPr id="1" name=""/>
+        <p:cNvGrpSpPr/>
+        <p:nvPr/>
+      </p:nvGrpSpPr>
+      <p:grpSpPr>
+        <a:xfrm>
+          <a:off x="0" y="0"/>
+          <a:ext cx="0" cy="0"/>
+          <a:chOff x="0" y="0"/>
+          <a:chExt cx="0" cy="0"/>
+        </a:xfrm>
+      </p:grpSpPr>
+      <p:sp>
+        <p:nvSpPr>
+          <p:cNvPr id="2" name="Slide Image Placeholder 1"/>
+          <p:cNvSpPr>
+            <a:spLocks noGrp="1" noRot="1" noChangeAspect="1"/>
+          </p:cNvSpPr>
+          <p:nvPr>
+            <p:ph type="sldImg"/>
+          </p:nvPr>
+        </p:nvSpPr>
+        <p:spPr/>
+      </p:sp>
+      <p:sp>
+        <p:nvSpPr>
+          <p:cNvPr id="3" name="Notes Placeholder 2"/>
+          <p:cNvSpPr>
+            <a:spLocks noGrp="1"/>
+          </p:cNvSpPr>
+          <p:nvPr>
+            <p:ph type="body" idx="1"/>
+          </p:nvPr>
+        </p:nvSpPr>
+        <p:spPr/>
+        <p:txBody>
+          <a:bodyPr/>
+          <a:lstStyle/>
+          <a:p>
+            <a:r>
+              <a:rPr lang="en-US" dirty="0" err="1" smtClean="0"/>
+              <a:t>Đầu</a:t>
+            </a:r>
+            <a:r>
+              <a:rPr lang="en-US" baseline="0" dirty="0" smtClean="0"/>
+              <a:t> </a:t>
+            </a:r>
+            <a:r>
+              <a:rPr lang="en-US" baseline="0" dirty="0" err="1" smtClean="0"/>
+              <a:t>tiên</a:t>
+            </a:r>
+            <a:r>
+              <a:rPr lang="en-US" baseline="0" dirty="0" smtClean="0"/>
+              <a:t>, </a:t>
+            </a:r>
+            <a:r>
+              <a:rPr lang="en-US" baseline="0" dirty="0" err="1" smtClean="0"/>
+              <a:t>tôi</a:t>
+            </a:r>
+            <a:r>
+              <a:rPr lang="en-US" baseline="0" dirty="0" smtClean="0"/>
+              <a:t> </a:t>
+            </a:r>
+            <a:r>
+              <a:rPr lang="en-US" baseline="0" dirty="0" err="1" smtClean="0"/>
+              <a:t>có</a:t>
+            </a:r>
+            <a:r>
+              <a:rPr lang="en-US" baseline="0" dirty="0" smtClean="0"/>
+              <a:t> 1 </a:t>
+            </a:r>
+            <a:r>
+              <a:rPr lang="en-US" baseline="0" dirty="0" err="1" smtClean="0"/>
+              <a:t>đạon</a:t>
+            </a:r>
+            <a:r>
+              <a:rPr lang="en-US" baseline="0" dirty="0" smtClean="0"/>
+              <a:t> </a:t>
+            </a:r>
+            <a:r>
+              <a:rPr lang="en-US" baseline="0" dirty="0" err="1" smtClean="0"/>
+              <a:t>thẳng</a:t>
+            </a:r>
+            <a:r>
+              <a:rPr lang="en-US" baseline="0" dirty="0" smtClean="0"/>
+              <a:t> AB	</a:t>
+            </a:r>
+            <a:endParaRPr lang="en-US" dirty="0"/>
+          </a:p>
+        </p:txBody>
+      </p:sp>
+      <p:sp>
+        <p:nvSpPr>
+          <p:cNvPr id="4" name="Slide Number Placeholder 3"/>
+          <p:cNvSpPr>
+            <a:spLocks noGrp="1"/>
+          </p:cNvSpPr>
+          <p:nvPr>
+            <p:ph type="sldNum" sz="quarter" idx="10"/>
+          </p:nvPr>
+        </p:nvSpPr>
+        <p:spPr/>
+        <p:txBody>
+          <a:bodyPr/>
+          <a:lstStyle/>
+          <a:p>
+            <a:fld id="{6EAC9104-BF7A-AB40-8603-EF459625F286}" type="slidenum">
+              <a:rPr lang="en-US" smtClean="0"/>
+              <a:t>6</a:t>
+            </a:fld>
+            <a:endParaRPr lang="en-US"/>
+          </a:p>
+        </p:txBody>
+      </p:sp>
+    </p:spTree>
+    <p:extLst>
+      <p:ext uri="{BB962C8B-B14F-4D97-AF65-F5344CB8AC3E}">
+        <p14:creationId xmlns:p14="http://schemas.microsoft.com/office/powerpoint/2010/main" val="685781161"/>
+      </p:ext>
+    </p:extLst>
+  </p:cSld>
+  <p:clrMapOvr>
+    <a:masterClrMapping/>
+  </p:clrMapOvr>
+</p:notes>
+</file>
+
+<file path=ppt/notesSlides/notesSlide7.xml><?xml version="1.0" encoding="utf-8"?>
+<p:notes xmlns:a="http://schemas.openxmlformats.org/drawingml/2006/main" xmlns:r="http://schemas.openxmlformats.org/officeDocument/2006/relationships" xmlns:p="http://schemas.openxmlformats.org/presentationml/2006/main">
+  <p:cSld>
+    <p:spTree>
+      <p:nvGrpSpPr>
+        <p:cNvPr id="1" name=""/>
+        <p:cNvGrpSpPr/>
+        <p:nvPr/>
+      </p:nvGrpSpPr>
+      <p:grpSpPr>
+        <a:xfrm>
+          <a:off x="0" y="0"/>
+          <a:ext cx="0" cy="0"/>
+          <a:chOff x="0" y="0"/>
+          <a:chExt cx="0" cy="0"/>
+        </a:xfrm>
+      </p:grpSpPr>
+      <p:sp>
+        <p:nvSpPr>
+          <p:cNvPr id="2" name="Slide Image Placeholder 1"/>
+          <p:cNvSpPr>
+            <a:spLocks noGrp="1" noRot="1" noChangeAspect="1"/>
+          </p:cNvSpPr>
+          <p:nvPr>
+            <p:ph type="sldImg"/>
+          </p:nvPr>
+        </p:nvSpPr>
+        <p:spPr/>
+      </p:sp>
+      <p:sp>
+        <p:nvSpPr>
+          <p:cNvPr id="3" name="Notes Placeholder 2"/>
+          <p:cNvSpPr>
+            <a:spLocks noGrp="1"/>
+          </p:cNvSpPr>
+          <p:nvPr>
+            <p:ph type="body" idx="1"/>
+          </p:nvPr>
+        </p:nvSpPr>
+        <p:spPr/>
+        <p:txBody>
+          <a:bodyPr/>
+          <a:lstStyle/>
+          <a:p>
+            <a:r>
+              <a:rPr lang="en-US" dirty="0" err="1" smtClean="0"/>
+              <a:t>Và</a:t>
+            </a:r>
+            <a:r>
+              <a:rPr lang="en-US" baseline="0" dirty="0" smtClean="0"/>
+              <a:t> </a:t>
+            </a:r>
+            <a:r>
+              <a:rPr lang="en-US" baseline="0" dirty="0" err="1" smtClean="0"/>
+              <a:t>điểm</a:t>
+            </a:r>
+            <a:r>
+              <a:rPr lang="en-US" baseline="0" dirty="0" smtClean="0"/>
+              <a:t> C</a:t>
+            </a:r>
+            <a:endParaRPr lang="en-US" dirty="0"/>
+          </a:p>
+        </p:txBody>
+      </p:sp>
+      <p:sp>
+        <p:nvSpPr>
+          <p:cNvPr id="4" name="Slide Number Placeholder 3"/>
+          <p:cNvSpPr>
+            <a:spLocks noGrp="1"/>
+          </p:cNvSpPr>
+          <p:nvPr>
+            <p:ph type="sldNum" sz="quarter" idx="10"/>
+          </p:nvPr>
+        </p:nvSpPr>
+        <p:spPr/>
+        <p:txBody>
+          <a:bodyPr/>
+          <a:lstStyle/>
+          <a:p>
+            <a:fld id="{6EAC9104-BF7A-AB40-8603-EF459625F286}" type="slidenum">
+              <a:rPr lang="en-US" smtClean="0"/>
+              <a:t>7</a:t>
+            </a:fld>
+            <a:endParaRPr lang="en-US"/>
+          </a:p>
+        </p:txBody>
+      </p:sp>
+    </p:spTree>
+    <p:extLst>
+      <p:ext uri="{BB962C8B-B14F-4D97-AF65-F5344CB8AC3E}">
+        <p14:creationId xmlns:p14="http://schemas.microsoft.com/office/powerpoint/2010/main" val="1588347901"/>
+      </p:ext>
+    </p:extLst>
+  </p:cSld>
+  <p:clrMapOvr>
+    <a:masterClrMapping/>
+  </p:clrMapOvr>
+</p:notes>
+</file>
+
+<file path=ppt/notesSlides/notesSlide8.xml><?xml version="1.0" encoding="utf-8"?>
+<p:notes xmlns:a="http://schemas.openxmlformats.org/drawingml/2006/main" xmlns:r="http://schemas.openxmlformats.org/officeDocument/2006/relationships" xmlns:p="http://schemas.openxmlformats.org/presentationml/2006/main">
+  <p:cSld>
+    <p:spTree>
+      <p:nvGrpSpPr>
+        <p:cNvPr id="1" name=""/>
+        <p:cNvGrpSpPr/>
+        <p:nvPr/>
+      </p:nvGrpSpPr>
+      <p:grpSpPr>
+        <a:xfrm>
+          <a:off x="0" y="0"/>
+          <a:ext cx="0" cy="0"/>
+          <a:chOff x="0" y="0"/>
+          <a:chExt cx="0" cy="0"/>
+        </a:xfrm>
+      </p:grpSpPr>
+      <p:sp>
+        <p:nvSpPr>
+          <p:cNvPr id="2" name="Slide Image Placeholder 1"/>
+          <p:cNvSpPr>
+            <a:spLocks noGrp="1" noRot="1" noChangeAspect="1"/>
+          </p:cNvSpPr>
+          <p:nvPr>
+            <p:ph type="sldImg"/>
+          </p:nvPr>
+        </p:nvSpPr>
+        <p:spPr/>
+      </p:sp>
+      <p:sp>
+        <p:nvSpPr>
+          <p:cNvPr id="3" name="Notes Placeholder 2"/>
+          <p:cNvSpPr>
+            <a:spLocks noGrp="1"/>
+          </p:cNvSpPr>
+          <p:nvPr>
+            <p:ph type="body" idx="1"/>
+          </p:nvPr>
+        </p:nvSpPr>
+        <p:spPr/>
+        <p:txBody>
+          <a:bodyPr/>
+          <a:lstStyle/>
+          <a:p>
+            <a:r>
+              <a:rPr lang="en-US" dirty="0" err="1" smtClean="0"/>
+              <a:t>Nếu</a:t>
+            </a:r>
+            <a:r>
+              <a:rPr lang="en-US" baseline="0" dirty="0" smtClean="0"/>
+              <a:t> </a:t>
+            </a:r>
+            <a:r>
+              <a:rPr lang="en-US" baseline="0" dirty="0" err="1" smtClean="0"/>
+              <a:t>điểm</a:t>
+            </a:r>
+            <a:r>
+              <a:rPr lang="en-US" baseline="0" dirty="0" smtClean="0"/>
+              <a:t> C </a:t>
+            </a:r>
+            <a:r>
+              <a:rPr lang="en-US" baseline="0" dirty="0" err="1" smtClean="0"/>
+              <a:t>nằm</a:t>
+            </a:r>
+            <a:r>
+              <a:rPr lang="en-US" baseline="0" dirty="0" smtClean="0"/>
+              <a:t> </a:t>
+            </a:r>
+            <a:r>
+              <a:rPr lang="en-US" baseline="0" dirty="0" err="1" smtClean="0"/>
+              <a:t>trong</a:t>
+            </a:r>
+            <a:r>
+              <a:rPr lang="en-US" baseline="0" dirty="0" smtClean="0"/>
+              <a:t> </a:t>
+            </a:r>
+            <a:r>
+              <a:rPr lang="en-US" baseline="0" dirty="0" err="1" smtClean="0"/>
+              <a:t>đoạn</a:t>
+            </a:r>
+            <a:r>
+              <a:rPr lang="en-US" baseline="0" dirty="0" smtClean="0"/>
+              <a:t> </a:t>
+            </a:r>
+            <a:r>
+              <a:rPr lang="en-US" baseline="0" dirty="0" err="1" smtClean="0"/>
+              <a:t>thằng</a:t>
+            </a:r>
+            <a:r>
+              <a:rPr lang="en-US" baseline="0" dirty="0" smtClean="0"/>
+              <a:t> AB</a:t>
+            </a:r>
+            <a:endParaRPr lang="en-US" dirty="0"/>
+          </a:p>
+        </p:txBody>
+      </p:sp>
+      <p:sp>
+        <p:nvSpPr>
+          <p:cNvPr id="4" name="Slide Number Placeholder 3"/>
+          <p:cNvSpPr>
+            <a:spLocks noGrp="1"/>
+          </p:cNvSpPr>
+          <p:nvPr>
+            <p:ph type="sldNum" sz="quarter" idx="10"/>
+          </p:nvPr>
+        </p:nvSpPr>
+        <p:spPr/>
+        <p:txBody>
+          <a:bodyPr/>
+          <a:lstStyle/>
+          <a:p>
+            <a:fld id="{6EAC9104-BF7A-AB40-8603-EF459625F286}" type="slidenum">
+              <a:rPr lang="en-US" smtClean="0"/>
+              <a:t>8</a:t>
+            </a:fld>
+            <a:endParaRPr lang="en-US"/>
+          </a:p>
+        </p:txBody>
+      </p:sp>
+    </p:spTree>
+    <p:extLst>
+      <p:ext uri="{BB962C8B-B14F-4D97-AF65-F5344CB8AC3E}">
+        <p14:creationId xmlns:p14="http://schemas.microsoft.com/office/powerpoint/2010/main" val="3505992557"/>
+      </p:ext>
+    </p:extLst>
+  </p:cSld>
+  <p:clrMapOvr>
+    <a:masterClrMapping/>
+  </p:clrMapOvr>
+</p:notes>
+</file>
+
+<file path=ppt/notesSlides/notesSlide9.xml><?xml version="1.0" encoding="utf-8"?>
+<p:notes xmlns:a="http://schemas.openxmlformats.org/drawingml/2006/main" xmlns:r="http://schemas.openxmlformats.org/officeDocument/2006/relationships" xmlns:p="http://schemas.openxmlformats.org/presentationml/2006/main">
+  <p:cSld>
+    <p:spTree>
+      <p:nvGrpSpPr>
+        <p:cNvPr id="1" name=""/>
+        <p:cNvGrpSpPr/>
+        <p:nvPr/>
+      </p:nvGrpSpPr>
+      <p:grpSpPr>
+        <a:xfrm>
+          <a:off x="0" y="0"/>
+          <a:ext cx="0" cy="0"/>
+          <a:chOff x="0" y="0"/>
+          <a:chExt cx="0" cy="0"/>
+        </a:xfrm>
+      </p:grpSpPr>
+      <p:sp>
+        <p:nvSpPr>
+          <p:cNvPr id="2" name="Slide Image Placeholder 1"/>
+          <p:cNvSpPr>
+            <a:spLocks noGrp="1" noRot="1" noChangeAspect="1"/>
+          </p:cNvSpPr>
+          <p:nvPr>
+            <p:ph type="sldImg"/>
+          </p:nvPr>
+        </p:nvSpPr>
+        <p:spPr/>
+      </p:sp>
+      <p:sp>
+        <p:nvSpPr>
+          <p:cNvPr id="3" name="Notes Placeholder 2"/>
+          <p:cNvSpPr>
+            <a:spLocks noGrp="1"/>
+          </p:cNvSpPr>
+          <p:nvPr>
+            <p:ph type="body" idx="1"/>
+          </p:nvPr>
+        </p:nvSpPr>
+        <p:spPr/>
+        <p:txBody>
+          <a:bodyPr/>
+          <a:lstStyle/>
+          <a:p>
+            <a:r>
+              <a:rPr lang="en-US" dirty="0" err="1" smtClean="0"/>
+              <a:t>Thì</a:t>
+            </a:r>
+            <a:r>
+              <a:rPr lang="en-US" baseline="0" dirty="0" smtClean="0"/>
+              <a:t> </a:t>
+            </a:r>
+            <a:r>
+              <a:rPr lang="en-US" baseline="0" dirty="0" err="1" smtClean="0"/>
+              <a:t>khoảng</a:t>
+            </a:r>
+            <a:r>
+              <a:rPr lang="en-US" baseline="0" dirty="0" smtClean="0"/>
+              <a:t> </a:t>
+            </a:r>
+            <a:r>
+              <a:rPr lang="en-US" baseline="0" dirty="0" err="1" smtClean="0"/>
+              <a:t>cách</a:t>
+            </a:r>
+            <a:r>
+              <a:rPr lang="en-US" baseline="0" dirty="0" smtClean="0"/>
+              <a:t> </a:t>
+            </a:r>
+            <a:r>
+              <a:rPr lang="en-US" baseline="0" dirty="0" err="1" smtClean="0"/>
+              <a:t>từ</a:t>
+            </a:r>
+            <a:r>
+              <a:rPr lang="en-US" baseline="0" dirty="0" smtClean="0"/>
+              <a:t> C </a:t>
+            </a:r>
+            <a:r>
+              <a:rPr lang="en-US" baseline="0" dirty="0" err="1" smtClean="0"/>
+              <a:t>tới</a:t>
+            </a:r>
+            <a:r>
+              <a:rPr lang="en-US" baseline="0" dirty="0" smtClean="0"/>
+              <a:t> </a:t>
+            </a:r>
+            <a:r>
+              <a:rPr lang="en-US" baseline="0" dirty="0" err="1" smtClean="0"/>
+              <a:t>đoạn</a:t>
+            </a:r>
+            <a:r>
+              <a:rPr lang="en-US" baseline="0" dirty="0" smtClean="0"/>
+              <a:t> </a:t>
+            </a:r>
+            <a:r>
+              <a:rPr lang="en-US" baseline="0" dirty="0" err="1" smtClean="0"/>
+              <a:t>thẳng</a:t>
+            </a:r>
+            <a:r>
+              <a:rPr lang="en-US" baseline="0" dirty="0" smtClean="0"/>
+              <a:t> AB </a:t>
+            </a:r>
+            <a:r>
+              <a:rPr lang="en-US" baseline="0" dirty="0" err="1" smtClean="0"/>
+              <a:t>là</a:t>
+            </a:r>
+            <a:r>
+              <a:rPr lang="en-US" baseline="0" dirty="0" smtClean="0"/>
+              <a:t> </a:t>
+            </a:r>
+            <a:r>
+              <a:rPr lang="en-US" baseline="0" dirty="0" err="1" smtClean="0"/>
+              <a:t>độ</a:t>
+            </a:r>
+            <a:r>
+              <a:rPr lang="en-US" baseline="0" dirty="0" smtClean="0"/>
+              <a:t> </a:t>
+            </a:r>
+            <a:r>
+              <a:rPr lang="en-US" baseline="0" dirty="0" err="1" smtClean="0"/>
+              <a:t>dài</a:t>
+            </a:r>
+            <a:r>
+              <a:rPr lang="en-US" baseline="0" dirty="0" smtClean="0"/>
+              <a:t> </a:t>
+            </a:r>
+            <a:r>
+              <a:rPr lang="en-US" baseline="0" dirty="0" err="1" smtClean="0"/>
+              <a:t>của</a:t>
+            </a:r>
+            <a:r>
+              <a:rPr lang="en-US" baseline="0" dirty="0" smtClean="0"/>
+              <a:t> </a:t>
+            </a:r>
+            <a:r>
+              <a:rPr lang="en-US" baseline="0" dirty="0" err="1" smtClean="0"/>
+              <a:t>đoạn</a:t>
+            </a:r>
+            <a:r>
+              <a:rPr lang="en-US" baseline="0" dirty="0" smtClean="0"/>
+              <a:t> </a:t>
+            </a:r>
+            <a:r>
+              <a:rPr lang="en-US" baseline="0" dirty="0" err="1" smtClean="0"/>
+              <a:t>thẳng</a:t>
+            </a:r>
+            <a:r>
+              <a:rPr lang="en-US" baseline="0" dirty="0" smtClean="0"/>
+              <a:t> </a:t>
+            </a:r>
+            <a:r>
+              <a:rPr lang="en-US" baseline="0" dirty="0" err="1" smtClean="0"/>
+              <a:t>vuông</a:t>
+            </a:r>
+            <a:r>
+              <a:rPr lang="en-US" baseline="0" dirty="0" smtClean="0"/>
+              <a:t> </a:t>
+            </a:r>
+            <a:r>
+              <a:rPr lang="en-US" baseline="0" dirty="0" err="1" smtClean="0"/>
+              <a:t>góc</a:t>
+            </a:r>
+            <a:r>
+              <a:rPr lang="en-US" baseline="0" dirty="0" smtClean="0"/>
+              <a:t> </a:t>
+            </a:r>
+            <a:r>
+              <a:rPr lang="en-US" baseline="0" dirty="0" err="1" smtClean="0"/>
+              <a:t>với</a:t>
+            </a:r>
+            <a:r>
+              <a:rPr lang="en-US" baseline="0" dirty="0" smtClean="0"/>
+              <a:t> AB</a:t>
+            </a:r>
+            <a:endParaRPr lang="en-US" dirty="0"/>
+          </a:p>
+        </p:txBody>
+      </p:sp>
+      <p:sp>
+        <p:nvSpPr>
+          <p:cNvPr id="4" name="Slide Number Placeholder 3"/>
+          <p:cNvSpPr>
+            <a:spLocks noGrp="1"/>
+          </p:cNvSpPr>
+          <p:nvPr>
+            <p:ph type="sldNum" sz="quarter" idx="10"/>
+          </p:nvPr>
+        </p:nvSpPr>
+        <p:spPr/>
+        <p:txBody>
+          <a:bodyPr/>
+          <a:lstStyle/>
+          <a:p>
+            <a:fld id="{6EAC9104-BF7A-AB40-8603-EF459625F286}" type="slidenum">
+              <a:rPr lang="en-US" smtClean="0"/>
+              <a:t>9</a:t>
+            </a:fld>
+            <a:endParaRPr lang="en-US"/>
+          </a:p>
+        </p:txBody>
+      </p:sp>
+    </p:spTree>
+    <p:extLst>
+      <p:ext uri="{BB962C8B-B14F-4D97-AF65-F5344CB8AC3E}">
+        <p14:creationId xmlns:p14="http://schemas.microsoft.com/office/powerpoint/2010/main" val="699904964"/>
       </p:ext>
     </p:extLst>
   </p:cSld>
@@ -1127,7 +5232,7 @@
           <a:p>
             <a:fld id="{94B1E4EC-92D8-4A33-94B0-5CDDBDDA3BE9}" type="datetimeFigureOut">
               <a:rPr lang="en-US" smtClean="0"/>
-              <a:t>12/11/15</a:t>
+              <a:t>12/11/2015</a:t>
             </a:fld>
             <a:endParaRPr lang="en-US"/>
           </a:p>
@@ -1297,7 +5402,7 @@
           <a:p>
             <a:fld id="{94B1E4EC-92D8-4A33-94B0-5CDDBDDA3BE9}" type="datetimeFigureOut">
               <a:rPr lang="en-US" smtClean="0"/>
-              <a:t>12/11/15</a:t>
+              <a:t>12/11/2015</a:t>
             </a:fld>
             <a:endParaRPr lang="en-US"/>
           </a:p>
@@ -1477,7 +5582,7 @@
           <a:p>
             <a:fld id="{94B1E4EC-92D8-4A33-94B0-5CDDBDDA3BE9}" type="datetimeFigureOut">
               <a:rPr lang="en-US" smtClean="0"/>
-              <a:t>12/11/15</a:t>
+              <a:t>12/11/2015</a:t>
             </a:fld>
             <a:endParaRPr lang="en-US"/>
           </a:p>
@@ -1942,7 +6047,7 @@
           <a:p>
             <a:fld id="{94B1E4EC-92D8-4A33-94B0-5CDDBDDA3BE9}" type="datetimeFigureOut">
               <a:rPr lang="en-US" smtClean="0"/>
-              <a:t>12/11/15</a:t>
+              <a:t>12/11/2015</a:t>
             </a:fld>
             <a:endParaRPr lang="en-US"/>
           </a:p>
@@ -2186,7 +6291,7 @@
           <a:p>
             <a:fld id="{94B1E4EC-92D8-4A33-94B0-5CDDBDDA3BE9}" type="datetimeFigureOut">
               <a:rPr lang="en-US" smtClean="0"/>
-              <a:t>12/11/15</a:t>
+              <a:t>12/11/2015</a:t>
             </a:fld>
             <a:endParaRPr lang="en-US"/>
           </a:p>
@@ -2418,7 +6523,7 @@
           <a:p>
             <a:fld id="{94B1E4EC-92D8-4A33-94B0-5CDDBDDA3BE9}" type="datetimeFigureOut">
               <a:rPr lang="en-US" smtClean="0"/>
-              <a:t>12/11/15</a:t>
+              <a:t>12/11/2015</a:t>
             </a:fld>
             <a:endParaRPr lang="en-US"/>
           </a:p>
@@ -2785,7 +6890,7 @@
           <a:p>
             <a:fld id="{94B1E4EC-92D8-4A33-94B0-5CDDBDDA3BE9}" type="datetimeFigureOut">
               <a:rPr lang="en-US" smtClean="0"/>
-              <a:t>12/11/15</a:t>
+              <a:t>12/11/2015</a:t>
             </a:fld>
             <a:endParaRPr lang="en-US"/>
           </a:p>
@@ -2903,7 +7008,7 @@
           <a:p>
             <a:fld id="{94B1E4EC-92D8-4A33-94B0-5CDDBDDA3BE9}" type="datetimeFigureOut">
               <a:rPr lang="en-US" smtClean="0"/>
-              <a:t>12/11/15</a:t>
+              <a:t>12/11/2015</a:t>
             </a:fld>
             <a:endParaRPr lang="en-US"/>
           </a:p>
@@ -2998,7 +7103,7 @@
           <a:p>
             <a:fld id="{94B1E4EC-92D8-4A33-94B0-5CDDBDDA3BE9}" type="datetimeFigureOut">
               <a:rPr lang="en-US" smtClean="0"/>
-              <a:t>12/11/15</a:t>
+              <a:t>12/11/2015</a:t>
             </a:fld>
             <a:endParaRPr lang="en-US"/>
           </a:p>
@@ -3275,7 +7380,7 @@
           <a:p>
             <a:fld id="{94B1E4EC-92D8-4A33-94B0-5CDDBDDA3BE9}" type="datetimeFigureOut">
               <a:rPr lang="en-US" smtClean="0"/>
-              <a:t>12/11/15</a:t>
+              <a:t>12/11/2015</a:t>
             </a:fld>
             <a:endParaRPr lang="en-US"/>
           </a:p>
@@ -3532,7 +7637,7 @@
           <a:p>
             <a:fld id="{94B1E4EC-92D8-4A33-94B0-5CDDBDDA3BE9}" type="datetimeFigureOut">
               <a:rPr lang="en-US" smtClean="0"/>
-              <a:t>12/11/15</a:t>
+              <a:t>12/11/2015</a:t>
             </a:fld>
             <a:endParaRPr lang="en-US"/>
           </a:p>
@@ -3745,7 +7850,7 @@
           <a:p>
             <a:fld id="{94B1E4EC-92D8-4A33-94B0-5CDDBDDA3BE9}" type="datetimeFigureOut">
               <a:rPr lang="en-US" smtClean="0"/>
-              <a:t>12/11/15</a:t>
+              <a:t>12/11/2015</a:t>
             </a:fld>
             <a:endParaRPr lang="en-US"/>
           </a:p>
@@ -4243,7 +8348,6 @@
               <a:rPr lang="en-US" sz="2800" dirty="0"/>
               <a:t> start his trip.</a:t>
             </a:r>
-            <a:endParaRPr lang="en-US" sz="2800" dirty="0"/>
           </a:p>
         </p:txBody>
       </p:sp>
@@ -4257,13 +8361,6 @@
   <p:clrMapOvr>
     <a:masterClrMapping/>
   </p:clrMapOvr>
-  <p:timing>
-    <p:tnLst>
-      <p:par>
-        <p:cTn id="1" dur="indefinite" restart="never" nodeType="tmRoot"/>
-      </p:par>
-    </p:tnLst>
-  </p:timing>
 </p:sld>
 </file>
 
@@ -7825,7 +11922,7 @@
           <p:nvPr/>
         </p:nvPicPr>
         <p:blipFill>
-          <a:blip r:embed="rId2"/>
+          <a:blip r:embed="rId3"/>
           <a:stretch>
             <a:fillRect/>
           </a:stretch>
@@ -9381,7 +13478,6 @@
               <a:rPr lang="en-US" sz="2400" dirty="0"/>
               <a:t>And he doesn’t has 3G to view map.</a:t>
             </a:r>
-            <a:endParaRPr lang="en-US" sz="2400" dirty="0"/>
           </a:p>
         </p:txBody>
       </p:sp>
@@ -9477,13 +13573,6 @@
   <p:clrMapOvr>
     <a:masterClrMapping/>
   </p:clrMapOvr>
-  <p:timing>
-    <p:tnLst>
-      <p:par>
-        <p:cTn id="1" dur="indefinite" restart="never" nodeType="tmRoot"/>
-      </p:par>
-    </p:tnLst>
-  </p:timing>
 </p:sld>
 </file>
 
@@ -10757,7 +14846,7 @@
           <p:nvPr/>
         </p:nvPicPr>
         <p:blipFill>
-          <a:blip r:embed="rId2"/>
+          <a:blip r:embed="rId3"/>
           <a:stretch>
             <a:fillRect/>
           </a:stretch>
@@ -11442,6 +15531,44 @@
           </a:p>
         </p:txBody>
       </p:sp>
+      <p:cxnSp>
+        <p:nvCxnSpPr>
+          <p:cNvPr id="29" name="Straight Connector 28"/>
+          <p:cNvCxnSpPr>
+            <a:stCxn id="22" idx="6"/>
+            <a:endCxn id="15" idx="0"/>
+          </p:cNvCxnSpPr>
+          <p:nvPr/>
+        </p:nvCxnSpPr>
+        <p:spPr>
+          <a:xfrm flipV="1">
+            <a:off x="3175089" y="3745065"/>
+            <a:ext cx="295454" cy="33593"/>
+          </a:xfrm>
+          <a:prstGeom prst="line">
+            <a:avLst/>
+          </a:prstGeom>
+          <a:ln w="28575">
+            <a:solidFill>
+              <a:srgbClr val="FF0000"/>
+            </a:solidFill>
+          </a:ln>
+        </p:spPr>
+        <p:style>
+          <a:lnRef idx="1">
+            <a:schemeClr val="accent1"/>
+          </a:lnRef>
+          <a:fillRef idx="0">
+            <a:schemeClr val="accent1"/>
+          </a:fillRef>
+          <a:effectRef idx="0">
+            <a:schemeClr val="accent1"/>
+          </a:effectRef>
+          <a:fontRef idx="minor">
+            <a:schemeClr val="tx1"/>
+          </a:fontRef>
+        </p:style>
+      </p:cxnSp>
       <p:sp>
         <p:nvSpPr>
           <p:cNvPr id="7" name="Oval 6"/>
@@ -11498,7 +15625,7 @@
     </p:spTree>
     <p:extLst>
       <p:ext uri="{BB962C8B-B14F-4D97-AF65-F5344CB8AC3E}">
-        <p14:creationId xmlns:p14="http://schemas.microsoft.com/office/powerpoint/2010/main" val="1523944408"/>
+        <p14:creationId xmlns:p14="http://schemas.microsoft.com/office/powerpoint/2010/main" val="418802410"/>
       </p:ext>
     </p:extLst>
   </p:cSld>
@@ -11527,7 +15654,7 @@
       </p:grpSpPr>
       <p:cxnSp>
         <p:nvCxnSpPr>
-          <p:cNvPr id="5" name="Straight Connector 4"/>
+          <p:cNvPr id="8" name="Straight Connector 7"/>
           <p:cNvCxnSpPr/>
           <p:nvPr/>
         </p:nvCxnSpPr>
@@ -11562,7 +15689,7 @@
       </p:cxnSp>
       <p:cxnSp>
         <p:nvCxnSpPr>
-          <p:cNvPr id="6" name="Straight Connector 5"/>
+          <p:cNvPr id="9" name="Straight Connector 8"/>
           <p:cNvCxnSpPr/>
           <p:nvPr/>
         </p:nvCxnSpPr>
@@ -11597,13 +15724,13 @@
       </p:cxnSp>
       <p:sp>
         <p:nvSpPr>
-          <p:cNvPr id="8" name="Oval 7"/>
+          <p:cNvPr id="12" name="Oval 11"/>
           <p:cNvSpPr/>
           <p:nvPr/>
         </p:nvSpPr>
         <p:spPr>
           <a:xfrm>
-            <a:off x="4433393" y="2792057"/>
+            <a:off x="3393781" y="3646157"/>
             <a:ext cx="166093" cy="166093"/>
           </a:xfrm>
           <a:prstGeom prst="ellipse">
@@ -11648,52 +15775,15 @@
           </a:p>
         </p:txBody>
       </p:sp>
-      <p:cxnSp>
-        <p:nvCxnSpPr>
-          <p:cNvPr id="10" name="Straight Connector 9"/>
-          <p:cNvCxnSpPr>
-            <a:endCxn id="11" idx="2"/>
-          </p:cNvCxnSpPr>
-          <p:nvPr/>
-        </p:nvCxnSpPr>
-        <p:spPr>
-          <a:xfrm>
-            <a:off x="4508158" y="2866041"/>
-            <a:ext cx="1537936" cy="356466"/>
-          </a:xfrm>
-          <a:prstGeom prst="line">
-            <a:avLst/>
-          </a:prstGeom>
-          <a:ln w="28575">
-            <a:solidFill>
-              <a:schemeClr val="tx1"/>
-            </a:solidFill>
-          </a:ln>
-        </p:spPr>
-        <p:style>
-          <a:lnRef idx="1">
-            <a:schemeClr val="accent1"/>
-          </a:lnRef>
-          <a:fillRef idx="0">
-            <a:schemeClr val="accent1"/>
-          </a:fillRef>
-          <a:effectRef idx="0">
-            <a:schemeClr val="accent1"/>
-          </a:effectRef>
-          <a:fontRef idx="minor">
-            <a:schemeClr val="tx1"/>
-          </a:fontRef>
-        </p:style>
-      </p:cxnSp>
-      <p:sp>
-        <p:nvSpPr>
-          <p:cNvPr id="11" name="Oval 10"/>
+      <p:sp>
+        <p:nvSpPr>
+          <p:cNvPr id="13" name="Oval 12"/>
           <p:cNvSpPr/>
           <p:nvPr/>
         </p:nvSpPr>
         <p:spPr>
           <a:xfrm>
-            <a:off x="6046094" y="3139460"/>
+            <a:off x="4433393" y="2792057"/>
             <a:ext cx="166093" cy="166093"/>
           </a:xfrm>
           <a:prstGeom prst="ellipse">
@@ -11738,65 +15828,23 @@
           </a:p>
         </p:txBody>
       </p:sp>
-      <p:cxnSp>
-        <p:nvCxnSpPr>
-          <p:cNvPr id="12" name="Straight Connector 11"/>
-          <p:cNvCxnSpPr>
-            <a:stCxn id="11" idx="7"/>
-          </p:cNvCxnSpPr>
-          <p:nvPr/>
-        </p:nvCxnSpPr>
-        <p:spPr>
-          <a:xfrm flipV="1">
-            <a:off x="6187863" y="1669492"/>
-            <a:ext cx="521856" cy="1494292"/>
-          </a:xfrm>
-          <a:prstGeom prst="line">
-            <a:avLst/>
-          </a:prstGeom>
-          <a:ln w="28575">
-            <a:solidFill>
-              <a:schemeClr val="tx1"/>
-            </a:solidFill>
-          </a:ln>
-        </p:spPr>
-        <p:style>
-          <a:lnRef idx="1">
-            <a:schemeClr val="accent1"/>
-          </a:lnRef>
-          <a:fillRef idx="0">
-            <a:schemeClr val="accent1"/>
-          </a:fillRef>
-          <a:effectRef idx="0">
-            <a:schemeClr val="accent1"/>
-          </a:effectRef>
-          <a:fontRef idx="minor">
-            <a:schemeClr val="tx1"/>
-          </a:fontRef>
-        </p:style>
-      </p:cxnSp>
-      <p:sp>
-        <p:nvSpPr>
-          <p:cNvPr id="13" name="Oval 12"/>
+      <p:sp>
+        <p:nvSpPr>
+          <p:cNvPr id="15" name="Oval Callout 14"/>
           <p:cNvSpPr/>
           <p:nvPr/>
         </p:nvSpPr>
         <p:spPr>
           <a:xfrm>
-            <a:off x="2157676" y="2774142"/>
-            <a:ext cx="166093" cy="166093"/>
-          </a:xfrm>
-          <a:prstGeom prst="ellipse">
-            <a:avLst/>
-          </a:prstGeom>
-          <a:solidFill>
-            <a:schemeClr val="accent1"/>
-          </a:solidFill>
-          <a:ln w="76200">
-            <a:solidFill>
-              <a:schemeClr val="accent1"/>
-            </a:solidFill>
-          </a:ln>
+            <a:off x="3153191" y="1409700"/>
+            <a:ext cx="1925436" cy="902344"/>
+          </a:xfrm>
+          <a:prstGeom prst="wedgeEllipseCallout">
+            <a:avLst>
+              <a:gd name="adj1" fmla="val -30569"/>
+              <a:gd name="adj2" fmla="val 199426"/>
+            </a:avLst>
+          </a:prstGeom>
         </p:spPr>
         <p:style>
           <a:lnRef idx="2">
@@ -11824,109 +15872,60 @@
           <a:lstStyle/>
           <a:p>
             <a:pPr algn="ctr"/>
-            <a:endParaRPr lang="en-US"/>
-          </a:p>
-        </p:txBody>
-      </p:sp>
-      <p:sp>
-        <p:nvSpPr>
-          <p:cNvPr id="14" name="TextBox 13"/>
-          <p:cNvSpPr txBox="1"/>
-          <p:nvPr/>
-        </p:nvSpPr>
-        <p:spPr>
-          <a:xfrm>
-            <a:off x="2115047" y="2496709"/>
-            <a:ext cx="317716" cy="369332"/>
-          </a:xfrm>
-          <a:prstGeom prst="rect">
-            <a:avLst/>
-          </a:prstGeom>
-          <a:noFill/>
-        </p:spPr>
-        <p:txBody>
-          <a:bodyPr wrap="none" rtlCol="0">
-            <a:spAutoFit/>
-          </a:bodyPr>
-          <a:lstStyle/>
-          <a:p>
             <a:r>
               <a:rPr lang="en-US" dirty="0" smtClean="0"/>
-              <a:t>A</a:t>
+              <a:t>Notify: prepare to turn left</a:t>
             </a:r>
             <a:endParaRPr lang="en-US" dirty="0"/>
           </a:p>
         </p:txBody>
       </p:sp>
-      <p:sp>
-        <p:nvSpPr>
-          <p:cNvPr id="16" name="TextBox 15"/>
-          <p:cNvSpPr txBox="1"/>
-          <p:nvPr/>
-        </p:nvSpPr>
-        <p:spPr>
-          <a:xfrm>
-            <a:off x="4357315" y="2496709"/>
-            <a:ext cx="308098" cy="369332"/>
-          </a:xfrm>
-          <a:prstGeom prst="rect">
-            <a:avLst/>
-          </a:prstGeom>
-          <a:noFill/>
-        </p:spPr>
-        <p:txBody>
-          <a:bodyPr wrap="none" rtlCol="0">
-            <a:spAutoFit/>
-          </a:bodyPr>
-          <a:lstStyle/>
-          <a:p>
-            <a:r>
-              <a:rPr lang="en-US" dirty="0" smtClean="0"/>
-              <a:t>C</a:t>
-            </a:r>
-            <a:endParaRPr lang="en-US" dirty="0"/>
-          </a:p>
-        </p:txBody>
-      </p:sp>
-      <p:sp>
-        <p:nvSpPr>
-          <p:cNvPr id="17" name="TextBox 16"/>
-          <p:cNvSpPr txBox="1"/>
-          <p:nvPr/>
-        </p:nvSpPr>
-        <p:spPr>
-          <a:xfrm>
-            <a:off x="5978298" y="3269353"/>
-            <a:ext cx="327334" cy="369332"/>
-          </a:xfrm>
-          <a:prstGeom prst="rect">
-            <a:avLst/>
-          </a:prstGeom>
-          <a:noFill/>
-        </p:spPr>
-        <p:txBody>
-          <a:bodyPr wrap="none" rtlCol="0">
-            <a:spAutoFit/>
-          </a:bodyPr>
-          <a:lstStyle/>
-          <a:p>
-            <a:r>
-              <a:rPr lang="en-US" dirty="0" smtClean="0"/>
-              <a:t>D</a:t>
-            </a:r>
-            <a:endParaRPr lang="en-US" dirty="0"/>
-          </a:p>
-        </p:txBody>
-      </p:sp>
-      <p:sp>
-        <p:nvSpPr>
-          <p:cNvPr id="18" name="Oval 17"/>
+      <p:cxnSp>
+        <p:nvCxnSpPr>
+          <p:cNvPr id="18" name="Straight Connector 17"/>
+          <p:cNvCxnSpPr>
+            <a:endCxn id="19" idx="2"/>
+          </p:cNvCxnSpPr>
+          <p:nvPr/>
+        </p:nvCxnSpPr>
+        <p:spPr>
+          <a:xfrm>
+            <a:off x="4508158" y="2866041"/>
+            <a:ext cx="1537936" cy="356466"/>
+          </a:xfrm>
+          <a:prstGeom prst="line">
+            <a:avLst/>
+          </a:prstGeom>
+          <a:ln w="28575">
+            <a:solidFill>
+              <a:schemeClr val="tx1"/>
+            </a:solidFill>
+          </a:ln>
+        </p:spPr>
+        <p:style>
+          <a:lnRef idx="1">
+            <a:schemeClr val="accent1"/>
+          </a:lnRef>
+          <a:fillRef idx="0">
+            <a:schemeClr val="accent1"/>
+          </a:fillRef>
+          <a:effectRef idx="0">
+            <a:schemeClr val="accent1"/>
+          </a:effectRef>
+          <a:fontRef idx="minor">
+            <a:schemeClr val="tx1"/>
+          </a:fontRef>
+        </p:style>
+      </p:cxnSp>
+      <p:sp>
+        <p:nvSpPr>
+          <p:cNvPr id="19" name="Oval 18"/>
           <p:cNvSpPr/>
           <p:nvPr/>
         </p:nvSpPr>
         <p:spPr>
           <a:xfrm>
-            <a:off x="6626672" y="1563365"/>
+            <a:off x="6046094" y="3139460"/>
             <a:ext cx="166093" cy="166093"/>
           </a:xfrm>
           <a:prstGeom prst="ellipse">
@@ -11967,20 +15966,110 @@
           <a:lstStyle/>
           <a:p>
             <a:pPr algn="ctr"/>
-            <a:endParaRPr lang="en-US" dirty="0"/>
-          </a:p>
-        </p:txBody>
-      </p:sp>
-      <p:sp>
-        <p:nvSpPr>
-          <p:cNvPr id="19" name="TextBox 18"/>
+            <a:endParaRPr lang="en-US"/>
+          </a:p>
+        </p:txBody>
+      </p:sp>
+      <p:cxnSp>
+        <p:nvCxnSpPr>
+          <p:cNvPr id="20" name="Straight Connector 19"/>
+          <p:cNvCxnSpPr>
+            <a:stCxn id="19" idx="7"/>
+          </p:cNvCxnSpPr>
+          <p:nvPr/>
+        </p:nvCxnSpPr>
+        <p:spPr>
+          <a:xfrm flipV="1">
+            <a:off x="6187863" y="1669492"/>
+            <a:ext cx="521856" cy="1494292"/>
+          </a:xfrm>
+          <a:prstGeom prst="line">
+            <a:avLst/>
+          </a:prstGeom>
+          <a:ln w="28575">
+            <a:solidFill>
+              <a:schemeClr val="tx1"/>
+            </a:solidFill>
+          </a:ln>
+        </p:spPr>
+        <p:style>
+          <a:lnRef idx="1">
+            <a:schemeClr val="accent1"/>
+          </a:lnRef>
+          <a:fillRef idx="0">
+            <a:schemeClr val="accent1"/>
+          </a:fillRef>
+          <a:effectRef idx="0">
+            <a:schemeClr val="accent1"/>
+          </a:effectRef>
+          <a:fontRef idx="minor">
+            <a:schemeClr val="tx1"/>
+          </a:fontRef>
+        </p:style>
+      </p:cxnSp>
+      <p:sp>
+        <p:nvSpPr>
+          <p:cNvPr id="21" name="Oval 20"/>
+          <p:cNvSpPr/>
+          <p:nvPr/>
+        </p:nvSpPr>
+        <p:spPr>
+          <a:xfrm>
+            <a:off x="2157676" y="2774142"/>
+            <a:ext cx="166093" cy="166093"/>
+          </a:xfrm>
+          <a:prstGeom prst="ellipse">
+            <a:avLst/>
+          </a:prstGeom>
+          <a:solidFill>
+            <a:schemeClr val="accent1"/>
+          </a:solidFill>
+          <a:ln w="76200">
+            <a:solidFill>
+              <a:schemeClr val="accent1"/>
+            </a:solidFill>
+          </a:ln>
+        </p:spPr>
+        <p:style>
+          <a:lnRef idx="2">
+            <a:schemeClr val="accent1">
+              <a:shade val="50000"/>
+            </a:schemeClr>
+          </a:lnRef>
+          <a:fillRef idx="1">
+            <a:schemeClr val="accent1"/>
+          </a:fillRef>
+          <a:effectRef idx="0">
+            <a:schemeClr val="accent1"/>
+          </a:effectRef>
+          <a:fontRef idx="minor">
+            <a:schemeClr val="lt1"/>
+          </a:fontRef>
+        </p:style>
+        <p:txBody>
+          <a:bodyPr rot="0" spcFirstLastPara="0" vertOverflow="overflow" horzOverflow="overflow" vert="horz" wrap="square" lIns="91440" tIns="45720" rIns="91440" bIns="45720" numCol="1" spcCol="0" rtlCol="0" fromWordArt="0" anchor="ctr" anchorCtr="0" forceAA="0" compatLnSpc="1">
+            <a:prstTxWarp prst="textNoShape">
+              <a:avLst/>
+            </a:prstTxWarp>
+            <a:noAutofit/>
+          </a:bodyPr>
+          <a:lstStyle/>
+          <a:p>
+            <a:pPr algn="ctr"/>
+            <a:endParaRPr lang="en-US"/>
+          </a:p>
+        </p:txBody>
+      </p:sp>
+      <p:sp>
+        <p:nvSpPr>
+          <p:cNvPr id="22" name="TextBox 21"/>
           <p:cNvSpPr txBox="1"/>
           <p:nvPr/>
         </p:nvSpPr>
         <p:spPr>
           <a:xfrm>
-            <a:off x="6709718" y="1561188"/>
-            <a:ext cx="296876" cy="369332"/>
+            <a:off x="2115047" y="2496709"/>
+            <a:ext cx="317716" cy="369332"/>
           </a:xfrm>
           <a:prstGeom prst="rect">
             <a:avLst/>
@@ -11995,7 +16084,7 @@
           <a:p>
             <a:r>
               <a:rPr lang="en-US" dirty="0" smtClean="0"/>
-              <a:t>E</a:t>
+              <a:t>A</a:t>
             </a:r>
             <a:endParaRPr lang="en-US" dirty="0"/>
           </a:p>
@@ -12003,7 +16092,7 @@
       </p:sp>
       <p:sp>
         <p:nvSpPr>
-          <p:cNvPr id="15" name="TextBox 14"/>
+          <p:cNvPr id="23" name="TextBox 22"/>
           <p:cNvSpPr txBox="1"/>
           <p:nvPr/>
         </p:nvSpPr>
@@ -12033,7 +16122,150 @@
       </p:sp>
       <p:sp>
         <p:nvSpPr>
-          <p:cNvPr id="22" name="Oval 21"/>
+          <p:cNvPr id="24" name="TextBox 23"/>
+          <p:cNvSpPr txBox="1"/>
+          <p:nvPr/>
+        </p:nvSpPr>
+        <p:spPr>
+          <a:xfrm>
+            <a:off x="4357315" y="2496709"/>
+            <a:ext cx="308098" cy="369332"/>
+          </a:xfrm>
+          <a:prstGeom prst="rect">
+            <a:avLst/>
+          </a:prstGeom>
+          <a:noFill/>
+        </p:spPr>
+        <p:txBody>
+          <a:bodyPr wrap="none" rtlCol="0">
+            <a:spAutoFit/>
+          </a:bodyPr>
+          <a:lstStyle/>
+          <a:p>
+            <a:r>
+              <a:rPr lang="en-US" dirty="0" smtClean="0"/>
+              <a:t>C</a:t>
+            </a:r>
+            <a:endParaRPr lang="en-US" dirty="0"/>
+          </a:p>
+        </p:txBody>
+      </p:sp>
+      <p:sp>
+        <p:nvSpPr>
+          <p:cNvPr id="25" name="TextBox 24"/>
+          <p:cNvSpPr txBox="1"/>
+          <p:nvPr/>
+        </p:nvSpPr>
+        <p:spPr>
+          <a:xfrm>
+            <a:off x="5978298" y="3269353"/>
+            <a:ext cx="327334" cy="369332"/>
+          </a:xfrm>
+          <a:prstGeom prst="rect">
+            <a:avLst/>
+          </a:prstGeom>
+          <a:noFill/>
+        </p:spPr>
+        <p:txBody>
+          <a:bodyPr wrap="none" rtlCol="0">
+            <a:spAutoFit/>
+          </a:bodyPr>
+          <a:lstStyle/>
+          <a:p>
+            <a:r>
+              <a:rPr lang="en-US" dirty="0" smtClean="0"/>
+              <a:t>D</a:t>
+            </a:r>
+            <a:endParaRPr lang="en-US" dirty="0"/>
+          </a:p>
+        </p:txBody>
+      </p:sp>
+      <p:sp>
+        <p:nvSpPr>
+          <p:cNvPr id="26" name="Oval 25"/>
+          <p:cNvSpPr/>
+          <p:nvPr/>
+        </p:nvSpPr>
+        <p:spPr>
+          <a:xfrm>
+            <a:off x="6626672" y="1563365"/>
+            <a:ext cx="166093" cy="166093"/>
+          </a:xfrm>
+          <a:prstGeom prst="ellipse">
+            <a:avLst/>
+          </a:prstGeom>
+          <a:solidFill>
+            <a:schemeClr val="tx1"/>
+          </a:solidFill>
+          <a:ln>
+            <a:solidFill>
+              <a:schemeClr val="tx1"/>
+            </a:solidFill>
+          </a:ln>
+        </p:spPr>
+        <p:style>
+          <a:lnRef idx="2">
+            <a:schemeClr val="accent1">
+              <a:shade val="50000"/>
+            </a:schemeClr>
+          </a:lnRef>
+          <a:fillRef idx="1">
+            <a:schemeClr val="accent1"/>
+          </a:fillRef>
+          <a:effectRef idx="0">
+            <a:schemeClr val="accent1"/>
+          </a:effectRef>
+          <a:fontRef idx="minor">
+            <a:schemeClr val="lt1"/>
+          </a:fontRef>
+        </p:style>
+        <p:txBody>
+          <a:bodyPr rot="0" spcFirstLastPara="0" vertOverflow="overflow" horzOverflow="overflow" vert="horz" wrap="square" lIns="91440" tIns="45720" rIns="91440" bIns="45720" numCol="1" spcCol="0" rtlCol="0" fromWordArt="0" anchor="ctr" anchorCtr="0" forceAA="0" compatLnSpc="1">
+            <a:prstTxWarp prst="textNoShape">
+              <a:avLst/>
+            </a:prstTxWarp>
+            <a:noAutofit/>
+          </a:bodyPr>
+          <a:lstStyle/>
+          <a:p>
+            <a:pPr algn="ctr"/>
+            <a:endParaRPr lang="en-US" dirty="0"/>
+          </a:p>
+        </p:txBody>
+      </p:sp>
+      <p:sp>
+        <p:nvSpPr>
+          <p:cNvPr id="27" name="TextBox 26"/>
+          <p:cNvSpPr txBox="1"/>
+          <p:nvPr/>
+        </p:nvSpPr>
+        <p:spPr>
+          <a:xfrm>
+            <a:off x="6709718" y="1561188"/>
+            <a:ext cx="296876" cy="369332"/>
+          </a:xfrm>
+          <a:prstGeom prst="rect">
+            <a:avLst/>
+          </a:prstGeom>
+          <a:noFill/>
+        </p:spPr>
+        <p:txBody>
+          <a:bodyPr wrap="none" rtlCol="0">
+            <a:spAutoFit/>
+          </a:bodyPr>
+          <a:lstStyle/>
+          <a:p>
+            <a:r>
+              <a:rPr lang="en-US" dirty="0" smtClean="0"/>
+              <a:t>E</a:t>
+            </a:r>
+            <a:endParaRPr lang="en-US" dirty="0"/>
+          </a:p>
+        </p:txBody>
+      </p:sp>
+      <p:sp>
+        <p:nvSpPr>
+          <p:cNvPr id="29" name="Oval 28"/>
           <p:cNvSpPr/>
           <p:nvPr/>
         </p:nvSpPr>
@@ -12079,101 +16311,10 @@
           </a:p>
         </p:txBody>
       </p:sp>
-      <p:cxnSp>
-        <p:nvCxnSpPr>
-          <p:cNvPr id="29" name="Straight Connector 28"/>
-          <p:cNvCxnSpPr>
-            <a:stCxn id="22" idx="6"/>
-            <a:endCxn id="15" idx="0"/>
-          </p:cNvCxnSpPr>
-          <p:nvPr/>
-        </p:nvCxnSpPr>
-        <p:spPr>
-          <a:xfrm flipV="1">
-            <a:off x="3175089" y="3745065"/>
-            <a:ext cx="295454" cy="33593"/>
-          </a:xfrm>
-          <a:prstGeom prst="line">
-            <a:avLst/>
-          </a:prstGeom>
-          <a:ln w="28575">
-            <a:solidFill>
-              <a:srgbClr val="FF0000"/>
-            </a:solidFill>
-          </a:ln>
-        </p:spPr>
-        <p:style>
-          <a:lnRef idx="1">
-            <a:schemeClr val="accent1"/>
-          </a:lnRef>
-          <a:fillRef idx="0">
-            <a:schemeClr val="accent1"/>
-          </a:fillRef>
-          <a:effectRef idx="0">
-            <a:schemeClr val="accent1"/>
-          </a:effectRef>
-          <a:fontRef idx="minor">
-            <a:schemeClr val="tx1"/>
-          </a:fontRef>
-        </p:style>
-      </p:cxnSp>
-      <p:sp>
-        <p:nvSpPr>
-          <p:cNvPr id="7" name="Oval 6"/>
-          <p:cNvSpPr/>
-          <p:nvPr/>
-        </p:nvSpPr>
-        <p:spPr>
-          <a:xfrm>
-            <a:off x="3393781" y="3646157"/>
-            <a:ext cx="166093" cy="166093"/>
-          </a:xfrm>
-          <a:prstGeom prst="ellipse">
-            <a:avLst/>
-          </a:prstGeom>
-          <a:solidFill>
-            <a:schemeClr val="tx1"/>
-          </a:solidFill>
-          <a:ln>
-            <a:solidFill>
-              <a:schemeClr val="tx1"/>
-            </a:solidFill>
-          </a:ln>
-        </p:spPr>
-        <p:style>
-          <a:lnRef idx="2">
-            <a:schemeClr val="accent1">
-              <a:shade val="50000"/>
-            </a:schemeClr>
-          </a:lnRef>
-          <a:fillRef idx="1">
-            <a:schemeClr val="accent1"/>
-          </a:fillRef>
-          <a:effectRef idx="0">
-            <a:schemeClr val="accent1"/>
-          </a:effectRef>
-          <a:fontRef idx="minor">
-            <a:schemeClr val="lt1"/>
-          </a:fontRef>
-        </p:style>
-        <p:txBody>
-          <a:bodyPr rot="0" spcFirstLastPara="0" vertOverflow="overflow" horzOverflow="overflow" vert="horz" wrap="square" lIns="91440" tIns="45720" rIns="91440" bIns="45720" numCol="1" spcCol="0" rtlCol="0" fromWordArt="0" anchor="ctr" anchorCtr="0" forceAA="0" compatLnSpc="1">
-            <a:prstTxWarp prst="textNoShape">
-              <a:avLst/>
-            </a:prstTxWarp>
-            <a:noAutofit/>
-          </a:bodyPr>
-          <a:lstStyle/>
-          <a:p>
-            <a:pPr algn="ctr"/>
-            <a:endParaRPr lang="en-US"/>
-          </a:p>
-        </p:txBody>
-      </p:sp>
     </p:spTree>
     <p:extLst>
       <p:ext uri="{BB962C8B-B14F-4D97-AF65-F5344CB8AC3E}">
-        <p14:creationId xmlns:p14="http://schemas.microsoft.com/office/powerpoint/2010/main" val="418802410"/>
+        <p14:creationId xmlns:p14="http://schemas.microsoft.com/office/powerpoint/2010/main" val="2706296718"/>
       </p:ext>
     </p:extLst>
   </p:cSld>
@@ -12202,695 +16343,6 @@
       </p:grpSpPr>
       <p:cxnSp>
         <p:nvCxnSpPr>
-          <p:cNvPr id="8" name="Straight Connector 7"/>
-          <p:cNvCxnSpPr/>
-          <p:nvPr/>
-        </p:nvCxnSpPr>
-        <p:spPr>
-          <a:xfrm>
-            <a:off x="2265890" y="2866041"/>
-            <a:ext cx="1200646" cy="879024"/>
-          </a:xfrm>
-          <a:prstGeom prst="line">
-            <a:avLst/>
-          </a:prstGeom>
-          <a:ln w="57150">
-            <a:solidFill>
-              <a:schemeClr val="accent1"/>
-            </a:solidFill>
-          </a:ln>
-        </p:spPr>
-        <p:style>
-          <a:lnRef idx="1">
-            <a:schemeClr val="accent1"/>
-          </a:lnRef>
-          <a:fillRef idx="0">
-            <a:schemeClr val="accent1"/>
-          </a:fillRef>
-          <a:effectRef idx="0">
-            <a:schemeClr val="accent1"/>
-          </a:effectRef>
-          <a:fontRef idx="minor">
-            <a:schemeClr val="tx1"/>
-          </a:fontRef>
-        </p:style>
-      </p:cxnSp>
-      <p:cxnSp>
-        <p:nvCxnSpPr>
-          <p:cNvPr id="9" name="Straight Connector 8"/>
-          <p:cNvCxnSpPr/>
-          <p:nvPr/>
-        </p:nvCxnSpPr>
-        <p:spPr>
-          <a:xfrm flipV="1">
-            <a:off x="3466536" y="2866041"/>
-            <a:ext cx="1041622" cy="879024"/>
-          </a:xfrm>
-          <a:prstGeom prst="line">
-            <a:avLst/>
-          </a:prstGeom>
-          <a:ln w="28575">
-            <a:solidFill>
-              <a:schemeClr val="tx1"/>
-            </a:solidFill>
-          </a:ln>
-        </p:spPr>
-        <p:style>
-          <a:lnRef idx="1">
-            <a:schemeClr val="accent1"/>
-          </a:lnRef>
-          <a:fillRef idx="0">
-            <a:schemeClr val="accent1"/>
-          </a:fillRef>
-          <a:effectRef idx="0">
-            <a:schemeClr val="accent1"/>
-          </a:effectRef>
-          <a:fontRef idx="minor">
-            <a:schemeClr val="tx1"/>
-          </a:fontRef>
-        </p:style>
-      </p:cxnSp>
-      <p:sp>
-        <p:nvSpPr>
-          <p:cNvPr id="12" name="Oval 11"/>
-          <p:cNvSpPr/>
-          <p:nvPr/>
-        </p:nvSpPr>
-        <p:spPr>
-          <a:xfrm>
-            <a:off x="3393781" y="3646157"/>
-            <a:ext cx="166093" cy="166093"/>
-          </a:xfrm>
-          <a:prstGeom prst="ellipse">
-            <a:avLst/>
-          </a:prstGeom>
-          <a:solidFill>
-            <a:schemeClr val="tx1"/>
-          </a:solidFill>
-          <a:ln>
-            <a:solidFill>
-              <a:schemeClr val="tx1"/>
-            </a:solidFill>
-          </a:ln>
-        </p:spPr>
-        <p:style>
-          <a:lnRef idx="2">
-            <a:schemeClr val="accent1">
-              <a:shade val="50000"/>
-            </a:schemeClr>
-          </a:lnRef>
-          <a:fillRef idx="1">
-            <a:schemeClr val="accent1"/>
-          </a:fillRef>
-          <a:effectRef idx="0">
-            <a:schemeClr val="accent1"/>
-          </a:effectRef>
-          <a:fontRef idx="minor">
-            <a:schemeClr val="lt1"/>
-          </a:fontRef>
-        </p:style>
-        <p:txBody>
-          <a:bodyPr rot="0" spcFirstLastPara="0" vertOverflow="overflow" horzOverflow="overflow" vert="horz" wrap="square" lIns="91440" tIns="45720" rIns="91440" bIns="45720" numCol="1" spcCol="0" rtlCol="0" fromWordArt="0" anchor="ctr" anchorCtr="0" forceAA="0" compatLnSpc="1">
-            <a:prstTxWarp prst="textNoShape">
-              <a:avLst/>
-            </a:prstTxWarp>
-            <a:noAutofit/>
-          </a:bodyPr>
-          <a:lstStyle/>
-          <a:p>
-            <a:pPr algn="ctr"/>
-            <a:endParaRPr lang="en-US"/>
-          </a:p>
-        </p:txBody>
-      </p:sp>
-      <p:sp>
-        <p:nvSpPr>
-          <p:cNvPr id="13" name="Oval 12"/>
-          <p:cNvSpPr/>
-          <p:nvPr/>
-        </p:nvSpPr>
-        <p:spPr>
-          <a:xfrm>
-            <a:off x="4433393" y="2792057"/>
-            <a:ext cx="166093" cy="166093"/>
-          </a:xfrm>
-          <a:prstGeom prst="ellipse">
-            <a:avLst/>
-          </a:prstGeom>
-          <a:solidFill>
-            <a:schemeClr val="tx1"/>
-          </a:solidFill>
-          <a:ln>
-            <a:solidFill>
-              <a:schemeClr val="tx1"/>
-            </a:solidFill>
-          </a:ln>
-        </p:spPr>
-        <p:style>
-          <a:lnRef idx="2">
-            <a:schemeClr val="accent1">
-              <a:shade val="50000"/>
-            </a:schemeClr>
-          </a:lnRef>
-          <a:fillRef idx="1">
-            <a:schemeClr val="accent1"/>
-          </a:fillRef>
-          <a:effectRef idx="0">
-            <a:schemeClr val="accent1"/>
-          </a:effectRef>
-          <a:fontRef idx="minor">
-            <a:schemeClr val="lt1"/>
-          </a:fontRef>
-        </p:style>
-        <p:txBody>
-          <a:bodyPr rot="0" spcFirstLastPara="0" vertOverflow="overflow" horzOverflow="overflow" vert="horz" wrap="square" lIns="91440" tIns="45720" rIns="91440" bIns="45720" numCol="1" spcCol="0" rtlCol="0" fromWordArt="0" anchor="ctr" anchorCtr="0" forceAA="0" compatLnSpc="1">
-            <a:prstTxWarp prst="textNoShape">
-              <a:avLst/>
-            </a:prstTxWarp>
-            <a:noAutofit/>
-          </a:bodyPr>
-          <a:lstStyle/>
-          <a:p>
-            <a:pPr algn="ctr"/>
-            <a:endParaRPr lang="en-US"/>
-          </a:p>
-        </p:txBody>
-      </p:sp>
-      <p:sp>
-        <p:nvSpPr>
-          <p:cNvPr id="15" name="Oval Callout 14"/>
-          <p:cNvSpPr/>
-          <p:nvPr/>
-        </p:nvSpPr>
-        <p:spPr>
-          <a:xfrm>
-            <a:off x="3153191" y="1409700"/>
-            <a:ext cx="1925436" cy="902344"/>
-          </a:xfrm>
-          <a:prstGeom prst="wedgeEllipseCallout">
-            <a:avLst>
-              <a:gd name="adj1" fmla="val -30569"/>
-              <a:gd name="adj2" fmla="val 199426"/>
-            </a:avLst>
-          </a:prstGeom>
-        </p:spPr>
-        <p:style>
-          <a:lnRef idx="2">
-            <a:schemeClr val="accent1">
-              <a:shade val="50000"/>
-            </a:schemeClr>
-          </a:lnRef>
-          <a:fillRef idx="1">
-            <a:schemeClr val="accent1"/>
-          </a:fillRef>
-          <a:effectRef idx="0">
-            <a:schemeClr val="accent1"/>
-          </a:effectRef>
-          <a:fontRef idx="minor">
-            <a:schemeClr val="lt1"/>
-          </a:fontRef>
-        </p:style>
-        <p:txBody>
-          <a:bodyPr rot="0" spcFirstLastPara="0" vertOverflow="overflow" horzOverflow="overflow" vert="horz" wrap="square" lIns="91440" tIns="45720" rIns="91440" bIns="45720" numCol="1" spcCol="0" rtlCol="0" fromWordArt="0" anchor="ctr" anchorCtr="0" forceAA="0" compatLnSpc="1">
-            <a:prstTxWarp prst="textNoShape">
-              <a:avLst/>
-            </a:prstTxWarp>
-            <a:noAutofit/>
-          </a:bodyPr>
-          <a:lstStyle/>
-          <a:p>
-            <a:pPr algn="ctr"/>
-            <a:r>
-              <a:rPr lang="en-US" dirty="0" smtClean="0"/>
-              <a:t>Notify: prepare to turn left</a:t>
-            </a:r>
-            <a:endParaRPr lang="en-US" dirty="0"/>
-          </a:p>
-        </p:txBody>
-      </p:sp>
-      <p:cxnSp>
-        <p:nvCxnSpPr>
-          <p:cNvPr id="18" name="Straight Connector 17"/>
-          <p:cNvCxnSpPr>
-            <a:endCxn id="19" idx="2"/>
-          </p:cNvCxnSpPr>
-          <p:nvPr/>
-        </p:nvCxnSpPr>
-        <p:spPr>
-          <a:xfrm>
-            <a:off x="4508158" y="2866041"/>
-            <a:ext cx="1537936" cy="356466"/>
-          </a:xfrm>
-          <a:prstGeom prst="line">
-            <a:avLst/>
-          </a:prstGeom>
-          <a:ln w="28575">
-            <a:solidFill>
-              <a:schemeClr val="tx1"/>
-            </a:solidFill>
-          </a:ln>
-        </p:spPr>
-        <p:style>
-          <a:lnRef idx="1">
-            <a:schemeClr val="accent1"/>
-          </a:lnRef>
-          <a:fillRef idx="0">
-            <a:schemeClr val="accent1"/>
-          </a:fillRef>
-          <a:effectRef idx="0">
-            <a:schemeClr val="accent1"/>
-          </a:effectRef>
-          <a:fontRef idx="minor">
-            <a:schemeClr val="tx1"/>
-          </a:fontRef>
-        </p:style>
-      </p:cxnSp>
-      <p:sp>
-        <p:nvSpPr>
-          <p:cNvPr id="19" name="Oval 18"/>
-          <p:cNvSpPr/>
-          <p:nvPr/>
-        </p:nvSpPr>
-        <p:spPr>
-          <a:xfrm>
-            <a:off x="6046094" y="3139460"/>
-            <a:ext cx="166093" cy="166093"/>
-          </a:xfrm>
-          <a:prstGeom prst="ellipse">
-            <a:avLst/>
-          </a:prstGeom>
-          <a:solidFill>
-            <a:schemeClr val="tx1"/>
-          </a:solidFill>
-          <a:ln>
-            <a:solidFill>
-              <a:schemeClr val="tx1"/>
-            </a:solidFill>
-          </a:ln>
-        </p:spPr>
-        <p:style>
-          <a:lnRef idx="2">
-            <a:schemeClr val="accent1">
-              <a:shade val="50000"/>
-            </a:schemeClr>
-          </a:lnRef>
-          <a:fillRef idx="1">
-            <a:schemeClr val="accent1"/>
-          </a:fillRef>
-          <a:effectRef idx="0">
-            <a:schemeClr val="accent1"/>
-          </a:effectRef>
-          <a:fontRef idx="minor">
-            <a:schemeClr val="lt1"/>
-          </a:fontRef>
-        </p:style>
-        <p:txBody>
-          <a:bodyPr rot="0" spcFirstLastPara="0" vertOverflow="overflow" horzOverflow="overflow" vert="horz" wrap="square" lIns="91440" tIns="45720" rIns="91440" bIns="45720" numCol="1" spcCol="0" rtlCol="0" fromWordArt="0" anchor="ctr" anchorCtr="0" forceAA="0" compatLnSpc="1">
-            <a:prstTxWarp prst="textNoShape">
-              <a:avLst/>
-            </a:prstTxWarp>
-            <a:noAutofit/>
-          </a:bodyPr>
-          <a:lstStyle/>
-          <a:p>
-            <a:pPr algn="ctr"/>
-            <a:endParaRPr lang="en-US"/>
-          </a:p>
-        </p:txBody>
-      </p:sp>
-      <p:cxnSp>
-        <p:nvCxnSpPr>
-          <p:cNvPr id="20" name="Straight Connector 19"/>
-          <p:cNvCxnSpPr>
-            <a:stCxn id="19" idx="7"/>
-          </p:cNvCxnSpPr>
-          <p:nvPr/>
-        </p:nvCxnSpPr>
-        <p:spPr>
-          <a:xfrm flipV="1">
-            <a:off x="6187863" y="1669492"/>
-            <a:ext cx="521856" cy="1494292"/>
-          </a:xfrm>
-          <a:prstGeom prst="line">
-            <a:avLst/>
-          </a:prstGeom>
-          <a:ln w="28575">
-            <a:solidFill>
-              <a:schemeClr val="tx1"/>
-            </a:solidFill>
-          </a:ln>
-        </p:spPr>
-        <p:style>
-          <a:lnRef idx="1">
-            <a:schemeClr val="accent1"/>
-          </a:lnRef>
-          <a:fillRef idx="0">
-            <a:schemeClr val="accent1"/>
-          </a:fillRef>
-          <a:effectRef idx="0">
-            <a:schemeClr val="accent1"/>
-          </a:effectRef>
-          <a:fontRef idx="minor">
-            <a:schemeClr val="tx1"/>
-          </a:fontRef>
-        </p:style>
-      </p:cxnSp>
-      <p:sp>
-        <p:nvSpPr>
-          <p:cNvPr id="21" name="Oval 20"/>
-          <p:cNvSpPr/>
-          <p:nvPr/>
-        </p:nvSpPr>
-        <p:spPr>
-          <a:xfrm>
-            <a:off x="2157676" y="2774142"/>
-            <a:ext cx="166093" cy="166093"/>
-          </a:xfrm>
-          <a:prstGeom prst="ellipse">
-            <a:avLst/>
-          </a:prstGeom>
-          <a:solidFill>
-            <a:schemeClr val="accent1"/>
-          </a:solidFill>
-          <a:ln w="76200">
-            <a:solidFill>
-              <a:schemeClr val="accent1"/>
-            </a:solidFill>
-          </a:ln>
-        </p:spPr>
-        <p:style>
-          <a:lnRef idx="2">
-            <a:schemeClr val="accent1">
-              <a:shade val="50000"/>
-            </a:schemeClr>
-          </a:lnRef>
-          <a:fillRef idx="1">
-            <a:schemeClr val="accent1"/>
-          </a:fillRef>
-          <a:effectRef idx="0">
-            <a:schemeClr val="accent1"/>
-          </a:effectRef>
-          <a:fontRef idx="minor">
-            <a:schemeClr val="lt1"/>
-          </a:fontRef>
-        </p:style>
-        <p:txBody>
-          <a:bodyPr rot="0" spcFirstLastPara="0" vertOverflow="overflow" horzOverflow="overflow" vert="horz" wrap="square" lIns="91440" tIns="45720" rIns="91440" bIns="45720" numCol="1" spcCol="0" rtlCol="0" fromWordArt="0" anchor="ctr" anchorCtr="0" forceAA="0" compatLnSpc="1">
-            <a:prstTxWarp prst="textNoShape">
-              <a:avLst/>
-            </a:prstTxWarp>
-            <a:noAutofit/>
-          </a:bodyPr>
-          <a:lstStyle/>
-          <a:p>
-            <a:pPr algn="ctr"/>
-            <a:endParaRPr lang="en-US"/>
-          </a:p>
-        </p:txBody>
-      </p:sp>
-      <p:sp>
-        <p:nvSpPr>
-          <p:cNvPr id="22" name="TextBox 21"/>
-          <p:cNvSpPr txBox="1"/>
-          <p:nvPr/>
-        </p:nvSpPr>
-        <p:spPr>
-          <a:xfrm>
-            <a:off x="2115047" y="2496709"/>
-            <a:ext cx="317716" cy="369332"/>
-          </a:xfrm>
-          <a:prstGeom prst="rect">
-            <a:avLst/>
-          </a:prstGeom>
-          <a:noFill/>
-        </p:spPr>
-        <p:txBody>
-          <a:bodyPr wrap="none" rtlCol="0">
-            <a:spAutoFit/>
-          </a:bodyPr>
-          <a:lstStyle/>
-          <a:p>
-            <a:r>
-              <a:rPr lang="en-US" dirty="0" smtClean="0"/>
-              <a:t>A</a:t>
-            </a:r>
-            <a:endParaRPr lang="en-US" dirty="0"/>
-          </a:p>
-        </p:txBody>
-      </p:sp>
-      <p:sp>
-        <p:nvSpPr>
-          <p:cNvPr id="23" name="TextBox 22"/>
-          <p:cNvSpPr txBox="1"/>
-          <p:nvPr/>
-        </p:nvSpPr>
-        <p:spPr>
-          <a:xfrm>
-            <a:off x="3315693" y="3745065"/>
-            <a:ext cx="309700" cy="369332"/>
-          </a:xfrm>
-          <a:prstGeom prst="rect">
-            <a:avLst/>
-          </a:prstGeom>
-          <a:noFill/>
-        </p:spPr>
-        <p:txBody>
-          <a:bodyPr wrap="none" rtlCol="0">
-            <a:spAutoFit/>
-          </a:bodyPr>
-          <a:lstStyle/>
-          <a:p>
-            <a:r>
-              <a:rPr lang="en-US" dirty="0" smtClean="0"/>
-              <a:t>B</a:t>
-            </a:r>
-            <a:endParaRPr lang="en-US" dirty="0"/>
-          </a:p>
-        </p:txBody>
-      </p:sp>
-      <p:sp>
-        <p:nvSpPr>
-          <p:cNvPr id="24" name="TextBox 23"/>
-          <p:cNvSpPr txBox="1"/>
-          <p:nvPr/>
-        </p:nvSpPr>
-        <p:spPr>
-          <a:xfrm>
-            <a:off x="4357315" y="2496709"/>
-            <a:ext cx="308098" cy="369332"/>
-          </a:xfrm>
-          <a:prstGeom prst="rect">
-            <a:avLst/>
-          </a:prstGeom>
-          <a:noFill/>
-        </p:spPr>
-        <p:txBody>
-          <a:bodyPr wrap="none" rtlCol="0">
-            <a:spAutoFit/>
-          </a:bodyPr>
-          <a:lstStyle/>
-          <a:p>
-            <a:r>
-              <a:rPr lang="en-US" dirty="0" smtClean="0"/>
-              <a:t>C</a:t>
-            </a:r>
-            <a:endParaRPr lang="en-US" dirty="0"/>
-          </a:p>
-        </p:txBody>
-      </p:sp>
-      <p:sp>
-        <p:nvSpPr>
-          <p:cNvPr id="25" name="TextBox 24"/>
-          <p:cNvSpPr txBox="1"/>
-          <p:nvPr/>
-        </p:nvSpPr>
-        <p:spPr>
-          <a:xfrm>
-            <a:off x="5978298" y="3269353"/>
-            <a:ext cx="327334" cy="369332"/>
-          </a:xfrm>
-          <a:prstGeom prst="rect">
-            <a:avLst/>
-          </a:prstGeom>
-          <a:noFill/>
-        </p:spPr>
-        <p:txBody>
-          <a:bodyPr wrap="none" rtlCol="0">
-            <a:spAutoFit/>
-          </a:bodyPr>
-          <a:lstStyle/>
-          <a:p>
-            <a:r>
-              <a:rPr lang="en-US" dirty="0" smtClean="0"/>
-              <a:t>D</a:t>
-            </a:r>
-            <a:endParaRPr lang="en-US" dirty="0"/>
-          </a:p>
-        </p:txBody>
-      </p:sp>
-      <p:sp>
-        <p:nvSpPr>
-          <p:cNvPr id="26" name="Oval 25"/>
-          <p:cNvSpPr/>
-          <p:nvPr/>
-        </p:nvSpPr>
-        <p:spPr>
-          <a:xfrm>
-            <a:off x="6626672" y="1563365"/>
-            <a:ext cx="166093" cy="166093"/>
-          </a:xfrm>
-          <a:prstGeom prst="ellipse">
-            <a:avLst/>
-          </a:prstGeom>
-          <a:solidFill>
-            <a:schemeClr val="tx1"/>
-          </a:solidFill>
-          <a:ln>
-            <a:solidFill>
-              <a:schemeClr val="tx1"/>
-            </a:solidFill>
-          </a:ln>
-        </p:spPr>
-        <p:style>
-          <a:lnRef idx="2">
-            <a:schemeClr val="accent1">
-              <a:shade val="50000"/>
-            </a:schemeClr>
-          </a:lnRef>
-          <a:fillRef idx="1">
-            <a:schemeClr val="accent1"/>
-          </a:fillRef>
-          <a:effectRef idx="0">
-            <a:schemeClr val="accent1"/>
-          </a:effectRef>
-          <a:fontRef idx="minor">
-            <a:schemeClr val="lt1"/>
-          </a:fontRef>
-        </p:style>
-        <p:txBody>
-          <a:bodyPr rot="0" spcFirstLastPara="0" vertOverflow="overflow" horzOverflow="overflow" vert="horz" wrap="square" lIns="91440" tIns="45720" rIns="91440" bIns="45720" numCol="1" spcCol="0" rtlCol="0" fromWordArt="0" anchor="ctr" anchorCtr="0" forceAA="0" compatLnSpc="1">
-            <a:prstTxWarp prst="textNoShape">
-              <a:avLst/>
-            </a:prstTxWarp>
-            <a:noAutofit/>
-          </a:bodyPr>
-          <a:lstStyle/>
-          <a:p>
-            <a:pPr algn="ctr"/>
-            <a:endParaRPr lang="en-US" dirty="0"/>
-          </a:p>
-        </p:txBody>
-      </p:sp>
-      <p:sp>
-        <p:nvSpPr>
-          <p:cNvPr id="27" name="TextBox 26"/>
-          <p:cNvSpPr txBox="1"/>
-          <p:nvPr/>
-        </p:nvSpPr>
-        <p:spPr>
-          <a:xfrm>
-            <a:off x="6709718" y="1561188"/>
-            <a:ext cx="296876" cy="369332"/>
-          </a:xfrm>
-          <a:prstGeom prst="rect">
-            <a:avLst/>
-          </a:prstGeom>
-          <a:noFill/>
-        </p:spPr>
-        <p:txBody>
-          <a:bodyPr wrap="none" rtlCol="0">
-            <a:spAutoFit/>
-          </a:bodyPr>
-          <a:lstStyle/>
-          <a:p>
-            <a:r>
-              <a:rPr lang="en-US" dirty="0" smtClean="0"/>
-              <a:t>E</a:t>
-            </a:r>
-            <a:endParaRPr lang="en-US" dirty="0"/>
-          </a:p>
-        </p:txBody>
-      </p:sp>
-      <p:sp>
-        <p:nvSpPr>
-          <p:cNvPr id="29" name="Oval 28"/>
-          <p:cNvSpPr/>
-          <p:nvPr/>
-        </p:nvSpPr>
-        <p:spPr>
-          <a:xfrm>
-            <a:off x="3002094" y="3692160"/>
-            <a:ext cx="172995" cy="172995"/>
-          </a:xfrm>
-          <a:prstGeom prst="ellipse">
-            <a:avLst/>
-          </a:prstGeom>
-          <a:solidFill>
-            <a:srgbClr val="FF0000"/>
-          </a:solidFill>
-          <a:ln>
-            <a:solidFill>
-              <a:srgbClr val="FF0000"/>
-            </a:solidFill>
-          </a:ln>
-        </p:spPr>
-        <p:style>
-          <a:lnRef idx="2">
-            <a:schemeClr val="accent1">
-              <a:shade val="50000"/>
-            </a:schemeClr>
-          </a:lnRef>
-          <a:fillRef idx="1">
-            <a:schemeClr val="accent1"/>
-          </a:fillRef>
-          <a:effectRef idx="0">
-            <a:schemeClr val="accent1"/>
-          </a:effectRef>
-          <a:fontRef idx="minor">
-            <a:schemeClr val="lt1"/>
-          </a:fontRef>
-        </p:style>
-        <p:txBody>
-          <a:bodyPr rtlCol="0" anchor="ctr"/>
-          <a:lstStyle/>
-          <a:p>
-            <a:pPr algn="ctr"/>
-            <a:endParaRPr lang="en-US" dirty="0"/>
-          </a:p>
-        </p:txBody>
-      </p:sp>
-    </p:spTree>
-    <p:extLst>
-      <p:ext uri="{BB962C8B-B14F-4D97-AF65-F5344CB8AC3E}">
-        <p14:creationId xmlns:p14="http://schemas.microsoft.com/office/powerpoint/2010/main" val="2706296718"/>
-      </p:ext>
-    </p:extLst>
-  </p:cSld>
-  <p:clrMapOvr>
-    <a:masterClrMapping/>
-  </p:clrMapOvr>
-</p:sld>
-</file>
-
-<file path=ppt/slides/slide25.xml><?xml version="1.0" encoding="utf-8"?>
-<p:sld xmlns:a="http://schemas.openxmlformats.org/drawingml/2006/main" xmlns:r="http://schemas.openxmlformats.org/officeDocument/2006/relationships" xmlns:p="http://schemas.openxmlformats.org/presentationml/2006/main">
-  <p:cSld>
-    <p:spTree>
-      <p:nvGrpSpPr>
-        <p:cNvPr id="1" name=""/>
-        <p:cNvGrpSpPr/>
-        <p:nvPr/>
-      </p:nvGrpSpPr>
-      <p:grpSpPr>
-        <a:xfrm>
-          <a:off x="0" y="0"/>
-          <a:ext cx="0" cy="0"/>
-          <a:chOff x="0" y="0"/>
-          <a:chExt cx="0" cy="0"/>
-        </a:xfrm>
-      </p:grpSpPr>
-      <p:cxnSp>
-        <p:nvCxnSpPr>
           <p:cNvPr id="9" name="Straight Connector 8"/>
           <p:cNvCxnSpPr/>
           <p:nvPr/>
@@ -13509,7 +16961,7 @@
 </p:sld>
 </file>
 
-<file path=ppt/slides/slide26.xml><?xml version="1.0" encoding="utf-8"?>
+<file path=ppt/slides/slide25.xml><?xml version="1.0" encoding="utf-8"?>
 <p:sld xmlns:a="http://schemas.openxmlformats.org/drawingml/2006/main" xmlns:r="http://schemas.openxmlformats.org/officeDocument/2006/relationships" xmlns:p="http://schemas.openxmlformats.org/presentationml/2006/main">
   <p:cSld>
     <p:spTree>
@@ -14311,7 +17763,6 @@
               <a:rPr lang="en-US" sz="2800" dirty="0"/>
               <a:t>- Auto detect and notify at each motorbike turn.</a:t>
             </a:r>
-            <a:endParaRPr lang="en-US" sz="2800" dirty="0"/>
           </a:p>
         </p:txBody>
       </p:sp>
@@ -14325,13 +17776,6 @@
   <p:clrMapOvr>
     <a:masterClrMapping/>
   </p:clrMapOvr>
-  <p:timing>
-    <p:tnLst>
-      <p:par>
-        <p:cTn id="1" dur="indefinite" restart="never" nodeType="tmRoot"/>
-      </p:par>
-    </p:tnLst>
-  </p:timing>
 </p:sld>
 </file>
 
@@ -14532,11 +17976,6 @@
               </a:rPr>
               <a:t>Distance from point to </a:t>
             </a:r>
-            <a:endParaRPr lang="en-US" sz="5400" dirty="0" smtClean="0">
-              <a:solidFill>
-                <a:schemeClr val="bg1"/>
-              </a:solidFill>
-            </a:endParaRPr>
           </a:p>
           <a:p>
             <a:pPr algn="ctr"/>
@@ -14546,15 +17985,7 @@
                   <a:schemeClr val="bg1"/>
                 </a:solidFill>
               </a:rPr>
-              <a:t>segment </a:t>
-            </a:r>
-            <a:r>
-              <a:rPr lang="en-US" sz="5400" dirty="0" smtClean="0">
-                <a:solidFill>
-                  <a:schemeClr val="bg1"/>
-                </a:solidFill>
-              </a:rPr>
-              <a:t>algorithm</a:t>
+              <a:t>segment algorithm</a:t>
             </a:r>
             <a:endParaRPr lang="en-US" sz="5400" dirty="0">
               <a:solidFill>
